--- a/docs/리액트 정리.pptx
+++ b/docs/리액트 정리.pptx
@@ -18,16 +18,21 @@
     <p:sldId id="287" r:id="rId12"/>
     <p:sldId id="288" r:id="rId13"/>
     <p:sldId id="300" r:id="rId14"/>
-    <p:sldId id="301" r:id="rId15"/>
-    <p:sldId id="311" r:id="rId16"/>
-    <p:sldId id="302" r:id="rId17"/>
-    <p:sldId id="303" r:id="rId18"/>
-    <p:sldId id="304" r:id="rId19"/>
-    <p:sldId id="305" r:id="rId20"/>
-    <p:sldId id="306" r:id="rId21"/>
-    <p:sldId id="307" r:id="rId22"/>
-    <p:sldId id="308" r:id="rId23"/>
-    <p:sldId id="309" r:id="rId24"/>
+    <p:sldId id="312" r:id="rId15"/>
+    <p:sldId id="314" r:id="rId16"/>
+    <p:sldId id="315" r:id="rId17"/>
+    <p:sldId id="316" r:id="rId18"/>
+    <p:sldId id="313" r:id="rId19"/>
+    <p:sldId id="301" r:id="rId20"/>
+    <p:sldId id="311" r:id="rId21"/>
+    <p:sldId id="302" r:id="rId22"/>
+    <p:sldId id="303" r:id="rId23"/>
+    <p:sldId id="304" r:id="rId24"/>
+    <p:sldId id="305" r:id="rId25"/>
+    <p:sldId id="306" r:id="rId26"/>
+    <p:sldId id="307" r:id="rId27"/>
+    <p:sldId id="308" r:id="rId28"/>
+    <p:sldId id="309" r:id="rId29"/>
   </p:sldIdLst>
   <p:sldSz cx="12192000" cy="6858000"/>
   <p:notesSz cx="6858000" cy="9144000"/>
@@ -145,13 +150,22 @@
             <p14:sldId id="297"/>
           </p14:sldIdLst>
         </p14:section>
-        <p14:section name="Router" id="{D3B8F5C1-4DA0-417F-9250-393D9E76A54F}">
+        <p14:section name="Router" id="{35446AD6-4C8D-441D-BDBC-2BF72DB029D2}">
           <p14:sldIdLst>
             <p14:sldId id="283"/>
             <p14:sldId id="285"/>
             <p14:sldId id="287"/>
             <p14:sldId id="288"/>
             <p14:sldId id="300"/>
+          </p14:sldIdLst>
+        </p14:section>
+        <p14:section name="Redux" id="{AE5AB8E4-3795-4B17-95EE-54415F1E8BE3}">
+          <p14:sldIdLst>
+            <p14:sldId id="312"/>
+            <p14:sldId id="314"/>
+            <p14:sldId id="315"/>
+            <p14:sldId id="316"/>
+            <p14:sldId id="313"/>
           </p14:sldIdLst>
         </p14:section>
         <p14:section name="기타" id="{03FECB1B-B200-4F52-BFAE-1D31F8AF6067}">
@@ -308,7 +322,7 @@
           <a:p>
             <a:fld id="{4487A7D5-BEB9-4F0F-96DA-B93C3377B38E}" type="datetimeFigureOut">
               <a:rPr lang="ko-KR" altLang="en-US" smtClean="0"/>
-              <a:t>2021-01-15</a:t>
+              <a:t>2021-01-17</a:t>
             </a:fld>
             <a:endParaRPr lang="ko-KR" altLang="en-US"/>
           </a:p>
@@ -478,7 +492,7 @@
           <a:p>
             <a:fld id="{4487A7D5-BEB9-4F0F-96DA-B93C3377B38E}" type="datetimeFigureOut">
               <a:rPr lang="ko-KR" altLang="en-US" smtClean="0"/>
-              <a:t>2021-01-15</a:t>
+              <a:t>2021-01-17</a:t>
             </a:fld>
             <a:endParaRPr lang="ko-KR" altLang="en-US"/>
           </a:p>
@@ -658,7 +672,7 @@
           <a:p>
             <a:fld id="{4487A7D5-BEB9-4F0F-96DA-B93C3377B38E}" type="datetimeFigureOut">
               <a:rPr lang="ko-KR" altLang="en-US" smtClean="0"/>
-              <a:t>2021-01-15</a:t>
+              <a:t>2021-01-17</a:t>
             </a:fld>
             <a:endParaRPr lang="ko-KR" altLang="en-US"/>
           </a:p>
@@ -828,7 +842,7 @@
           <a:p>
             <a:fld id="{4487A7D5-BEB9-4F0F-96DA-B93C3377B38E}" type="datetimeFigureOut">
               <a:rPr lang="ko-KR" altLang="en-US" smtClean="0"/>
-              <a:t>2021-01-15</a:t>
+              <a:t>2021-01-17</a:t>
             </a:fld>
             <a:endParaRPr lang="ko-KR" altLang="en-US"/>
           </a:p>
@@ -1074,7 +1088,7 @@
           <a:p>
             <a:fld id="{4487A7D5-BEB9-4F0F-96DA-B93C3377B38E}" type="datetimeFigureOut">
               <a:rPr lang="ko-KR" altLang="en-US" smtClean="0"/>
-              <a:t>2021-01-15</a:t>
+              <a:t>2021-01-17</a:t>
             </a:fld>
             <a:endParaRPr lang="ko-KR" altLang="en-US"/>
           </a:p>
@@ -1306,7 +1320,7 @@
           <a:p>
             <a:fld id="{4487A7D5-BEB9-4F0F-96DA-B93C3377B38E}" type="datetimeFigureOut">
               <a:rPr lang="ko-KR" altLang="en-US" smtClean="0"/>
-              <a:t>2021-01-15</a:t>
+              <a:t>2021-01-17</a:t>
             </a:fld>
             <a:endParaRPr lang="ko-KR" altLang="en-US"/>
           </a:p>
@@ -1673,7 +1687,7 @@
           <a:p>
             <a:fld id="{4487A7D5-BEB9-4F0F-96DA-B93C3377B38E}" type="datetimeFigureOut">
               <a:rPr lang="ko-KR" altLang="en-US" smtClean="0"/>
-              <a:t>2021-01-15</a:t>
+              <a:t>2021-01-17</a:t>
             </a:fld>
             <a:endParaRPr lang="ko-KR" altLang="en-US"/>
           </a:p>
@@ -1791,7 +1805,7 @@
           <a:p>
             <a:fld id="{4487A7D5-BEB9-4F0F-96DA-B93C3377B38E}" type="datetimeFigureOut">
               <a:rPr lang="ko-KR" altLang="en-US" smtClean="0"/>
-              <a:t>2021-01-15</a:t>
+              <a:t>2021-01-17</a:t>
             </a:fld>
             <a:endParaRPr lang="ko-KR" altLang="en-US"/>
           </a:p>
@@ -1886,7 +1900,7 @@
           <a:p>
             <a:fld id="{4487A7D5-BEB9-4F0F-96DA-B93C3377B38E}" type="datetimeFigureOut">
               <a:rPr lang="ko-KR" altLang="en-US" smtClean="0"/>
-              <a:t>2021-01-15</a:t>
+              <a:t>2021-01-17</a:t>
             </a:fld>
             <a:endParaRPr lang="ko-KR" altLang="en-US"/>
           </a:p>
@@ -2163,7 +2177,7 @@
           <a:p>
             <a:fld id="{4487A7D5-BEB9-4F0F-96DA-B93C3377B38E}" type="datetimeFigureOut">
               <a:rPr lang="ko-KR" altLang="en-US" smtClean="0"/>
-              <a:t>2021-01-15</a:t>
+              <a:t>2021-01-17</a:t>
             </a:fld>
             <a:endParaRPr lang="ko-KR" altLang="en-US"/>
           </a:p>
@@ -2416,7 +2430,7 @@
           <a:p>
             <a:fld id="{4487A7D5-BEB9-4F0F-96DA-B93C3377B38E}" type="datetimeFigureOut">
               <a:rPr lang="ko-KR" altLang="en-US" smtClean="0"/>
-              <a:t>2021-01-15</a:t>
+              <a:t>2021-01-17</a:t>
             </a:fld>
             <a:endParaRPr lang="ko-KR" altLang="en-US"/>
           </a:p>
@@ -2629,7 +2643,7 @@
           <a:p>
             <a:fld id="{4487A7D5-BEB9-4F0F-96DA-B93C3377B38E}" type="datetimeFigureOut">
               <a:rPr lang="ko-KR" altLang="en-US" smtClean="0"/>
-              <a:t>2021-01-15</a:t>
+              <a:t>2021-01-17</a:t>
             </a:fld>
             <a:endParaRPr lang="ko-KR" altLang="en-US"/>
           </a:p>
@@ -4373,8 +4387,12 @@
           <a:lstStyle/>
           <a:p>
             <a:r>
-              <a:rPr lang="ko-KR" altLang="en-US" dirty="0" smtClean="0"/>
-              <a:t>기타</a:t>
+              <a:rPr lang="en-US" altLang="ko-KR" dirty="0" smtClean="0"/>
+              <a:t>4. </a:t>
+            </a:r>
+            <a:r>
+              <a:rPr lang="en-US" altLang="ko-KR" dirty="0" err="1" smtClean="0"/>
+              <a:t>Redux</a:t>
             </a:r>
             <a:endParaRPr lang="ko-KR" altLang="en-US" dirty="0"/>
           </a:p>
@@ -4383,7 +4401,7 @@
     </p:spTree>
     <p:extLst>
       <p:ext uri="{BB962C8B-B14F-4D97-AF65-F5344CB8AC3E}">
-        <p14:creationId xmlns:p14="http://schemas.microsoft.com/office/powerpoint/2010/main" val="1611633289"/>
+        <p14:creationId xmlns:p14="http://schemas.microsoft.com/office/powerpoint/2010/main" val="1652093518"/>
       </p:ext>
     </p:extLst>
   </p:cSld>
@@ -4412,14 +4430,14 @@
       </p:grpSpPr>
       <p:sp>
         <p:nvSpPr>
-          <p:cNvPr id="6" name="TextBox 5"/>
+          <p:cNvPr id="5" name="TextBox 4"/>
           <p:cNvSpPr txBox="1"/>
           <p:nvPr/>
         </p:nvSpPr>
         <p:spPr>
           <a:xfrm>
-            <a:off x="6740724" y="897468"/>
-            <a:ext cx="4394130" cy="923330"/>
+            <a:off x="163044" y="200921"/>
+            <a:ext cx="10008295" cy="461665"/>
           </a:xfrm>
           <a:prstGeom prst="rect">
             <a:avLst/>
@@ -4432,57 +4450,32 @@
           </a:bodyPr>
           <a:lstStyle/>
           <a:p>
-            <a:pPr marL="342900" indent="-342900">
-              <a:buAutoNum type="arabicPeriod"/>
-            </a:pPr>
-            <a:r>
-              <a:rPr lang="ko-KR" altLang="en-US" dirty="0" smtClean="0"/>
-              <a:t>프로젝트 루트 폴더에 </a:t>
-            </a:r>
-            <a:r>
-              <a:rPr lang="en-US" altLang="ko-KR" dirty="0" err="1" smtClean="0"/>
-              <a:t>jsconfig.json</a:t>
-            </a:r>
-            <a:r>
-              <a:rPr lang="en-US" altLang="ko-KR" dirty="0" smtClean="0"/>
-              <a:t> </a:t>
-            </a:r>
-            <a:r>
-              <a:rPr lang="ko-KR" altLang="en-US" dirty="0" smtClean="0"/>
-              <a:t>파일 생성</a:t>
-            </a:r>
-            <a:endParaRPr lang="en-US" altLang="ko-KR" dirty="0" smtClean="0"/>
-          </a:p>
-          <a:p>
-            <a:pPr marL="342900" indent="-342900">
-              <a:buAutoNum type="arabicPeriod"/>
-            </a:pPr>
-            <a:r>
-              <a:rPr lang="en-US" altLang="ko-KR" dirty="0" err="1" smtClean="0"/>
-              <a:t>Jsconfig.json</a:t>
-            </a:r>
-            <a:r>
-              <a:rPr lang="en-US" altLang="ko-KR" dirty="0" smtClean="0"/>
-              <a:t> </a:t>
-            </a:r>
-            <a:r>
-              <a:rPr lang="ko-KR" altLang="en-US" dirty="0" smtClean="0"/>
-              <a:t>파일에 아래 내용 추가</a:t>
-            </a:r>
-            <a:endParaRPr lang="ko-KR" altLang="en-US" dirty="0"/>
-          </a:p>
-        </p:txBody>
-      </p:sp>
-      <p:sp>
-        <p:nvSpPr>
-          <p:cNvPr id="7" name="TextBox 6"/>
+            <a:r>
+              <a:rPr lang="en-US" altLang="ko-KR" sz="2400" b="1" dirty="0" smtClean="0"/>
+              <a:t>4.0.0. </a:t>
+            </a:r>
+            <a:r>
+              <a:rPr lang="en-US" altLang="ko-KR" sz="2400" b="1" dirty="0" err="1" smtClean="0"/>
+              <a:t>Redux</a:t>
+            </a:r>
+            <a:r>
+              <a:rPr lang="en-US" altLang="ko-KR" sz="2400" b="1" dirty="0" smtClean="0"/>
+              <a:t>? </a:t>
+            </a:r>
+            <a:endParaRPr lang="ko-KR" altLang="en-US" sz="2400" b="1" dirty="0"/>
+          </a:p>
+        </p:txBody>
+      </p:sp>
+      <p:sp>
+        <p:nvSpPr>
+          <p:cNvPr id="10" name="TextBox 9"/>
           <p:cNvSpPr txBox="1"/>
           <p:nvPr/>
         </p:nvSpPr>
         <p:spPr>
           <a:xfrm>
-            <a:off x="163044" y="200921"/>
-            <a:ext cx="10008295" cy="461665"/>
+            <a:off x="163043" y="732978"/>
+            <a:ext cx="11873785" cy="3416320"/>
           </a:xfrm>
           <a:prstGeom prst="rect">
             <a:avLst/>
@@ -4495,429 +4488,180 @@
           </a:bodyPr>
           <a:lstStyle/>
           <a:p>
-            <a:r>
-              <a:rPr lang="en-US" altLang="ko-KR" sz="2400" b="1" dirty="0" smtClean="0"/>
-              <a:t>1. </a:t>
-            </a:r>
-            <a:r>
-              <a:rPr lang="ko-KR" altLang="en-US" sz="2400" b="1" dirty="0" smtClean="0"/>
-              <a:t>루트 경로 설정</a:t>
-            </a:r>
-            <a:endParaRPr lang="ko-KR" altLang="en-US" sz="2400" b="1" dirty="0"/>
-          </a:p>
-        </p:txBody>
-      </p:sp>
-      <p:sp>
-        <p:nvSpPr>
-          <p:cNvPr id="8" name="TextBox 7"/>
-          <p:cNvSpPr txBox="1"/>
-          <p:nvPr/>
-        </p:nvSpPr>
-        <p:spPr>
-          <a:xfrm>
-            <a:off x="6740724" y="1932709"/>
-            <a:ext cx="4394130" cy="2308324"/>
-          </a:xfrm>
-          <a:prstGeom prst="rect">
-            <a:avLst/>
-          </a:prstGeom>
-          <a:noFill/>
-        </p:spPr>
-        <p:txBody>
-          <a:bodyPr wrap="square" rtlCol="0">
-            <a:spAutoFit/>
-          </a:bodyPr>
-          <a:lstStyle/>
-          <a:p>
+            <a:pPr>
+              <a:lnSpc>
+                <a:spcPct val="150000"/>
+              </a:lnSpc>
+            </a:pPr>
+            <a:r>
+              <a:rPr lang="ko-KR" altLang="en-US" dirty="0" smtClean="0"/>
+              <a:t>자바스크립트를 위한 상태 관리 프레임워크</a:t>
+            </a:r>
+            <a:endParaRPr lang="en-US" altLang="ko-KR" dirty="0" smtClean="0"/>
+          </a:p>
+          <a:p>
+            <a:pPr marL="285750" indent="-285750">
+              <a:lnSpc>
+                <a:spcPct val="150000"/>
+              </a:lnSpc>
+              <a:buFont typeface="Arial" panose="020B0604020202020204" pitchFamily="34" charset="0"/>
+              <a:buChar char="•"/>
+            </a:pPr>
+            <a:r>
+              <a:rPr lang="ko-KR" altLang="en-US" dirty="0" smtClean="0"/>
+              <a:t>컴포넌트 코드로부터 상태 관리 코드를 분리할 수 있다</a:t>
+            </a:r>
+            <a:r>
+              <a:rPr lang="en-US" altLang="ko-KR" dirty="0" smtClean="0"/>
+              <a:t>.</a:t>
+            </a:r>
+          </a:p>
+          <a:p>
+            <a:pPr marL="285750" indent="-285750">
+              <a:lnSpc>
+                <a:spcPct val="150000"/>
+              </a:lnSpc>
+              <a:buFont typeface="Arial" panose="020B0604020202020204" pitchFamily="34" charset="0"/>
+              <a:buChar char="•"/>
+            </a:pPr>
+            <a:r>
+              <a:rPr lang="ko-KR" altLang="en-US" dirty="0" smtClean="0"/>
+              <a:t>서버 </a:t>
+            </a:r>
+            <a:r>
+              <a:rPr lang="ko-KR" altLang="en-US" dirty="0"/>
+              <a:t>렌더링 시</a:t>
+            </a:r>
             <a:r>
               <a:rPr lang="en-US" altLang="ko-KR" dirty="0"/>
-              <a:t>{</a:t>
-            </a:r>
-          </a:p>
-          <a:p>
+              <a:t>, </a:t>
+            </a:r>
+            <a:r>
+              <a:rPr lang="ko-KR" altLang="en-US" dirty="0"/>
+              <a:t>데이터 전달이 간편</a:t>
+            </a:r>
+            <a:endParaRPr lang="en-US" altLang="ko-KR" dirty="0"/>
+          </a:p>
+          <a:p>
+            <a:pPr marL="285750" indent="-285750">
+              <a:lnSpc>
+                <a:spcPct val="150000"/>
+              </a:lnSpc>
+              <a:buFont typeface="Arial" panose="020B0604020202020204" pitchFamily="34" charset="0"/>
+              <a:buChar char="•"/>
+            </a:pPr>
+            <a:r>
+              <a:rPr lang="ko-KR" altLang="en-US" dirty="0" smtClean="0"/>
+              <a:t>로컬 </a:t>
+            </a:r>
+            <a:r>
+              <a:rPr lang="ko-KR" altLang="en-US" dirty="0" err="1"/>
+              <a:t>스토리지에</a:t>
+            </a:r>
+            <a:r>
+              <a:rPr lang="ko-KR" altLang="en-US" dirty="0"/>
+              <a:t> 데이터를 저장</a:t>
+            </a:r>
             <a:r>
               <a:rPr lang="en-US" altLang="ko-KR" dirty="0"/>
-              <a:t>    </a:t>
+              <a:t>, </a:t>
+            </a:r>
+            <a:r>
+              <a:rPr lang="ko-KR" altLang="en-US" dirty="0"/>
+              <a:t>불러오는 코드를 쉽게 작성 가능</a:t>
+            </a:r>
+            <a:endParaRPr lang="en-US" altLang="ko-KR" dirty="0"/>
+          </a:p>
+          <a:p>
+            <a:pPr marL="285750" indent="-285750">
+              <a:lnSpc>
+                <a:spcPct val="150000"/>
+              </a:lnSpc>
+              <a:buFont typeface="Arial" panose="020B0604020202020204" pitchFamily="34" charset="0"/>
+              <a:buChar char="•"/>
+            </a:pPr>
+            <a:r>
+              <a:rPr lang="ko-KR" altLang="en-US" dirty="0" smtClean="0"/>
+              <a:t>같은 상태의 값 </a:t>
             </a:r>
             <a:r>
               <a:rPr lang="en-US" altLang="ko-KR" dirty="0" smtClean="0"/>
-              <a:t>”</a:t>
-            </a:r>
-            <a:r>
-              <a:rPr lang="en-US" altLang="ko-KR" dirty="0" err="1" smtClean="0"/>
-              <a:t>compilerOptions</a:t>
+              <a:t>&gt; </a:t>
+            </a:r>
+            <a:r>
+              <a:rPr lang="ko-KR" altLang="en-US" dirty="0" smtClean="0"/>
+              <a:t>다수 컴포넌트에서 필요로 할 때 좋음</a:t>
+            </a:r>
+            <a:endParaRPr lang="en-US" altLang="ko-KR" dirty="0" smtClean="0"/>
+          </a:p>
+          <a:p>
+            <a:pPr marL="285750" indent="-285750">
+              <a:lnSpc>
+                <a:spcPct val="150000"/>
+              </a:lnSpc>
+              <a:buFont typeface="Arial" panose="020B0604020202020204" pitchFamily="34" charset="0"/>
+              <a:buChar char="•"/>
+            </a:pPr>
+            <a:r>
+              <a:rPr lang="ko-KR" altLang="en-US" dirty="0" smtClean="0"/>
+              <a:t>부모 컴포넌트 </a:t>
             </a:r>
             <a:r>
               <a:rPr lang="en-US" altLang="ko-KR" dirty="0" smtClean="0"/>
-              <a:t>”:</a:t>
-            </a:r>
-            <a:r>
-              <a:rPr lang="en-US" altLang="ko-KR" dirty="0"/>
-              <a:t> {</a:t>
-            </a:r>
-          </a:p>
-          <a:p>
-            <a:r>
-              <a:rPr lang="en-US" altLang="ko-KR" dirty="0"/>
-              <a:t>        </a:t>
-            </a:r>
+              <a:t>&gt; </a:t>
+            </a:r>
+            <a:r>
+              <a:rPr lang="ko-KR" altLang="en-US" dirty="0" smtClean="0"/>
+              <a:t>자식 컴포넌트 상태 값 전달 용이</a:t>
+            </a:r>
+            <a:endParaRPr lang="en-US" altLang="ko-KR" dirty="0" smtClean="0"/>
+          </a:p>
+          <a:p>
+            <a:pPr marL="285750" indent="-285750">
+              <a:lnSpc>
+                <a:spcPct val="150000"/>
+              </a:lnSpc>
+              <a:buFont typeface="Arial" panose="020B0604020202020204" pitchFamily="34" charset="0"/>
+              <a:buChar char="•"/>
+            </a:pPr>
             <a:r>
               <a:rPr lang="en-US" altLang="ko-KR" dirty="0" smtClean="0"/>
-              <a:t>”</a:t>
-            </a:r>
-            <a:r>
-              <a:rPr lang="en-US" altLang="ko-KR" dirty="0" err="1" smtClean="0"/>
-              <a:t>baseUrl</a:t>
+              <a:t>Alert </a:t>
+            </a:r>
+            <a:r>
+              <a:rPr lang="ko-KR" altLang="en-US" dirty="0" smtClean="0"/>
+              <a:t>등과 같은 전역 컴포넌트 상태 값 관리 용이</a:t>
+            </a:r>
+            <a:endParaRPr lang="en-US" altLang="ko-KR" dirty="0" smtClean="0"/>
+          </a:p>
+          <a:p>
+            <a:pPr marL="285750" indent="-285750">
+              <a:lnSpc>
+                <a:spcPct val="150000"/>
+              </a:lnSpc>
+              <a:buFont typeface="Arial" panose="020B0604020202020204" pitchFamily="34" charset="0"/>
+              <a:buChar char="•"/>
+            </a:pPr>
+            <a:r>
+              <a:rPr lang="ko-KR" altLang="en-US" dirty="0" smtClean="0"/>
+              <a:t>페이지 전환 </a:t>
             </a:r>
             <a:r>
               <a:rPr lang="en-US" altLang="ko-KR" dirty="0" smtClean="0"/>
-              <a:t>”:</a:t>
-            </a:r>
-            <a:r>
-              <a:rPr lang="en-US" altLang="ko-KR" dirty="0"/>
-              <a:t> </a:t>
-            </a:r>
-            <a:r>
-              <a:rPr lang="en-US" altLang="ko-KR" dirty="0" smtClean="0"/>
-              <a:t>”.”</a:t>
-            </a:r>
-            <a:endParaRPr lang="en-US" altLang="ko-KR" dirty="0"/>
-          </a:p>
-          <a:p>
-            <a:r>
-              <a:rPr lang="en-US" altLang="ko-KR" dirty="0"/>
-              <a:t>    },</a:t>
-            </a:r>
-          </a:p>
-          <a:p>
-            <a:r>
-              <a:rPr lang="en-US" altLang="ko-KR" dirty="0"/>
-              <a:t>    </a:t>
-            </a:r>
-            <a:r>
-              <a:rPr lang="en-US" altLang="ko-KR" dirty="0" smtClean="0"/>
-              <a:t>”include”:</a:t>
-            </a:r>
-            <a:r>
-              <a:rPr lang="en-US" altLang="ko-KR" dirty="0"/>
-              <a:t> [</a:t>
-            </a:r>
-          </a:p>
-          <a:p>
-            <a:r>
-              <a:rPr lang="en-US" altLang="ko-KR" dirty="0"/>
-              <a:t>        </a:t>
-            </a:r>
-            <a:r>
-              <a:rPr lang="en-US" altLang="ko-KR" dirty="0" smtClean="0"/>
-              <a:t>”</a:t>
-            </a:r>
-            <a:r>
-              <a:rPr lang="en-US" altLang="ko-KR" dirty="0" err="1" smtClean="0"/>
-              <a:t>src</a:t>
-            </a:r>
-            <a:r>
-              <a:rPr lang="en-US" altLang="ko-KR" dirty="0" smtClean="0"/>
-              <a:t>”</a:t>
-            </a:r>
-            <a:endParaRPr lang="en-US" altLang="ko-KR" dirty="0"/>
-          </a:p>
-          <a:p>
-            <a:r>
-              <a:rPr lang="en-US" altLang="ko-KR" dirty="0"/>
-              <a:t>    ]</a:t>
-            </a:r>
-          </a:p>
-          <a:p>
-            <a:r>
-              <a:rPr lang="en-US" altLang="ko-KR" dirty="0"/>
-              <a:t>}</a:t>
-            </a:r>
-          </a:p>
-        </p:txBody>
-      </p:sp>
-      <p:pic>
-        <p:nvPicPr>
-          <p:cNvPr id="9" name="그림 8"/>
-          <p:cNvPicPr>
-            <a:picLocks noChangeAspect="1"/>
-          </p:cNvPicPr>
-          <p:nvPr/>
-        </p:nvPicPr>
-        <p:blipFill>
-          <a:blip r:embed="rId2"/>
-          <a:stretch>
-            <a:fillRect/>
-          </a:stretch>
-        </p:blipFill>
-        <p:spPr>
-          <a:xfrm>
-            <a:off x="290785" y="909937"/>
-            <a:ext cx="6154009" cy="5401429"/>
-          </a:xfrm>
-          <a:prstGeom prst="rect">
-            <a:avLst/>
-          </a:prstGeom>
-        </p:spPr>
-      </p:pic>
-      <p:sp>
-        <p:nvSpPr>
-          <p:cNvPr id="10" name="직사각형 9"/>
-          <p:cNvSpPr/>
-          <p:nvPr/>
-        </p:nvSpPr>
-        <p:spPr>
-          <a:xfrm>
-            <a:off x="299098" y="5178829"/>
-            <a:ext cx="2319411" cy="232756"/>
-          </a:xfrm>
-          <a:prstGeom prst="rect">
-            <a:avLst/>
-          </a:prstGeom>
-          <a:noFill/>
-          <a:ln w="28575">
-            <a:solidFill>
-              <a:srgbClr val="00B0F0"/>
-            </a:solidFill>
-          </a:ln>
-        </p:spPr>
-        <p:style>
-          <a:lnRef idx="2">
-            <a:schemeClr val="accent1">
-              <a:shade val="50000"/>
-            </a:schemeClr>
-          </a:lnRef>
-          <a:fillRef idx="1">
-            <a:schemeClr val="accent1"/>
-          </a:fillRef>
-          <a:effectRef idx="0">
-            <a:schemeClr val="accent1"/>
-          </a:effectRef>
-          <a:fontRef idx="minor">
-            <a:schemeClr val="lt1"/>
-          </a:fontRef>
-        </p:style>
-        <p:txBody>
-          <a:bodyPr rtlCol="0" anchor="ctr"/>
-          <a:lstStyle/>
-          <a:p>
-            <a:pPr algn="ctr"/>
-            <a:endParaRPr lang="ko-KR" altLang="en-US"/>
-          </a:p>
-        </p:txBody>
-      </p:sp>
-      <p:sp>
-        <p:nvSpPr>
-          <p:cNvPr id="11" name="직사각형 10"/>
-          <p:cNvSpPr/>
-          <p:nvPr/>
-        </p:nvSpPr>
-        <p:spPr>
-          <a:xfrm>
-            <a:off x="299098" y="1393831"/>
-            <a:ext cx="2319411" cy="232756"/>
-          </a:xfrm>
-          <a:prstGeom prst="rect">
-            <a:avLst/>
-          </a:prstGeom>
-          <a:noFill/>
-          <a:ln w="28575">
-            <a:solidFill>
-              <a:srgbClr val="00B0F0"/>
-            </a:solidFill>
-          </a:ln>
-        </p:spPr>
-        <p:style>
-          <a:lnRef idx="2">
-            <a:schemeClr val="accent1">
-              <a:shade val="50000"/>
-            </a:schemeClr>
-          </a:lnRef>
-          <a:fillRef idx="1">
-            <a:schemeClr val="accent1"/>
-          </a:fillRef>
-          <a:effectRef idx="0">
-            <a:schemeClr val="accent1"/>
-          </a:effectRef>
-          <a:fontRef idx="minor">
-            <a:schemeClr val="lt1"/>
-          </a:fontRef>
-        </p:style>
-        <p:txBody>
-          <a:bodyPr rtlCol="0" anchor="ctr"/>
-          <a:lstStyle/>
-          <a:p>
-            <a:pPr algn="ctr"/>
-            <a:endParaRPr lang="ko-KR" altLang="en-US"/>
-          </a:p>
-        </p:txBody>
-      </p:sp>
-      <p:cxnSp>
-        <p:nvCxnSpPr>
-          <p:cNvPr id="13" name="직선 화살표 연결선 12"/>
-          <p:cNvCxnSpPr>
-            <a:stCxn id="11" idx="2"/>
-          </p:cNvCxnSpPr>
-          <p:nvPr/>
-        </p:nvCxnSpPr>
-        <p:spPr>
-          <a:xfrm flipH="1">
-            <a:off x="1458803" y="1626587"/>
-            <a:ext cx="1" cy="3552242"/>
-          </a:xfrm>
-          <a:prstGeom prst="straightConnector1">
-            <a:avLst/>
-          </a:prstGeom>
-          <a:ln w="28575">
-            <a:solidFill>
-              <a:srgbClr val="00B0F0"/>
-            </a:solidFill>
-            <a:tailEnd type="triangle"/>
-          </a:ln>
-        </p:spPr>
-        <p:style>
-          <a:lnRef idx="1">
-            <a:schemeClr val="accent1"/>
-          </a:lnRef>
-          <a:fillRef idx="0">
-            <a:schemeClr val="accent1"/>
-          </a:fillRef>
-          <a:effectRef idx="0">
-            <a:schemeClr val="accent1"/>
-          </a:effectRef>
-          <a:fontRef idx="minor">
-            <a:schemeClr val="tx1"/>
-          </a:fontRef>
-        </p:style>
-      </p:cxnSp>
-      <p:sp>
-        <p:nvSpPr>
-          <p:cNvPr id="14" name="직사각형 13"/>
-          <p:cNvSpPr/>
-          <p:nvPr/>
-        </p:nvSpPr>
-        <p:spPr>
-          <a:xfrm>
-            <a:off x="3200401" y="1180408"/>
-            <a:ext cx="1945179" cy="1504603"/>
-          </a:xfrm>
-          <a:prstGeom prst="rect">
-            <a:avLst/>
-          </a:prstGeom>
-          <a:noFill/>
-          <a:ln w="28575">
-            <a:solidFill>
-              <a:srgbClr val="00B0F0"/>
-            </a:solidFill>
-          </a:ln>
-        </p:spPr>
-        <p:style>
-          <a:lnRef idx="2">
-            <a:schemeClr val="accent1">
-              <a:shade val="50000"/>
-            </a:schemeClr>
-          </a:lnRef>
-          <a:fillRef idx="1">
-            <a:schemeClr val="accent1"/>
-          </a:fillRef>
-          <a:effectRef idx="0">
-            <a:schemeClr val="accent1"/>
-          </a:effectRef>
-          <a:fontRef idx="minor">
-            <a:schemeClr val="lt1"/>
-          </a:fontRef>
-        </p:style>
-        <p:txBody>
-          <a:bodyPr rtlCol="0" anchor="ctr"/>
-          <a:lstStyle/>
-          <a:p>
-            <a:pPr algn="ctr"/>
-            <a:endParaRPr lang="ko-KR" altLang="en-US"/>
-          </a:p>
-        </p:txBody>
-      </p:sp>
-      <p:sp>
-        <p:nvSpPr>
-          <p:cNvPr id="16" name="TextBox 15"/>
-          <p:cNvSpPr txBox="1"/>
-          <p:nvPr/>
-        </p:nvSpPr>
-        <p:spPr>
-          <a:xfrm>
-            <a:off x="1396538" y="3248819"/>
-            <a:ext cx="473826" cy="307777"/>
-          </a:xfrm>
-          <a:prstGeom prst="rect">
-            <a:avLst/>
-          </a:prstGeom>
-          <a:noFill/>
-        </p:spPr>
-        <p:txBody>
-          <a:bodyPr wrap="square" rtlCol="0">
-            <a:spAutoFit/>
-          </a:bodyPr>
-          <a:lstStyle/>
-          <a:p>
-            <a:pPr algn="ctr"/>
-            <a:r>
-              <a:rPr lang="ko-KR" altLang="en-US" sz="1400" b="1" dirty="0" smtClean="0">
-                <a:solidFill>
-                  <a:srgbClr val="00B0F0"/>
-                </a:solidFill>
-              </a:rPr>
-              <a:t>①</a:t>
-            </a:r>
-            <a:endParaRPr lang="ko-KR" altLang="en-US" sz="1400" b="1" dirty="0">
-              <a:solidFill>
-                <a:srgbClr val="00B0F0"/>
-              </a:solidFill>
-            </a:endParaRPr>
-          </a:p>
-        </p:txBody>
-      </p:sp>
-      <p:sp>
-        <p:nvSpPr>
-          <p:cNvPr id="17" name="TextBox 16"/>
-          <p:cNvSpPr txBox="1"/>
-          <p:nvPr/>
-        </p:nvSpPr>
-        <p:spPr>
-          <a:xfrm>
-            <a:off x="4832637" y="2647705"/>
-            <a:ext cx="473826" cy="307777"/>
-          </a:xfrm>
-          <a:prstGeom prst="rect">
-            <a:avLst/>
-          </a:prstGeom>
-          <a:noFill/>
-        </p:spPr>
-        <p:txBody>
-          <a:bodyPr wrap="square" rtlCol="0">
-            <a:spAutoFit/>
-          </a:bodyPr>
-          <a:lstStyle/>
-          <a:p>
-            <a:pPr algn="ctr"/>
-            <a:r>
-              <a:rPr lang="ko-KR" altLang="en-US" sz="1400" b="1" dirty="0" smtClean="0">
-                <a:solidFill>
-                  <a:srgbClr val="00B0F0"/>
-                </a:solidFill>
-              </a:rPr>
-              <a:t>②</a:t>
-            </a:r>
-            <a:endParaRPr lang="ko-KR" altLang="en-US" sz="1400" b="1" dirty="0">
-              <a:solidFill>
-                <a:srgbClr val="00B0F0"/>
-              </a:solidFill>
-            </a:endParaRPr>
+              <a:t>&gt; </a:t>
+            </a:r>
+            <a:r>
+              <a:rPr lang="ko-KR" altLang="en-US" dirty="0" smtClean="0"/>
+              <a:t>데이터 변화가 없음</a:t>
+            </a:r>
+            <a:endParaRPr lang="en-US" altLang="ko-KR" dirty="0" smtClean="0"/>
           </a:p>
         </p:txBody>
       </p:sp>
     </p:spTree>
     <p:extLst>
       <p:ext uri="{BB962C8B-B14F-4D97-AF65-F5344CB8AC3E}">
-        <p14:creationId xmlns:p14="http://schemas.microsoft.com/office/powerpoint/2010/main" val="3737818282"/>
+        <p14:creationId xmlns:p14="http://schemas.microsoft.com/office/powerpoint/2010/main" val="547347237"/>
       </p:ext>
     </p:extLst>
   </p:cSld>
@@ -4944,40 +4688,16 @@
           <a:chExt cx="0" cy="0"/>
         </a:xfrm>
       </p:grpSpPr>
-      <p:pic>
-        <p:nvPicPr>
-          <p:cNvPr id="12" name="그림 11"/>
-          <p:cNvPicPr>
-            <a:picLocks noChangeAspect="1"/>
-          </p:cNvPicPr>
-          <p:nvPr/>
-        </p:nvPicPr>
-        <p:blipFill>
-          <a:blip r:embed="rId2"/>
-          <a:stretch>
-            <a:fillRect/>
-          </a:stretch>
-        </p:blipFill>
-        <p:spPr>
-          <a:xfrm>
-            <a:off x="263171" y="782344"/>
-            <a:ext cx="11621507" cy="929721"/>
-          </a:xfrm>
-          <a:prstGeom prst="rect">
-            <a:avLst/>
-          </a:prstGeom>
-        </p:spPr>
-      </p:pic>
-      <p:sp>
-        <p:nvSpPr>
-          <p:cNvPr id="15" name="TextBox 14"/>
+      <p:sp>
+        <p:nvSpPr>
+          <p:cNvPr id="5" name="TextBox 4"/>
           <p:cNvSpPr txBox="1"/>
           <p:nvPr/>
         </p:nvSpPr>
         <p:spPr>
           <a:xfrm>
             <a:off x="163044" y="200921"/>
-            <a:ext cx="11821762" cy="461665"/>
+            <a:ext cx="10008295" cy="461665"/>
           </a:xfrm>
           <a:prstGeom prst="rect">
             <a:avLst/>
@@ -4992,15 +4712,23 @@
           <a:p>
             <a:r>
               <a:rPr lang="en-US" altLang="ko-KR" sz="2400" b="1" dirty="0" smtClean="0"/>
-              <a:t>2. </a:t>
+              <a:t>4.0.1. </a:t>
+            </a:r>
+            <a:r>
+              <a:rPr lang="ko-KR" altLang="en-US" sz="2400" b="1" dirty="0" smtClean="0"/>
+              <a:t>사용시 주의 해야 할 </a:t>
             </a:r>
             <a:r>
               <a:rPr lang="en-US" altLang="ko-KR" sz="2400" b="1" dirty="0" smtClean="0"/>
-              <a:t>yarn </a:t>
+              <a:t>3</a:t>
             </a:r>
             <a:r>
               <a:rPr lang="ko-KR" altLang="en-US" sz="2400" b="1" dirty="0" smtClean="0"/>
-              <a:t>보안 오류</a:t>
+              <a:t>가지</a:t>
+            </a:r>
+            <a:r>
+              <a:rPr lang="en-US" altLang="ko-KR" sz="2400" b="1" dirty="0" smtClean="0"/>
+              <a:t> </a:t>
             </a:r>
             <a:endParaRPr lang="ko-KR" altLang="en-US" sz="2400" b="1" dirty="0"/>
           </a:p>
@@ -5008,60 +4736,14 @@
       </p:sp>
       <p:sp>
         <p:nvSpPr>
-          <p:cNvPr id="18" name="직사각형 17"/>
-          <p:cNvSpPr/>
-          <p:nvPr/>
-        </p:nvSpPr>
-        <p:spPr>
-          <a:xfrm>
-            <a:off x="263171" y="782344"/>
-            <a:ext cx="2278696" cy="157130"/>
-          </a:xfrm>
-          <a:prstGeom prst="rect">
-            <a:avLst/>
-          </a:prstGeom>
-          <a:noFill/>
-          <a:ln w="28575">
-            <a:solidFill>
-              <a:srgbClr val="00B0F0"/>
-            </a:solidFill>
-          </a:ln>
-        </p:spPr>
-        <p:style>
-          <a:lnRef idx="2">
-            <a:schemeClr val="accent1">
-              <a:shade val="50000"/>
-            </a:schemeClr>
-          </a:lnRef>
-          <a:fillRef idx="1">
-            <a:schemeClr val="accent1"/>
-          </a:fillRef>
-          <a:effectRef idx="0">
-            <a:schemeClr val="accent1"/>
-          </a:effectRef>
-          <a:fontRef idx="minor">
-            <a:schemeClr val="lt1"/>
-          </a:fontRef>
-        </p:style>
-        <p:txBody>
-          <a:bodyPr rtlCol="0" anchor="ctr"/>
-          <a:lstStyle/>
-          <a:p>
-            <a:pPr algn="ctr"/>
-            <a:endParaRPr lang="ko-KR" altLang="en-US"/>
-          </a:p>
-        </p:txBody>
-      </p:sp>
-      <p:sp>
-        <p:nvSpPr>
-          <p:cNvPr id="19" name="TextBox 18"/>
+          <p:cNvPr id="10" name="TextBox 9"/>
           <p:cNvSpPr txBox="1"/>
           <p:nvPr/>
         </p:nvSpPr>
         <p:spPr>
           <a:xfrm>
-            <a:off x="163044" y="2037673"/>
-            <a:ext cx="11721634" cy="1477328"/>
+            <a:off x="163043" y="732978"/>
+            <a:ext cx="11873785" cy="1338828"/>
           </a:xfrm>
           <a:prstGeom prst="rect">
             <a:avLst/>
@@ -5074,207 +4756,98 @@
           </a:bodyPr>
           <a:lstStyle/>
           <a:p>
-            <a:pPr algn="just">
+            <a:pPr marL="285750" indent="-285750">
               <a:lnSpc>
                 <a:spcPct val="150000"/>
               </a:lnSpc>
+              <a:buFont typeface="Arial" panose="020B0604020202020204" pitchFamily="34" charset="0"/>
+              <a:buChar char="•"/>
             </a:pPr>
             <a:r>
-              <a:rPr lang="en-US" altLang="ko-KR" sz="1200" dirty="0" smtClean="0"/>
-              <a:t>yarn </a:t>
-            </a:r>
-            <a:r>
-              <a:rPr lang="ko-KR" altLang="en-US" sz="1200" dirty="0" smtClean="0"/>
-              <a:t>실행 시</a:t>
-            </a:r>
-            <a:r>
-              <a:rPr lang="en-US" altLang="ko-KR" sz="1200" dirty="0" smtClean="0"/>
-              <a:t>, </a:t>
-            </a:r>
-            <a:r>
-              <a:rPr lang="ko-KR" altLang="en-US" sz="1200" dirty="0" smtClean="0"/>
-              <a:t>보안 정책의 오류로 실행이 불가함</a:t>
-            </a:r>
-            <a:r>
-              <a:rPr lang="en-US" altLang="ko-KR" sz="1200" dirty="0" smtClean="0"/>
-              <a:t>.</a:t>
-            </a:r>
-          </a:p>
-          <a:p>
-            <a:pPr marL="171450" indent="-171450" algn="just">
-              <a:lnSpc>
-                <a:spcPct val="150000"/>
-              </a:lnSpc>
-              <a:buFont typeface="Wingdings" panose="05000000000000000000" pitchFamily="2" charset="2"/>
-              <a:buChar char="Ø"/>
-            </a:pPr>
-            <a:r>
-              <a:rPr lang="en-US" altLang="ko-KR" sz="1200" dirty="0" smtClean="0"/>
-              <a:t>Power-shell</a:t>
-            </a:r>
-            <a:r>
-              <a:rPr lang="ko-KR" altLang="en-US" sz="1200" dirty="0" smtClean="0"/>
-              <a:t>에서 </a:t>
-            </a:r>
-            <a:r>
-              <a:rPr lang="en-US" altLang="ko-KR" sz="1200" dirty="0" err="1" smtClean="0"/>
-              <a:t>ExecutionPolicy</a:t>
-            </a:r>
-            <a:r>
-              <a:rPr lang="en-US" altLang="ko-KR" sz="1200" dirty="0" smtClean="0"/>
-              <a:t> </a:t>
-            </a:r>
-            <a:r>
-              <a:rPr lang="ko-KR" altLang="en-US" sz="1200" dirty="0" smtClean="0"/>
-              <a:t>명령어를 실행 </a:t>
-            </a:r>
-            <a:endParaRPr lang="en-US" altLang="ko-KR" sz="1200" dirty="0" smtClean="0"/>
-          </a:p>
-          <a:p>
-            <a:pPr marL="171450" indent="-171450" algn="just">
-              <a:lnSpc>
-                <a:spcPct val="150000"/>
-              </a:lnSpc>
-              <a:buFont typeface="Wingdings" panose="05000000000000000000" pitchFamily="2" charset="2"/>
-              <a:buChar char="Ø"/>
-            </a:pPr>
-            <a:r>
-              <a:rPr lang="en-US" altLang="ko-KR" sz="1200" dirty="0" smtClean="0"/>
-              <a:t>Restricted </a:t>
-            </a:r>
-            <a:r>
-              <a:rPr lang="ko-KR" altLang="en-US" sz="1200" dirty="0" smtClean="0"/>
-              <a:t>이 표시 </a:t>
-            </a:r>
-            <a:r>
-              <a:rPr lang="en-US" altLang="ko-KR" sz="1200" dirty="0" smtClean="0"/>
-              <a:t>&gt; </a:t>
-            </a:r>
-            <a:r>
-              <a:rPr lang="ko-KR" altLang="en-US" sz="1200" dirty="0" smtClean="0"/>
-              <a:t>이 정책으로 인하여 </a:t>
-            </a:r>
-            <a:r>
-              <a:rPr lang="en-US" altLang="ko-KR" sz="1200" dirty="0" smtClean="0"/>
-              <a:t>yarn </a:t>
-            </a:r>
-            <a:r>
-              <a:rPr lang="ko-KR" altLang="en-US" sz="1200" dirty="0" smtClean="0"/>
-              <a:t>명령어가 실행이 안됨</a:t>
-            </a:r>
-            <a:r>
-              <a:rPr lang="en-US" altLang="ko-KR" sz="1200" dirty="0" smtClean="0"/>
-              <a:t>.</a:t>
-            </a:r>
-          </a:p>
-          <a:p>
-            <a:pPr marL="171450" indent="-171450" algn="just">
-              <a:lnSpc>
-                <a:spcPct val="150000"/>
-              </a:lnSpc>
-              <a:buFont typeface="Wingdings" panose="05000000000000000000" pitchFamily="2" charset="2"/>
-              <a:buChar char="Ø"/>
-            </a:pPr>
-            <a:r>
-              <a:rPr lang="en-US" altLang="ko-KR" sz="1200" dirty="0" smtClean="0"/>
-              <a:t>yarn </a:t>
-            </a:r>
-            <a:r>
-              <a:rPr lang="ko-KR" altLang="en-US" sz="1200" dirty="0" smtClean="0"/>
-              <a:t>실행을 하기 위해서는 </a:t>
-            </a:r>
-            <a:r>
-              <a:rPr lang="en-US" altLang="ko-KR" sz="1200" dirty="0" smtClean="0"/>
-              <a:t>Set-</a:t>
-            </a:r>
-            <a:r>
-              <a:rPr lang="en-US" altLang="ko-KR" sz="1200" dirty="0" err="1" smtClean="0"/>
-              <a:t>ExecutionPolicy</a:t>
-            </a:r>
-            <a:r>
-              <a:rPr lang="en-US" altLang="ko-KR" sz="1200" dirty="0" smtClean="0"/>
-              <a:t> Unrestricted</a:t>
-            </a:r>
-            <a:r>
-              <a:rPr lang="ko-KR" altLang="en-US" sz="1200" dirty="0"/>
-              <a:t> </a:t>
-            </a:r>
-            <a:r>
-              <a:rPr lang="ko-KR" altLang="en-US" sz="1200" dirty="0" smtClean="0"/>
-              <a:t>로 보안정책을 변경해야 함</a:t>
-            </a:r>
-            <a:r>
-              <a:rPr lang="en-US" altLang="ko-KR" sz="1200" dirty="0" smtClean="0"/>
-              <a:t>.</a:t>
-            </a:r>
-          </a:p>
-          <a:p>
-            <a:pPr algn="just">
-              <a:lnSpc>
-                <a:spcPct val="150000"/>
-              </a:lnSpc>
-            </a:pPr>
-            <a:r>
-              <a:rPr lang="en-US" altLang="ko-KR" sz="1200" dirty="0" smtClean="0"/>
-              <a:t>		    </a:t>
-            </a:r>
-            <a:r>
-              <a:rPr lang="en-US" altLang="ko-KR" sz="1100" b="1" dirty="0" smtClean="0">
+              <a:rPr lang="ko-KR" altLang="en-US" dirty="0" smtClean="0">
                 <a:solidFill>
                   <a:srgbClr val="FF0000"/>
                 </a:solidFill>
               </a:rPr>
-              <a:t>* </a:t>
-            </a:r>
-            <a:r>
-              <a:rPr lang="ko-KR" altLang="en-US" sz="1100" b="1" dirty="0" smtClean="0">
+              <a:t>전체 상태 값 </a:t>
+            </a:r>
+            <a:r>
+              <a:rPr lang="en-US" altLang="ko-KR" dirty="0" smtClean="0">
                 <a:solidFill>
                   <a:srgbClr val="FF0000"/>
                 </a:solidFill>
               </a:rPr>
-              <a:t>참고</a:t>
-            </a:r>
-            <a:r>
-              <a:rPr lang="en-US" altLang="ko-KR" sz="1100" b="1" dirty="0" smtClean="0">
+              <a:t>&gt; </a:t>
+            </a:r>
+            <a:r>
+              <a:rPr lang="ko-KR" altLang="en-US" dirty="0" smtClean="0">
                 <a:solidFill>
                   <a:srgbClr val="FF0000"/>
                 </a:solidFill>
               </a:rPr>
-              <a:t>: </a:t>
-            </a:r>
-            <a:r>
-              <a:rPr lang="ko-KR" altLang="en-US" sz="1100" b="1" dirty="0" smtClean="0">
+              <a:t>하나의 객체에 저장</a:t>
+            </a:r>
+            <a:endParaRPr lang="en-US" altLang="ko-KR" dirty="0" smtClean="0">
+              <a:solidFill>
+                <a:srgbClr val="FF0000"/>
+              </a:solidFill>
+            </a:endParaRPr>
+          </a:p>
+          <a:p>
+            <a:pPr marL="285750" indent="-285750">
+              <a:lnSpc>
+                <a:spcPct val="150000"/>
+              </a:lnSpc>
+              <a:buFont typeface="Arial" panose="020B0604020202020204" pitchFamily="34" charset="0"/>
+              <a:buChar char="•"/>
+            </a:pPr>
+            <a:r>
+              <a:rPr lang="ko-KR" altLang="en-US" dirty="0" smtClean="0">
                 <a:solidFill>
                   <a:srgbClr val="FF0000"/>
                 </a:solidFill>
               </a:rPr>
-              <a:t>보안정책을 변경하기 위해서는 관리자모드로 </a:t>
-            </a:r>
-            <a:r>
-              <a:rPr lang="en-US" altLang="ko-KR" sz="1100" b="1" dirty="0" smtClean="0">
+              <a:t>상태 값은 불변 객체임</a:t>
+            </a:r>
+            <a:endParaRPr lang="en-US" altLang="ko-KR" dirty="0" smtClean="0">
+              <a:solidFill>
+                <a:srgbClr val="FF0000"/>
+              </a:solidFill>
+            </a:endParaRPr>
+          </a:p>
+          <a:p>
+            <a:pPr marL="285750" indent="-285750">
+              <a:lnSpc>
+                <a:spcPct val="150000"/>
+              </a:lnSpc>
+              <a:buFont typeface="Arial" panose="020B0604020202020204" pitchFamily="34" charset="0"/>
+              <a:buChar char="•"/>
+            </a:pPr>
+            <a:r>
+              <a:rPr lang="ko-KR" altLang="en-US" dirty="0" smtClean="0">
                 <a:solidFill>
                   <a:srgbClr val="FF0000"/>
                 </a:solidFill>
               </a:rPr>
-              <a:t>Power-shell</a:t>
-            </a:r>
-            <a:r>
-              <a:rPr lang="ko-KR" altLang="en-US" sz="1100" b="1" dirty="0" smtClean="0">
+              <a:t>상태 값 </a:t>
+            </a:r>
+            <a:r>
+              <a:rPr lang="en-US" altLang="ko-KR" dirty="0" smtClean="0">
                 <a:solidFill>
                   <a:srgbClr val="FF0000"/>
                 </a:solidFill>
               </a:rPr>
-              <a:t>을 실행해야 함</a:t>
-            </a:r>
-            <a:r>
-              <a:rPr lang="en-US" altLang="ko-KR" sz="1100" b="1" dirty="0" smtClean="0">
+              <a:t>&gt; </a:t>
+            </a:r>
+            <a:r>
+              <a:rPr lang="ko-KR" altLang="en-US" dirty="0" smtClean="0">
                 <a:solidFill>
                   <a:srgbClr val="FF0000"/>
                 </a:solidFill>
               </a:rPr>
-              <a:t>.</a:t>
-            </a:r>
-            <a:endParaRPr lang="ko-KR" altLang="en-US" sz="1100" b="1" dirty="0">
+              <a:t>순수한 함수에 의해서만 변경되어야 함</a:t>
+            </a:r>
+            <a:endParaRPr lang="en-US" altLang="ko-KR" dirty="0" smtClean="0">
               <a:solidFill>
                 <a:srgbClr val="FF0000"/>
               </a:solidFill>
@@ -5282,260 +4855,10 @@
           </a:p>
         </p:txBody>
       </p:sp>
-      <p:cxnSp>
-        <p:nvCxnSpPr>
-          <p:cNvPr id="20" name="직선 화살표 연결선 19"/>
-          <p:cNvCxnSpPr>
-            <a:stCxn id="18" idx="2"/>
-          </p:cNvCxnSpPr>
-          <p:nvPr/>
-        </p:nvCxnSpPr>
-        <p:spPr>
-          <a:xfrm>
-            <a:off x="1402519" y="939474"/>
-            <a:ext cx="5141" cy="1107831"/>
-          </a:xfrm>
-          <a:prstGeom prst="straightConnector1">
-            <a:avLst/>
-          </a:prstGeom>
-          <a:ln w="19050">
-            <a:solidFill>
-              <a:srgbClr val="00B0F0"/>
-            </a:solidFill>
-            <a:tailEnd type="triangle"/>
-          </a:ln>
-        </p:spPr>
-        <p:style>
-          <a:lnRef idx="1">
-            <a:schemeClr val="accent1"/>
-          </a:lnRef>
-          <a:fillRef idx="0">
-            <a:schemeClr val="accent1"/>
-          </a:fillRef>
-          <a:effectRef idx="0">
-            <a:schemeClr val="accent1"/>
-          </a:effectRef>
-          <a:fontRef idx="minor">
-            <a:schemeClr val="tx1"/>
-          </a:fontRef>
-        </p:style>
-      </p:cxnSp>
-      <p:pic>
-        <p:nvPicPr>
-          <p:cNvPr id="21" name="그림 20"/>
-          <p:cNvPicPr>
-            <a:picLocks noChangeAspect="1"/>
-          </p:cNvPicPr>
-          <p:nvPr/>
-        </p:nvPicPr>
-        <p:blipFill>
-          <a:blip r:embed="rId3"/>
-          <a:stretch>
-            <a:fillRect/>
-          </a:stretch>
-        </p:blipFill>
-        <p:spPr>
-          <a:xfrm>
-            <a:off x="2306832" y="3542218"/>
-            <a:ext cx="6454699" cy="1844200"/>
-          </a:xfrm>
-          <a:prstGeom prst="rect">
-            <a:avLst/>
-          </a:prstGeom>
-        </p:spPr>
-      </p:pic>
-      <p:pic>
-        <p:nvPicPr>
-          <p:cNvPr id="22" name="그림 21"/>
-          <p:cNvPicPr>
-            <a:picLocks noChangeAspect="1"/>
-          </p:cNvPicPr>
-          <p:nvPr/>
-        </p:nvPicPr>
-        <p:blipFill>
-          <a:blip r:embed="rId4"/>
-          <a:stretch>
-            <a:fillRect/>
-          </a:stretch>
-        </p:blipFill>
-        <p:spPr>
-          <a:xfrm>
-            <a:off x="4089802" y="4597074"/>
-            <a:ext cx="7895004" cy="2225233"/>
-          </a:xfrm>
-          <a:prstGeom prst="rect">
-            <a:avLst/>
-          </a:prstGeom>
-        </p:spPr>
-      </p:pic>
-      <p:sp>
-        <p:nvSpPr>
-          <p:cNvPr id="23" name="직사각형 22"/>
-          <p:cNvSpPr/>
-          <p:nvPr/>
-        </p:nvSpPr>
-        <p:spPr>
-          <a:xfrm>
-            <a:off x="2306832" y="3709052"/>
-            <a:ext cx="6454699" cy="624254"/>
-          </a:xfrm>
-          <a:prstGeom prst="rect">
-            <a:avLst/>
-          </a:prstGeom>
-          <a:noFill/>
-          <a:ln w="38100">
-            <a:solidFill>
-              <a:srgbClr val="00B0F0"/>
-            </a:solidFill>
-          </a:ln>
-        </p:spPr>
-        <p:style>
-          <a:lnRef idx="2">
-            <a:schemeClr val="accent1">
-              <a:shade val="50000"/>
-            </a:schemeClr>
-          </a:lnRef>
-          <a:fillRef idx="1">
-            <a:schemeClr val="accent1"/>
-          </a:fillRef>
-          <a:effectRef idx="0">
-            <a:schemeClr val="accent1"/>
-          </a:effectRef>
-          <a:fontRef idx="minor">
-            <a:schemeClr val="lt1"/>
-          </a:fontRef>
-        </p:style>
-        <p:txBody>
-          <a:bodyPr rtlCol="0" anchor="ctr"/>
-          <a:lstStyle/>
-          <a:p>
-            <a:pPr algn="ctr"/>
-            <a:endParaRPr lang="ko-KR" altLang="en-US"/>
-          </a:p>
-        </p:txBody>
-      </p:sp>
-      <p:sp>
-        <p:nvSpPr>
-          <p:cNvPr id="24" name="직사각형 23"/>
-          <p:cNvSpPr/>
-          <p:nvPr/>
-        </p:nvSpPr>
-        <p:spPr>
-          <a:xfrm>
-            <a:off x="4089802" y="4597074"/>
-            <a:ext cx="7895004" cy="2225233"/>
-          </a:xfrm>
-          <a:prstGeom prst="rect">
-            <a:avLst/>
-          </a:prstGeom>
-          <a:noFill/>
-          <a:ln w="38100">
-            <a:solidFill>
-              <a:srgbClr val="00B0F0"/>
-            </a:solidFill>
-          </a:ln>
-        </p:spPr>
-        <p:style>
-          <a:lnRef idx="2">
-            <a:schemeClr val="accent1">
-              <a:shade val="50000"/>
-            </a:schemeClr>
-          </a:lnRef>
-          <a:fillRef idx="1">
-            <a:schemeClr val="accent1"/>
-          </a:fillRef>
-          <a:effectRef idx="0">
-            <a:schemeClr val="accent1"/>
-          </a:effectRef>
-          <a:fontRef idx="minor">
-            <a:schemeClr val="lt1"/>
-          </a:fontRef>
-        </p:style>
-        <p:txBody>
-          <a:bodyPr rtlCol="0" anchor="ctr"/>
-          <a:lstStyle/>
-          <a:p>
-            <a:pPr algn="ctr"/>
-            <a:endParaRPr lang="ko-KR" altLang="en-US"/>
-          </a:p>
-        </p:txBody>
-      </p:sp>
-      <p:cxnSp>
-        <p:nvCxnSpPr>
-          <p:cNvPr id="25" name="직선 화살표 연결선 24"/>
-          <p:cNvCxnSpPr>
-            <a:stCxn id="23" idx="2"/>
-          </p:cNvCxnSpPr>
-          <p:nvPr/>
-        </p:nvCxnSpPr>
-        <p:spPr>
-          <a:xfrm flipH="1">
-            <a:off x="5534181" y="4333306"/>
-            <a:ext cx="1" cy="263768"/>
-          </a:xfrm>
-          <a:prstGeom prst="straightConnector1">
-            <a:avLst/>
-          </a:prstGeom>
-          <a:ln w="19050">
-            <a:solidFill>
-              <a:srgbClr val="00B0F0"/>
-            </a:solidFill>
-            <a:tailEnd type="triangle"/>
-          </a:ln>
-        </p:spPr>
-        <p:style>
-          <a:lnRef idx="1">
-            <a:schemeClr val="accent1"/>
-          </a:lnRef>
-          <a:fillRef idx="0">
-            <a:schemeClr val="accent1"/>
-          </a:fillRef>
-          <a:effectRef idx="0">
-            <a:schemeClr val="accent1"/>
-          </a:effectRef>
-          <a:fontRef idx="minor">
-            <a:schemeClr val="tx1"/>
-          </a:fontRef>
-        </p:style>
-      </p:cxnSp>
-      <p:sp>
-        <p:nvSpPr>
-          <p:cNvPr id="7" name="TextBox 6"/>
-          <p:cNvSpPr txBox="1"/>
-          <p:nvPr/>
-        </p:nvSpPr>
-        <p:spPr>
-          <a:xfrm>
-            <a:off x="163044" y="200921"/>
-            <a:ext cx="10008295" cy="461665"/>
-          </a:xfrm>
-          <a:prstGeom prst="rect">
-            <a:avLst/>
-          </a:prstGeom>
-          <a:noFill/>
-        </p:spPr>
-        <p:txBody>
-          <a:bodyPr wrap="square" rtlCol="0">
-            <a:spAutoFit/>
-          </a:bodyPr>
-          <a:lstStyle/>
-          <a:p>
-            <a:r>
-              <a:rPr lang="en-US" altLang="ko-KR" sz="2400" b="1" dirty="0"/>
-              <a:t>2. yarn </a:t>
-            </a:r>
-            <a:r>
-              <a:rPr lang="ko-KR" altLang="en-US" sz="2400" b="1" dirty="0"/>
-              <a:t>보안 오류</a:t>
-            </a:r>
-            <a:endParaRPr lang="ko-KR" altLang="en-US" sz="2400" b="1" dirty="0"/>
-          </a:p>
-        </p:txBody>
-      </p:sp>
     </p:spTree>
     <p:extLst>
       <p:ext uri="{BB962C8B-B14F-4D97-AF65-F5344CB8AC3E}">
-        <p14:creationId xmlns:p14="http://schemas.microsoft.com/office/powerpoint/2010/main" val="722635239"/>
+        <p14:creationId xmlns:p14="http://schemas.microsoft.com/office/powerpoint/2010/main" val="2314800223"/>
       </p:ext>
     </p:extLst>
   </p:cSld>
@@ -5562,72 +4885,372 @@
           <a:chExt cx="0" cy="0"/>
         </a:xfrm>
       </p:grpSpPr>
-      <p:sp>
-        <p:nvSpPr>
-          <p:cNvPr id="2" name="제목 1"/>
-          <p:cNvSpPr>
-            <a:spLocks noGrp="1"/>
-          </p:cNvSpPr>
-          <p:nvPr>
-            <p:ph type="ctrTitle"/>
-          </p:nvPr>
-        </p:nvSpPr>
-        <p:spPr/>
-        <p:txBody>
-          <a:bodyPr/>
-          <a:lstStyle/>
-          <a:p>
-            <a:r>
-              <a:rPr lang="en-US" altLang="ko-KR" dirty="0" smtClean="0"/>
-              <a:t>React</a:t>
-            </a:r>
-            <a:endParaRPr lang="ko-KR" altLang="en-US" dirty="0"/>
-          </a:p>
-        </p:txBody>
-      </p:sp>
-      <p:sp>
-        <p:nvSpPr>
-          <p:cNvPr id="3" name="부제목 2"/>
-          <p:cNvSpPr>
-            <a:spLocks noGrp="1"/>
-          </p:cNvSpPr>
-          <p:nvPr>
-            <p:ph type="subTitle" idx="1"/>
-          </p:nvPr>
-        </p:nvSpPr>
-        <p:spPr/>
-        <p:txBody>
-          <a:bodyPr/>
-          <a:lstStyle/>
-          <a:p>
-            <a:r>
-              <a:rPr lang="ko-KR" altLang="en-US" dirty="0" smtClean="0"/>
-              <a:t>기타 </a:t>
-            </a:r>
-            <a:r>
-              <a:rPr lang="en-US" altLang="ko-KR" dirty="0" smtClean="0"/>
-              <a:t>- </a:t>
-            </a:r>
-            <a:r>
-              <a:rPr lang="ko-KR" altLang="en-US" dirty="0" err="1" smtClean="0"/>
-              <a:t>환경별</a:t>
-            </a:r>
-            <a:r>
-              <a:rPr lang="ko-KR" altLang="en-US" dirty="0" smtClean="0"/>
+      <p:pic>
+        <p:nvPicPr>
+          <p:cNvPr id="2" name="그림 1"/>
+          <p:cNvPicPr>
+            <a:picLocks noChangeAspect="1"/>
+          </p:cNvPicPr>
+          <p:nvPr/>
+        </p:nvPicPr>
+        <p:blipFill>
+          <a:blip r:embed="rId2"/>
+          <a:stretch>
+            <a:fillRect/>
+          </a:stretch>
+        </p:blipFill>
+        <p:spPr>
+          <a:xfrm>
+            <a:off x="221235" y="885316"/>
+            <a:ext cx="6952184" cy="1841213"/>
+          </a:xfrm>
+          <a:prstGeom prst="rect">
+            <a:avLst/>
+          </a:prstGeom>
+        </p:spPr>
+      </p:pic>
+      <p:sp>
+        <p:nvSpPr>
+          <p:cNvPr id="5" name="TextBox 4"/>
+          <p:cNvSpPr txBox="1"/>
+          <p:nvPr/>
+        </p:nvSpPr>
+        <p:spPr>
+          <a:xfrm>
+            <a:off x="163044" y="200921"/>
+            <a:ext cx="10008295" cy="461665"/>
+          </a:xfrm>
+          <a:prstGeom prst="rect">
+            <a:avLst/>
+          </a:prstGeom>
+          <a:noFill/>
+        </p:spPr>
+        <p:txBody>
+          <a:bodyPr wrap="square" rtlCol="0">
+            <a:spAutoFit/>
+          </a:bodyPr>
+          <a:lstStyle/>
+          <a:p>
+            <a:r>
+              <a:rPr lang="en-US" altLang="ko-KR" sz="2400" b="1" dirty="0" smtClean="0"/>
+              <a:t>4.0.2. </a:t>
+            </a:r>
+            <a:r>
+              <a:rPr lang="en-US" altLang="ko-KR" sz="2400" b="1" dirty="0" err="1" smtClean="0"/>
+              <a:t>Redux</a:t>
+            </a:r>
+            <a:r>
+              <a:rPr lang="en-US" altLang="ko-KR" sz="2400" b="1" dirty="0" smtClean="0"/>
               <a:t> </a:t>
             </a:r>
             <a:r>
-              <a:rPr lang="ko-KR" altLang="en-US" dirty="0" smtClean="0"/>
-              <a:t>변수 추가 및 사용</a:t>
-            </a:r>
-            <a:endParaRPr lang="ko-KR" altLang="en-US" dirty="0"/>
+              <a:rPr lang="ko-KR" altLang="en-US" sz="2400" b="1" dirty="0" smtClean="0"/>
+              <a:t>설치</a:t>
+            </a:r>
+            <a:endParaRPr lang="ko-KR" altLang="en-US" sz="2400" b="1" dirty="0"/>
+          </a:p>
+        </p:txBody>
+      </p:sp>
+      <p:sp>
+        <p:nvSpPr>
+          <p:cNvPr id="10" name="TextBox 9"/>
+          <p:cNvSpPr txBox="1"/>
+          <p:nvPr/>
+        </p:nvSpPr>
+        <p:spPr>
+          <a:xfrm>
+            <a:off x="7290261" y="811358"/>
+            <a:ext cx="4680065" cy="1200329"/>
+          </a:xfrm>
+          <a:prstGeom prst="rect">
+            <a:avLst/>
+          </a:prstGeom>
+          <a:noFill/>
+        </p:spPr>
+        <p:txBody>
+          <a:bodyPr wrap="square" rtlCol="0">
+            <a:spAutoFit/>
+          </a:bodyPr>
+          <a:lstStyle/>
+          <a:p>
+            <a:pPr>
+              <a:lnSpc>
+                <a:spcPct val="150000"/>
+              </a:lnSpc>
+            </a:pPr>
+            <a:r>
+              <a:rPr lang="en-US" altLang="ko-KR" sz="1200" dirty="0" err="1" smtClean="0"/>
+              <a:t>Redux</a:t>
+            </a:r>
+            <a:r>
+              <a:rPr lang="en-US" altLang="ko-KR" sz="1200" dirty="0" smtClean="0"/>
+              <a:t> </a:t>
+            </a:r>
+            <a:r>
+              <a:rPr lang="ko-KR" altLang="en-US" sz="1200" dirty="0" smtClean="0"/>
+              <a:t>설치 </a:t>
+            </a:r>
+            <a:r>
+              <a:rPr lang="en-US" altLang="ko-KR" sz="1200" dirty="0" smtClean="0"/>
+              <a:t>&gt; </a:t>
+            </a:r>
+            <a:r>
+              <a:rPr lang="en-US" altLang="ko-KR" sz="1200" b="1" dirty="0" smtClean="0"/>
+              <a:t>yarn add </a:t>
+            </a:r>
+            <a:r>
+              <a:rPr lang="en-US" altLang="ko-KR" sz="1200" b="1" dirty="0" err="1" smtClean="0"/>
+              <a:t>redux</a:t>
+            </a:r>
+            <a:r>
+              <a:rPr lang="en-US" altLang="ko-KR" sz="1200" b="1" dirty="0" smtClean="0"/>
+              <a:t> </a:t>
+            </a:r>
+            <a:r>
+              <a:rPr lang="en-US" altLang="ko-KR" sz="1200" b="1" dirty="0" err="1" smtClean="0"/>
+              <a:t>redux-thunk</a:t>
+            </a:r>
+            <a:r>
+              <a:rPr lang="en-US" altLang="ko-KR" sz="1200" b="1" dirty="0" smtClean="0"/>
+              <a:t> react-</a:t>
+            </a:r>
+            <a:r>
+              <a:rPr lang="en-US" altLang="ko-KR" sz="1200" b="1" dirty="0" err="1" smtClean="0"/>
+              <a:t>redux</a:t>
+            </a:r>
+            <a:endParaRPr lang="en-US" altLang="ko-KR" sz="1200" b="1" dirty="0" smtClean="0"/>
+          </a:p>
+          <a:p>
+            <a:pPr>
+              <a:lnSpc>
+                <a:spcPct val="150000"/>
+              </a:lnSpc>
+            </a:pPr>
+            <a:endParaRPr lang="en-US" altLang="ko-KR" sz="1200" b="1" dirty="0"/>
+          </a:p>
+          <a:p>
+            <a:pPr>
+              <a:lnSpc>
+                <a:spcPct val="150000"/>
+              </a:lnSpc>
+            </a:pPr>
+            <a:r>
+              <a:rPr lang="en-US" altLang="ko-KR" sz="1200" b="1" dirty="0" smtClean="0"/>
+              <a:t>* </a:t>
+            </a:r>
+            <a:r>
+              <a:rPr lang="en-US" altLang="ko-KR" sz="1200" b="1" dirty="0" err="1" smtClean="0"/>
+              <a:t>redux-thunk</a:t>
+            </a:r>
+            <a:r>
+              <a:rPr lang="en-US" altLang="ko-KR" sz="1200" b="1" dirty="0" smtClean="0"/>
+              <a:t>?</a:t>
+            </a:r>
+          </a:p>
+          <a:p>
+            <a:pPr>
+              <a:lnSpc>
+                <a:spcPct val="150000"/>
+              </a:lnSpc>
+            </a:pPr>
+            <a:r>
+              <a:rPr lang="en-US" altLang="ko-KR" sz="1200" b="1" dirty="0"/>
+              <a:t>&gt;</a:t>
+            </a:r>
+            <a:endParaRPr lang="en-US" altLang="ko-KR" sz="1200" b="1" dirty="0" smtClean="0"/>
+          </a:p>
+        </p:txBody>
+      </p:sp>
+      <p:sp>
+        <p:nvSpPr>
+          <p:cNvPr id="3" name="직사각형 2"/>
+          <p:cNvSpPr/>
+          <p:nvPr/>
+        </p:nvSpPr>
+        <p:spPr>
+          <a:xfrm>
+            <a:off x="2743199" y="892306"/>
+            <a:ext cx="954127" cy="171723"/>
+          </a:xfrm>
+          <a:prstGeom prst="rect">
+            <a:avLst/>
+          </a:prstGeom>
+          <a:noFill/>
+          <a:ln w="38100">
+            <a:solidFill>
+              <a:srgbClr val="00B0F0"/>
+            </a:solidFill>
+          </a:ln>
+        </p:spPr>
+        <p:style>
+          <a:lnRef idx="2">
+            <a:schemeClr val="accent1">
+              <a:shade val="50000"/>
+            </a:schemeClr>
+          </a:lnRef>
+          <a:fillRef idx="1">
+            <a:schemeClr val="accent1"/>
+          </a:fillRef>
+          <a:effectRef idx="0">
+            <a:schemeClr val="accent1"/>
+          </a:effectRef>
+          <a:fontRef idx="minor">
+            <a:schemeClr val="lt1"/>
+          </a:fontRef>
+        </p:style>
+        <p:txBody>
+          <a:bodyPr rtlCol="0" anchor="ctr"/>
+          <a:lstStyle/>
+          <a:p>
+            <a:pPr algn="ctr"/>
+            <a:endParaRPr lang="ko-KR" altLang="en-US"/>
+          </a:p>
+        </p:txBody>
+      </p:sp>
+      <p:pic>
+        <p:nvPicPr>
+          <p:cNvPr id="4" name="그림 3"/>
+          <p:cNvPicPr>
+            <a:picLocks noChangeAspect="1"/>
+          </p:cNvPicPr>
+          <p:nvPr/>
+        </p:nvPicPr>
+        <p:blipFill>
+          <a:blip r:embed="rId3"/>
+          <a:stretch>
+            <a:fillRect/>
+          </a:stretch>
+        </p:blipFill>
+        <p:spPr>
+          <a:xfrm>
+            <a:off x="221235" y="2787840"/>
+            <a:ext cx="6960962" cy="1816772"/>
+          </a:xfrm>
+          <a:prstGeom prst="rect">
+            <a:avLst/>
+          </a:prstGeom>
+        </p:spPr>
+      </p:pic>
+      <p:sp>
+        <p:nvSpPr>
+          <p:cNvPr id="7" name="직사각형 6"/>
+          <p:cNvSpPr/>
+          <p:nvPr/>
+        </p:nvSpPr>
+        <p:spPr>
+          <a:xfrm>
+            <a:off x="2743199" y="2777768"/>
+            <a:ext cx="1305099" cy="171491"/>
+          </a:xfrm>
+          <a:prstGeom prst="rect">
+            <a:avLst/>
+          </a:prstGeom>
+          <a:noFill/>
+          <a:ln w="38100">
+            <a:solidFill>
+              <a:srgbClr val="00B0F0"/>
+            </a:solidFill>
+          </a:ln>
+        </p:spPr>
+        <p:style>
+          <a:lnRef idx="2">
+            <a:schemeClr val="accent1">
+              <a:shade val="50000"/>
+            </a:schemeClr>
+          </a:lnRef>
+          <a:fillRef idx="1">
+            <a:schemeClr val="accent1"/>
+          </a:fillRef>
+          <a:effectRef idx="0">
+            <a:schemeClr val="accent1"/>
+          </a:effectRef>
+          <a:fontRef idx="minor">
+            <a:schemeClr val="lt1"/>
+          </a:fontRef>
+        </p:style>
+        <p:txBody>
+          <a:bodyPr rtlCol="0" anchor="ctr"/>
+          <a:lstStyle/>
+          <a:p>
+            <a:pPr algn="ctr"/>
+            <a:endParaRPr lang="ko-KR" altLang="en-US"/>
+          </a:p>
+        </p:txBody>
+      </p:sp>
+      <p:pic>
+        <p:nvPicPr>
+          <p:cNvPr id="6" name="그림 5"/>
+          <p:cNvPicPr>
+            <a:picLocks noChangeAspect="1"/>
+          </p:cNvPicPr>
+          <p:nvPr/>
+        </p:nvPicPr>
+        <p:blipFill>
+          <a:blip r:embed="rId4"/>
+          <a:stretch>
+            <a:fillRect/>
+          </a:stretch>
+        </p:blipFill>
+        <p:spPr>
+          <a:xfrm>
+            <a:off x="221235" y="4760694"/>
+            <a:ext cx="6960962" cy="1824920"/>
+          </a:xfrm>
+          <a:prstGeom prst="rect">
+            <a:avLst/>
+          </a:prstGeom>
+        </p:spPr>
+      </p:pic>
+      <p:sp>
+        <p:nvSpPr>
+          <p:cNvPr id="12" name="직사각형 11"/>
+          <p:cNvSpPr/>
+          <p:nvPr/>
+        </p:nvSpPr>
+        <p:spPr>
+          <a:xfrm>
+            <a:off x="2743198" y="4765921"/>
+            <a:ext cx="1305100" cy="180152"/>
+          </a:xfrm>
+          <a:prstGeom prst="rect">
+            <a:avLst/>
+          </a:prstGeom>
+          <a:noFill/>
+          <a:ln w="38100">
+            <a:solidFill>
+              <a:srgbClr val="00B0F0"/>
+            </a:solidFill>
+          </a:ln>
+        </p:spPr>
+        <p:style>
+          <a:lnRef idx="2">
+            <a:schemeClr val="accent1">
+              <a:shade val="50000"/>
+            </a:schemeClr>
+          </a:lnRef>
+          <a:fillRef idx="1">
+            <a:schemeClr val="accent1"/>
+          </a:fillRef>
+          <a:effectRef idx="0">
+            <a:schemeClr val="accent1"/>
+          </a:effectRef>
+          <a:fontRef idx="minor">
+            <a:schemeClr val="lt1"/>
+          </a:fontRef>
+        </p:style>
+        <p:txBody>
+          <a:bodyPr rtlCol="0" anchor="ctr"/>
+          <a:lstStyle/>
+          <a:p>
+            <a:pPr algn="ctr"/>
+            <a:endParaRPr lang="ko-KR" altLang="en-US"/>
           </a:p>
         </p:txBody>
       </p:sp>
     </p:spTree>
     <p:extLst>
       <p:ext uri="{BB962C8B-B14F-4D97-AF65-F5344CB8AC3E}">
-        <p14:creationId xmlns:p14="http://schemas.microsoft.com/office/powerpoint/2010/main" val="2583713192"/>
+        <p14:creationId xmlns:p14="http://schemas.microsoft.com/office/powerpoint/2010/main" val="46913200"/>
       </p:ext>
     </p:extLst>
   </p:cSld>
@@ -5654,51 +5277,9 @@
           <a:chExt cx="0" cy="0"/>
         </a:xfrm>
       </p:grpSpPr>
-      <p:sp>
-        <p:nvSpPr>
-          <p:cNvPr id="5" name="TextBox 4"/>
-          <p:cNvSpPr txBox="1"/>
-          <p:nvPr/>
-        </p:nvSpPr>
-        <p:spPr>
-          <a:xfrm>
-            <a:off x="211015" y="228600"/>
-            <a:ext cx="11764108" cy="369332"/>
-          </a:xfrm>
-          <a:prstGeom prst="rect">
-            <a:avLst/>
-          </a:prstGeom>
-          <a:noFill/>
-        </p:spPr>
-        <p:txBody>
-          <a:bodyPr wrap="square" rtlCol="0">
-            <a:spAutoFit/>
-          </a:bodyPr>
-          <a:lstStyle/>
-          <a:p>
-            <a:r>
-              <a:rPr lang="en-US" altLang="ko-KR" dirty="0" smtClean="0"/>
-              <a:t>1.1. </a:t>
-            </a:r>
-            <a:r>
-              <a:rPr lang="en-US" altLang="ko-KR" dirty="0" err="1" smtClean="0"/>
-              <a:t>dotEnv</a:t>
-            </a:r>
-            <a:r>
-              <a:rPr lang="en-US" altLang="ko-KR" dirty="0" smtClean="0"/>
-              <a:t> </a:t>
-            </a:r>
-            <a:r>
-              <a:rPr lang="ko-KR" altLang="en-US" dirty="0" smtClean="0"/>
-              <a:t>설치</a:t>
-            </a:r>
-            <a:endParaRPr lang="ko-KR" altLang="en-US" dirty="0"/>
-          </a:p>
-        </p:txBody>
-      </p:sp>
       <p:pic>
         <p:nvPicPr>
-          <p:cNvPr id="6" name="그림 5"/>
+          <p:cNvPr id="3" name="그림 2"/>
           <p:cNvPicPr>
             <a:picLocks noChangeAspect="1"/>
           </p:cNvPicPr>
@@ -5712,14 +5293,60 @@
         </p:blipFill>
         <p:spPr>
           <a:xfrm>
-            <a:off x="211015" y="836676"/>
-            <a:ext cx="5692633" cy="1333616"/>
+            <a:off x="163045" y="1087997"/>
+            <a:ext cx="7255820" cy="5427138"/>
           </a:xfrm>
           <a:prstGeom prst="rect">
             <a:avLst/>
           </a:prstGeom>
         </p:spPr>
       </p:pic>
+      <p:sp>
+        <p:nvSpPr>
+          <p:cNvPr id="5" name="TextBox 4"/>
+          <p:cNvSpPr txBox="1"/>
+          <p:nvPr/>
+        </p:nvSpPr>
+        <p:spPr>
+          <a:xfrm>
+            <a:off x="163044" y="200921"/>
+            <a:ext cx="10008295" cy="461665"/>
+          </a:xfrm>
+          <a:prstGeom prst="rect">
+            <a:avLst/>
+          </a:prstGeom>
+          <a:noFill/>
+        </p:spPr>
+        <p:txBody>
+          <a:bodyPr wrap="square" rtlCol="0">
+            <a:spAutoFit/>
+          </a:bodyPr>
+          <a:lstStyle/>
+          <a:p>
+            <a:r>
+              <a:rPr lang="en-US" altLang="ko-KR" sz="2400" b="1" dirty="0" smtClean="0"/>
+              <a:t>3.1. React-router-</a:t>
+            </a:r>
+            <a:r>
+              <a:rPr lang="en-US" altLang="ko-KR" sz="2400" b="1" dirty="0" err="1"/>
+              <a:t>d</a:t>
+            </a:r>
+            <a:r>
+              <a:rPr lang="en-US" altLang="ko-KR" sz="2400" b="1" dirty="0" err="1" smtClean="0"/>
+              <a:t>om</a:t>
+            </a:r>
+            <a:r>
+              <a:rPr lang="en-US" altLang="ko-KR" sz="2400" b="1" dirty="0" smtClean="0"/>
+              <a:t> </a:t>
+            </a:r>
+            <a:r>
+              <a:rPr lang="ko-KR" altLang="en-US" sz="2400" b="1" dirty="0" smtClean="0"/>
+              <a:t>설치</a:t>
+            </a:r>
+            <a:endParaRPr lang="ko-KR" altLang="en-US" sz="2400" b="1" dirty="0"/>
+          </a:p>
+        </p:txBody>
+      </p:sp>
       <p:sp>
         <p:nvSpPr>
           <p:cNvPr id="7" name="직사각형 6"/>
@@ -5728,8 +5355,8 @@
         </p:nvSpPr>
         <p:spPr>
           <a:xfrm>
-            <a:off x="1670539" y="854260"/>
-            <a:ext cx="1081454" cy="288739"/>
+            <a:off x="3956858" y="6159731"/>
+            <a:ext cx="1313412" cy="207818"/>
           </a:xfrm>
           <a:prstGeom prst="rect">
             <a:avLst/>
@@ -5768,14 +5395,14 @@
       </p:sp>
       <p:sp>
         <p:nvSpPr>
-          <p:cNvPr id="8" name="TextBox 7"/>
+          <p:cNvPr id="10" name="TextBox 9"/>
           <p:cNvSpPr txBox="1"/>
           <p:nvPr/>
         </p:nvSpPr>
         <p:spPr>
           <a:xfrm>
-            <a:off x="6093069" y="872615"/>
-            <a:ext cx="5882054" cy="2031325"/>
+            <a:off x="7589519" y="1087997"/>
+            <a:ext cx="4394130" cy="567463"/>
           </a:xfrm>
           <a:prstGeom prst="rect">
             <a:avLst/>
@@ -5794,135 +5421,71 @@
               </a:lnSpc>
             </a:pPr>
             <a:r>
-              <a:rPr lang="ko-KR" altLang="en-US" sz="1200" dirty="0" err="1" smtClean="0"/>
-              <a:t>환경별</a:t>
-            </a:r>
-            <a:r>
-              <a:rPr lang="ko-KR" altLang="en-US" sz="1200" dirty="0" smtClean="0"/>
-              <a:t> 환경변수 </a:t>
-            </a:r>
-            <a:r>
-              <a:rPr lang="en-US" altLang="ko-KR" sz="1200" dirty="0" err="1" smtClean="0"/>
-              <a:t>env</a:t>
-            </a:r>
-            <a:r>
-              <a:rPr lang="en-US" altLang="ko-KR" sz="1200" dirty="0" smtClean="0"/>
-              <a:t> </a:t>
-            </a:r>
-            <a:r>
-              <a:rPr lang="ko-KR" altLang="en-US" sz="1200" dirty="0" smtClean="0"/>
-              <a:t>파일 생성 및 사용 하기 위해</a:t>
-            </a:r>
-            <a:r>
-              <a:rPr lang="en-US" altLang="ko-KR" sz="1200" dirty="0" smtClean="0"/>
-              <a:t> </a:t>
-            </a:r>
-            <a:r>
-              <a:rPr lang="en-US" altLang="ko-KR" sz="1200" dirty="0" err="1" smtClean="0"/>
-              <a:t>dotenv</a:t>
-            </a:r>
-            <a:r>
-              <a:rPr lang="ko-KR" altLang="en-US" sz="1200" dirty="0" smtClean="0"/>
-              <a:t>를 설치한다</a:t>
-            </a:r>
-            <a:r>
-              <a:rPr lang="en-US" altLang="ko-KR" sz="1200" dirty="0" smtClean="0"/>
+              <a:rPr lang="en-US" altLang="ko-KR" sz="1100" dirty="0" smtClean="0"/>
+              <a:t>Router</a:t>
+            </a:r>
+            <a:r>
+              <a:rPr lang="ko-KR" altLang="en-US" sz="1100" dirty="0" smtClean="0"/>
+              <a:t>를 사용하기 위해 </a:t>
+            </a:r>
+            <a:r>
+              <a:rPr lang="en-US" altLang="ko-KR" sz="1100" dirty="0" smtClean="0"/>
+              <a:t>“</a:t>
+            </a:r>
+            <a:r>
+              <a:rPr lang="en-US" altLang="ko-KR" sz="1100" b="1" dirty="0" err="1" smtClean="0"/>
+              <a:t>npm</a:t>
+            </a:r>
+            <a:r>
+              <a:rPr lang="en-US" altLang="ko-KR" sz="1100" b="1" dirty="0" smtClean="0"/>
+              <a:t> install(</a:t>
+            </a:r>
+            <a:r>
+              <a:rPr lang="en-US" altLang="ko-KR" sz="1100" b="1" dirty="0" err="1" smtClean="0"/>
+              <a:t>i</a:t>
+            </a:r>
+            <a:r>
+              <a:rPr lang="en-US" altLang="ko-KR" sz="1100" b="1" dirty="0" smtClean="0"/>
+              <a:t>) react-router-</a:t>
+            </a:r>
+            <a:r>
+              <a:rPr lang="en-US" altLang="ko-KR" sz="1100" b="1" dirty="0" err="1" smtClean="0"/>
+              <a:t>dom</a:t>
+            </a:r>
+            <a:r>
+              <a:rPr lang="en-US" altLang="ko-KR" sz="1100" dirty="0" smtClean="0"/>
+              <a:t>” </a:t>
+            </a:r>
+            <a:r>
+              <a:rPr lang="ko-KR" altLang="en-US" sz="1100" dirty="0" smtClean="0"/>
+              <a:t>명령어를 통해 설치</a:t>
+            </a:r>
+            <a:r>
+              <a:rPr lang="en-US" altLang="ko-KR" sz="1100" dirty="0" smtClean="0"/>
               <a:t>.</a:t>
             </a:r>
-          </a:p>
-          <a:p>
-            <a:pPr algn="just">
-              <a:lnSpc>
-                <a:spcPct val="150000"/>
-              </a:lnSpc>
-            </a:pPr>
-            <a:endParaRPr lang="en-US" altLang="ko-KR" sz="1200" dirty="0"/>
-          </a:p>
-          <a:p>
-            <a:pPr algn="just">
-              <a:lnSpc>
-                <a:spcPct val="150000"/>
-              </a:lnSpc>
-            </a:pPr>
-            <a:r>
-              <a:rPr lang="en-US" altLang="ko-KR" sz="1200" b="1" dirty="0" err="1" smtClean="0"/>
-              <a:t>env</a:t>
-            </a:r>
-            <a:r>
-              <a:rPr lang="en-US" altLang="ko-KR" sz="1200" dirty="0" smtClean="0"/>
-              <a:t> ?</a:t>
-            </a:r>
-          </a:p>
-          <a:p>
-            <a:pPr algn="just">
-              <a:lnSpc>
-                <a:spcPct val="150000"/>
-              </a:lnSpc>
-            </a:pPr>
-            <a:r>
-              <a:rPr lang="ko-KR" altLang="en-US" sz="1200" dirty="0" smtClean="0"/>
-              <a:t>환경변수 </a:t>
-            </a:r>
-            <a:r>
-              <a:rPr lang="ko-KR" altLang="en-US" sz="1200" dirty="0"/>
-              <a:t>파일을 외부에 만들어 포트</a:t>
-            </a:r>
-            <a:r>
-              <a:rPr lang="en-US" altLang="ko-KR" sz="1200" dirty="0"/>
-              <a:t>, API_KEY</a:t>
-            </a:r>
-            <a:r>
-              <a:rPr lang="ko-KR" altLang="en-US" sz="1200" dirty="0"/>
-              <a:t>등</a:t>
-            </a:r>
-            <a:r>
-              <a:rPr lang="en-US" altLang="ko-KR" sz="1200" dirty="0"/>
-              <a:t>.. </a:t>
-            </a:r>
-            <a:r>
-              <a:rPr lang="ko-KR" altLang="en-US" sz="1200" dirty="0"/>
-              <a:t>을 저장시켜 소스코드 내에 하드코딩하지 않고 사용하는 방법이다</a:t>
-            </a:r>
-            <a:r>
-              <a:rPr lang="en-US" altLang="ko-KR" sz="1200" dirty="0"/>
-              <a:t>.</a:t>
-            </a:r>
-          </a:p>
-          <a:p>
-            <a:pPr algn="just">
-              <a:lnSpc>
-                <a:spcPct val="150000"/>
-              </a:lnSpc>
-            </a:pPr>
-            <a:endParaRPr lang="en-US" altLang="ko-KR" sz="1200" dirty="0" smtClean="0"/>
-          </a:p>
-          <a:p>
-            <a:pPr algn="just">
-              <a:lnSpc>
-                <a:spcPct val="150000"/>
-              </a:lnSpc>
-            </a:pPr>
-            <a:endParaRPr lang="ko-KR" altLang="en-US" sz="1200" dirty="0"/>
+            <a:endParaRPr lang="ko-KR" altLang="en-US" sz="1100" dirty="0"/>
           </a:p>
         </p:txBody>
       </p:sp>
       <p:cxnSp>
         <p:nvCxnSpPr>
-          <p:cNvPr id="10" name="직선 화살표 연결선 9"/>
+          <p:cNvPr id="6" name="꺾인 연결선 5"/>
           <p:cNvCxnSpPr>
             <a:stCxn id="7" idx="3"/>
+            <a:endCxn id="10" idx="1"/>
           </p:cNvCxnSpPr>
           <p:nvPr/>
         </p:nvCxnSpPr>
         <p:spPr>
-          <a:xfrm>
-            <a:off x="2751993" y="998630"/>
-            <a:ext cx="3341076" cy="12485"/>
-          </a:xfrm>
-          <a:prstGeom prst="straightConnector1">
-            <a:avLst/>
-          </a:prstGeom>
-          <a:ln w="28575">
+          <a:xfrm flipV="1">
+            <a:off x="5270270" y="1371729"/>
+            <a:ext cx="2319249" cy="4891911"/>
+          </a:xfrm>
+          <a:prstGeom prst="bentConnector3">
+            <a:avLst/>
+          </a:prstGeom>
+          <a:ln w="19050">
             <a:solidFill>
               <a:srgbClr val="00B0F0"/>
             </a:solidFill>
@@ -5947,7 +5510,7 @@
     </p:spTree>
     <p:extLst>
       <p:ext uri="{BB962C8B-B14F-4D97-AF65-F5344CB8AC3E}">
-        <p14:creationId xmlns:p14="http://schemas.microsoft.com/office/powerpoint/2010/main" val="1119437596"/>
+        <p14:creationId xmlns:p14="http://schemas.microsoft.com/office/powerpoint/2010/main" val="3125268494"/>
       </p:ext>
     </p:extLst>
   </p:cSld>
@@ -5974,79 +5537,24 @@
           <a:chExt cx="0" cy="0"/>
         </a:xfrm>
       </p:grpSpPr>
-      <p:pic>
-        <p:nvPicPr>
-          <p:cNvPr id="2" name="그림 1"/>
-          <p:cNvPicPr>
-            <a:picLocks noChangeAspect="1"/>
-          </p:cNvPicPr>
-          <p:nvPr/>
-        </p:nvPicPr>
-        <p:blipFill>
-          <a:blip r:embed="rId2"/>
-          <a:stretch>
-            <a:fillRect/>
-          </a:stretch>
-        </p:blipFill>
-        <p:spPr>
-          <a:xfrm>
-            <a:off x="211015" y="854260"/>
-            <a:ext cx="2270957" cy="3147333"/>
-          </a:xfrm>
-          <a:prstGeom prst="rect">
-            <a:avLst/>
-          </a:prstGeom>
-        </p:spPr>
-      </p:pic>
-      <p:sp>
-        <p:nvSpPr>
-          <p:cNvPr id="5" name="TextBox 4"/>
-          <p:cNvSpPr txBox="1"/>
-          <p:nvPr/>
-        </p:nvSpPr>
-        <p:spPr>
-          <a:xfrm>
-            <a:off x="211015" y="228600"/>
-            <a:ext cx="11764108" cy="369332"/>
-          </a:xfrm>
-          <a:prstGeom prst="rect">
-            <a:avLst/>
-          </a:prstGeom>
-          <a:noFill/>
-        </p:spPr>
-        <p:txBody>
-          <a:bodyPr wrap="square" rtlCol="0">
-            <a:spAutoFit/>
-          </a:bodyPr>
+      <p:sp>
+        <p:nvSpPr>
+          <p:cNvPr id="2" name="제목 1"/>
+          <p:cNvSpPr>
+            <a:spLocks noGrp="1"/>
+          </p:cNvSpPr>
+          <p:nvPr>
+            <p:ph type="ctrTitle"/>
+          </p:nvPr>
+        </p:nvSpPr>
+        <p:spPr/>
+        <p:txBody>
+          <a:bodyPr/>
           <a:lstStyle/>
           <a:p>
             <a:r>
               <a:rPr lang="en-US" altLang="ko-KR" dirty="0" smtClean="0"/>
-              <a:t>1.2. .</a:t>
-            </a:r>
-            <a:r>
-              <a:rPr lang="en-US" altLang="ko-KR" dirty="0" err="1" smtClean="0"/>
-              <a:t>env</a:t>
-            </a:r>
-            <a:r>
-              <a:rPr lang="en-US" altLang="ko-KR" dirty="0" smtClean="0"/>
-              <a:t>.</a:t>
-            </a:r>
-            <a:r>
-              <a:rPr lang="en-US" altLang="ko-KR" dirty="0"/>
-              <a:t>~</a:t>
-            </a:r>
-            <a:r>
-              <a:rPr lang="en-US" altLang="ko-KR" dirty="0" smtClean="0"/>
-              <a:t> (</a:t>
-            </a:r>
-            <a:r>
-              <a:rPr lang="ko-KR" altLang="en-US" dirty="0" err="1" smtClean="0"/>
-              <a:t>파일생성</a:t>
-            </a:r>
-            <a:r>
-              <a:rPr lang="en-US" altLang="ko-KR" dirty="0" smtClean="0"/>
-              <a:t>)</a:t>
+              <a:t>React</a:t>
             </a:r>
             <a:endParaRPr lang="ko-KR" altLang="en-US" dirty="0"/>
           </a:p>
@@ -6054,210 +5562,31 @@
       </p:sp>
       <p:sp>
         <p:nvSpPr>
-          <p:cNvPr id="7" name="직사각형 6"/>
-          <p:cNvSpPr/>
-          <p:nvPr/>
-        </p:nvSpPr>
-        <p:spPr>
-          <a:xfrm>
-            <a:off x="211014" y="3553499"/>
-            <a:ext cx="2270957" cy="448094"/>
-          </a:xfrm>
-          <a:prstGeom prst="rect">
-            <a:avLst/>
-          </a:prstGeom>
-          <a:noFill/>
-          <a:ln w="38100">
-            <a:solidFill>
-              <a:srgbClr val="00B0F0"/>
-            </a:solidFill>
-          </a:ln>
-        </p:spPr>
-        <p:style>
-          <a:lnRef idx="2">
-            <a:schemeClr val="accent1">
-              <a:shade val="50000"/>
-            </a:schemeClr>
-          </a:lnRef>
-          <a:fillRef idx="1">
-            <a:schemeClr val="accent1"/>
-          </a:fillRef>
-          <a:effectRef idx="0">
-            <a:schemeClr val="accent1"/>
-          </a:effectRef>
-          <a:fontRef idx="minor">
-            <a:schemeClr val="lt1"/>
-          </a:fontRef>
-        </p:style>
-        <p:txBody>
-          <a:bodyPr rtlCol="0" anchor="ctr"/>
-          <a:lstStyle/>
-          <a:p>
-            <a:pPr algn="ctr"/>
-            <a:endParaRPr lang="ko-KR" altLang="en-US"/>
-          </a:p>
-        </p:txBody>
-      </p:sp>
-      <p:sp>
-        <p:nvSpPr>
-          <p:cNvPr id="8" name="TextBox 7"/>
-          <p:cNvSpPr txBox="1"/>
-          <p:nvPr/>
-        </p:nvSpPr>
-        <p:spPr>
-          <a:xfrm>
-            <a:off x="6093069" y="872615"/>
-            <a:ext cx="5882054" cy="1200329"/>
-          </a:xfrm>
-          <a:prstGeom prst="rect">
-            <a:avLst/>
-          </a:prstGeom>
-          <a:noFill/>
-        </p:spPr>
-        <p:txBody>
-          <a:bodyPr wrap="square" rtlCol="0">
-            <a:spAutoFit/>
-          </a:bodyPr>
-          <a:lstStyle/>
-          <a:p>
-            <a:pPr algn="just">
-              <a:lnSpc>
-                <a:spcPct val="150000"/>
-              </a:lnSpc>
-            </a:pPr>
-            <a:r>
-              <a:rPr lang="ko-KR" altLang="en-US" sz="1200" dirty="0" smtClean="0"/>
-              <a:t>루트 폴더에 환경에 맞게 </a:t>
-            </a:r>
-            <a:r>
-              <a:rPr lang="en-US" altLang="ko-KR" sz="1200" dirty="0" smtClean="0"/>
-              <a:t>.</a:t>
-            </a:r>
-            <a:r>
-              <a:rPr lang="en-US" altLang="ko-KR" sz="1200" dirty="0" err="1" smtClean="0"/>
-              <a:t>env</a:t>
-            </a:r>
-            <a:r>
-              <a:rPr lang="en-US" altLang="ko-KR" sz="1200" dirty="0" smtClean="0"/>
-              <a:t> </a:t>
-            </a:r>
-            <a:r>
-              <a:rPr lang="ko-KR" altLang="en-US" sz="1200" dirty="0" smtClean="0"/>
-              <a:t>파일 생성</a:t>
-            </a:r>
-            <a:endParaRPr lang="en-US" altLang="ko-KR" sz="1200" dirty="0" smtClean="0"/>
-          </a:p>
-          <a:p>
-            <a:pPr marL="171450" indent="-171450" algn="just">
-              <a:lnSpc>
-                <a:spcPct val="150000"/>
-              </a:lnSpc>
-              <a:buFont typeface="Wingdings" panose="05000000000000000000" pitchFamily="2" charset="2"/>
-              <a:buChar char="Ø"/>
-            </a:pPr>
-            <a:r>
-              <a:rPr lang="ko-KR" altLang="en-US" sz="1200" dirty="0" smtClean="0"/>
-              <a:t>개발일 경우 </a:t>
-            </a:r>
-            <a:r>
-              <a:rPr lang="en-US" altLang="ko-KR" sz="1200" dirty="0" smtClean="0"/>
-              <a:t>.</a:t>
-            </a:r>
-            <a:r>
-              <a:rPr lang="en-US" altLang="ko-KR" sz="1200" dirty="0" err="1" smtClean="0"/>
-              <a:t>env.development</a:t>
-            </a:r>
-            <a:endParaRPr lang="en-US" altLang="ko-KR" sz="1200" dirty="0" smtClean="0"/>
-          </a:p>
-          <a:p>
-            <a:pPr marL="171450" indent="-171450" algn="just">
-              <a:lnSpc>
-                <a:spcPct val="150000"/>
-              </a:lnSpc>
-              <a:buFont typeface="Wingdings" panose="05000000000000000000" pitchFamily="2" charset="2"/>
-              <a:buChar char="Ø"/>
-            </a:pPr>
-            <a:r>
-              <a:rPr lang="ko-KR" altLang="en-US" sz="1200" dirty="0" smtClean="0"/>
-              <a:t>운영일 경우 </a:t>
-            </a:r>
-            <a:r>
-              <a:rPr lang="en-US" altLang="ko-KR" sz="1200" dirty="0" smtClean="0"/>
-              <a:t>.</a:t>
-            </a:r>
-            <a:r>
-              <a:rPr lang="en-US" altLang="ko-KR" sz="1200" dirty="0" err="1" smtClean="0"/>
-              <a:t>env.production</a:t>
-            </a:r>
-            <a:endParaRPr lang="en-US" altLang="ko-KR" sz="1200" dirty="0" smtClean="0"/>
-          </a:p>
-          <a:p>
-            <a:pPr marL="171450" indent="-171450" algn="just">
-              <a:lnSpc>
-                <a:spcPct val="150000"/>
-              </a:lnSpc>
-              <a:buFont typeface="Wingdings" panose="05000000000000000000" pitchFamily="2" charset="2"/>
-              <a:buChar char="Ø"/>
-            </a:pPr>
-            <a:r>
-              <a:rPr lang="ko-KR" altLang="en-US" sz="1200" dirty="0" smtClean="0"/>
-              <a:t>테스트일 경우 </a:t>
-            </a:r>
-            <a:r>
-              <a:rPr lang="en-US" altLang="ko-KR" sz="1200" dirty="0" smtClean="0"/>
-              <a:t>.</a:t>
-            </a:r>
-            <a:r>
-              <a:rPr lang="en-US" altLang="ko-KR" sz="1200" dirty="0" err="1" smtClean="0"/>
-              <a:t>env.test</a:t>
-            </a:r>
-            <a:endParaRPr lang="ko-KR" altLang="en-US" sz="1200" dirty="0"/>
-          </a:p>
-        </p:txBody>
-      </p:sp>
-      <p:cxnSp>
-        <p:nvCxnSpPr>
-          <p:cNvPr id="4" name="꺾인 연결선 3"/>
-          <p:cNvCxnSpPr>
-            <a:stCxn id="7" idx="3"/>
-            <a:endCxn id="8" idx="1"/>
-          </p:cNvCxnSpPr>
-          <p:nvPr/>
-        </p:nvCxnSpPr>
-        <p:spPr>
-          <a:xfrm flipV="1">
-            <a:off x="2481971" y="1472780"/>
-            <a:ext cx="3611098" cy="2304766"/>
-          </a:xfrm>
-          <a:prstGeom prst="bentConnector3">
-            <a:avLst/>
-          </a:prstGeom>
-          <a:ln w="28575">
-            <a:solidFill>
-              <a:srgbClr val="00B0F0"/>
-            </a:solidFill>
-            <a:tailEnd type="triangle"/>
-          </a:ln>
-        </p:spPr>
-        <p:style>
-          <a:lnRef idx="1">
-            <a:schemeClr val="accent1"/>
-          </a:lnRef>
-          <a:fillRef idx="0">
-            <a:schemeClr val="accent1"/>
-          </a:fillRef>
-          <a:effectRef idx="0">
-            <a:schemeClr val="accent1"/>
-          </a:effectRef>
-          <a:fontRef idx="minor">
-            <a:schemeClr val="tx1"/>
-          </a:fontRef>
-        </p:style>
-      </p:cxnSp>
+          <p:cNvPr id="3" name="부제목 2"/>
+          <p:cNvSpPr>
+            <a:spLocks noGrp="1"/>
+          </p:cNvSpPr>
+          <p:nvPr>
+            <p:ph type="subTitle" idx="1"/>
+          </p:nvPr>
+        </p:nvSpPr>
+        <p:spPr/>
+        <p:txBody>
+          <a:bodyPr/>
+          <a:lstStyle/>
+          <a:p>
+            <a:r>
+              <a:rPr lang="ko-KR" altLang="en-US" dirty="0" smtClean="0"/>
+              <a:t>기타</a:t>
+            </a:r>
+            <a:endParaRPr lang="ko-KR" altLang="en-US" dirty="0"/>
+          </a:p>
+        </p:txBody>
+      </p:sp>
     </p:spTree>
     <p:extLst>
       <p:ext uri="{BB962C8B-B14F-4D97-AF65-F5344CB8AC3E}">
-        <p14:creationId xmlns:p14="http://schemas.microsoft.com/office/powerpoint/2010/main" val="3986009625"/>
+        <p14:creationId xmlns:p14="http://schemas.microsoft.com/office/powerpoint/2010/main" val="1611633289"/>
       </p:ext>
     </p:extLst>
   </p:cSld>
@@ -6430,9 +5759,235 @@
           <a:chExt cx="0" cy="0"/>
         </a:xfrm>
       </p:grpSpPr>
+      <p:sp>
+        <p:nvSpPr>
+          <p:cNvPr id="6" name="TextBox 5"/>
+          <p:cNvSpPr txBox="1"/>
+          <p:nvPr/>
+        </p:nvSpPr>
+        <p:spPr>
+          <a:xfrm>
+            <a:off x="6740724" y="897468"/>
+            <a:ext cx="4394130" cy="923330"/>
+          </a:xfrm>
+          <a:prstGeom prst="rect">
+            <a:avLst/>
+          </a:prstGeom>
+          <a:noFill/>
+        </p:spPr>
+        <p:txBody>
+          <a:bodyPr wrap="square" rtlCol="0">
+            <a:spAutoFit/>
+          </a:bodyPr>
+          <a:lstStyle/>
+          <a:p>
+            <a:pPr marL="342900" indent="-342900">
+              <a:buAutoNum type="arabicPeriod"/>
+            </a:pPr>
+            <a:r>
+              <a:rPr lang="ko-KR" altLang="en-US" dirty="0" smtClean="0"/>
+              <a:t>프로젝트 루트 폴더에 </a:t>
+            </a:r>
+            <a:r>
+              <a:rPr lang="en-US" altLang="ko-KR" dirty="0" err="1" smtClean="0"/>
+              <a:t>jsconfig.json</a:t>
+            </a:r>
+            <a:r>
+              <a:rPr lang="en-US" altLang="ko-KR" dirty="0" smtClean="0"/>
+              <a:t> </a:t>
+            </a:r>
+            <a:r>
+              <a:rPr lang="ko-KR" altLang="en-US" dirty="0" smtClean="0"/>
+              <a:t>파일 생성</a:t>
+            </a:r>
+            <a:endParaRPr lang="en-US" altLang="ko-KR" dirty="0" smtClean="0"/>
+          </a:p>
+          <a:p>
+            <a:pPr marL="342900" indent="-342900">
+              <a:buAutoNum type="arabicPeriod"/>
+            </a:pPr>
+            <a:r>
+              <a:rPr lang="en-US" altLang="ko-KR" dirty="0" err="1" smtClean="0"/>
+              <a:t>Jsconfig.json</a:t>
+            </a:r>
+            <a:r>
+              <a:rPr lang="en-US" altLang="ko-KR" dirty="0" smtClean="0"/>
+              <a:t> </a:t>
+            </a:r>
+            <a:r>
+              <a:rPr lang="ko-KR" altLang="en-US" dirty="0" smtClean="0"/>
+              <a:t>파일에 아래 내용 추가</a:t>
+            </a:r>
+            <a:endParaRPr lang="ko-KR" altLang="en-US" dirty="0"/>
+          </a:p>
+        </p:txBody>
+      </p:sp>
+      <p:sp>
+        <p:nvSpPr>
+          <p:cNvPr id="7" name="TextBox 6"/>
+          <p:cNvSpPr txBox="1"/>
+          <p:nvPr/>
+        </p:nvSpPr>
+        <p:spPr>
+          <a:xfrm>
+            <a:off x="163044" y="200921"/>
+            <a:ext cx="10008295" cy="461665"/>
+          </a:xfrm>
+          <a:prstGeom prst="rect">
+            <a:avLst/>
+          </a:prstGeom>
+          <a:noFill/>
+        </p:spPr>
+        <p:txBody>
+          <a:bodyPr wrap="square" rtlCol="0">
+            <a:spAutoFit/>
+          </a:bodyPr>
+          <a:lstStyle/>
+          <a:p>
+            <a:r>
+              <a:rPr lang="en-US" altLang="ko-KR" sz="2400" b="1" dirty="0" smtClean="0"/>
+              <a:t>1. </a:t>
+            </a:r>
+            <a:r>
+              <a:rPr lang="ko-KR" altLang="en-US" sz="2400" b="1" dirty="0" smtClean="0"/>
+              <a:t>루트 경로 설정</a:t>
+            </a:r>
+            <a:endParaRPr lang="ko-KR" altLang="en-US" sz="2400" b="1" dirty="0"/>
+          </a:p>
+        </p:txBody>
+      </p:sp>
+      <p:sp>
+        <p:nvSpPr>
+          <p:cNvPr id="8" name="TextBox 7"/>
+          <p:cNvSpPr txBox="1"/>
+          <p:nvPr/>
+        </p:nvSpPr>
+        <p:spPr>
+          <a:xfrm>
+            <a:off x="6740724" y="1932709"/>
+            <a:ext cx="4394130" cy="2308324"/>
+          </a:xfrm>
+          <a:prstGeom prst="rect">
+            <a:avLst/>
+          </a:prstGeom>
+          <a:noFill/>
+        </p:spPr>
+        <p:txBody>
+          <a:bodyPr wrap="square" rtlCol="0">
+            <a:spAutoFit/>
+          </a:bodyPr>
+          <a:lstStyle/>
+          <a:p>
+            <a:r>
+              <a:rPr lang="en-US" altLang="ko-KR" dirty="0"/>
+              <a:t>{</a:t>
+            </a:r>
+          </a:p>
+          <a:p>
+            <a:r>
+              <a:rPr lang="en-US" altLang="ko-KR" dirty="0"/>
+              <a:t>    </a:t>
+            </a:r>
+            <a:r>
+              <a:rPr lang="en-US" altLang="ko-KR" dirty="0" smtClean="0"/>
+              <a:t>”</a:t>
+            </a:r>
+            <a:r>
+              <a:rPr lang="en-US" altLang="ko-KR" dirty="0" err="1" smtClean="0"/>
+              <a:t>compilerOptions</a:t>
+            </a:r>
+            <a:r>
+              <a:rPr lang="en-US" altLang="ko-KR" dirty="0" smtClean="0"/>
+              <a:t>”:</a:t>
+            </a:r>
+            <a:r>
+              <a:rPr lang="en-US" altLang="ko-KR" dirty="0"/>
+              <a:t> {</a:t>
+            </a:r>
+          </a:p>
+          <a:p>
+            <a:r>
+              <a:rPr lang="en-US" altLang="ko-KR" dirty="0"/>
+              <a:t>        </a:t>
+            </a:r>
+            <a:r>
+              <a:rPr lang="en-US" altLang="ko-KR" dirty="0" smtClean="0"/>
+              <a:t>”</a:t>
+            </a:r>
+            <a:r>
+              <a:rPr lang="en-US" altLang="ko-KR" dirty="0" err="1" smtClean="0"/>
+              <a:t>baseUrl</a:t>
+            </a:r>
+            <a:r>
+              <a:rPr lang="en-US" altLang="ko-KR" dirty="0" smtClean="0"/>
+              <a:t>”:</a:t>
+            </a:r>
+            <a:r>
+              <a:rPr lang="en-US" altLang="ko-KR" dirty="0"/>
+              <a:t> </a:t>
+            </a:r>
+            <a:r>
+              <a:rPr lang="en-US" altLang="ko-KR" dirty="0" smtClean="0"/>
+              <a:t>”.”</a:t>
+            </a:r>
+            <a:endParaRPr lang="en-US" altLang="ko-KR" dirty="0"/>
+          </a:p>
+          <a:p>
+            <a:r>
+              <a:rPr lang="en-US" altLang="ko-KR" dirty="0"/>
+              <a:t>    },</a:t>
+            </a:r>
+          </a:p>
+          <a:p>
+            <a:r>
+              <a:rPr lang="en-US" altLang="ko-KR" dirty="0"/>
+              <a:t>    </a:t>
+            </a:r>
+            <a:r>
+              <a:rPr lang="en-US" altLang="ko-KR" dirty="0" smtClean="0"/>
+              <a:t>”include”:</a:t>
+            </a:r>
+            <a:r>
+              <a:rPr lang="en-US" altLang="ko-KR" dirty="0"/>
+              <a:t> [</a:t>
+            </a:r>
+          </a:p>
+          <a:p>
+            <a:r>
+              <a:rPr lang="en-US" altLang="ko-KR" dirty="0"/>
+              <a:t>        </a:t>
+            </a:r>
+            <a:r>
+              <a:rPr lang="en-US" altLang="ko-KR" dirty="0" smtClean="0"/>
+              <a:t>”</a:t>
+            </a:r>
+            <a:r>
+              <a:rPr lang="en-US" altLang="ko-KR" dirty="0" err="1" smtClean="0"/>
+              <a:t>src</a:t>
+            </a:r>
+            <a:r>
+              <a:rPr lang="en-US" altLang="ko-KR" dirty="0" smtClean="0"/>
+              <a:t>”</a:t>
+            </a:r>
+            <a:endParaRPr lang="en-US" altLang="ko-KR" dirty="0"/>
+          </a:p>
+          <a:p>
+            <a:r>
+              <a:rPr lang="en-US" altLang="ko-KR" dirty="0"/>
+              <a:t>    ]</a:t>
+            </a:r>
+          </a:p>
+          <a:p>
+            <a:r>
+              <a:rPr lang="en-US" altLang="ko-KR" dirty="0"/>
+              <a:t>}</a:t>
+            </a:r>
+          </a:p>
+        </p:txBody>
+      </p:sp>
       <p:pic>
         <p:nvPicPr>
-          <p:cNvPr id="6" name="그림 5"/>
+          <p:cNvPr id="9" name="그림 8"/>
           <p:cNvPicPr>
             <a:picLocks noChangeAspect="1"/>
           </p:cNvPicPr>
@@ -6446,8 +6001,8 @@
         </p:blipFill>
         <p:spPr>
           <a:xfrm>
-            <a:off x="211014" y="854260"/>
-            <a:ext cx="5418290" cy="975445"/>
+            <a:off x="290785" y="909937"/>
+            <a:ext cx="6154009" cy="5401429"/>
           </a:xfrm>
           <a:prstGeom prst="rect">
             <a:avLst/>
@@ -6456,82 +6011,20 @@
       </p:pic>
       <p:sp>
         <p:nvSpPr>
-          <p:cNvPr id="5" name="TextBox 4"/>
-          <p:cNvSpPr txBox="1"/>
-          <p:nvPr/>
-        </p:nvSpPr>
-        <p:spPr>
-          <a:xfrm>
-            <a:off x="211015" y="228600"/>
-            <a:ext cx="11764108" cy="369332"/>
+          <p:cNvPr id="10" name="직사각형 9"/>
+          <p:cNvSpPr/>
+          <p:nvPr/>
+        </p:nvSpPr>
+        <p:spPr>
+          <a:xfrm>
+            <a:off x="299098" y="5178829"/>
+            <a:ext cx="2319411" cy="232756"/>
           </a:xfrm>
           <a:prstGeom prst="rect">
             <a:avLst/>
           </a:prstGeom>
           <a:noFill/>
-        </p:spPr>
-        <p:txBody>
-          <a:bodyPr wrap="square" rtlCol="0">
-            <a:spAutoFit/>
-          </a:bodyPr>
-          <a:lstStyle/>
-          <a:p>
-            <a:r>
-              <a:rPr lang="en-US" altLang="ko-KR" dirty="0" smtClean="0"/>
-              <a:t>1.3. .</a:t>
-            </a:r>
-            <a:r>
-              <a:rPr lang="en-US" altLang="ko-KR" dirty="0" err="1" smtClean="0"/>
-              <a:t>env</a:t>
-            </a:r>
-            <a:r>
-              <a:rPr lang="en-US" altLang="ko-KR" dirty="0" smtClean="0"/>
-              <a:t>.</a:t>
-            </a:r>
-            <a:r>
-              <a:rPr lang="en-US" altLang="ko-KR" dirty="0"/>
-              <a:t>~</a:t>
-            </a:r>
-            <a:r>
-              <a:rPr lang="en-US" altLang="ko-KR" dirty="0" smtClean="0"/>
-              <a:t> </a:t>
-            </a:r>
-            <a:r>
-              <a:rPr lang="ko-KR" altLang="en-US" dirty="0" smtClean="0"/>
-              <a:t>파일 </a:t>
-            </a:r>
-            <a:r>
-              <a:rPr lang="en-US" altLang="ko-KR" dirty="0" smtClean="0"/>
-              <a:t>(</a:t>
-            </a:r>
-            <a:r>
-              <a:rPr lang="ko-KR" altLang="en-US" dirty="0" smtClean="0"/>
-              <a:t>환경변수 설정</a:t>
-            </a:r>
-            <a:r>
-              <a:rPr lang="en-US" altLang="ko-KR" dirty="0" smtClean="0"/>
-              <a:t>)</a:t>
-            </a:r>
-            <a:endParaRPr lang="ko-KR" altLang="en-US" dirty="0"/>
-          </a:p>
-        </p:txBody>
-      </p:sp>
-      <p:sp>
-        <p:nvSpPr>
-          <p:cNvPr id="7" name="직사각형 6"/>
-          <p:cNvSpPr/>
-          <p:nvPr/>
-        </p:nvSpPr>
-        <p:spPr>
-          <a:xfrm>
-            <a:off x="808892" y="1329949"/>
-            <a:ext cx="1960685" cy="235082"/>
-          </a:xfrm>
-          <a:prstGeom prst="rect">
-            <a:avLst/>
-          </a:prstGeom>
-          <a:noFill/>
-          <a:ln w="38100">
+          <a:ln w="28575">
             <a:solidFill>
               <a:srgbClr val="00B0F0"/>
             </a:solidFill>
@@ -6562,16 +6055,64 @@
           </a:p>
         </p:txBody>
       </p:sp>
+      <p:sp>
+        <p:nvSpPr>
+          <p:cNvPr id="11" name="직사각형 10"/>
+          <p:cNvSpPr/>
+          <p:nvPr/>
+        </p:nvSpPr>
+        <p:spPr>
+          <a:xfrm>
+            <a:off x="299098" y="1393831"/>
+            <a:ext cx="2319411" cy="232756"/>
+          </a:xfrm>
+          <a:prstGeom prst="rect">
+            <a:avLst/>
+          </a:prstGeom>
+          <a:noFill/>
+          <a:ln w="28575">
+            <a:solidFill>
+              <a:srgbClr val="00B0F0"/>
+            </a:solidFill>
+          </a:ln>
+        </p:spPr>
+        <p:style>
+          <a:lnRef idx="2">
+            <a:schemeClr val="accent1">
+              <a:shade val="50000"/>
+            </a:schemeClr>
+          </a:lnRef>
+          <a:fillRef idx="1">
+            <a:schemeClr val="accent1"/>
+          </a:fillRef>
+          <a:effectRef idx="0">
+            <a:schemeClr val="accent1"/>
+          </a:effectRef>
+          <a:fontRef idx="minor">
+            <a:schemeClr val="lt1"/>
+          </a:fontRef>
+        </p:style>
+        <p:txBody>
+          <a:bodyPr rtlCol="0" anchor="ctr"/>
+          <a:lstStyle/>
+          <a:p>
+            <a:pPr algn="ctr"/>
+            <a:endParaRPr lang="ko-KR" altLang="en-US"/>
+          </a:p>
+        </p:txBody>
+      </p:sp>
       <p:cxnSp>
         <p:nvCxnSpPr>
-          <p:cNvPr id="9" name="직선 화살표 연결선 8"/>
-          <p:cNvCxnSpPr/>
+          <p:cNvPr id="13" name="직선 화살표 연결선 12"/>
+          <p:cNvCxnSpPr>
+            <a:stCxn id="11" idx="2"/>
+          </p:cNvCxnSpPr>
           <p:nvPr/>
         </p:nvCxnSpPr>
         <p:spPr>
-          <a:xfrm>
-            <a:off x="2751993" y="1435005"/>
-            <a:ext cx="3341076" cy="12485"/>
+          <a:xfrm flipH="1">
+            <a:off x="1458803" y="1626587"/>
+            <a:ext cx="1" cy="3552242"/>
           </a:xfrm>
           <a:prstGeom prst="straightConnector1">
             <a:avLst/>
@@ -6600,14 +6141,60 @@
       </p:cxnSp>
       <p:sp>
         <p:nvSpPr>
-          <p:cNvPr id="10" name="TextBox 9"/>
+          <p:cNvPr id="14" name="직사각형 13"/>
+          <p:cNvSpPr/>
+          <p:nvPr/>
+        </p:nvSpPr>
+        <p:spPr>
+          <a:xfrm>
+            <a:off x="3200401" y="1180408"/>
+            <a:ext cx="1945179" cy="1504603"/>
+          </a:xfrm>
+          <a:prstGeom prst="rect">
+            <a:avLst/>
+          </a:prstGeom>
+          <a:noFill/>
+          <a:ln w="28575">
+            <a:solidFill>
+              <a:srgbClr val="00B0F0"/>
+            </a:solidFill>
+          </a:ln>
+        </p:spPr>
+        <p:style>
+          <a:lnRef idx="2">
+            <a:schemeClr val="accent1">
+              <a:shade val="50000"/>
+            </a:schemeClr>
+          </a:lnRef>
+          <a:fillRef idx="1">
+            <a:schemeClr val="accent1"/>
+          </a:fillRef>
+          <a:effectRef idx="0">
+            <a:schemeClr val="accent1"/>
+          </a:effectRef>
+          <a:fontRef idx="minor">
+            <a:schemeClr val="lt1"/>
+          </a:fontRef>
+        </p:style>
+        <p:txBody>
+          <a:bodyPr rtlCol="0" anchor="ctr"/>
+          <a:lstStyle/>
+          <a:p>
+            <a:pPr algn="ctr"/>
+            <a:endParaRPr lang="ko-KR" altLang="en-US"/>
+          </a:p>
+        </p:txBody>
+      </p:sp>
+      <p:sp>
+        <p:nvSpPr>
+          <p:cNvPr id="16" name="TextBox 15"/>
           <p:cNvSpPr txBox="1"/>
           <p:nvPr/>
         </p:nvSpPr>
         <p:spPr>
           <a:xfrm>
-            <a:off x="6093069" y="1231414"/>
-            <a:ext cx="5882054" cy="333617"/>
+            <a:off x="1396538" y="3248819"/>
+            <a:ext cx="473826" cy="307777"/>
           </a:xfrm>
           <a:prstGeom prst="rect">
             <a:avLst/>
@@ -6620,47 +6207,66 @@
           </a:bodyPr>
           <a:lstStyle/>
           <a:p>
-            <a:pPr algn="just">
-              <a:lnSpc>
-                <a:spcPct val="150000"/>
-              </a:lnSpc>
-            </a:pPr>
-            <a:r>
-              <a:rPr lang="ko-KR" altLang="en-US" sz="1200" dirty="0" err="1" smtClean="0"/>
-              <a:t>환경변수는</a:t>
-            </a:r>
-            <a:r>
-              <a:rPr lang="ko-KR" altLang="en-US" sz="1200" dirty="0" smtClean="0"/>
-              <a:t> </a:t>
-            </a:r>
-            <a:r>
-              <a:rPr lang="en-US" altLang="ko-KR" sz="1200" dirty="0" smtClean="0"/>
-              <a:t>‘REACT_APP_</a:t>
-            </a:r>
-            <a:r>
-              <a:rPr lang="ko-KR" altLang="en-US" sz="1200" dirty="0" err="1" smtClean="0"/>
-              <a:t>환경변수명</a:t>
-            </a:r>
-            <a:r>
-              <a:rPr lang="en-US" altLang="ko-KR" sz="1200" dirty="0" smtClean="0"/>
-              <a:t>’ </a:t>
-            </a:r>
-            <a:r>
-              <a:rPr lang="ko-KR" altLang="en-US" sz="1200" dirty="0" smtClean="0"/>
-              <a:t>형식으로 추가</a:t>
-            </a:r>
-            <a:r>
-              <a:rPr lang="en-US" altLang="ko-KR" sz="1200" dirty="0" smtClean="0"/>
-              <a:t>.</a:t>
-            </a:r>
-            <a:endParaRPr lang="ko-KR" altLang="en-US" sz="1200" dirty="0"/>
+            <a:pPr algn="ctr"/>
+            <a:r>
+              <a:rPr lang="ko-KR" altLang="en-US" sz="1400" b="1" dirty="0" smtClean="0">
+                <a:solidFill>
+                  <a:srgbClr val="00B0F0"/>
+                </a:solidFill>
+              </a:rPr>
+              <a:t>①</a:t>
+            </a:r>
+            <a:endParaRPr lang="ko-KR" altLang="en-US" sz="1400" b="1" dirty="0">
+              <a:solidFill>
+                <a:srgbClr val="00B0F0"/>
+              </a:solidFill>
+            </a:endParaRPr>
+          </a:p>
+        </p:txBody>
+      </p:sp>
+      <p:sp>
+        <p:nvSpPr>
+          <p:cNvPr id="17" name="TextBox 16"/>
+          <p:cNvSpPr txBox="1"/>
+          <p:nvPr/>
+        </p:nvSpPr>
+        <p:spPr>
+          <a:xfrm>
+            <a:off x="4832637" y="2647705"/>
+            <a:ext cx="473826" cy="307777"/>
+          </a:xfrm>
+          <a:prstGeom prst="rect">
+            <a:avLst/>
+          </a:prstGeom>
+          <a:noFill/>
+        </p:spPr>
+        <p:txBody>
+          <a:bodyPr wrap="square" rtlCol="0">
+            <a:spAutoFit/>
+          </a:bodyPr>
+          <a:lstStyle/>
+          <a:p>
+            <a:pPr algn="ctr"/>
+            <a:r>
+              <a:rPr lang="ko-KR" altLang="en-US" sz="1400" b="1" dirty="0" smtClean="0">
+                <a:solidFill>
+                  <a:srgbClr val="00B0F0"/>
+                </a:solidFill>
+              </a:rPr>
+              <a:t>②</a:t>
+            </a:r>
+            <a:endParaRPr lang="ko-KR" altLang="en-US" sz="1400" b="1" dirty="0">
+              <a:solidFill>
+                <a:srgbClr val="00B0F0"/>
+              </a:solidFill>
+            </a:endParaRPr>
           </a:p>
         </p:txBody>
       </p:sp>
     </p:spTree>
     <p:extLst>
       <p:ext uri="{BB962C8B-B14F-4D97-AF65-F5344CB8AC3E}">
-        <p14:creationId xmlns:p14="http://schemas.microsoft.com/office/powerpoint/2010/main" val="3402533285"/>
+        <p14:creationId xmlns:p14="http://schemas.microsoft.com/office/powerpoint/2010/main" val="3737818282"/>
       </p:ext>
     </p:extLst>
   </p:cSld>
@@ -6689,7 +6295,7 @@
       </p:grpSpPr>
       <p:pic>
         <p:nvPicPr>
-          <p:cNvPr id="2" name="그림 1"/>
+          <p:cNvPr id="12" name="그림 11"/>
           <p:cNvPicPr>
             <a:picLocks noChangeAspect="1"/>
           </p:cNvPicPr>
@@ -6703,8 +6309,8 @@
         </p:blipFill>
         <p:spPr>
           <a:xfrm>
-            <a:off x="211015" y="854260"/>
-            <a:ext cx="4595258" cy="4359018"/>
+            <a:off x="263171" y="782344"/>
+            <a:ext cx="11621507" cy="929721"/>
           </a:xfrm>
           <a:prstGeom prst="rect">
             <a:avLst/>
@@ -6713,14 +6319,14 @@
       </p:pic>
       <p:sp>
         <p:nvSpPr>
-          <p:cNvPr id="5" name="TextBox 4"/>
+          <p:cNvPr id="15" name="TextBox 14"/>
           <p:cNvSpPr txBox="1"/>
           <p:nvPr/>
         </p:nvSpPr>
         <p:spPr>
           <a:xfrm>
-            <a:off x="211015" y="228600"/>
-            <a:ext cx="11764108" cy="369332"/>
+            <a:off x="163044" y="200921"/>
+            <a:ext cx="11821762" cy="461665"/>
           </a:xfrm>
           <a:prstGeom prst="rect">
             <a:avLst/>
@@ -6734,33 +6340,33 @@
           <a:lstStyle/>
           <a:p>
             <a:r>
-              <a:rPr lang="en-US" altLang="ko-KR" dirty="0" smtClean="0"/>
-              <a:t>1.4. </a:t>
-            </a:r>
-            <a:r>
-              <a:rPr lang="ko-KR" altLang="en-US" dirty="0" smtClean="0"/>
-              <a:t>추가된 환경 변수 사용</a:t>
-            </a:r>
-            <a:endParaRPr lang="ko-KR" altLang="en-US" dirty="0"/>
-          </a:p>
-        </p:txBody>
-      </p:sp>
-      <p:sp>
-        <p:nvSpPr>
-          <p:cNvPr id="7" name="직사각형 6"/>
+              <a:rPr lang="en-US" altLang="ko-KR" sz="2400" b="1" dirty="0" smtClean="0"/>
+              <a:t>2. yarn </a:t>
+            </a:r>
+            <a:r>
+              <a:rPr lang="ko-KR" altLang="en-US" sz="2400" b="1" dirty="0" smtClean="0"/>
+              <a:t>보안 오류</a:t>
+            </a:r>
+            <a:endParaRPr lang="ko-KR" altLang="en-US" sz="2400" b="1" dirty="0"/>
+          </a:p>
+        </p:txBody>
+      </p:sp>
+      <p:sp>
+        <p:nvSpPr>
+          <p:cNvPr id="18" name="직사각형 17"/>
           <p:cNvSpPr/>
           <p:nvPr/>
         </p:nvSpPr>
         <p:spPr>
           <a:xfrm>
-            <a:off x="791308" y="854260"/>
-            <a:ext cx="1591407" cy="209609"/>
+            <a:off x="263171" y="782344"/>
+            <a:ext cx="2278696" cy="157130"/>
           </a:xfrm>
           <a:prstGeom prst="rect">
             <a:avLst/>
           </a:prstGeom>
           <a:noFill/>
-          <a:ln w="38100">
+          <a:ln w="28575">
             <a:solidFill>
               <a:srgbClr val="00B0F0"/>
             </a:solidFill>
@@ -6793,14 +6399,14 @@
       </p:sp>
       <p:sp>
         <p:nvSpPr>
-          <p:cNvPr id="10" name="TextBox 9"/>
+          <p:cNvPr id="19" name="TextBox 18"/>
           <p:cNvSpPr txBox="1"/>
           <p:nvPr/>
         </p:nvSpPr>
         <p:spPr>
           <a:xfrm>
-            <a:off x="6093069" y="2572104"/>
-            <a:ext cx="5882054" cy="923330"/>
+            <a:off x="163044" y="2037673"/>
+            <a:ext cx="11721634" cy="1477328"/>
           </a:xfrm>
           <a:prstGeom prst="rect">
             <a:avLst/>
@@ -6819,12 +6425,45 @@
               </a:lnSpc>
             </a:pPr>
             <a:r>
+              <a:rPr lang="en-US" altLang="ko-KR" sz="1200" dirty="0" smtClean="0"/>
+              <a:t>yarn </a:t>
+            </a:r>
+            <a:r>
               <a:rPr lang="ko-KR" altLang="en-US" sz="1200" dirty="0" smtClean="0"/>
-              <a:t>① 환경변수 불러오기 위한 </a:t>
+              <a:t>실행 시</a:t>
+            </a:r>
+            <a:r>
+              <a:rPr lang="en-US" altLang="ko-KR" sz="1200" dirty="0" smtClean="0"/>
+              <a:t>, </a:t>
+            </a:r>
+            <a:r>
+              <a:rPr lang="ko-KR" altLang="en-US" sz="1200" dirty="0" smtClean="0"/>
+              <a:t>보안 정책의 오류로 실행이 불가함</a:t>
+            </a:r>
+            <a:r>
+              <a:rPr lang="en-US" altLang="ko-KR" sz="1200" dirty="0" smtClean="0"/>
+              <a:t>.</a:t>
+            </a:r>
+          </a:p>
+          <a:p>
+            <a:pPr marL="171450" indent="-171450" algn="just">
+              <a:lnSpc>
+                <a:spcPct val="150000"/>
+              </a:lnSpc>
+              <a:buFont typeface="Wingdings" panose="05000000000000000000" pitchFamily="2" charset="2"/>
+              <a:buChar char="Ø"/>
+            </a:pPr>
+            <a:r>
+              <a:rPr lang="en-US" altLang="ko-KR" sz="1200" dirty="0" smtClean="0"/>
+              <a:t>Power-shell</a:t>
+            </a:r>
+            <a:r>
+              <a:rPr lang="ko-KR" altLang="en-US" sz="1200" dirty="0" smtClean="0"/>
+              <a:t>에서 </a:t>
             </a:r>
             <a:r>
               <a:rPr lang="en-US" altLang="ko-KR" sz="1200" dirty="0" err="1" smtClean="0"/>
-              <a:t>dotenv</a:t>
+              <a:t>ExecutionPolicy</a:t>
             </a:r>
             <a:r>
               <a:rPr lang="en-US" altLang="ko-KR" sz="1200" dirty="0" smtClean="0"/>
@@ -6832,13 +6471,87 @@
             </a:r>
             <a:r>
               <a:rPr lang="ko-KR" altLang="en-US" sz="1200" dirty="0" smtClean="0"/>
-              <a:t>컴포넌트 </a:t>
-            </a:r>
+              <a:t>명령어를 실행 </a:t>
+            </a:r>
+            <a:endParaRPr lang="en-US" altLang="ko-KR" sz="1200" dirty="0" smtClean="0"/>
+          </a:p>
+          <a:p>
+            <a:pPr marL="171450" indent="-171450" algn="just">
+              <a:lnSpc>
+                <a:spcPct val="150000"/>
+              </a:lnSpc>
+              <a:buFont typeface="Wingdings" panose="05000000000000000000" pitchFamily="2" charset="2"/>
+              <a:buChar char="Ø"/>
+            </a:pPr>
             <a:r>
               <a:rPr lang="en-US" altLang="ko-KR" sz="1200" dirty="0" smtClean="0"/>
-              <a:t>Load</a:t>
-            </a:r>
-            <a:endParaRPr lang="en-US" altLang="ko-KR" sz="1200" dirty="0"/>
+              <a:t>Restricted </a:t>
+            </a:r>
+            <a:r>
+              <a:rPr lang="ko-KR" altLang="en-US" sz="1200" dirty="0" smtClean="0"/>
+              <a:t>이 표시 </a:t>
+            </a:r>
+            <a:r>
+              <a:rPr lang="en-US" altLang="ko-KR" sz="1200" dirty="0" smtClean="0"/>
+              <a:t>&gt; </a:t>
+            </a:r>
+            <a:r>
+              <a:rPr lang="ko-KR" altLang="en-US" sz="1200" dirty="0" smtClean="0"/>
+              <a:t>이 정책으로 인하여 </a:t>
+            </a:r>
+            <a:r>
+              <a:rPr lang="en-US" altLang="ko-KR" sz="1200" dirty="0" smtClean="0"/>
+              <a:t>yarn </a:t>
+            </a:r>
+            <a:r>
+              <a:rPr lang="ko-KR" altLang="en-US" sz="1200" dirty="0" smtClean="0"/>
+              <a:t>명령어가 실행이 안됨</a:t>
+            </a:r>
+            <a:r>
+              <a:rPr lang="en-US" altLang="ko-KR" sz="1200" dirty="0" smtClean="0"/>
+              <a:t>.</a:t>
+            </a:r>
+          </a:p>
+          <a:p>
+            <a:pPr marL="171450" indent="-171450" algn="just">
+              <a:lnSpc>
+                <a:spcPct val="150000"/>
+              </a:lnSpc>
+              <a:buFont typeface="Wingdings" panose="05000000000000000000" pitchFamily="2" charset="2"/>
+              <a:buChar char="Ø"/>
+            </a:pPr>
+            <a:r>
+              <a:rPr lang="en-US" altLang="ko-KR" sz="1200" dirty="0" smtClean="0"/>
+              <a:t>yarn </a:t>
+            </a:r>
+            <a:r>
+              <a:rPr lang="ko-KR" altLang="en-US" sz="1200" dirty="0" smtClean="0"/>
+              <a:t>실행을 하기 위해서는 </a:t>
+            </a:r>
+            <a:r>
+              <a:rPr lang="en-US" altLang="ko-KR" sz="1200" dirty="0" smtClean="0"/>
+              <a:t>Set-</a:t>
+            </a:r>
+            <a:r>
+              <a:rPr lang="en-US" altLang="ko-KR" sz="1200" dirty="0" err="1" smtClean="0"/>
+              <a:t>ExecutionPolicy</a:t>
+            </a:r>
+            <a:r>
+              <a:rPr lang="en-US" altLang="ko-KR" sz="1200" dirty="0" smtClean="0"/>
+              <a:t> Unrestricted</a:t>
+            </a:r>
+            <a:r>
+              <a:rPr lang="ko-KR" altLang="en-US" sz="1200" dirty="0"/>
+              <a:t> </a:t>
+            </a:r>
+            <a:r>
+              <a:rPr lang="ko-KR" altLang="en-US" sz="1200" dirty="0" smtClean="0"/>
+              <a:t>로 보안정책을 변경해야 함</a:t>
+            </a:r>
+            <a:r>
+              <a:rPr lang="en-US" altLang="ko-KR" sz="1200" dirty="0" smtClean="0"/>
+              <a:t>.</a:t>
+            </a:r>
           </a:p>
           <a:p>
             <a:pPr algn="just">
@@ -6847,78 +6560,169 @@
               </a:lnSpc>
             </a:pPr>
             <a:r>
-              <a:rPr lang="ko-KR" altLang="en-US" sz="1200" dirty="0" smtClean="0"/>
-              <a:t>② </a:t>
-            </a:r>
-            <a:r>
-              <a:rPr lang="en-US" altLang="ko-KR" sz="1200" dirty="0" err="1" smtClean="0"/>
-              <a:t>dotenv.config</a:t>
-            </a:r>
-            <a:r>
               <a:rPr lang="en-US" altLang="ko-KR" sz="1200" dirty="0" smtClean="0"/>
-              <a:t>(); &gt; </a:t>
-            </a:r>
-            <a:r>
-              <a:rPr lang="ko-KR" altLang="en-US" sz="1200" dirty="0" smtClean="0"/>
-              <a:t>환경변수 파일 </a:t>
-            </a:r>
-            <a:r>
-              <a:rPr lang="en-US" altLang="ko-KR" sz="1200" dirty="0" smtClean="0"/>
-              <a:t>Load</a:t>
-            </a:r>
-          </a:p>
-          <a:p>
-            <a:pPr algn="just">
-              <a:lnSpc>
-                <a:spcPct val="150000"/>
-              </a:lnSpc>
-            </a:pPr>
-            <a:r>
-              <a:rPr lang="ko-KR" altLang="en-US" sz="1200" dirty="0" smtClean="0"/>
-              <a:t>③ </a:t>
-            </a:r>
-            <a:r>
-              <a:rPr lang="en-US" altLang="ko-KR" sz="1200" dirty="0" err="1" smtClean="0"/>
-              <a:t>process.env</a:t>
-            </a:r>
-            <a:r>
-              <a:rPr lang="en-US" altLang="ko-KR" sz="1200" dirty="0" smtClean="0"/>
+              <a:t>		    </a:t>
+            </a:r>
+            <a:r>
+              <a:rPr lang="en-US" altLang="ko-KR" sz="1100" b="1" dirty="0" smtClean="0">
+                <a:solidFill>
+                  <a:srgbClr val="FF0000"/>
+                </a:solidFill>
+              </a:rPr>
+              <a:t>* </a:t>
+            </a:r>
+            <a:r>
+              <a:rPr lang="ko-KR" altLang="en-US" sz="1100" b="1" dirty="0" smtClean="0">
+                <a:solidFill>
+                  <a:srgbClr val="FF0000"/>
+                </a:solidFill>
+              </a:rPr>
+              <a:t>참고</a:t>
+            </a:r>
+            <a:r>
+              <a:rPr lang="en-US" altLang="ko-KR" sz="1100" b="1" dirty="0" smtClean="0">
+                <a:solidFill>
+                  <a:srgbClr val="FF0000"/>
+                </a:solidFill>
+              </a:rPr>
+              <a:t>: </a:t>
+            </a:r>
+            <a:r>
+              <a:rPr lang="ko-KR" altLang="en-US" sz="1100" b="1" dirty="0" smtClean="0">
+                <a:solidFill>
+                  <a:srgbClr val="FF0000"/>
+                </a:solidFill>
+              </a:rPr>
+              <a:t>보안정책을 변경하기 위해서는 관리자모드로 </a:t>
+            </a:r>
+            <a:r>
+              <a:rPr lang="en-US" altLang="ko-KR" sz="1100" b="1" dirty="0" smtClean="0">
+                <a:solidFill>
+                  <a:srgbClr val="FF0000"/>
+                </a:solidFill>
+              </a:rPr>
+              <a:t>Power-shell</a:t>
+            </a:r>
+            <a:r>
+              <a:rPr lang="ko-KR" altLang="en-US" sz="1100" b="1" dirty="0" smtClean="0">
+                <a:solidFill>
+                  <a:srgbClr val="FF0000"/>
+                </a:solidFill>
+              </a:rPr>
+              <a:t>을 실행해야 함</a:t>
+            </a:r>
+            <a:r>
+              <a:rPr lang="en-US" altLang="ko-KR" sz="1100" b="1" dirty="0" smtClean="0">
+                <a:solidFill>
+                  <a:srgbClr val="FF0000"/>
+                </a:solidFill>
+              </a:rPr>
               <a:t>.</a:t>
             </a:r>
-            <a:r>
-              <a:rPr lang="ko-KR" altLang="en-US" sz="1200" dirty="0" err="1" smtClean="0"/>
-              <a:t>환경변수명</a:t>
-            </a:r>
-            <a:r>
-              <a:rPr lang="ko-KR" altLang="en-US" sz="1200" dirty="0" smtClean="0"/>
-              <a:t> </a:t>
-            </a:r>
-            <a:r>
-              <a:rPr lang="en-US" altLang="ko-KR" sz="1200" dirty="0" smtClean="0"/>
-              <a:t>&gt; </a:t>
-            </a:r>
-            <a:r>
-              <a:rPr lang="ko-KR" altLang="en-US" sz="1200" dirty="0" smtClean="0"/>
-              <a:t>환경변수 </a:t>
-            </a:r>
-            <a:r>
-              <a:rPr lang="en-US" altLang="ko-KR" sz="1200" dirty="0" smtClean="0"/>
-              <a:t>Load</a:t>
-            </a:r>
-            <a:endParaRPr lang="ko-KR" altLang="en-US" sz="1200" dirty="0"/>
-          </a:p>
-        </p:txBody>
-      </p:sp>
-      <p:sp>
-        <p:nvSpPr>
-          <p:cNvPr id="8" name="직사각형 7"/>
+            <a:endParaRPr lang="ko-KR" altLang="en-US" sz="1100" b="1" dirty="0">
+              <a:solidFill>
+                <a:srgbClr val="FF0000"/>
+              </a:solidFill>
+            </a:endParaRPr>
+          </a:p>
+        </p:txBody>
+      </p:sp>
+      <p:cxnSp>
+        <p:nvCxnSpPr>
+          <p:cNvPr id="20" name="직선 화살표 연결선 19"/>
+          <p:cNvCxnSpPr>
+            <a:stCxn id="18" idx="2"/>
+          </p:cNvCxnSpPr>
+          <p:nvPr/>
+        </p:nvCxnSpPr>
+        <p:spPr>
+          <a:xfrm>
+            <a:off x="1402519" y="939474"/>
+            <a:ext cx="5141" cy="1107831"/>
+          </a:xfrm>
+          <a:prstGeom prst="straightConnector1">
+            <a:avLst/>
+          </a:prstGeom>
+          <a:ln w="19050">
+            <a:solidFill>
+              <a:srgbClr val="00B0F0"/>
+            </a:solidFill>
+            <a:tailEnd type="triangle"/>
+          </a:ln>
+        </p:spPr>
+        <p:style>
+          <a:lnRef idx="1">
+            <a:schemeClr val="accent1"/>
+          </a:lnRef>
+          <a:fillRef idx="0">
+            <a:schemeClr val="accent1"/>
+          </a:fillRef>
+          <a:effectRef idx="0">
+            <a:schemeClr val="accent1"/>
+          </a:effectRef>
+          <a:fontRef idx="minor">
+            <a:schemeClr val="tx1"/>
+          </a:fontRef>
+        </p:style>
+      </p:cxnSp>
+      <p:pic>
+        <p:nvPicPr>
+          <p:cNvPr id="21" name="그림 20"/>
+          <p:cNvPicPr>
+            <a:picLocks noChangeAspect="1"/>
+          </p:cNvPicPr>
+          <p:nvPr/>
+        </p:nvPicPr>
+        <p:blipFill>
+          <a:blip r:embed="rId3"/>
+          <a:stretch>
+            <a:fillRect/>
+          </a:stretch>
+        </p:blipFill>
+        <p:spPr>
+          <a:xfrm>
+            <a:off x="2306832" y="3542218"/>
+            <a:ext cx="6454699" cy="1844200"/>
+          </a:xfrm>
+          <a:prstGeom prst="rect">
+            <a:avLst/>
+          </a:prstGeom>
+        </p:spPr>
+      </p:pic>
+      <p:pic>
+        <p:nvPicPr>
+          <p:cNvPr id="22" name="그림 21"/>
+          <p:cNvPicPr>
+            <a:picLocks noChangeAspect="1"/>
+          </p:cNvPicPr>
+          <p:nvPr/>
+        </p:nvPicPr>
+        <p:blipFill>
+          <a:blip r:embed="rId4"/>
+          <a:stretch>
+            <a:fillRect/>
+          </a:stretch>
+        </p:blipFill>
+        <p:spPr>
+          <a:xfrm>
+            <a:off x="4089802" y="4597074"/>
+            <a:ext cx="7895004" cy="2225233"/>
+          </a:xfrm>
+          <a:prstGeom prst="rect">
+            <a:avLst/>
+          </a:prstGeom>
+        </p:spPr>
+      </p:pic>
+      <p:sp>
+        <p:nvSpPr>
+          <p:cNvPr id="23" name="직사각형 22"/>
           <p:cNvSpPr/>
           <p:nvPr/>
         </p:nvSpPr>
         <p:spPr>
           <a:xfrm>
-            <a:off x="276956" y="1565031"/>
-            <a:ext cx="1226529" cy="219807"/>
+            <a:off x="2306832" y="3709052"/>
+            <a:ext cx="6454699" cy="624254"/>
           </a:xfrm>
           <a:prstGeom prst="rect">
             <a:avLst/>
@@ -6957,14 +6761,14 @@
       </p:sp>
       <p:sp>
         <p:nvSpPr>
-          <p:cNvPr id="11" name="직사각형 10"/>
+          <p:cNvPr id="24" name="직사각형 23"/>
           <p:cNvSpPr/>
           <p:nvPr/>
         </p:nvSpPr>
         <p:spPr>
           <a:xfrm>
-            <a:off x="2338755" y="3015970"/>
-            <a:ext cx="2110153" cy="245976"/>
+            <a:off x="4089802" y="4597074"/>
+            <a:ext cx="7895004" cy="2225233"/>
           </a:xfrm>
           <a:prstGeom prst="rect">
             <a:avLst/>
@@ -7001,185 +6805,23 @@
           </a:p>
         </p:txBody>
       </p:sp>
-      <p:sp>
-        <p:nvSpPr>
-          <p:cNvPr id="3" name="타원 2"/>
-          <p:cNvSpPr/>
-          <p:nvPr/>
-        </p:nvSpPr>
-        <p:spPr>
-          <a:xfrm>
-            <a:off x="2508644" y="854260"/>
-            <a:ext cx="211016" cy="209608"/>
-          </a:xfrm>
-          <a:prstGeom prst="ellipse">
-            <a:avLst/>
-          </a:prstGeom>
-          <a:solidFill>
-            <a:schemeClr val="accent1">
-              <a:lumMod val="50000"/>
-            </a:schemeClr>
-          </a:solidFill>
-          <a:ln w="28575">
-            <a:solidFill>
-              <a:srgbClr val="00B0F0"/>
-            </a:solidFill>
-          </a:ln>
-        </p:spPr>
-        <p:style>
-          <a:lnRef idx="2">
-            <a:schemeClr val="accent1">
-              <a:shade val="50000"/>
-            </a:schemeClr>
-          </a:lnRef>
-          <a:fillRef idx="1">
-            <a:schemeClr val="accent1"/>
-          </a:fillRef>
-          <a:effectRef idx="0">
-            <a:schemeClr val="accent1"/>
-          </a:effectRef>
-          <a:fontRef idx="minor">
-            <a:schemeClr val="lt1"/>
-          </a:fontRef>
-        </p:style>
-        <p:txBody>
-          <a:bodyPr rtlCol="0" anchor="ctr"/>
-          <a:lstStyle/>
-          <a:p>
-            <a:pPr algn="ctr"/>
-            <a:r>
-              <a:rPr lang="en-US" altLang="ko-KR" sz="1050" dirty="0" smtClean="0"/>
-              <a:t>1</a:t>
-            </a:r>
-            <a:endParaRPr lang="ko-KR" altLang="en-US" sz="1050" dirty="0"/>
-          </a:p>
-        </p:txBody>
-      </p:sp>
-      <p:sp>
-        <p:nvSpPr>
-          <p:cNvPr id="12" name="타원 11"/>
-          <p:cNvSpPr/>
-          <p:nvPr/>
-        </p:nvSpPr>
-        <p:spPr>
-          <a:xfrm>
-            <a:off x="1623739" y="1575230"/>
-            <a:ext cx="211016" cy="209608"/>
-          </a:xfrm>
-          <a:prstGeom prst="ellipse">
-            <a:avLst/>
-          </a:prstGeom>
-          <a:solidFill>
-            <a:schemeClr val="accent1">
-              <a:lumMod val="50000"/>
-            </a:schemeClr>
-          </a:solidFill>
-          <a:ln w="28575">
-            <a:solidFill>
-              <a:srgbClr val="00B0F0"/>
-            </a:solidFill>
-          </a:ln>
-        </p:spPr>
-        <p:style>
-          <a:lnRef idx="2">
-            <a:schemeClr val="accent1">
-              <a:shade val="50000"/>
-            </a:schemeClr>
-          </a:lnRef>
-          <a:fillRef idx="1">
-            <a:schemeClr val="accent1"/>
-          </a:fillRef>
-          <a:effectRef idx="0">
-            <a:schemeClr val="accent1"/>
-          </a:effectRef>
-          <a:fontRef idx="minor">
-            <a:schemeClr val="lt1"/>
-          </a:fontRef>
-        </p:style>
-        <p:txBody>
-          <a:bodyPr rtlCol="0" anchor="ctr"/>
-          <a:lstStyle/>
-          <a:p>
-            <a:pPr algn="ctr"/>
-            <a:r>
-              <a:rPr lang="en-US" altLang="ko-KR" sz="1050" dirty="0" smtClean="0"/>
-              <a:t>2</a:t>
-            </a:r>
-            <a:endParaRPr lang="ko-KR" altLang="en-US" sz="1050" dirty="0"/>
-          </a:p>
-        </p:txBody>
-      </p:sp>
-      <p:sp>
-        <p:nvSpPr>
-          <p:cNvPr id="13" name="타원 12"/>
-          <p:cNvSpPr/>
-          <p:nvPr/>
-        </p:nvSpPr>
-        <p:spPr>
-          <a:xfrm>
-            <a:off x="1981390" y="3015970"/>
-            <a:ext cx="211016" cy="209608"/>
-          </a:xfrm>
-          <a:prstGeom prst="ellipse">
-            <a:avLst/>
-          </a:prstGeom>
-          <a:solidFill>
-            <a:schemeClr val="accent1">
-              <a:lumMod val="50000"/>
-            </a:schemeClr>
-          </a:solidFill>
-          <a:ln w="28575">
-            <a:solidFill>
-              <a:srgbClr val="00B0F0"/>
-            </a:solidFill>
-          </a:ln>
-        </p:spPr>
-        <p:style>
-          <a:lnRef idx="2">
-            <a:schemeClr val="accent1">
-              <a:shade val="50000"/>
-            </a:schemeClr>
-          </a:lnRef>
-          <a:fillRef idx="1">
-            <a:schemeClr val="accent1"/>
-          </a:fillRef>
-          <a:effectRef idx="0">
-            <a:schemeClr val="accent1"/>
-          </a:effectRef>
-          <a:fontRef idx="minor">
-            <a:schemeClr val="lt1"/>
-          </a:fontRef>
-        </p:style>
-        <p:txBody>
-          <a:bodyPr rtlCol="0" anchor="ctr"/>
-          <a:lstStyle/>
-          <a:p>
-            <a:pPr algn="ctr"/>
-            <a:r>
-              <a:rPr lang="en-US" altLang="ko-KR" sz="1050" dirty="0" smtClean="0"/>
-              <a:t>3</a:t>
-            </a:r>
-            <a:endParaRPr lang="ko-KR" altLang="en-US" sz="1050" dirty="0"/>
-          </a:p>
-        </p:txBody>
-      </p:sp>
       <p:cxnSp>
         <p:nvCxnSpPr>
-          <p:cNvPr id="14" name="직선 화살표 연결선 13"/>
+          <p:cNvPr id="25" name="직선 화살표 연결선 24"/>
           <p:cNvCxnSpPr>
-            <a:stCxn id="2" idx="3"/>
+            <a:stCxn id="23" idx="2"/>
           </p:cNvCxnSpPr>
           <p:nvPr/>
         </p:nvCxnSpPr>
         <p:spPr>
-          <a:xfrm>
-            <a:off x="4806273" y="3033769"/>
-            <a:ext cx="1225250" cy="0"/>
+          <a:xfrm flipH="1">
+            <a:off x="5534181" y="4333306"/>
+            <a:ext cx="1" cy="263768"/>
           </a:xfrm>
           <a:prstGeom prst="straightConnector1">
             <a:avLst/>
           </a:prstGeom>
-          <a:ln w="28575">
+          <a:ln w="19050">
             <a:solidFill>
               <a:srgbClr val="00B0F0"/>
             </a:solidFill>
@@ -7203,54 +6845,41 @@
       </p:cxnSp>
       <p:sp>
         <p:nvSpPr>
-          <p:cNvPr id="15" name="직사각형 14"/>
-          <p:cNvSpPr/>
-          <p:nvPr/>
-        </p:nvSpPr>
-        <p:spPr>
-          <a:xfrm>
-            <a:off x="211015" y="854260"/>
-            <a:ext cx="4595258" cy="4359018"/>
+          <p:cNvPr id="7" name="TextBox 6"/>
+          <p:cNvSpPr txBox="1"/>
+          <p:nvPr/>
+        </p:nvSpPr>
+        <p:spPr>
+          <a:xfrm>
+            <a:off x="163044" y="200921"/>
+            <a:ext cx="10008295" cy="461665"/>
           </a:xfrm>
           <a:prstGeom prst="rect">
             <a:avLst/>
           </a:prstGeom>
           <a:noFill/>
-          <a:ln w="38100">
-            <a:solidFill>
-              <a:srgbClr val="00B0F0"/>
-            </a:solidFill>
-          </a:ln>
-        </p:spPr>
-        <p:style>
-          <a:lnRef idx="2">
-            <a:schemeClr val="accent1">
-              <a:shade val="50000"/>
-            </a:schemeClr>
-          </a:lnRef>
-          <a:fillRef idx="1">
-            <a:schemeClr val="accent1"/>
-          </a:fillRef>
-          <a:effectRef idx="0">
-            <a:schemeClr val="accent1"/>
-          </a:effectRef>
-          <a:fontRef idx="minor">
-            <a:schemeClr val="lt1"/>
-          </a:fontRef>
-        </p:style>
-        <p:txBody>
-          <a:bodyPr rtlCol="0" anchor="ctr"/>
-          <a:lstStyle/>
-          <a:p>
-            <a:pPr algn="ctr"/>
-            <a:endParaRPr lang="ko-KR" altLang="en-US"/>
+        </p:spPr>
+        <p:txBody>
+          <a:bodyPr wrap="square" rtlCol="0">
+            <a:spAutoFit/>
+          </a:bodyPr>
+          <a:lstStyle/>
+          <a:p>
+            <a:r>
+              <a:rPr lang="en-US" altLang="ko-KR" sz="2400" b="1" dirty="0"/>
+              <a:t>2. yarn </a:t>
+            </a:r>
+            <a:r>
+              <a:rPr lang="ko-KR" altLang="en-US" sz="2400" b="1" dirty="0"/>
+              <a:t>보안 오류</a:t>
+            </a:r>
           </a:p>
         </p:txBody>
       </p:sp>
     </p:spTree>
     <p:extLst>
       <p:ext uri="{BB962C8B-B14F-4D97-AF65-F5344CB8AC3E}">
-        <p14:creationId xmlns:p14="http://schemas.microsoft.com/office/powerpoint/2010/main" val="963980080"/>
+        <p14:creationId xmlns:p14="http://schemas.microsoft.com/office/powerpoint/2010/main" val="722635239"/>
       </p:ext>
     </p:extLst>
   </p:cSld>
@@ -7277,6 +6906,1571 @@
           <a:chExt cx="0" cy="0"/>
         </a:xfrm>
       </p:grpSpPr>
+      <p:sp>
+        <p:nvSpPr>
+          <p:cNvPr id="2" name="제목 1"/>
+          <p:cNvSpPr>
+            <a:spLocks noGrp="1"/>
+          </p:cNvSpPr>
+          <p:nvPr>
+            <p:ph type="ctrTitle"/>
+          </p:nvPr>
+        </p:nvSpPr>
+        <p:spPr/>
+        <p:txBody>
+          <a:bodyPr/>
+          <a:lstStyle/>
+          <a:p>
+            <a:r>
+              <a:rPr lang="en-US" altLang="ko-KR" dirty="0" smtClean="0"/>
+              <a:t>React</a:t>
+            </a:r>
+            <a:endParaRPr lang="ko-KR" altLang="en-US" dirty="0"/>
+          </a:p>
+        </p:txBody>
+      </p:sp>
+      <p:sp>
+        <p:nvSpPr>
+          <p:cNvPr id="3" name="부제목 2"/>
+          <p:cNvSpPr>
+            <a:spLocks noGrp="1"/>
+          </p:cNvSpPr>
+          <p:nvPr>
+            <p:ph type="subTitle" idx="1"/>
+          </p:nvPr>
+        </p:nvSpPr>
+        <p:spPr/>
+        <p:txBody>
+          <a:bodyPr/>
+          <a:lstStyle/>
+          <a:p>
+            <a:r>
+              <a:rPr lang="ko-KR" altLang="en-US" dirty="0" smtClean="0"/>
+              <a:t>기타 </a:t>
+            </a:r>
+            <a:r>
+              <a:rPr lang="en-US" altLang="ko-KR" dirty="0" smtClean="0"/>
+              <a:t>- </a:t>
+            </a:r>
+            <a:r>
+              <a:rPr lang="ko-KR" altLang="en-US" dirty="0" err="1" smtClean="0"/>
+              <a:t>환경별</a:t>
+            </a:r>
+            <a:r>
+              <a:rPr lang="ko-KR" altLang="en-US" dirty="0" smtClean="0"/>
+              <a:t> 변수 추가 및 사용</a:t>
+            </a:r>
+            <a:endParaRPr lang="ko-KR" altLang="en-US" dirty="0"/>
+          </a:p>
+        </p:txBody>
+      </p:sp>
+    </p:spTree>
+    <p:extLst>
+      <p:ext uri="{BB962C8B-B14F-4D97-AF65-F5344CB8AC3E}">
+        <p14:creationId xmlns:p14="http://schemas.microsoft.com/office/powerpoint/2010/main" val="2583713192"/>
+      </p:ext>
+    </p:extLst>
+  </p:cSld>
+  <p:clrMapOvr>
+    <a:masterClrMapping/>
+  </p:clrMapOvr>
+</p:sld>
+</file>
+
+<file path=ppt/slides/slide23.xml><?xml version="1.0" encoding="utf-8"?>
+<p:sld xmlns:a="http://schemas.openxmlformats.org/drawingml/2006/main" xmlns:r="http://schemas.openxmlformats.org/officeDocument/2006/relationships" xmlns:p="http://schemas.openxmlformats.org/presentationml/2006/main">
+  <p:cSld>
+    <p:spTree>
+      <p:nvGrpSpPr>
+        <p:cNvPr id="1" name=""/>
+        <p:cNvGrpSpPr/>
+        <p:nvPr/>
+      </p:nvGrpSpPr>
+      <p:grpSpPr>
+        <a:xfrm>
+          <a:off x="0" y="0"/>
+          <a:ext cx="0" cy="0"/>
+          <a:chOff x="0" y="0"/>
+          <a:chExt cx="0" cy="0"/>
+        </a:xfrm>
+      </p:grpSpPr>
+      <p:sp>
+        <p:nvSpPr>
+          <p:cNvPr id="5" name="TextBox 4"/>
+          <p:cNvSpPr txBox="1"/>
+          <p:nvPr/>
+        </p:nvSpPr>
+        <p:spPr>
+          <a:xfrm>
+            <a:off x="211015" y="228600"/>
+            <a:ext cx="11764108" cy="369332"/>
+          </a:xfrm>
+          <a:prstGeom prst="rect">
+            <a:avLst/>
+          </a:prstGeom>
+          <a:noFill/>
+        </p:spPr>
+        <p:txBody>
+          <a:bodyPr wrap="square" rtlCol="0">
+            <a:spAutoFit/>
+          </a:bodyPr>
+          <a:lstStyle/>
+          <a:p>
+            <a:r>
+              <a:rPr lang="en-US" altLang="ko-KR" dirty="0" smtClean="0"/>
+              <a:t>1.1. </a:t>
+            </a:r>
+            <a:r>
+              <a:rPr lang="en-US" altLang="ko-KR" dirty="0" err="1" smtClean="0"/>
+              <a:t>dotEnv</a:t>
+            </a:r>
+            <a:r>
+              <a:rPr lang="en-US" altLang="ko-KR" dirty="0" smtClean="0"/>
+              <a:t> </a:t>
+            </a:r>
+            <a:r>
+              <a:rPr lang="ko-KR" altLang="en-US" dirty="0" smtClean="0"/>
+              <a:t>설치</a:t>
+            </a:r>
+            <a:endParaRPr lang="ko-KR" altLang="en-US" dirty="0"/>
+          </a:p>
+        </p:txBody>
+      </p:sp>
+      <p:pic>
+        <p:nvPicPr>
+          <p:cNvPr id="6" name="그림 5"/>
+          <p:cNvPicPr>
+            <a:picLocks noChangeAspect="1"/>
+          </p:cNvPicPr>
+          <p:nvPr/>
+        </p:nvPicPr>
+        <p:blipFill>
+          <a:blip r:embed="rId2"/>
+          <a:stretch>
+            <a:fillRect/>
+          </a:stretch>
+        </p:blipFill>
+        <p:spPr>
+          <a:xfrm>
+            <a:off x="211015" y="836676"/>
+            <a:ext cx="5692633" cy="1333616"/>
+          </a:xfrm>
+          <a:prstGeom prst="rect">
+            <a:avLst/>
+          </a:prstGeom>
+        </p:spPr>
+      </p:pic>
+      <p:sp>
+        <p:nvSpPr>
+          <p:cNvPr id="7" name="직사각형 6"/>
+          <p:cNvSpPr/>
+          <p:nvPr/>
+        </p:nvSpPr>
+        <p:spPr>
+          <a:xfrm>
+            <a:off x="1670539" y="854260"/>
+            <a:ext cx="1081454" cy="288739"/>
+          </a:xfrm>
+          <a:prstGeom prst="rect">
+            <a:avLst/>
+          </a:prstGeom>
+          <a:noFill/>
+          <a:ln w="38100">
+            <a:solidFill>
+              <a:srgbClr val="00B0F0"/>
+            </a:solidFill>
+          </a:ln>
+        </p:spPr>
+        <p:style>
+          <a:lnRef idx="2">
+            <a:schemeClr val="accent1">
+              <a:shade val="50000"/>
+            </a:schemeClr>
+          </a:lnRef>
+          <a:fillRef idx="1">
+            <a:schemeClr val="accent1"/>
+          </a:fillRef>
+          <a:effectRef idx="0">
+            <a:schemeClr val="accent1"/>
+          </a:effectRef>
+          <a:fontRef idx="minor">
+            <a:schemeClr val="lt1"/>
+          </a:fontRef>
+        </p:style>
+        <p:txBody>
+          <a:bodyPr rtlCol="0" anchor="ctr"/>
+          <a:lstStyle/>
+          <a:p>
+            <a:pPr algn="ctr"/>
+            <a:endParaRPr lang="ko-KR" altLang="en-US"/>
+          </a:p>
+        </p:txBody>
+      </p:sp>
+      <p:sp>
+        <p:nvSpPr>
+          <p:cNvPr id="8" name="TextBox 7"/>
+          <p:cNvSpPr txBox="1"/>
+          <p:nvPr/>
+        </p:nvSpPr>
+        <p:spPr>
+          <a:xfrm>
+            <a:off x="6093069" y="872615"/>
+            <a:ext cx="5882054" cy="2031325"/>
+          </a:xfrm>
+          <a:prstGeom prst="rect">
+            <a:avLst/>
+          </a:prstGeom>
+          <a:noFill/>
+        </p:spPr>
+        <p:txBody>
+          <a:bodyPr wrap="square" rtlCol="0">
+            <a:spAutoFit/>
+          </a:bodyPr>
+          <a:lstStyle/>
+          <a:p>
+            <a:pPr algn="just">
+              <a:lnSpc>
+                <a:spcPct val="150000"/>
+              </a:lnSpc>
+            </a:pPr>
+            <a:r>
+              <a:rPr lang="ko-KR" altLang="en-US" sz="1200" dirty="0" err="1" smtClean="0"/>
+              <a:t>환경별</a:t>
+            </a:r>
+            <a:r>
+              <a:rPr lang="ko-KR" altLang="en-US" sz="1200" dirty="0" smtClean="0"/>
+              <a:t> 환경변수 </a:t>
+            </a:r>
+            <a:r>
+              <a:rPr lang="en-US" altLang="ko-KR" sz="1200" dirty="0" err="1" smtClean="0"/>
+              <a:t>env</a:t>
+            </a:r>
+            <a:r>
+              <a:rPr lang="en-US" altLang="ko-KR" sz="1200" dirty="0" smtClean="0"/>
+              <a:t> </a:t>
+            </a:r>
+            <a:r>
+              <a:rPr lang="ko-KR" altLang="en-US" sz="1200" dirty="0" smtClean="0"/>
+              <a:t>파일 생성 및 사용 하기 위해</a:t>
+            </a:r>
+            <a:r>
+              <a:rPr lang="en-US" altLang="ko-KR" sz="1200" dirty="0" smtClean="0"/>
+              <a:t> </a:t>
+            </a:r>
+            <a:r>
+              <a:rPr lang="en-US" altLang="ko-KR" sz="1200" dirty="0" err="1" smtClean="0"/>
+              <a:t>dotenv</a:t>
+            </a:r>
+            <a:r>
+              <a:rPr lang="ko-KR" altLang="en-US" sz="1200" dirty="0" smtClean="0"/>
+              <a:t>를 설치한다</a:t>
+            </a:r>
+            <a:r>
+              <a:rPr lang="en-US" altLang="ko-KR" sz="1200" dirty="0" smtClean="0"/>
+              <a:t>.</a:t>
+            </a:r>
+          </a:p>
+          <a:p>
+            <a:pPr algn="just">
+              <a:lnSpc>
+                <a:spcPct val="150000"/>
+              </a:lnSpc>
+            </a:pPr>
+            <a:endParaRPr lang="en-US" altLang="ko-KR" sz="1200" dirty="0"/>
+          </a:p>
+          <a:p>
+            <a:pPr algn="just">
+              <a:lnSpc>
+                <a:spcPct val="150000"/>
+              </a:lnSpc>
+            </a:pPr>
+            <a:r>
+              <a:rPr lang="en-US" altLang="ko-KR" sz="1200" b="1" dirty="0" err="1" smtClean="0"/>
+              <a:t>env</a:t>
+            </a:r>
+            <a:r>
+              <a:rPr lang="en-US" altLang="ko-KR" sz="1200" dirty="0" smtClean="0"/>
+              <a:t> ?</a:t>
+            </a:r>
+          </a:p>
+          <a:p>
+            <a:pPr algn="just">
+              <a:lnSpc>
+                <a:spcPct val="150000"/>
+              </a:lnSpc>
+            </a:pPr>
+            <a:r>
+              <a:rPr lang="ko-KR" altLang="en-US" sz="1200" dirty="0" smtClean="0"/>
+              <a:t>환경변수 </a:t>
+            </a:r>
+            <a:r>
+              <a:rPr lang="ko-KR" altLang="en-US" sz="1200" dirty="0"/>
+              <a:t>파일을 외부에 만들어 포트</a:t>
+            </a:r>
+            <a:r>
+              <a:rPr lang="en-US" altLang="ko-KR" sz="1200" dirty="0"/>
+              <a:t>, API_KEY</a:t>
+            </a:r>
+            <a:r>
+              <a:rPr lang="ko-KR" altLang="en-US" sz="1200" dirty="0"/>
+              <a:t>등</a:t>
+            </a:r>
+            <a:r>
+              <a:rPr lang="en-US" altLang="ko-KR" sz="1200" dirty="0"/>
+              <a:t>.. </a:t>
+            </a:r>
+            <a:r>
+              <a:rPr lang="ko-KR" altLang="en-US" sz="1200" dirty="0"/>
+              <a:t>을 저장시켜 소스코드 내에 하드코딩하지 않고 사용하는 방법이다</a:t>
+            </a:r>
+            <a:r>
+              <a:rPr lang="en-US" altLang="ko-KR" sz="1200" dirty="0"/>
+              <a:t>.</a:t>
+            </a:r>
+          </a:p>
+          <a:p>
+            <a:pPr algn="just">
+              <a:lnSpc>
+                <a:spcPct val="150000"/>
+              </a:lnSpc>
+            </a:pPr>
+            <a:endParaRPr lang="en-US" altLang="ko-KR" sz="1200" dirty="0" smtClean="0"/>
+          </a:p>
+          <a:p>
+            <a:pPr algn="just">
+              <a:lnSpc>
+                <a:spcPct val="150000"/>
+              </a:lnSpc>
+            </a:pPr>
+            <a:endParaRPr lang="ko-KR" altLang="en-US" sz="1200" dirty="0"/>
+          </a:p>
+        </p:txBody>
+      </p:sp>
+      <p:cxnSp>
+        <p:nvCxnSpPr>
+          <p:cNvPr id="10" name="직선 화살표 연결선 9"/>
+          <p:cNvCxnSpPr>
+            <a:stCxn id="7" idx="3"/>
+          </p:cNvCxnSpPr>
+          <p:nvPr/>
+        </p:nvCxnSpPr>
+        <p:spPr>
+          <a:xfrm>
+            <a:off x="2751993" y="998630"/>
+            <a:ext cx="3341076" cy="12485"/>
+          </a:xfrm>
+          <a:prstGeom prst="straightConnector1">
+            <a:avLst/>
+          </a:prstGeom>
+          <a:ln w="28575">
+            <a:solidFill>
+              <a:srgbClr val="00B0F0"/>
+            </a:solidFill>
+            <a:tailEnd type="triangle"/>
+          </a:ln>
+        </p:spPr>
+        <p:style>
+          <a:lnRef idx="1">
+            <a:schemeClr val="accent1"/>
+          </a:lnRef>
+          <a:fillRef idx="0">
+            <a:schemeClr val="accent1"/>
+          </a:fillRef>
+          <a:effectRef idx="0">
+            <a:schemeClr val="accent1"/>
+          </a:effectRef>
+          <a:fontRef idx="minor">
+            <a:schemeClr val="tx1"/>
+          </a:fontRef>
+        </p:style>
+      </p:cxnSp>
+    </p:spTree>
+    <p:extLst>
+      <p:ext uri="{BB962C8B-B14F-4D97-AF65-F5344CB8AC3E}">
+        <p14:creationId xmlns:p14="http://schemas.microsoft.com/office/powerpoint/2010/main" val="1119437596"/>
+      </p:ext>
+    </p:extLst>
+  </p:cSld>
+  <p:clrMapOvr>
+    <a:masterClrMapping/>
+  </p:clrMapOvr>
+</p:sld>
+</file>
+
+<file path=ppt/slides/slide24.xml><?xml version="1.0" encoding="utf-8"?>
+<p:sld xmlns:a="http://schemas.openxmlformats.org/drawingml/2006/main" xmlns:r="http://schemas.openxmlformats.org/officeDocument/2006/relationships" xmlns:p="http://schemas.openxmlformats.org/presentationml/2006/main">
+  <p:cSld>
+    <p:spTree>
+      <p:nvGrpSpPr>
+        <p:cNvPr id="1" name=""/>
+        <p:cNvGrpSpPr/>
+        <p:nvPr/>
+      </p:nvGrpSpPr>
+      <p:grpSpPr>
+        <a:xfrm>
+          <a:off x="0" y="0"/>
+          <a:ext cx="0" cy="0"/>
+          <a:chOff x="0" y="0"/>
+          <a:chExt cx="0" cy="0"/>
+        </a:xfrm>
+      </p:grpSpPr>
+      <p:pic>
+        <p:nvPicPr>
+          <p:cNvPr id="2" name="그림 1"/>
+          <p:cNvPicPr>
+            <a:picLocks noChangeAspect="1"/>
+          </p:cNvPicPr>
+          <p:nvPr/>
+        </p:nvPicPr>
+        <p:blipFill>
+          <a:blip r:embed="rId2"/>
+          <a:stretch>
+            <a:fillRect/>
+          </a:stretch>
+        </p:blipFill>
+        <p:spPr>
+          <a:xfrm>
+            <a:off x="211015" y="854260"/>
+            <a:ext cx="2270957" cy="3147333"/>
+          </a:xfrm>
+          <a:prstGeom prst="rect">
+            <a:avLst/>
+          </a:prstGeom>
+        </p:spPr>
+      </p:pic>
+      <p:sp>
+        <p:nvSpPr>
+          <p:cNvPr id="5" name="TextBox 4"/>
+          <p:cNvSpPr txBox="1"/>
+          <p:nvPr/>
+        </p:nvSpPr>
+        <p:spPr>
+          <a:xfrm>
+            <a:off x="211015" y="228600"/>
+            <a:ext cx="11764108" cy="369332"/>
+          </a:xfrm>
+          <a:prstGeom prst="rect">
+            <a:avLst/>
+          </a:prstGeom>
+          <a:noFill/>
+        </p:spPr>
+        <p:txBody>
+          <a:bodyPr wrap="square" rtlCol="0">
+            <a:spAutoFit/>
+          </a:bodyPr>
+          <a:lstStyle/>
+          <a:p>
+            <a:r>
+              <a:rPr lang="en-US" altLang="ko-KR" dirty="0" smtClean="0"/>
+              <a:t>1.2. .</a:t>
+            </a:r>
+            <a:r>
+              <a:rPr lang="en-US" altLang="ko-KR" dirty="0" err="1" smtClean="0"/>
+              <a:t>env</a:t>
+            </a:r>
+            <a:r>
+              <a:rPr lang="en-US" altLang="ko-KR" dirty="0" smtClean="0"/>
+              <a:t>.</a:t>
+            </a:r>
+            <a:r>
+              <a:rPr lang="en-US" altLang="ko-KR" dirty="0"/>
+              <a:t>~</a:t>
+            </a:r>
+            <a:r>
+              <a:rPr lang="en-US" altLang="ko-KR" dirty="0" smtClean="0"/>
+              <a:t> (</a:t>
+            </a:r>
+            <a:r>
+              <a:rPr lang="ko-KR" altLang="en-US" dirty="0" err="1" smtClean="0"/>
+              <a:t>파일생성</a:t>
+            </a:r>
+            <a:r>
+              <a:rPr lang="en-US" altLang="ko-KR" dirty="0" smtClean="0"/>
+              <a:t>)</a:t>
+            </a:r>
+            <a:endParaRPr lang="ko-KR" altLang="en-US" dirty="0"/>
+          </a:p>
+        </p:txBody>
+      </p:sp>
+      <p:sp>
+        <p:nvSpPr>
+          <p:cNvPr id="7" name="직사각형 6"/>
+          <p:cNvSpPr/>
+          <p:nvPr/>
+        </p:nvSpPr>
+        <p:spPr>
+          <a:xfrm>
+            <a:off x="211014" y="3553499"/>
+            <a:ext cx="2270957" cy="448094"/>
+          </a:xfrm>
+          <a:prstGeom prst="rect">
+            <a:avLst/>
+          </a:prstGeom>
+          <a:noFill/>
+          <a:ln w="38100">
+            <a:solidFill>
+              <a:srgbClr val="00B0F0"/>
+            </a:solidFill>
+          </a:ln>
+        </p:spPr>
+        <p:style>
+          <a:lnRef idx="2">
+            <a:schemeClr val="accent1">
+              <a:shade val="50000"/>
+            </a:schemeClr>
+          </a:lnRef>
+          <a:fillRef idx="1">
+            <a:schemeClr val="accent1"/>
+          </a:fillRef>
+          <a:effectRef idx="0">
+            <a:schemeClr val="accent1"/>
+          </a:effectRef>
+          <a:fontRef idx="minor">
+            <a:schemeClr val="lt1"/>
+          </a:fontRef>
+        </p:style>
+        <p:txBody>
+          <a:bodyPr rtlCol="0" anchor="ctr"/>
+          <a:lstStyle/>
+          <a:p>
+            <a:pPr algn="ctr"/>
+            <a:endParaRPr lang="ko-KR" altLang="en-US"/>
+          </a:p>
+        </p:txBody>
+      </p:sp>
+      <p:sp>
+        <p:nvSpPr>
+          <p:cNvPr id="8" name="TextBox 7"/>
+          <p:cNvSpPr txBox="1"/>
+          <p:nvPr/>
+        </p:nvSpPr>
+        <p:spPr>
+          <a:xfrm>
+            <a:off x="6093069" y="872615"/>
+            <a:ext cx="5882054" cy="1200329"/>
+          </a:xfrm>
+          <a:prstGeom prst="rect">
+            <a:avLst/>
+          </a:prstGeom>
+          <a:noFill/>
+        </p:spPr>
+        <p:txBody>
+          <a:bodyPr wrap="square" rtlCol="0">
+            <a:spAutoFit/>
+          </a:bodyPr>
+          <a:lstStyle/>
+          <a:p>
+            <a:pPr algn="just">
+              <a:lnSpc>
+                <a:spcPct val="150000"/>
+              </a:lnSpc>
+            </a:pPr>
+            <a:r>
+              <a:rPr lang="ko-KR" altLang="en-US" sz="1200" dirty="0" smtClean="0"/>
+              <a:t>루트 폴더에 환경에 맞게 </a:t>
+            </a:r>
+            <a:r>
+              <a:rPr lang="en-US" altLang="ko-KR" sz="1200" dirty="0" smtClean="0"/>
+              <a:t>.</a:t>
+            </a:r>
+            <a:r>
+              <a:rPr lang="en-US" altLang="ko-KR" sz="1200" dirty="0" err="1" smtClean="0"/>
+              <a:t>env</a:t>
+            </a:r>
+            <a:r>
+              <a:rPr lang="en-US" altLang="ko-KR" sz="1200" dirty="0" smtClean="0"/>
+              <a:t> </a:t>
+            </a:r>
+            <a:r>
+              <a:rPr lang="ko-KR" altLang="en-US" sz="1200" dirty="0" smtClean="0"/>
+              <a:t>파일 생성</a:t>
+            </a:r>
+            <a:endParaRPr lang="en-US" altLang="ko-KR" sz="1200" dirty="0" smtClean="0"/>
+          </a:p>
+          <a:p>
+            <a:pPr marL="171450" indent="-171450" algn="just">
+              <a:lnSpc>
+                <a:spcPct val="150000"/>
+              </a:lnSpc>
+              <a:buFont typeface="Wingdings" panose="05000000000000000000" pitchFamily="2" charset="2"/>
+              <a:buChar char="Ø"/>
+            </a:pPr>
+            <a:r>
+              <a:rPr lang="ko-KR" altLang="en-US" sz="1200" dirty="0" smtClean="0"/>
+              <a:t>개발일 경우 </a:t>
+            </a:r>
+            <a:r>
+              <a:rPr lang="en-US" altLang="ko-KR" sz="1200" dirty="0" smtClean="0"/>
+              <a:t>.</a:t>
+            </a:r>
+            <a:r>
+              <a:rPr lang="en-US" altLang="ko-KR" sz="1200" dirty="0" err="1" smtClean="0"/>
+              <a:t>env.development</a:t>
+            </a:r>
+            <a:endParaRPr lang="en-US" altLang="ko-KR" sz="1200" dirty="0" smtClean="0"/>
+          </a:p>
+          <a:p>
+            <a:pPr marL="171450" indent="-171450" algn="just">
+              <a:lnSpc>
+                <a:spcPct val="150000"/>
+              </a:lnSpc>
+              <a:buFont typeface="Wingdings" panose="05000000000000000000" pitchFamily="2" charset="2"/>
+              <a:buChar char="Ø"/>
+            </a:pPr>
+            <a:r>
+              <a:rPr lang="ko-KR" altLang="en-US" sz="1200" dirty="0" smtClean="0"/>
+              <a:t>운영일 경우 </a:t>
+            </a:r>
+            <a:r>
+              <a:rPr lang="en-US" altLang="ko-KR" sz="1200" dirty="0" smtClean="0"/>
+              <a:t>.</a:t>
+            </a:r>
+            <a:r>
+              <a:rPr lang="en-US" altLang="ko-KR" sz="1200" dirty="0" err="1" smtClean="0"/>
+              <a:t>env.production</a:t>
+            </a:r>
+            <a:endParaRPr lang="en-US" altLang="ko-KR" sz="1200" dirty="0" smtClean="0"/>
+          </a:p>
+          <a:p>
+            <a:pPr marL="171450" indent="-171450" algn="just">
+              <a:lnSpc>
+                <a:spcPct val="150000"/>
+              </a:lnSpc>
+              <a:buFont typeface="Wingdings" panose="05000000000000000000" pitchFamily="2" charset="2"/>
+              <a:buChar char="Ø"/>
+            </a:pPr>
+            <a:r>
+              <a:rPr lang="ko-KR" altLang="en-US" sz="1200" dirty="0" smtClean="0"/>
+              <a:t>테스트일 경우 </a:t>
+            </a:r>
+            <a:r>
+              <a:rPr lang="en-US" altLang="ko-KR" sz="1200" dirty="0" smtClean="0"/>
+              <a:t>.</a:t>
+            </a:r>
+            <a:r>
+              <a:rPr lang="en-US" altLang="ko-KR" sz="1200" dirty="0" err="1" smtClean="0"/>
+              <a:t>env.test</a:t>
+            </a:r>
+            <a:endParaRPr lang="ko-KR" altLang="en-US" sz="1200" dirty="0"/>
+          </a:p>
+        </p:txBody>
+      </p:sp>
+      <p:cxnSp>
+        <p:nvCxnSpPr>
+          <p:cNvPr id="4" name="꺾인 연결선 3"/>
+          <p:cNvCxnSpPr>
+            <a:stCxn id="7" idx="3"/>
+            <a:endCxn id="8" idx="1"/>
+          </p:cNvCxnSpPr>
+          <p:nvPr/>
+        </p:nvCxnSpPr>
+        <p:spPr>
+          <a:xfrm flipV="1">
+            <a:off x="2481971" y="1472780"/>
+            <a:ext cx="3611098" cy="2304766"/>
+          </a:xfrm>
+          <a:prstGeom prst="bentConnector3">
+            <a:avLst/>
+          </a:prstGeom>
+          <a:ln w="28575">
+            <a:solidFill>
+              <a:srgbClr val="00B0F0"/>
+            </a:solidFill>
+            <a:tailEnd type="triangle"/>
+          </a:ln>
+        </p:spPr>
+        <p:style>
+          <a:lnRef idx="1">
+            <a:schemeClr val="accent1"/>
+          </a:lnRef>
+          <a:fillRef idx="0">
+            <a:schemeClr val="accent1"/>
+          </a:fillRef>
+          <a:effectRef idx="0">
+            <a:schemeClr val="accent1"/>
+          </a:effectRef>
+          <a:fontRef idx="minor">
+            <a:schemeClr val="tx1"/>
+          </a:fontRef>
+        </p:style>
+      </p:cxnSp>
+    </p:spTree>
+    <p:extLst>
+      <p:ext uri="{BB962C8B-B14F-4D97-AF65-F5344CB8AC3E}">
+        <p14:creationId xmlns:p14="http://schemas.microsoft.com/office/powerpoint/2010/main" val="3986009625"/>
+      </p:ext>
+    </p:extLst>
+  </p:cSld>
+  <p:clrMapOvr>
+    <a:masterClrMapping/>
+  </p:clrMapOvr>
+</p:sld>
+</file>
+
+<file path=ppt/slides/slide25.xml><?xml version="1.0" encoding="utf-8"?>
+<p:sld xmlns:a="http://schemas.openxmlformats.org/drawingml/2006/main" xmlns:r="http://schemas.openxmlformats.org/officeDocument/2006/relationships" xmlns:p="http://schemas.openxmlformats.org/presentationml/2006/main">
+  <p:cSld>
+    <p:spTree>
+      <p:nvGrpSpPr>
+        <p:cNvPr id="1" name=""/>
+        <p:cNvGrpSpPr/>
+        <p:nvPr/>
+      </p:nvGrpSpPr>
+      <p:grpSpPr>
+        <a:xfrm>
+          <a:off x="0" y="0"/>
+          <a:ext cx="0" cy="0"/>
+          <a:chOff x="0" y="0"/>
+          <a:chExt cx="0" cy="0"/>
+        </a:xfrm>
+      </p:grpSpPr>
+      <p:pic>
+        <p:nvPicPr>
+          <p:cNvPr id="6" name="그림 5"/>
+          <p:cNvPicPr>
+            <a:picLocks noChangeAspect="1"/>
+          </p:cNvPicPr>
+          <p:nvPr/>
+        </p:nvPicPr>
+        <p:blipFill>
+          <a:blip r:embed="rId2"/>
+          <a:stretch>
+            <a:fillRect/>
+          </a:stretch>
+        </p:blipFill>
+        <p:spPr>
+          <a:xfrm>
+            <a:off x="211014" y="854260"/>
+            <a:ext cx="5418290" cy="975445"/>
+          </a:xfrm>
+          <a:prstGeom prst="rect">
+            <a:avLst/>
+          </a:prstGeom>
+        </p:spPr>
+      </p:pic>
+      <p:sp>
+        <p:nvSpPr>
+          <p:cNvPr id="5" name="TextBox 4"/>
+          <p:cNvSpPr txBox="1"/>
+          <p:nvPr/>
+        </p:nvSpPr>
+        <p:spPr>
+          <a:xfrm>
+            <a:off x="211015" y="228600"/>
+            <a:ext cx="11764108" cy="369332"/>
+          </a:xfrm>
+          <a:prstGeom prst="rect">
+            <a:avLst/>
+          </a:prstGeom>
+          <a:noFill/>
+        </p:spPr>
+        <p:txBody>
+          <a:bodyPr wrap="square" rtlCol="0">
+            <a:spAutoFit/>
+          </a:bodyPr>
+          <a:lstStyle/>
+          <a:p>
+            <a:r>
+              <a:rPr lang="en-US" altLang="ko-KR" dirty="0" smtClean="0"/>
+              <a:t>1.3. .</a:t>
+            </a:r>
+            <a:r>
+              <a:rPr lang="en-US" altLang="ko-KR" dirty="0" err="1" smtClean="0"/>
+              <a:t>env</a:t>
+            </a:r>
+            <a:r>
+              <a:rPr lang="en-US" altLang="ko-KR" dirty="0" smtClean="0"/>
+              <a:t>.</a:t>
+            </a:r>
+            <a:r>
+              <a:rPr lang="en-US" altLang="ko-KR" dirty="0"/>
+              <a:t>~</a:t>
+            </a:r>
+            <a:r>
+              <a:rPr lang="en-US" altLang="ko-KR" dirty="0" smtClean="0"/>
+              <a:t> </a:t>
+            </a:r>
+            <a:r>
+              <a:rPr lang="ko-KR" altLang="en-US" dirty="0" smtClean="0"/>
+              <a:t>파일 </a:t>
+            </a:r>
+            <a:r>
+              <a:rPr lang="en-US" altLang="ko-KR" dirty="0" smtClean="0"/>
+              <a:t>(</a:t>
+            </a:r>
+            <a:r>
+              <a:rPr lang="ko-KR" altLang="en-US" dirty="0" smtClean="0"/>
+              <a:t>환경변수 설정</a:t>
+            </a:r>
+            <a:r>
+              <a:rPr lang="en-US" altLang="ko-KR" dirty="0" smtClean="0"/>
+              <a:t>)</a:t>
+            </a:r>
+            <a:endParaRPr lang="ko-KR" altLang="en-US" dirty="0"/>
+          </a:p>
+        </p:txBody>
+      </p:sp>
+      <p:sp>
+        <p:nvSpPr>
+          <p:cNvPr id="7" name="직사각형 6"/>
+          <p:cNvSpPr/>
+          <p:nvPr/>
+        </p:nvSpPr>
+        <p:spPr>
+          <a:xfrm>
+            <a:off x="808892" y="1329949"/>
+            <a:ext cx="1960685" cy="235082"/>
+          </a:xfrm>
+          <a:prstGeom prst="rect">
+            <a:avLst/>
+          </a:prstGeom>
+          <a:noFill/>
+          <a:ln w="38100">
+            <a:solidFill>
+              <a:srgbClr val="00B0F0"/>
+            </a:solidFill>
+          </a:ln>
+        </p:spPr>
+        <p:style>
+          <a:lnRef idx="2">
+            <a:schemeClr val="accent1">
+              <a:shade val="50000"/>
+            </a:schemeClr>
+          </a:lnRef>
+          <a:fillRef idx="1">
+            <a:schemeClr val="accent1"/>
+          </a:fillRef>
+          <a:effectRef idx="0">
+            <a:schemeClr val="accent1"/>
+          </a:effectRef>
+          <a:fontRef idx="minor">
+            <a:schemeClr val="lt1"/>
+          </a:fontRef>
+        </p:style>
+        <p:txBody>
+          <a:bodyPr rtlCol="0" anchor="ctr"/>
+          <a:lstStyle/>
+          <a:p>
+            <a:pPr algn="ctr"/>
+            <a:endParaRPr lang="ko-KR" altLang="en-US"/>
+          </a:p>
+        </p:txBody>
+      </p:sp>
+      <p:cxnSp>
+        <p:nvCxnSpPr>
+          <p:cNvPr id="9" name="직선 화살표 연결선 8"/>
+          <p:cNvCxnSpPr/>
+          <p:nvPr/>
+        </p:nvCxnSpPr>
+        <p:spPr>
+          <a:xfrm>
+            <a:off x="2751993" y="1435005"/>
+            <a:ext cx="3341076" cy="12485"/>
+          </a:xfrm>
+          <a:prstGeom prst="straightConnector1">
+            <a:avLst/>
+          </a:prstGeom>
+          <a:ln w="28575">
+            <a:solidFill>
+              <a:srgbClr val="00B0F0"/>
+            </a:solidFill>
+            <a:tailEnd type="triangle"/>
+          </a:ln>
+        </p:spPr>
+        <p:style>
+          <a:lnRef idx="1">
+            <a:schemeClr val="accent1"/>
+          </a:lnRef>
+          <a:fillRef idx="0">
+            <a:schemeClr val="accent1"/>
+          </a:fillRef>
+          <a:effectRef idx="0">
+            <a:schemeClr val="accent1"/>
+          </a:effectRef>
+          <a:fontRef idx="minor">
+            <a:schemeClr val="tx1"/>
+          </a:fontRef>
+        </p:style>
+      </p:cxnSp>
+      <p:sp>
+        <p:nvSpPr>
+          <p:cNvPr id="10" name="TextBox 9"/>
+          <p:cNvSpPr txBox="1"/>
+          <p:nvPr/>
+        </p:nvSpPr>
+        <p:spPr>
+          <a:xfrm>
+            <a:off x="6093069" y="1231414"/>
+            <a:ext cx="5882054" cy="333617"/>
+          </a:xfrm>
+          <a:prstGeom prst="rect">
+            <a:avLst/>
+          </a:prstGeom>
+          <a:noFill/>
+        </p:spPr>
+        <p:txBody>
+          <a:bodyPr wrap="square" rtlCol="0">
+            <a:spAutoFit/>
+          </a:bodyPr>
+          <a:lstStyle/>
+          <a:p>
+            <a:pPr algn="just">
+              <a:lnSpc>
+                <a:spcPct val="150000"/>
+              </a:lnSpc>
+            </a:pPr>
+            <a:r>
+              <a:rPr lang="ko-KR" altLang="en-US" sz="1200" dirty="0" err="1" smtClean="0"/>
+              <a:t>환경변수는</a:t>
+            </a:r>
+            <a:r>
+              <a:rPr lang="ko-KR" altLang="en-US" sz="1200" dirty="0" smtClean="0"/>
+              <a:t> </a:t>
+            </a:r>
+            <a:r>
+              <a:rPr lang="en-US" altLang="ko-KR" sz="1200" dirty="0" smtClean="0"/>
+              <a:t>‘REACT_APP_</a:t>
+            </a:r>
+            <a:r>
+              <a:rPr lang="ko-KR" altLang="en-US" sz="1200" dirty="0" err="1" smtClean="0"/>
+              <a:t>환경변수명</a:t>
+            </a:r>
+            <a:r>
+              <a:rPr lang="en-US" altLang="ko-KR" sz="1200" dirty="0" smtClean="0"/>
+              <a:t>’ </a:t>
+            </a:r>
+            <a:r>
+              <a:rPr lang="ko-KR" altLang="en-US" sz="1200" dirty="0" smtClean="0"/>
+              <a:t>형식으로 추가</a:t>
+            </a:r>
+            <a:r>
+              <a:rPr lang="en-US" altLang="ko-KR" sz="1200" dirty="0" smtClean="0"/>
+              <a:t>.</a:t>
+            </a:r>
+            <a:endParaRPr lang="ko-KR" altLang="en-US" sz="1200" dirty="0"/>
+          </a:p>
+        </p:txBody>
+      </p:sp>
+    </p:spTree>
+    <p:extLst>
+      <p:ext uri="{BB962C8B-B14F-4D97-AF65-F5344CB8AC3E}">
+        <p14:creationId xmlns:p14="http://schemas.microsoft.com/office/powerpoint/2010/main" val="3402533285"/>
+      </p:ext>
+    </p:extLst>
+  </p:cSld>
+  <p:clrMapOvr>
+    <a:masterClrMapping/>
+  </p:clrMapOvr>
+</p:sld>
+</file>
+
+<file path=ppt/slides/slide26.xml><?xml version="1.0" encoding="utf-8"?>
+<p:sld xmlns:a="http://schemas.openxmlformats.org/drawingml/2006/main" xmlns:r="http://schemas.openxmlformats.org/officeDocument/2006/relationships" xmlns:p="http://schemas.openxmlformats.org/presentationml/2006/main">
+  <p:cSld>
+    <p:spTree>
+      <p:nvGrpSpPr>
+        <p:cNvPr id="1" name=""/>
+        <p:cNvGrpSpPr/>
+        <p:nvPr/>
+      </p:nvGrpSpPr>
+      <p:grpSpPr>
+        <a:xfrm>
+          <a:off x="0" y="0"/>
+          <a:ext cx="0" cy="0"/>
+          <a:chOff x="0" y="0"/>
+          <a:chExt cx="0" cy="0"/>
+        </a:xfrm>
+      </p:grpSpPr>
+      <p:pic>
+        <p:nvPicPr>
+          <p:cNvPr id="2" name="그림 1"/>
+          <p:cNvPicPr>
+            <a:picLocks noChangeAspect="1"/>
+          </p:cNvPicPr>
+          <p:nvPr/>
+        </p:nvPicPr>
+        <p:blipFill>
+          <a:blip r:embed="rId2"/>
+          <a:stretch>
+            <a:fillRect/>
+          </a:stretch>
+        </p:blipFill>
+        <p:spPr>
+          <a:xfrm>
+            <a:off x="211015" y="854260"/>
+            <a:ext cx="4595258" cy="4359018"/>
+          </a:xfrm>
+          <a:prstGeom prst="rect">
+            <a:avLst/>
+          </a:prstGeom>
+        </p:spPr>
+      </p:pic>
+      <p:sp>
+        <p:nvSpPr>
+          <p:cNvPr id="5" name="TextBox 4"/>
+          <p:cNvSpPr txBox="1"/>
+          <p:nvPr/>
+        </p:nvSpPr>
+        <p:spPr>
+          <a:xfrm>
+            <a:off x="211015" y="228600"/>
+            <a:ext cx="11764108" cy="369332"/>
+          </a:xfrm>
+          <a:prstGeom prst="rect">
+            <a:avLst/>
+          </a:prstGeom>
+          <a:noFill/>
+        </p:spPr>
+        <p:txBody>
+          <a:bodyPr wrap="square" rtlCol="0">
+            <a:spAutoFit/>
+          </a:bodyPr>
+          <a:lstStyle/>
+          <a:p>
+            <a:r>
+              <a:rPr lang="en-US" altLang="ko-KR" dirty="0" smtClean="0"/>
+              <a:t>1.4. </a:t>
+            </a:r>
+            <a:r>
+              <a:rPr lang="ko-KR" altLang="en-US" dirty="0" smtClean="0"/>
+              <a:t>추가된 환경 변수 사용</a:t>
+            </a:r>
+            <a:endParaRPr lang="ko-KR" altLang="en-US" dirty="0"/>
+          </a:p>
+        </p:txBody>
+      </p:sp>
+      <p:sp>
+        <p:nvSpPr>
+          <p:cNvPr id="7" name="직사각형 6"/>
+          <p:cNvSpPr/>
+          <p:nvPr/>
+        </p:nvSpPr>
+        <p:spPr>
+          <a:xfrm>
+            <a:off x="791308" y="854260"/>
+            <a:ext cx="1591407" cy="209609"/>
+          </a:xfrm>
+          <a:prstGeom prst="rect">
+            <a:avLst/>
+          </a:prstGeom>
+          <a:noFill/>
+          <a:ln w="38100">
+            <a:solidFill>
+              <a:srgbClr val="00B0F0"/>
+            </a:solidFill>
+          </a:ln>
+        </p:spPr>
+        <p:style>
+          <a:lnRef idx="2">
+            <a:schemeClr val="accent1">
+              <a:shade val="50000"/>
+            </a:schemeClr>
+          </a:lnRef>
+          <a:fillRef idx="1">
+            <a:schemeClr val="accent1"/>
+          </a:fillRef>
+          <a:effectRef idx="0">
+            <a:schemeClr val="accent1"/>
+          </a:effectRef>
+          <a:fontRef idx="minor">
+            <a:schemeClr val="lt1"/>
+          </a:fontRef>
+        </p:style>
+        <p:txBody>
+          <a:bodyPr rtlCol="0" anchor="ctr"/>
+          <a:lstStyle/>
+          <a:p>
+            <a:pPr algn="ctr"/>
+            <a:endParaRPr lang="ko-KR" altLang="en-US"/>
+          </a:p>
+        </p:txBody>
+      </p:sp>
+      <p:sp>
+        <p:nvSpPr>
+          <p:cNvPr id="10" name="TextBox 9"/>
+          <p:cNvSpPr txBox="1"/>
+          <p:nvPr/>
+        </p:nvSpPr>
+        <p:spPr>
+          <a:xfrm>
+            <a:off x="6093069" y="2572104"/>
+            <a:ext cx="5882054" cy="923330"/>
+          </a:xfrm>
+          <a:prstGeom prst="rect">
+            <a:avLst/>
+          </a:prstGeom>
+          <a:noFill/>
+        </p:spPr>
+        <p:txBody>
+          <a:bodyPr wrap="square" rtlCol="0">
+            <a:spAutoFit/>
+          </a:bodyPr>
+          <a:lstStyle/>
+          <a:p>
+            <a:pPr algn="just">
+              <a:lnSpc>
+                <a:spcPct val="150000"/>
+              </a:lnSpc>
+            </a:pPr>
+            <a:r>
+              <a:rPr lang="ko-KR" altLang="en-US" sz="1200" dirty="0" smtClean="0"/>
+              <a:t>① 환경변수 불러오기 위한 </a:t>
+            </a:r>
+            <a:r>
+              <a:rPr lang="en-US" altLang="ko-KR" sz="1200" dirty="0" err="1" smtClean="0"/>
+              <a:t>dotenv</a:t>
+            </a:r>
+            <a:r>
+              <a:rPr lang="en-US" altLang="ko-KR" sz="1200" dirty="0" smtClean="0"/>
+              <a:t> </a:t>
+            </a:r>
+            <a:r>
+              <a:rPr lang="ko-KR" altLang="en-US" sz="1200" dirty="0" smtClean="0"/>
+              <a:t>컴포넌트 </a:t>
+            </a:r>
+            <a:r>
+              <a:rPr lang="en-US" altLang="ko-KR" sz="1200" dirty="0" smtClean="0"/>
+              <a:t>Load</a:t>
+            </a:r>
+            <a:endParaRPr lang="en-US" altLang="ko-KR" sz="1200" dirty="0"/>
+          </a:p>
+          <a:p>
+            <a:pPr algn="just">
+              <a:lnSpc>
+                <a:spcPct val="150000"/>
+              </a:lnSpc>
+            </a:pPr>
+            <a:r>
+              <a:rPr lang="ko-KR" altLang="en-US" sz="1200" dirty="0" smtClean="0"/>
+              <a:t>② </a:t>
+            </a:r>
+            <a:r>
+              <a:rPr lang="en-US" altLang="ko-KR" sz="1200" dirty="0" err="1" smtClean="0"/>
+              <a:t>dotenv.config</a:t>
+            </a:r>
+            <a:r>
+              <a:rPr lang="en-US" altLang="ko-KR" sz="1200" dirty="0" smtClean="0"/>
+              <a:t>(); &gt; </a:t>
+            </a:r>
+            <a:r>
+              <a:rPr lang="ko-KR" altLang="en-US" sz="1200" dirty="0" smtClean="0"/>
+              <a:t>환경변수 파일 </a:t>
+            </a:r>
+            <a:r>
+              <a:rPr lang="en-US" altLang="ko-KR" sz="1200" dirty="0" smtClean="0"/>
+              <a:t>Load</a:t>
+            </a:r>
+          </a:p>
+          <a:p>
+            <a:pPr algn="just">
+              <a:lnSpc>
+                <a:spcPct val="150000"/>
+              </a:lnSpc>
+            </a:pPr>
+            <a:r>
+              <a:rPr lang="ko-KR" altLang="en-US" sz="1200" dirty="0" smtClean="0"/>
+              <a:t>③ </a:t>
+            </a:r>
+            <a:r>
+              <a:rPr lang="en-US" altLang="ko-KR" sz="1200" dirty="0" err="1" smtClean="0"/>
+              <a:t>process.env</a:t>
+            </a:r>
+            <a:r>
+              <a:rPr lang="en-US" altLang="ko-KR" sz="1200" dirty="0" smtClean="0"/>
+              <a:t>.</a:t>
+            </a:r>
+            <a:r>
+              <a:rPr lang="ko-KR" altLang="en-US" sz="1200" dirty="0" err="1" smtClean="0"/>
+              <a:t>환경변수명</a:t>
+            </a:r>
+            <a:r>
+              <a:rPr lang="ko-KR" altLang="en-US" sz="1200" dirty="0" smtClean="0"/>
+              <a:t> </a:t>
+            </a:r>
+            <a:r>
+              <a:rPr lang="en-US" altLang="ko-KR" sz="1200" dirty="0" smtClean="0"/>
+              <a:t>&gt; </a:t>
+            </a:r>
+            <a:r>
+              <a:rPr lang="ko-KR" altLang="en-US" sz="1200" dirty="0" smtClean="0"/>
+              <a:t>환경변수 </a:t>
+            </a:r>
+            <a:r>
+              <a:rPr lang="en-US" altLang="ko-KR" sz="1200" dirty="0" smtClean="0"/>
+              <a:t>Load</a:t>
+            </a:r>
+            <a:endParaRPr lang="ko-KR" altLang="en-US" sz="1200" dirty="0"/>
+          </a:p>
+        </p:txBody>
+      </p:sp>
+      <p:sp>
+        <p:nvSpPr>
+          <p:cNvPr id="8" name="직사각형 7"/>
+          <p:cNvSpPr/>
+          <p:nvPr/>
+        </p:nvSpPr>
+        <p:spPr>
+          <a:xfrm>
+            <a:off x="276956" y="1565031"/>
+            <a:ext cx="1226529" cy="219807"/>
+          </a:xfrm>
+          <a:prstGeom prst="rect">
+            <a:avLst/>
+          </a:prstGeom>
+          <a:noFill/>
+          <a:ln w="38100">
+            <a:solidFill>
+              <a:srgbClr val="00B0F0"/>
+            </a:solidFill>
+          </a:ln>
+        </p:spPr>
+        <p:style>
+          <a:lnRef idx="2">
+            <a:schemeClr val="accent1">
+              <a:shade val="50000"/>
+            </a:schemeClr>
+          </a:lnRef>
+          <a:fillRef idx="1">
+            <a:schemeClr val="accent1"/>
+          </a:fillRef>
+          <a:effectRef idx="0">
+            <a:schemeClr val="accent1"/>
+          </a:effectRef>
+          <a:fontRef idx="minor">
+            <a:schemeClr val="lt1"/>
+          </a:fontRef>
+        </p:style>
+        <p:txBody>
+          <a:bodyPr rtlCol="0" anchor="ctr"/>
+          <a:lstStyle/>
+          <a:p>
+            <a:pPr algn="ctr"/>
+            <a:endParaRPr lang="ko-KR" altLang="en-US"/>
+          </a:p>
+        </p:txBody>
+      </p:sp>
+      <p:sp>
+        <p:nvSpPr>
+          <p:cNvPr id="11" name="직사각형 10"/>
+          <p:cNvSpPr/>
+          <p:nvPr/>
+        </p:nvSpPr>
+        <p:spPr>
+          <a:xfrm>
+            <a:off x="2338755" y="3015970"/>
+            <a:ext cx="2110153" cy="245976"/>
+          </a:xfrm>
+          <a:prstGeom prst="rect">
+            <a:avLst/>
+          </a:prstGeom>
+          <a:noFill/>
+          <a:ln w="38100">
+            <a:solidFill>
+              <a:srgbClr val="00B0F0"/>
+            </a:solidFill>
+          </a:ln>
+        </p:spPr>
+        <p:style>
+          <a:lnRef idx="2">
+            <a:schemeClr val="accent1">
+              <a:shade val="50000"/>
+            </a:schemeClr>
+          </a:lnRef>
+          <a:fillRef idx="1">
+            <a:schemeClr val="accent1"/>
+          </a:fillRef>
+          <a:effectRef idx="0">
+            <a:schemeClr val="accent1"/>
+          </a:effectRef>
+          <a:fontRef idx="minor">
+            <a:schemeClr val="lt1"/>
+          </a:fontRef>
+        </p:style>
+        <p:txBody>
+          <a:bodyPr rtlCol="0" anchor="ctr"/>
+          <a:lstStyle/>
+          <a:p>
+            <a:pPr algn="ctr"/>
+            <a:endParaRPr lang="ko-KR" altLang="en-US"/>
+          </a:p>
+        </p:txBody>
+      </p:sp>
+      <p:sp>
+        <p:nvSpPr>
+          <p:cNvPr id="3" name="타원 2"/>
+          <p:cNvSpPr/>
+          <p:nvPr/>
+        </p:nvSpPr>
+        <p:spPr>
+          <a:xfrm>
+            <a:off x="2508644" y="854260"/>
+            <a:ext cx="211016" cy="209608"/>
+          </a:xfrm>
+          <a:prstGeom prst="ellipse">
+            <a:avLst/>
+          </a:prstGeom>
+          <a:solidFill>
+            <a:schemeClr val="accent1">
+              <a:lumMod val="50000"/>
+            </a:schemeClr>
+          </a:solidFill>
+          <a:ln w="28575">
+            <a:solidFill>
+              <a:srgbClr val="00B0F0"/>
+            </a:solidFill>
+          </a:ln>
+        </p:spPr>
+        <p:style>
+          <a:lnRef idx="2">
+            <a:schemeClr val="accent1">
+              <a:shade val="50000"/>
+            </a:schemeClr>
+          </a:lnRef>
+          <a:fillRef idx="1">
+            <a:schemeClr val="accent1"/>
+          </a:fillRef>
+          <a:effectRef idx="0">
+            <a:schemeClr val="accent1"/>
+          </a:effectRef>
+          <a:fontRef idx="minor">
+            <a:schemeClr val="lt1"/>
+          </a:fontRef>
+        </p:style>
+        <p:txBody>
+          <a:bodyPr rtlCol="0" anchor="ctr"/>
+          <a:lstStyle/>
+          <a:p>
+            <a:pPr algn="ctr"/>
+            <a:r>
+              <a:rPr lang="en-US" altLang="ko-KR" sz="1050" dirty="0" smtClean="0"/>
+              <a:t>1</a:t>
+            </a:r>
+            <a:endParaRPr lang="ko-KR" altLang="en-US" sz="1050" dirty="0"/>
+          </a:p>
+        </p:txBody>
+      </p:sp>
+      <p:sp>
+        <p:nvSpPr>
+          <p:cNvPr id="12" name="타원 11"/>
+          <p:cNvSpPr/>
+          <p:nvPr/>
+        </p:nvSpPr>
+        <p:spPr>
+          <a:xfrm>
+            <a:off x="1623739" y="1575230"/>
+            <a:ext cx="211016" cy="209608"/>
+          </a:xfrm>
+          <a:prstGeom prst="ellipse">
+            <a:avLst/>
+          </a:prstGeom>
+          <a:solidFill>
+            <a:schemeClr val="accent1">
+              <a:lumMod val="50000"/>
+            </a:schemeClr>
+          </a:solidFill>
+          <a:ln w="28575">
+            <a:solidFill>
+              <a:srgbClr val="00B0F0"/>
+            </a:solidFill>
+          </a:ln>
+        </p:spPr>
+        <p:style>
+          <a:lnRef idx="2">
+            <a:schemeClr val="accent1">
+              <a:shade val="50000"/>
+            </a:schemeClr>
+          </a:lnRef>
+          <a:fillRef idx="1">
+            <a:schemeClr val="accent1"/>
+          </a:fillRef>
+          <a:effectRef idx="0">
+            <a:schemeClr val="accent1"/>
+          </a:effectRef>
+          <a:fontRef idx="minor">
+            <a:schemeClr val="lt1"/>
+          </a:fontRef>
+        </p:style>
+        <p:txBody>
+          <a:bodyPr rtlCol="0" anchor="ctr"/>
+          <a:lstStyle/>
+          <a:p>
+            <a:pPr algn="ctr"/>
+            <a:r>
+              <a:rPr lang="en-US" altLang="ko-KR" sz="1050" dirty="0" smtClean="0"/>
+              <a:t>2</a:t>
+            </a:r>
+            <a:endParaRPr lang="ko-KR" altLang="en-US" sz="1050" dirty="0"/>
+          </a:p>
+        </p:txBody>
+      </p:sp>
+      <p:sp>
+        <p:nvSpPr>
+          <p:cNvPr id="13" name="타원 12"/>
+          <p:cNvSpPr/>
+          <p:nvPr/>
+        </p:nvSpPr>
+        <p:spPr>
+          <a:xfrm>
+            <a:off x="1981390" y="3015970"/>
+            <a:ext cx="211016" cy="209608"/>
+          </a:xfrm>
+          <a:prstGeom prst="ellipse">
+            <a:avLst/>
+          </a:prstGeom>
+          <a:solidFill>
+            <a:schemeClr val="accent1">
+              <a:lumMod val="50000"/>
+            </a:schemeClr>
+          </a:solidFill>
+          <a:ln w="28575">
+            <a:solidFill>
+              <a:srgbClr val="00B0F0"/>
+            </a:solidFill>
+          </a:ln>
+        </p:spPr>
+        <p:style>
+          <a:lnRef idx="2">
+            <a:schemeClr val="accent1">
+              <a:shade val="50000"/>
+            </a:schemeClr>
+          </a:lnRef>
+          <a:fillRef idx="1">
+            <a:schemeClr val="accent1"/>
+          </a:fillRef>
+          <a:effectRef idx="0">
+            <a:schemeClr val="accent1"/>
+          </a:effectRef>
+          <a:fontRef idx="minor">
+            <a:schemeClr val="lt1"/>
+          </a:fontRef>
+        </p:style>
+        <p:txBody>
+          <a:bodyPr rtlCol="0" anchor="ctr"/>
+          <a:lstStyle/>
+          <a:p>
+            <a:pPr algn="ctr"/>
+            <a:r>
+              <a:rPr lang="en-US" altLang="ko-KR" sz="1050" dirty="0" smtClean="0"/>
+              <a:t>3</a:t>
+            </a:r>
+            <a:endParaRPr lang="ko-KR" altLang="en-US" sz="1050" dirty="0"/>
+          </a:p>
+        </p:txBody>
+      </p:sp>
+      <p:cxnSp>
+        <p:nvCxnSpPr>
+          <p:cNvPr id="14" name="직선 화살표 연결선 13"/>
+          <p:cNvCxnSpPr>
+            <a:stCxn id="2" idx="3"/>
+          </p:cNvCxnSpPr>
+          <p:nvPr/>
+        </p:nvCxnSpPr>
+        <p:spPr>
+          <a:xfrm>
+            <a:off x="4806273" y="3033769"/>
+            <a:ext cx="1225250" cy="0"/>
+          </a:xfrm>
+          <a:prstGeom prst="straightConnector1">
+            <a:avLst/>
+          </a:prstGeom>
+          <a:ln w="28575">
+            <a:solidFill>
+              <a:srgbClr val="00B0F0"/>
+            </a:solidFill>
+            <a:tailEnd type="triangle"/>
+          </a:ln>
+        </p:spPr>
+        <p:style>
+          <a:lnRef idx="1">
+            <a:schemeClr val="accent1"/>
+          </a:lnRef>
+          <a:fillRef idx="0">
+            <a:schemeClr val="accent1"/>
+          </a:fillRef>
+          <a:effectRef idx="0">
+            <a:schemeClr val="accent1"/>
+          </a:effectRef>
+          <a:fontRef idx="minor">
+            <a:schemeClr val="tx1"/>
+          </a:fontRef>
+        </p:style>
+      </p:cxnSp>
+      <p:sp>
+        <p:nvSpPr>
+          <p:cNvPr id="15" name="직사각형 14"/>
+          <p:cNvSpPr/>
+          <p:nvPr/>
+        </p:nvSpPr>
+        <p:spPr>
+          <a:xfrm>
+            <a:off x="211015" y="854260"/>
+            <a:ext cx="4595258" cy="4359018"/>
+          </a:xfrm>
+          <a:prstGeom prst="rect">
+            <a:avLst/>
+          </a:prstGeom>
+          <a:noFill/>
+          <a:ln w="38100">
+            <a:solidFill>
+              <a:srgbClr val="00B0F0"/>
+            </a:solidFill>
+          </a:ln>
+        </p:spPr>
+        <p:style>
+          <a:lnRef idx="2">
+            <a:schemeClr val="accent1">
+              <a:shade val="50000"/>
+            </a:schemeClr>
+          </a:lnRef>
+          <a:fillRef idx="1">
+            <a:schemeClr val="accent1"/>
+          </a:fillRef>
+          <a:effectRef idx="0">
+            <a:schemeClr val="accent1"/>
+          </a:effectRef>
+          <a:fontRef idx="minor">
+            <a:schemeClr val="lt1"/>
+          </a:fontRef>
+        </p:style>
+        <p:txBody>
+          <a:bodyPr rtlCol="0" anchor="ctr"/>
+          <a:lstStyle/>
+          <a:p>
+            <a:pPr algn="ctr"/>
+            <a:endParaRPr lang="ko-KR" altLang="en-US"/>
+          </a:p>
+        </p:txBody>
+      </p:sp>
+    </p:spTree>
+    <p:extLst>
+      <p:ext uri="{BB962C8B-B14F-4D97-AF65-F5344CB8AC3E}">
+        <p14:creationId xmlns:p14="http://schemas.microsoft.com/office/powerpoint/2010/main" val="963980080"/>
+      </p:ext>
+    </p:extLst>
+  </p:cSld>
+  <p:clrMapOvr>
+    <a:masterClrMapping/>
+  </p:clrMapOvr>
+</p:sld>
+</file>
+
+<file path=ppt/slides/slide27.xml><?xml version="1.0" encoding="utf-8"?>
+<p:sld xmlns:a="http://schemas.openxmlformats.org/drawingml/2006/main" xmlns:r="http://schemas.openxmlformats.org/officeDocument/2006/relationships" xmlns:p="http://schemas.openxmlformats.org/presentationml/2006/main">
+  <p:cSld>
+    <p:spTree>
+      <p:nvGrpSpPr>
+        <p:cNvPr id="1" name=""/>
+        <p:cNvGrpSpPr/>
+        <p:nvPr/>
+      </p:nvGrpSpPr>
+      <p:grpSpPr>
+        <a:xfrm>
+          <a:off x="0" y="0"/>
+          <a:ext cx="0" cy="0"/>
+          <a:chOff x="0" y="0"/>
+          <a:chExt cx="0" cy="0"/>
+        </a:xfrm>
+      </p:grpSpPr>
       <p:pic>
         <p:nvPicPr>
           <p:cNvPr id="4" name="그림 3"/>
@@ -7652,7 +8846,7 @@
 </p:sld>
 </file>
 
-<file path=ppt/slides/slide23.xml><?xml version="1.0" encoding="utf-8"?>
+<file path=ppt/slides/slide28.xml><?xml version="1.0" encoding="utf-8"?>
 <p:sld xmlns:a="http://schemas.openxmlformats.org/drawingml/2006/main" xmlns:r="http://schemas.openxmlformats.org/officeDocument/2006/relationships" xmlns:p="http://schemas.openxmlformats.org/presentationml/2006/main">
   <p:cSld>
     <p:spTree>

--- a/docs/리액트 정리.pptx
+++ b/docs/리액트 정리.pptx
@@ -13,26 +13,29 @@
     <p:sldId id="294" r:id="rId7"/>
     <p:sldId id="296" r:id="rId8"/>
     <p:sldId id="297" r:id="rId9"/>
-    <p:sldId id="283" r:id="rId10"/>
-    <p:sldId id="285" r:id="rId11"/>
-    <p:sldId id="287" r:id="rId12"/>
-    <p:sldId id="288" r:id="rId13"/>
-    <p:sldId id="300" r:id="rId14"/>
-    <p:sldId id="312" r:id="rId15"/>
-    <p:sldId id="314" r:id="rId16"/>
-    <p:sldId id="315" r:id="rId17"/>
-    <p:sldId id="316" r:id="rId18"/>
-    <p:sldId id="313" r:id="rId19"/>
-    <p:sldId id="301" r:id="rId20"/>
-    <p:sldId id="311" r:id="rId21"/>
-    <p:sldId id="302" r:id="rId22"/>
-    <p:sldId id="303" r:id="rId23"/>
-    <p:sldId id="304" r:id="rId24"/>
-    <p:sldId id="305" r:id="rId25"/>
-    <p:sldId id="306" r:id="rId26"/>
-    <p:sldId id="307" r:id="rId27"/>
-    <p:sldId id="308" r:id="rId28"/>
-    <p:sldId id="309" r:id="rId29"/>
+    <p:sldId id="317" r:id="rId10"/>
+    <p:sldId id="319" r:id="rId11"/>
+    <p:sldId id="318" r:id="rId12"/>
+    <p:sldId id="283" r:id="rId13"/>
+    <p:sldId id="285" r:id="rId14"/>
+    <p:sldId id="287" r:id="rId15"/>
+    <p:sldId id="288" r:id="rId16"/>
+    <p:sldId id="300" r:id="rId17"/>
+    <p:sldId id="312" r:id="rId18"/>
+    <p:sldId id="314" r:id="rId19"/>
+    <p:sldId id="315" r:id="rId20"/>
+    <p:sldId id="316" r:id="rId21"/>
+    <p:sldId id="313" r:id="rId22"/>
+    <p:sldId id="301" r:id="rId23"/>
+    <p:sldId id="311" r:id="rId24"/>
+    <p:sldId id="302" r:id="rId25"/>
+    <p:sldId id="303" r:id="rId26"/>
+    <p:sldId id="304" r:id="rId27"/>
+    <p:sldId id="305" r:id="rId28"/>
+    <p:sldId id="306" r:id="rId29"/>
+    <p:sldId id="307" r:id="rId30"/>
+    <p:sldId id="308" r:id="rId31"/>
+    <p:sldId id="309" r:id="rId32"/>
   </p:sldIdLst>
   <p:sldSz cx="12192000" cy="6858000"/>
   <p:notesSz cx="6858000" cy="9144000"/>
@@ -150,6 +153,13 @@
             <p14:sldId id="297"/>
           </p14:sldIdLst>
         </p14:section>
+        <p14:section name="useEffect()" id="{4A75D06B-D420-4B50-9D5E-63119008023A}">
+          <p14:sldIdLst>
+            <p14:sldId id="317"/>
+            <p14:sldId id="319"/>
+            <p14:sldId id="318"/>
+          </p14:sldIdLst>
+        </p14:section>
         <p14:section name="Router" id="{35446AD6-4C8D-441D-BDBC-2BF72DB029D2}">
           <p14:sldIdLst>
             <p14:sldId id="283"/>
@@ -322,7 +332,7 @@
           <a:p>
             <a:fld id="{4487A7D5-BEB9-4F0F-96DA-B93C3377B38E}" type="datetimeFigureOut">
               <a:rPr lang="ko-KR" altLang="en-US" smtClean="0"/>
-              <a:t>2021-01-17</a:t>
+              <a:t>2021-01-20</a:t>
             </a:fld>
             <a:endParaRPr lang="ko-KR" altLang="en-US"/>
           </a:p>
@@ -492,7 +502,7 @@
           <a:p>
             <a:fld id="{4487A7D5-BEB9-4F0F-96DA-B93C3377B38E}" type="datetimeFigureOut">
               <a:rPr lang="ko-KR" altLang="en-US" smtClean="0"/>
-              <a:t>2021-01-17</a:t>
+              <a:t>2021-01-20</a:t>
             </a:fld>
             <a:endParaRPr lang="ko-KR" altLang="en-US"/>
           </a:p>
@@ -672,7 +682,7 @@
           <a:p>
             <a:fld id="{4487A7D5-BEB9-4F0F-96DA-B93C3377B38E}" type="datetimeFigureOut">
               <a:rPr lang="ko-KR" altLang="en-US" smtClean="0"/>
-              <a:t>2021-01-17</a:t>
+              <a:t>2021-01-20</a:t>
             </a:fld>
             <a:endParaRPr lang="ko-KR" altLang="en-US"/>
           </a:p>
@@ -842,7 +852,7 @@
           <a:p>
             <a:fld id="{4487A7D5-BEB9-4F0F-96DA-B93C3377B38E}" type="datetimeFigureOut">
               <a:rPr lang="ko-KR" altLang="en-US" smtClean="0"/>
-              <a:t>2021-01-17</a:t>
+              <a:t>2021-01-20</a:t>
             </a:fld>
             <a:endParaRPr lang="ko-KR" altLang="en-US"/>
           </a:p>
@@ -1088,7 +1098,7 @@
           <a:p>
             <a:fld id="{4487A7D5-BEB9-4F0F-96DA-B93C3377B38E}" type="datetimeFigureOut">
               <a:rPr lang="ko-KR" altLang="en-US" smtClean="0"/>
-              <a:t>2021-01-17</a:t>
+              <a:t>2021-01-20</a:t>
             </a:fld>
             <a:endParaRPr lang="ko-KR" altLang="en-US"/>
           </a:p>
@@ -1320,7 +1330,7 @@
           <a:p>
             <a:fld id="{4487A7D5-BEB9-4F0F-96DA-B93C3377B38E}" type="datetimeFigureOut">
               <a:rPr lang="ko-KR" altLang="en-US" smtClean="0"/>
-              <a:t>2021-01-17</a:t>
+              <a:t>2021-01-20</a:t>
             </a:fld>
             <a:endParaRPr lang="ko-KR" altLang="en-US"/>
           </a:p>
@@ -1687,7 +1697,7 @@
           <a:p>
             <a:fld id="{4487A7D5-BEB9-4F0F-96DA-B93C3377B38E}" type="datetimeFigureOut">
               <a:rPr lang="ko-KR" altLang="en-US" smtClean="0"/>
-              <a:t>2021-01-17</a:t>
+              <a:t>2021-01-20</a:t>
             </a:fld>
             <a:endParaRPr lang="ko-KR" altLang="en-US"/>
           </a:p>
@@ -1805,7 +1815,7 @@
           <a:p>
             <a:fld id="{4487A7D5-BEB9-4F0F-96DA-B93C3377B38E}" type="datetimeFigureOut">
               <a:rPr lang="ko-KR" altLang="en-US" smtClean="0"/>
-              <a:t>2021-01-17</a:t>
+              <a:t>2021-01-20</a:t>
             </a:fld>
             <a:endParaRPr lang="ko-KR" altLang="en-US"/>
           </a:p>
@@ -1900,7 +1910,7 @@
           <a:p>
             <a:fld id="{4487A7D5-BEB9-4F0F-96DA-B93C3377B38E}" type="datetimeFigureOut">
               <a:rPr lang="ko-KR" altLang="en-US" smtClean="0"/>
-              <a:t>2021-01-17</a:t>
+              <a:t>2021-01-20</a:t>
             </a:fld>
             <a:endParaRPr lang="ko-KR" altLang="en-US"/>
           </a:p>
@@ -2177,7 +2187,7 @@
           <a:p>
             <a:fld id="{4487A7D5-BEB9-4F0F-96DA-B93C3377B38E}" type="datetimeFigureOut">
               <a:rPr lang="ko-KR" altLang="en-US" smtClean="0"/>
-              <a:t>2021-01-17</a:t>
+              <a:t>2021-01-20</a:t>
             </a:fld>
             <a:endParaRPr lang="ko-KR" altLang="en-US"/>
           </a:p>
@@ -2430,7 +2440,7 @@
           <a:p>
             <a:fld id="{4487A7D5-BEB9-4F0F-96DA-B93C3377B38E}" type="datetimeFigureOut">
               <a:rPr lang="ko-KR" altLang="en-US" smtClean="0"/>
-              <a:t>2021-01-17</a:t>
+              <a:t>2021-01-20</a:t>
             </a:fld>
             <a:endParaRPr lang="ko-KR" altLang="en-US"/>
           </a:p>
@@ -2643,7 +2653,7 @@
           <a:p>
             <a:fld id="{4487A7D5-BEB9-4F0F-96DA-B93C3377B38E}" type="datetimeFigureOut">
               <a:rPr lang="ko-KR" altLang="en-US" smtClean="0"/>
-              <a:t>2021-01-17</a:t>
+              <a:t>2021-01-20</a:t>
             </a:fld>
             <a:endParaRPr lang="ko-KR" altLang="en-US"/>
           </a:p>
@@ -3087,12 +3097,12 @@
           <a:lstStyle/>
           <a:p>
             <a:r>
-              <a:rPr lang="en-US" altLang="ko-KR" dirty="0" smtClean="0"/>
-              <a:t>1. </a:t>
-            </a:r>
-            <a:r>
               <a:rPr lang="ko-KR" altLang="en-US" dirty="0" smtClean="0"/>
-              <a:t>기본 구조</a:t>
+              <a:t>기본 </a:t>
+            </a:r>
+            <a:r>
+              <a:rPr lang="ko-KR" altLang="en-US" dirty="0" smtClean="0"/>
+              <a:t>구조</a:t>
             </a:r>
             <a:endParaRPr lang="ko-KR" altLang="en-US" dirty="0"/>
           </a:p>
@@ -3128,30 +3138,6 @@
           <a:chExt cx="0" cy="0"/>
         </a:xfrm>
       </p:grpSpPr>
-      <p:pic>
-        <p:nvPicPr>
-          <p:cNvPr id="3" name="그림 2"/>
-          <p:cNvPicPr>
-            <a:picLocks noChangeAspect="1"/>
-          </p:cNvPicPr>
-          <p:nvPr/>
-        </p:nvPicPr>
-        <p:blipFill>
-          <a:blip r:embed="rId2"/>
-          <a:stretch>
-            <a:fillRect/>
-          </a:stretch>
-        </p:blipFill>
-        <p:spPr>
-          <a:xfrm>
-            <a:off x="163045" y="1087997"/>
-            <a:ext cx="7255820" cy="5427138"/>
-          </a:xfrm>
-          <a:prstGeom prst="rect">
-            <a:avLst/>
-          </a:prstGeom>
-        </p:spPr>
-      </p:pic>
       <p:sp>
         <p:nvSpPr>
           <p:cNvPr id="5" name="TextBox 4"/>
@@ -3176,71 +3162,21 @@
           <a:p>
             <a:r>
               <a:rPr lang="en-US" altLang="ko-KR" sz="2400" b="1" dirty="0" smtClean="0"/>
-              <a:t>3.1. React-router-</a:t>
-            </a:r>
-            <a:r>
-              <a:rPr lang="en-US" altLang="ko-KR" sz="2400" b="1" dirty="0" err="1"/>
-              <a:t>d</a:t>
+              <a:t>1.0.0</a:t>
+            </a:r>
+            <a:r>
+              <a:rPr lang="en-US" altLang="ko-KR" sz="2400" b="1" dirty="0" smtClean="0"/>
+              <a:t>. </a:t>
             </a:r>
             <a:r>
               <a:rPr lang="en-US" altLang="ko-KR" sz="2400" b="1" dirty="0" err="1" smtClean="0"/>
-              <a:t>om</a:t>
+              <a:t>useEffect</a:t>
             </a:r>
             <a:r>
               <a:rPr lang="en-US" altLang="ko-KR" sz="2400" b="1" dirty="0" smtClean="0"/>
-              <a:t> </a:t>
-            </a:r>
-            <a:r>
-              <a:rPr lang="ko-KR" altLang="en-US" sz="2400" b="1" dirty="0" smtClean="0"/>
-              <a:t>설치</a:t>
+              <a:t>()? </a:t>
             </a:r>
             <a:endParaRPr lang="ko-KR" altLang="en-US" sz="2400" b="1" dirty="0"/>
-          </a:p>
-        </p:txBody>
-      </p:sp>
-      <p:sp>
-        <p:nvSpPr>
-          <p:cNvPr id="7" name="직사각형 6"/>
-          <p:cNvSpPr/>
-          <p:nvPr/>
-        </p:nvSpPr>
-        <p:spPr>
-          <a:xfrm>
-            <a:off x="3956858" y="6159731"/>
-            <a:ext cx="1313412" cy="207818"/>
-          </a:xfrm>
-          <a:prstGeom prst="rect">
-            <a:avLst/>
-          </a:prstGeom>
-          <a:noFill/>
-          <a:ln w="38100">
-            <a:solidFill>
-              <a:srgbClr val="00B0F0"/>
-            </a:solidFill>
-          </a:ln>
-        </p:spPr>
-        <p:style>
-          <a:lnRef idx="2">
-            <a:schemeClr val="accent1">
-              <a:shade val="50000"/>
-            </a:schemeClr>
-          </a:lnRef>
-          <a:fillRef idx="1">
-            <a:schemeClr val="accent1"/>
-          </a:fillRef>
-          <a:effectRef idx="0">
-            <a:schemeClr val="accent1"/>
-          </a:effectRef>
-          <a:fontRef idx="minor">
-            <a:schemeClr val="lt1"/>
-          </a:fontRef>
-        </p:style>
-        <p:txBody>
-          <a:bodyPr rtlCol="0" anchor="ctr"/>
-          <a:lstStyle/>
-          <a:p>
-            <a:pPr algn="ctr"/>
-            <a:endParaRPr lang="ko-KR" altLang="en-US"/>
           </a:p>
         </p:txBody>
       </p:sp>
@@ -3252,8 +3188,8 @@
         </p:nvSpPr>
         <p:spPr>
           <a:xfrm>
-            <a:off x="7589519" y="1087997"/>
-            <a:ext cx="4394130" cy="567463"/>
+            <a:off x="163043" y="732978"/>
+            <a:ext cx="11873785" cy="1338828"/>
           </a:xfrm>
           <a:prstGeom prst="rect">
             <a:avLst/>
@@ -3266,102 +3202,111 @@
           </a:bodyPr>
           <a:lstStyle/>
           <a:p>
-            <a:pPr algn="just">
+            <a:pPr>
               <a:lnSpc>
                 <a:spcPct val="150000"/>
               </a:lnSpc>
             </a:pPr>
             <a:r>
-              <a:rPr lang="en-US" altLang="ko-KR" sz="1100" dirty="0" smtClean="0"/>
-              <a:t>Router</a:t>
-            </a:r>
-            <a:r>
-              <a:rPr lang="ko-KR" altLang="en-US" sz="1100" dirty="0" smtClean="0"/>
-              <a:t>를 사용하기 위해 </a:t>
-            </a:r>
-            <a:r>
-              <a:rPr lang="en-US" altLang="ko-KR" sz="1100" dirty="0" smtClean="0"/>
-              <a:t>“</a:t>
-            </a:r>
-            <a:r>
-              <a:rPr lang="en-US" altLang="ko-KR" sz="1100" b="1" dirty="0" err="1" smtClean="0"/>
-              <a:t>npm</a:t>
-            </a:r>
-            <a:r>
-              <a:rPr lang="en-US" altLang="ko-KR" sz="1100" b="1" dirty="0" smtClean="0"/>
-              <a:t> install(</a:t>
-            </a:r>
-            <a:r>
-              <a:rPr lang="en-US" altLang="ko-KR" sz="1100" b="1" dirty="0" err="1" smtClean="0"/>
-              <a:t>i</a:t>
-            </a:r>
-            <a:r>
-              <a:rPr lang="en-US" altLang="ko-KR" sz="1100" b="1" dirty="0" smtClean="0"/>
-              <a:t>) react-router-</a:t>
-            </a:r>
-            <a:r>
-              <a:rPr lang="en-US" altLang="ko-KR" sz="1100" b="1" dirty="0" err="1" smtClean="0"/>
-              <a:t>dom</a:t>
-            </a:r>
-            <a:r>
-              <a:rPr lang="en-US" altLang="ko-KR" sz="1100" dirty="0" smtClean="0"/>
-              <a:t>” </a:t>
-            </a:r>
-            <a:r>
-              <a:rPr lang="ko-KR" altLang="en-US" sz="1100" dirty="0" smtClean="0"/>
-              <a:t>명령어를 통해 설치</a:t>
-            </a:r>
-            <a:r>
-              <a:rPr lang="en-US" altLang="ko-KR" sz="1100" dirty="0" smtClean="0"/>
+              <a:rPr lang="ko-KR" altLang="en-US" dirty="0" smtClean="0"/>
+              <a:t>함수 </a:t>
+            </a:r>
+            <a:r>
+              <a:rPr lang="ko-KR" altLang="en-US" dirty="0" err="1" smtClean="0"/>
+              <a:t>실행시</a:t>
+            </a:r>
+            <a:r>
+              <a:rPr lang="ko-KR" altLang="en-US" dirty="0" smtClean="0"/>
+              <a:t> </a:t>
+            </a:r>
+            <a:r>
+              <a:rPr lang="ko-KR" altLang="en-US" dirty="0" err="1" smtClean="0"/>
+              <a:t>함부</a:t>
+            </a:r>
+            <a:r>
+              <a:rPr lang="ko-KR" altLang="en-US" dirty="0" smtClean="0"/>
+              <a:t> 외부의 상태를 변경하는 연산 </a:t>
+            </a:r>
+            <a:r>
+              <a:rPr lang="en-US" altLang="ko-KR" dirty="0" smtClean="0"/>
+              <a:t>&gt; </a:t>
+            </a:r>
+            <a:r>
+              <a:rPr lang="ko-KR" altLang="en-US" dirty="0" err="1" smtClean="0"/>
+              <a:t>부수효과</a:t>
+            </a:r>
+            <a:r>
+              <a:rPr lang="ko-KR" altLang="en-US" dirty="0" smtClean="0"/>
+              <a:t> 함수 </a:t>
+            </a:r>
+            <a:r>
+              <a:rPr lang="en-US" altLang="ko-KR" dirty="0" smtClean="0"/>
+              <a:t>&gt; </a:t>
+            </a:r>
+            <a:r>
+              <a:rPr lang="ko-KR" altLang="en-US" dirty="0" smtClean="0"/>
+              <a:t>이를 처리하는 </a:t>
+            </a:r>
+            <a:r>
+              <a:rPr lang="ko-KR" altLang="en-US" dirty="0" err="1" smtClean="0"/>
+              <a:t>리액트</a:t>
+            </a:r>
+            <a:r>
+              <a:rPr lang="ko-KR" altLang="en-US" dirty="0" smtClean="0"/>
+              <a:t> 훅</a:t>
+            </a:r>
+            <a:endParaRPr lang="en-US" altLang="ko-KR" dirty="0" smtClean="0"/>
+          </a:p>
+          <a:p>
+            <a:pPr marL="285750" indent="-285750">
+              <a:lnSpc>
+                <a:spcPct val="150000"/>
+              </a:lnSpc>
+              <a:buFont typeface="Arial" panose="020B0604020202020204" pitchFamily="34" charset="0"/>
+              <a:buChar char="•"/>
+            </a:pPr>
+            <a:r>
+              <a:rPr lang="ko-KR" altLang="en-US" dirty="0" smtClean="0"/>
+              <a:t>부수 효과</a:t>
+            </a:r>
+            <a:r>
+              <a:rPr lang="en-US" altLang="ko-KR" dirty="0" smtClean="0"/>
+              <a:t> </a:t>
+            </a:r>
+            <a:r>
+              <a:rPr lang="ko-KR" altLang="en-US" dirty="0" smtClean="0"/>
+              <a:t>함수는 렌더링 결과가 실제 돔에 반영 된 </a:t>
+            </a:r>
+            <a:r>
+              <a:rPr lang="ko-KR" altLang="en-US" dirty="0" smtClean="0"/>
+              <a:t>후</a:t>
+            </a:r>
+            <a:endParaRPr lang="en-US" altLang="ko-KR" dirty="0" smtClean="0"/>
+          </a:p>
+          <a:p>
+            <a:pPr marL="285750" indent="-285750">
+              <a:lnSpc>
+                <a:spcPct val="150000"/>
+              </a:lnSpc>
+              <a:buFont typeface="Arial" panose="020B0604020202020204" pitchFamily="34" charset="0"/>
+              <a:buChar char="•"/>
+            </a:pPr>
+            <a:r>
+              <a:rPr lang="ko-KR" altLang="en-US" dirty="0" smtClean="0"/>
+              <a:t>컴포넌트가 사라지기 직전에 마지막으로 호출</a:t>
+            </a:r>
+            <a:r>
+              <a:rPr lang="en-US" altLang="ko-KR" dirty="0" smtClean="0"/>
               <a:t>.</a:t>
             </a:r>
-            <a:endParaRPr lang="ko-KR" altLang="en-US" sz="1100" dirty="0"/>
-          </a:p>
-        </p:txBody>
-      </p:sp>
-      <p:cxnSp>
-        <p:nvCxnSpPr>
-          <p:cNvPr id="6" name="꺾인 연결선 5"/>
-          <p:cNvCxnSpPr>
-            <a:stCxn id="7" idx="3"/>
-            <a:endCxn id="10" idx="1"/>
-          </p:cNvCxnSpPr>
-          <p:nvPr/>
-        </p:nvCxnSpPr>
-        <p:spPr>
-          <a:xfrm flipV="1">
-            <a:off x="5270270" y="1371729"/>
-            <a:ext cx="2319249" cy="4891911"/>
-          </a:xfrm>
-          <a:prstGeom prst="bentConnector3">
-            <a:avLst/>
-          </a:prstGeom>
-          <a:ln w="19050">
-            <a:solidFill>
-              <a:srgbClr val="00B0F0"/>
-            </a:solidFill>
-            <a:tailEnd type="triangle"/>
-          </a:ln>
-        </p:spPr>
-        <p:style>
-          <a:lnRef idx="1">
-            <a:schemeClr val="accent1"/>
-          </a:lnRef>
-          <a:fillRef idx="0">
-            <a:schemeClr val="accent1"/>
-          </a:fillRef>
-          <a:effectRef idx="0">
-            <a:schemeClr val="accent1"/>
-          </a:effectRef>
-          <a:fontRef idx="minor">
-            <a:schemeClr val="tx1"/>
-          </a:fontRef>
-        </p:style>
-      </p:cxnSp>
+            <a:endParaRPr lang="en-US" altLang="ko-KR" dirty="0" smtClean="0"/>
+          </a:p>
+        </p:txBody>
+      </p:sp>
     </p:spTree>
     <p:extLst>
       <p:ext uri="{BB962C8B-B14F-4D97-AF65-F5344CB8AC3E}">
-        <p14:creationId xmlns:p14="http://schemas.microsoft.com/office/powerpoint/2010/main" val="877759609"/>
+        <p14:creationId xmlns:p14="http://schemas.microsoft.com/office/powerpoint/2010/main" val="3811924451"/>
       </p:ext>
     </p:extLst>
   </p:cSld>
@@ -3390,7 +3335,7 @@
       </p:grpSpPr>
       <p:pic>
         <p:nvPicPr>
-          <p:cNvPr id="2" name="그림 1"/>
+          <p:cNvPr id="3" name="그림 2"/>
           <p:cNvPicPr>
             <a:picLocks noChangeAspect="1"/>
           </p:cNvPicPr>
@@ -3404,8 +3349,8 @@
         </p:blipFill>
         <p:spPr>
           <a:xfrm>
-            <a:off x="163044" y="1121249"/>
-            <a:ext cx="7255821" cy="5427138"/>
+            <a:off x="163045" y="1087997"/>
+            <a:ext cx="7255820" cy="5427138"/>
           </a:xfrm>
           <a:prstGeom prst="rect">
             <a:avLst/>
@@ -3436,15 +3381,7 @@
           <a:p>
             <a:r>
               <a:rPr lang="en-US" altLang="ko-KR" sz="2400" b="1" dirty="0" smtClean="0"/>
-              <a:t>3.2. </a:t>
-            </a:r>
-            <a:r>
-              <a:rPr lang="en-US" altLang="ko-KR" sz="2400" b="1" dirty="0" err="1" smtClean="0"/>
-              <a:t>BrowserRouter</a:t>
-            </a:r>
-            <a:r>
-              <a:rPr lang="en-US" altLang="ko-KR" sz="2400" b="1" dirty="0" smtClean="0"/>
-              <a:t>, Route</a:t>
+              <a:t>1.0.0 use</a:t>
             </a:r>
             <a:endParaRPr lang="ko-KR" altLang="en-US" sz="2400" b="1" dirty="0"/>
           </a:p>
@@ -3452,162 +3389,20 @@
       </p:sp>
       <p:sp>
         <p:nvSpPr>
-          <p:cNvPr id="10" name="TextBox 9"/>
-          <p:cNvSpPr txBox="1"/>
-          <p:nvPr/>
-        </p:nvSpPr>
-        <p:spPr>
-          <a:xfrm>
-            <a:off x="7597831" y="1121249"/>
-            <a:ext cx="4394130" cy="2123658"/>
+          <p:cNvPr id="7" name="직사각형 6"/>
+          <p:cNvSpPr/>
+          <p:nvPr/>
+        </p:nvSpPr>
+        <p:spPr>
+          <a:xfrm>
+            <a:off x="3956858" y="6159731"/>
+            <a:ext cx="1313412" cy="207818"/>
           </a:xfrm>
           <a:prstGeom prst="rect">
             <a:avLst/>
           </a:prstGeom>
           <a:noFill/>
-        </p:spPr>
-        <p:txBody>
-          <a:bodyPr wrap="square" rtlCol="0">
-            <a:spAutoFit/>
-          </a:bodyPr>
-          <a:lstStyle/>
-          <a:p>
-            <a:pPr algn="just">
-              <a:lnSpc>
-                <a:spcPct val="150000"/>
-              </a:lnSpc>
-            </a:pPr>
-            <a:r>
-              <a:rPr lang="en-US" altLang="ko-KR" sz="1100" b="1" dirty="0" err="1" smtClean="0"/>
-              <a:t>BrowserRouter</a:t>
-            </a:r>
-            <a:r>
-              <a:rPr lang="en-US" altLang="ko-KR" sz="1100" dirty="0" smtClean="0"/>
-              <a:t> ? HTML5</a:t>
-            </a:r>
-            <a:r>
-              <a:rPr lang="ko-KR" altLang="en-US" sz="1100" dirty="0" smtClean="0"/>
-              <a:t>의 </a:t>
-            </a:r>
-            <a:r>
-              <a:rPr lang="en-US" altLang="ko-KR" sz="1100" dirty="0" smtClean="0"/>
-              <a:t>History API</a:t>
-            </a:r>
-            <a:r>
-              <a:rPr lang="ko-KR" altLang="en-US" sz="1100" dirty="0" smtClean="0"/>
-              <a:t>를 사용하여 페이지를 </a:t>
-            </a:r>
-            <a:r>
-              <a:rPr lang="ko-KR" altLang="en-US" sz="1100" dirty="0" err="1" smtClean="0"/>
-              <a:t>새로고침</a:t>
-            </a:r>
-            <a:r>
-              <a:rPr lang="ko-KR" altLang="en-US" sz="1100" dirty="0" smtClean="0"/>
-              <a:t> 하지 않고도 주소 변경이 가능하며</a:t>
-            </a:r>
-            <a:r>
-              <a:rPr lang="en-US" altLang="ko-KR" sz="1100" dirty="0" smtClean="0"/>
-              <a:t> (</a:t>
-            </a:r>
-            <a:r>
-              <a:rPr lang="ko-KR" altLang="en-US" sz="1100" dirty="0" smtClean="0"/>
-              <a:t>페이지 변경으로 인한 </a:t>
-            </a:r>
-            <a:r>
-              <a:rPr lang="ko-KR" altLang="en-US" sz="1100" dirty="0" err="1" smtClean="0"/>
-              <a:t>깜빡거림이</a:t>
-            </a:r>
-            <a:r>
-              <a:rPr lang="ko-KR" altLang="en-US" sz="1100" dirty="0" smtClean="0"/>
-              <a:t> 없음</a:t>
-            </a:r>
-            <a:r>
-              <a:rPr lang="en-US" altLang="ko-KR" sz="1100" dirty="0" smtClean="0"/>
-              <a:t>) </a:t>
-            </a:r>
-            <a:r>
-              <a:rPr lang="ko-KR" altLang="en-US" sz="1100" dirty="0" smtClean="0"/>
-              <a:t>현재 주소와 관련된 정보를 </a:t>
-            </a:r>
-            <a:r>
-              <a:rPr lang="en-US" altLang="ko-KR" sz="1100" dirty="0" smtClean="0"/>
-              <a:t>props</a:t>
-            </a:r>
-            <a:r>
-              <a:rPr lang="ko-KR" altLang="en-US" sz="1100" dirty="0" smtClean="0"/>
-              <a:t>로 조회 및 사용이 가능함</a:t>
-            </a:r>
-            <a:r>
-              <a:rPr lang="en-US" altLang="ko-KR" sz="1100" dirty="0" smtClean="0"/>
-              <a:t>.</a:t>
-            </a:r>
-          </a:p>
-          <a:p>
-            <a:pPr algn="just">
-              <a:lnSpc>
-                <a:spcPct val="150000"/>
-              </a:lnSpc>
-            </a:pPr>
-            <a:endParaRPr lang="en-US" altLang="ko-KR" sz="1100" dirty="0"/>
-          </a:p>
-          <a:p>
-            <a:pPr algn="just">
-              <a:lnSpc>
-                <a:spcPct val="150000"/>
-              </a:lnSpc>
-            </a:pPr>
-            <a:r>
-              <a:rPr lang="en-US" altLang="ko-KR" sz="1100" b="1" dirty="0"/>
-              <a:t>Route</a:t>
-            </a:r>
-            <a:r>
-              <a:rPr lang="en-US" altLang="ko-KR" sz="1100" dirty="0"/>
-              <a:t> ? </a:t>
-            </a:r>
-            <a:r>
-              <a:rPr lang="ko-KR" altLang="en-US" sz="1100" dirty="0"/>
-              <a:t>주소에 따라 다른 페이지를 보여주는 라우팅 기능을 가진 컴포넌트</a:t>
-            </a:r>
-            <a:r>
-              <a:rPr lang="en-US" altLang="ko-KR" sz="1100" dirty="0"/>
-              <a:t>, path=“”</a:t>
-            </a:r>
-            <a:r>
-              <a:rPr lang="ko-KR" altLang="en-US" sz="1100" dirty="0"/>
-              <a:t>에는 주소 경로</a:t>
-            </a:r>
-            <a:r>
-              <a:rPr lang="en-US" altLang="ko-KR" sz="1100" dirty="0"/>
-              <a:t>, component={}</a:t>
-            </a:r>
-            <a:r>
-              <a:rPr lang="ko-KR" altLang="en-US" sz="1100" dirty="0"/>
-              <a:t>에는 렌더링 할 컴포넌트를 표시한다</a:t>
-            </a:r>
-            <a:r>
-              <a:rPr lang="en-US" altLang="ko-KR" sz="1100" dirty="0" smtClean="0"/>
-              <a:t>.</a:t>
-            </a:r>
-            <a:endParaRPr lang="en-US" altLang="ko-KR" sz="1100" dirty="0"/>
-          </a:p>
-        </p:txBody>
-      </p:sp>
-      <p:sp>
-        <p:nvSpPr>
-          <p:cNvPr id="6" name="직사각형 5"/>
-          <p:cNvSpPr/>
-          <p:nvPr/>
-        </p:nvSpPr>
-        <p:spPr>
-          <a:xfrm>
-            <a:off x="1546167" y="1645921"/>
-            <a:ext cx="1662546" cy="133004"/>
-          </a:xfrm>
-          <a:prstGeom prst="rect">
-            <a:avLst/>
-          </a:prstGeom>
-          <a:noFill/>
-          <a:ln w="28575">
+          <a:ln w="38100">
             <a:solidFill>
               <a:srgbClr val="00B0F0"/>
             </a:solidFill>
@@ -3640,65 +3435,97 @@
       </p:sp>
       <p:sp>
         <p:nvSpPr>
-          <p:cNvPr id="11" name="직사각형 10"/>
-          <p:cNvSpPr/>
-          <p:nvPr/>
-        </p:nvSpPr>
-        <p:spPr>
-          <a:xfrm>
-            <a:off x="1715192" y="2546465"/>
-            <a:ext cx="1826029" cy="537557"/>
+          <p:cNvPr id="10" name="TextBox 9"/>
+          <p:cNvSpPr txBox="1"/>
+          <p:nvPr/>
+        </p:nvSpPr>
+        <p:spPr>
+          <a:xfrm>
+            <a:off x="7589519" y="1087997"/>
+            <a:ext cx="4394130" cy="567463"/>
           </a:xfrm>
           <a:prstGeom prst="rect">
             <a:avLst/>
           </a:prstGeom>
           <a:noFill/>
-          <a:ln w="28575">
-            <a:solidFill>
-              <a:srgbClr val="00B0F0"/>
-            </a:solidFill>
-          </a:ln>
-        </p:spPr>
-        <p:style>
-          <a:lnRef idx="2">
-            <a:schemeClr val="accent1">
-              <a:shade val="50000"/>
-            </a:schemeClr>
-          </a:lnRef>
-          <a:fillRef idx="1">
-            <a:schemeClr val="accent1"/>
-          </a:fillRef>
-          <a:effectRef idx="0">
-            <a:schemeClr val="accent1"/>
-          </a:effectRef>
-          <a:fontRef idx="minor">
-            <a:schemeClr val="lt1"/>
-          </a:fontRef>
-        </p:style>
-        <p:txBody>
-          <a:bodyPr rtlCol="0" anchor="ctr"/>
-          <a:lstStyle/>
-          <a:p>
-            <a:pPr algn="ctr"/>
-            <a:endParaRPr lang="ko-KR" altLang="en-US"/>
+        </p:spPr>
+        <p:txBody>
+          <a:bodyPr wrap="square" rtlCol="0">
+            <a:spAutoFit/>
+          </a:bodyPr>
+          <a:lstStyle/>
+          <a:p>
+            <a:pPr algn="just">
+              <a:lnSpc>
+                <a:spcPct val="150000"/>
+              </a:lnSpc>
+            </a:pPr>
+            <a:r>
+              <a:rPr lang="en-US" altLang="ko-KR" sz="1100" dirty="0" smtClean="0"/>
+              <a:t>Router</a:t>
+            </a:r>
+            <a:r>
+              <a:rPr lang="ko-KR" altLang="en-US" sz="1100" dirty="0" smtClean="0"/>
+              <a:t>를 사용하기 위해 </a:t>
+            </a:r>
+            <a:r>
+              <a:rPr lang="en-US" altLang="ko-KR" sz="1100" dirty="0" smtClean="0"/>
+              <a:t>“</a:t>
+            </a:r>
+            <a:r>
+              <a:rPr lang="en-US" altLang="ko-KR" sz="1100" b="1" dirty="0" err="1" smtClean="0"/>
+              <a:t>npm</a:t>
+            </a:r>
+            <a:r>
+              <a:rPr lang="en-US" altLang="ko-KR" sz="1100" b="1" dirty="0" smtClean="0"/>
+              <a:t> install(</a:t>
+            </a:r>
+            <a:r>
+              <a:rPr lang="en-US" altLang="ko-KR" sz="1100" b="1" dirty="0" err="1" smtClean="0"/>
+              <a:t>i</a:t>
+            </a:r>
+            <a:r>
+              <a:rPr lang="en-US" altLang="ko-KR" sz="1100" b="1" dirty="0" smtClean="0"/>
+              <a:t>) react-router-</a:t>
+            </a:r>
+            <a:r>
+              <a:rPr lang="en-US" altLang="ko-KR" sz="1100" b="1" dirty="0" err="1" smtClean="0"/>
+              <a:t>dom</a:t>
+            </a:r>
+            <a:r>
+              <a:rPr lang="en-US" altLang="ko-KR" sz="1100" dirty="0" smtClean="0"/>
+              <a:t>” </a:t>
+            </a:r>
+            <a:r>
+              <a:rPr lang="ko-KR" altLang="en-US" sz="1100" dirty="0" smtClean="0"/>
+              <a:t>명령어를 통해 설치</a:t>
+            </a:r>
+            <a:r>
+              <a:rPr lang="en-US" altLang="ko-KR" sz="1100" dirty="0" smtClean="0"/>
+              <a:t>.</a:t>
+            </a:r>
+            <a:endParaRPr lang="ko-KR" altLang="en-US" sz="1100" dirty="0"/>
           </a:p>
         </p:txBody>
       </p:sp>
       <p:cxnSp>
         <p:nvCxnSpPr>
-          <p:cNvPr id="13" name="직선 화살표 연결선 12"/>
-          <p:cNvCxnSpPr/>
+          <p:cNvPr id="6" name="꺾인 연결선 5"/>
+          <p:cNvCxnSpPr>
+            <a:stCxn id="7" idx="3"/>
+            <a:endCxn id="10" idx="1"/>
+          </p:cNvCxnSpPr>
           <p:nvPr/>
         </p:nvCxnSpPr>
         <p:spPr>
           <a:xfrm flipV="1">
-            <a:off x="3208713" y="1712424"/>
-            <a:ext cx="4389118" cy="1"/>
-          </a:xfrm>
-          <a:prstGeom prst="straightConnector1">
-            <a:avLst/>
-          </a:prstGeom>
-          <a:ln w="12700">
+            <a:off x="5270270" y="1371729"/>
+            <a:ext cx="2319249" cy="4891911"/>
+          </a:xfrm>
+          <a:prstGeom prst="bentConnector3">
+            <a:avLst/>
+          </a:prstGeom>
+          <a:ln w="19050">
             <a:solidFill>
               <a:srgbClr val="00B0F0"/>
             </a:solidFill>
@@ -3723,7 +3550,7 @@
     </p:spTree>
     <p:extLst>
       <p:ext uri="{BB962C8B-B14F-4D97-AF65-F5344CB8AC3E}">
-        <p14:creationId xmlns:p14="http://schemas.microsoft.com/office/powerpoint/2010/main" val="3500613467"/>
+        <p14:creationId xmlns:p14="http://schemas.microsoft.com/office/powerpoint/2010/main" val="2661857209"/>
       </p:ext>
     </p:extLst>
   </p:cSld>
@@ -3750,370 +3577,56 @@
           <a:chExt cx="0" cy="0"/>
         </a:xfrm>
       </p:grpSpPr>
-      <p:pic>
-        <p:nvPicPr>
-          <p:cNvPr id="12" name="그림 11"/>
-          <p:cNvPicPr>
-            <a:picLocks noChangeAspect="1"/>
-          </p:cNvPicPr>
-          <p:nvPr/>
-        </p:nvPicPr>
-        <p:blipFill>
-          <a:blip r:embed="rId2"/>
-          <a:stretch>
-            <a:fillRect/>
-          </a:stretch>
-        </p:blipFill>
-        <p:spPr>
-          <a:xfrm>
-            <a:off x="163044" y="1087998"/>
-            <a:ext cx="7260718" cy="5427138"/>
-          </a:xfrm>
-          <a:prstGeom prst="rect">
-            <a:avLst/>
-          </a:prstGeom>
-        </p:spPr>
-      </p:pic>
-      <p:sp>
-        <p:nvSpPr>
-          <p:cNvPr id="13" name="직사각형 12"/>
-          <p:cNvSpPr/>
-          <p:nvPr/>
-        </p:nvSpPr>
-        <p:spPr>
-          <a:xfrm>
-            <a:off x="1271847" y="3549535"/>
-            <a:ext cx="5037513" cy="166254"/>
-          </a:xfrm>
-          <a:prstGeom prst="rect">
-            <a:avLst/>
-          </a:prstGeom>
-          <a:noFill/>
-          <a:ln w="38100">
-            <a:solidFill>
-              <a:srgbClr val="00B0F0"/>
-            </a:solidFill>
-          </a:ln>
-        </p:spPr>
-        <p:style>
-          <a:lnRef idx="2">
-            <a:schemeClr val="accent1">
-              <a:shade val="50000"/>
-            </a:schemeClr>
-          </a:lnRef>
-          <a:fillRef idx="1">
-            <a:schemeClr val="accent1"/>
-          </a:fillRef>
-          <a:effectRef idx="0">
-            <a:schemeClr val="accent1"/>
-          </a:effectRef>
-          <a:fontRef idx="minor">
-            <a:schemeClr val="lt1"/>
-          </a:fontRef>
-        </p:style>
-        <p:txBody>
-          <a:bodyPr rtlCol="0" anchor="ctr"/>
-          <a:lstStyle/>
-          <a:p>
-            <a:pPr algn="ctr"/>
-            <a:endParaRPr lang="ko-KR" altLang="en-US"/>
-          </a:p>
-        </p:txBody>
-      </p:sp>
-      <p:sp>
-        <p:nvSpPr>
-          <p:cNvPr id="5" name="TextBox 4"/>
-          <p:cNvSpPr txBox="1"/>
-          <p:nvPr/>
-        </p:nvSpPr>
-        <p:spPr>
-          <a:xfrm>
-            <a:off x="163044" y="200921"/>
-            <a:ext cx="10008295" cy="461665"/>
-          </a:xfrm>
-          <a:prstGeom prst="rect">
-            <a:avLst/>
-          </a:prstGeom>
-          <a:noFill/>
-        </p:spPr>
-        <p:txBody>
-          <a:bodyPr wrap="square" rtlCol="0">
-            <a:spAutoFit/>
-          </a:bodyPr>
-          <a:lstStyle/>
-          <a:p>
-            <a:r>
-              <a:rPr lang="en-US" altLang="ko-KR" sz="2400" b="1" dirty="0" smtClean="0"/>
-              <a:t>3.3. Link</a:t>
-            </a:r>
-            <a:endParaRPr lang="ko-KR" altLang="en-US" sz="2400" b="1" dirty="0"/>
-          </a:p>
-        </p:txBody>
-      </p:sp>
-      <p:sp>
-        <p:nvSpPr>
-          <p:cNvPr id="14" name="TextBox 13"/>
-          <p:cNvSpPr txBox="1"/>
-          <p:nvPr/>
-        </p:nvSpPr>
-        <p:spPr>
-          <a:xfrm>
-            <a:off x="7589519" y="1087997"/>
-            <a:ext cx="4394130" cy="2885405"/>
-          </a:xfrm>
-          <a:prstGeom prst="rect">
-            <a:avLst/>
-          </a:prstGeom>
-          <a:noFill/>
-        </p:spPr>
-        <p:txBody>
-          <a:bodyPr wrap="square" rtlCol="0">
-            <a:spAutoFit/>
-          </a:bodyPr>
-          <a:lstStyle/>
-          <a:p>
-            <a:pPr algn="just">
-              <a:lnSpc>
-                <a:spcPct val="150000"/>
-              </a:lnSpc>
-            </a:pPr>
-            <a:r>
-              <a:rPr lang="en-US" altLang="ko-KR" sz="1100" dirty="0" smtClean="0"/>
+      <p:sp>
+        <p:nvSpPr>
+          <p:cNvPr id="2" name="제목 1"/>
+          <p:cNvSpPr>
+            <a:spLocks noGrp="1"/>
+          </p:cNvSpPr>
+          <p:nvPr>
+            <p:ph type="ctrTitle"/>
+          </p:nvPr>
+        </p:nvSpPr>
+        <p:spPr/>
+        <p:txBody>
+          <a:bodyPr/>
+          <a:lstStyle/>
+          <a:p>
+            <a:r>
+              <a:rPr lang="en-US" altLang="ko-KR" dirty="0" smtClean="0"/>
               <a:t>React</a:t>
             </a:r>
-            <a:r>
-              <a:rPr lang="ko-KR" altLang="en-US" sz="1100" dirty="0" smtClean="0"/>
-              <a:t>에서는 </a:t>
-            </a:r>
-            <a:r>
-              <a:rPr lang="en-US" altLang="ko-KR" sz="1100" dirty="0" smtClean="0"/>
-              <a:t>&lt;a </a:t>
-            </a:r>
-            <a:r>
-              <a:rPr lang="en-US" altLang="ko-KR" sz="1100" dirty="0" err="1" smtClean="0"/>
-              <a:t>href</a:t>
-            </a:r>
-            <a:r>
-              <a:rPr lang="en-US" altLang="ko-KR" sz="1100" dirty="0" smtClean="0"/>
-              <a:t>=“”&gt; </a:t>
-            </a:r>
-            <a:r>
-              <a:rPr lang="ko-KR" altLang="en-US" sz="1100" dirty="0" smtClean="0"/>
-              <a:t>태그로</a:t>
-            </a:r>
-            <a:r>
-              <a:rPr lang="en-US" altLang="ko-KR" sz="1100" dirty="0" smtClean="0"/>
-              <a:t> </a:t>
-            </a:r>
-            <a:r>
-              <a:rPr lang="ko-KR" altLang="en-US" sz="1100" dirty="0" smtClean="0"/>
-              <a:t>페이지 이동 구현이 되지 않는다</a:t>
-            </a:r>
-            <a:r>
-              <a:rPr lang="en-US" altLang="ko-KR" sz="1100" dirty="0" smtClean="0"/>
-              <a:t>. </a:t>
-            </a:r>
-            <a:r>
-              <a:rPr lang="ko-KR" altLang="en-US" sz="1100" dirty="0" smtClean="0"/>
-              <a:t>따라서</a:t>
-            </a:r>
-            <a:r>
-              <a:rPr lang="en-US" altLang="ko-KR" sz="1100" dirty="0" smtClean="0"/>
-              <a:t>, </a:t>
-            </a:r>
-            <a:r>
-              <a:rPr lang="ko-KR" altLang="en-US" sz="1100" dirty="0" smtClean="0"/>
-              <a:t>페이지 이동을 구현하기 위해서는 </a:t>
-            </a:r>
-            <a:r>
-              <a:rPr lang="en-US" altLang="ko-KR" sz="1100" dirty="0" smtClean="0"/>
-              <a:t>react-route-</a:t>
-            </a:r>
-            <a:r>
-              <a:rPr lang="en-US" altLang="ko-KR" sz="1100" dirty="0" err="1" smtClean="0"/>
-              <a:t>dom</a:t>
-            </a:r>
-            <a:r>
-              <a:rPr lang="ko-KR" altLang="en-US" sz="1100" dirty="0" smtClean="0"/>
-              <a:t>의 </a:t>
-            </a:r>
-            <a:r>
-              <a:rPr lang="en-US" altLang="ko-KR" sz="1100" dirty="0" smtClean="0"/>
-              <a:t>“Link” </a:t>
-            </a:r>
-            <a:r>
-              <a:rPr lang="ko-KR" altLang="en-US" sz="1100" dirty="0" smtClean="0"/>
-              <a:t>를 사용해야 한다</a:t>
-            </a:r>
-            <a:r>
-              <a:rPr lang="en-US" altLang="ko-KR" sz="1100" dirty="0" smtClean="0"/>
-              <a:t>.</a:t>
-            </a:r>
-          </a:p>
-          <a:p>
-            <a:pPr algn="just">
-              <a:lnSpc>
-                <a:spcPct val="150000"/>
-              </a:lnSpc>
-            </a:pPr>
-            <a:endParaRPr lang="en-US" altLang="ko-KR" sz="1100" dirty="0"/>
-          </a:p>
-          <a:p>
-            <a:pPr algn="just">
-              <a:lnSpc>
-                <a:spcPct val="150000"/>
-              </a:lnSpc>
-            </a:pPr>
-            <a:r>
-              <a:rPr lang="en-US" altLang="ko-KR" sz="1100" b="1" dirty="0" smtClean="0"/>
-              <a:t>Link</a:t>
-            </a:r>
-            <a:r>
-              <a:rPr lang="en-US" altLang="ko-KR" sz="1100" dirty="0" smtClean="0"/>
-              <a:t> ? </a:t>
-            </a:r>
-          </a:p>
-          <a:p>
-            <a:pPr algn="just">
-              <a:lnSpc>
-                <a:spcPct val="150000"/>
-              </a:lnSpc>
-            </a:pPr>
-            <a:r>
-              <a:rPr lang="en-US" altLang="ko-KR" sz="1100" dirty="0" smtClean="0"/>
-              <a:t>“Link” </a:t>
-            </a:r>
-            <a:r>
-              <a:rPr lang="ko-KR" altLang="en-US" sz="1100" dirty="0" smtClean="0"/>
-              <a:t>컴포넌트는</a:t>
-            </a:r>
-            <a:r>
-              <a:rPr lang="en-US" altLang="ko-KR" sz="1100" dirty="0" smtClean="0"/>
-              <a:t> </a:t>
-            </a:r>
-            <a:r>
-              <a:rPr lang="ko-KR" altLang="en-US" sz="1100" dirty="0" smtClean="0"/>
-              <a:t>페이지 이동시</a:t>
-            </a:r>
-            <a:r>
-              <a:rPr lang="en-US" altLang="ko-KR" sz="1100" dirty="0" smtClean="0"/>
-              <a:t>, </a:t>
-            </a:r>
-            <a:r>
-              <a:rPr lang="ko-KR" altLang="en-US" sz="1100" dirty="0" smtClean="0"/>
-              <a:t>페이지를 유지한 상태에서 </a:t>
-            </a:r>
-            <a:r>
-              <a:rPr lang="en-US" altLang="ko-KR" sz="1100" dirty="0" smtClean="0"/>
-              <a:t>History API</a:t>
-            </a:r>
-            <a:r>
-              <a:rPr lang="ko-KR" altLang="en-US" sz="1100" dirty="0" smtClean="0"/>
-              <a:t>만을 사용하여 페이지 이동한다</a:t>
-            </a:r>
-            <a:r>
-              <a:rPr lang="en-US" altLang="ko-KR" sz="1100" dirty="0" smtClean="0"/>
-              <a:t>. </a:t>
-            </a:r>
-            <a:r>
-              <a:rPr lang="ko-KR" altLang="en-US" sz="1100" dirty="0" smtClean="0"/>
-              <a:t>컴포넌트 자체로는 </a:t>
-            </a:r>
-            <a:r>
-              <a:rPr lang="en-US" altLang="ko-KR" sz="1100" dirty="0" smtClean="0"/>
-              <a:t>&lt;a&gt; </a:t>
-            </a:r>
-            <a:r>
-              <a:rPr lang="ko-KR" altLang="en-US" sz="1100" dirty="0" smtClean="0"/>
-              <a:t>태그로 이뤄져 있으나</a:t>
-            </a:r>
-            <a:r>
-              <a:rPr lang="en-US" altLang="ko-KR" sz="1100" dirty="0" smtClean="0"/>
-              <a:t>, </a:t>
-            </a:r>
-            <a:r>
-              <a:rPr lang="ko-KR" altLang="en-US" sz="1100" dirty="0" smtClean="0"/>
-              <a:t>추가적으로 페이지 전환을 방지하는 기능이 있다</a:t>
-            </a:r>
-            <a:r>
-              <a:rPr lang="en-US" altLang="ko-KR" sz="1100" dirty="0" smtClean="0"/>
-              <a:t>.</a:t>
-            </a:r>
-          </a:p>
-          <a:p>
-            <a:pPr algn="just">
-              <a:lnSpc>
-                <a:spcPct val="150000"/>
-              </a:lnSpc>
-            </a:pPr>
-            <a:endParaRPr lang="en-US" altLang="ko-KR" sz="1100" dirty="0"/>
-          </a:p>
-          <a:p>
-            <a:pPr algn="just">
-              <a:lnSpc>
-                <a:spcPct val="150000"/>
-              </a:lnSpc>
-            </a:pPr>
-            <a:r>
-              <a:rPr lang="ko-KR" altLang="en-US" sz="1100" dirty="0" smtClean="0"/>
-              <a:t>사용 </a:t>
-            </a:r>
-            <a:r>
-              <a:rPr lang="en-US" altLang="ko-KR" sz="1100" dirty="0" smtClean="0"/>
-              <a:t>&lt;Link to=“</a:t>
-            </a:r>
-            <a:r>
-              <a:rPr lang="ko-KR" altLang="en-US" sz="1100" dirty="0" smtClean="0"/>
-              <a:t>경로</a:t>
-            </a:r>
-            <a:r>
-              <a:rPr lang="en-US" altLang="ko-KR" sz="1100" dirty="0" smtClean="0"/>
-              <a:t>”&gt;&lt;/Link&gt;</a:t>
-            </a:r>
-            <a:endParaRPr lang="ko-KR" altLang="en-US" sz="1100" dirty="0"/>
-          </a:p>
-        </p:txBody>
-      </p:sp>
-      <p:cxnSp>
-        <p:nvCxnSpPr>
-          <p:cNvPr id="16" name="꺾인 연결선 15"/>
-          <p:cNvCxnSpPr>
-            <a:stCxn id="13" idx="3"/>
-            <a:endCxn id="14" idx="1"/>
-          </p:cNvCxnSpPr>
-          <p:nvPr/>
-        </p:nvCxnSpPr>
-        <p:spPr>
-          <a:xfrm flipV="1">
-            <a:off x="6309360" y="2530700"/>
-            <a:ext cx="1280159" cy="1101962"/>
-          </a:xfrm>
-          <a:prstGeom prst="bentConnector3">
-            <a:avLst/>
-          </a:prstGeom>
-          <a:ln>
-            <a:tailEnd type="triangle"/>
-          </a:ln>
-        </p:spPr>
-        <p:style>
-          <a:lnRef idx="1">
-            <a:schemeClr val="accent1"/>
-          </a:lnRef>
-          <a:fillRef idx="0">
-            <a:schemeClr val="accent1"/>
-          </a:fillRef>
-          <a:effectRef idx="0">
-            <a:schemeClr val="accent1"/>
-          </a:effectRef>
-          <a:fontRef idx="minor">
-            <a:schemeClr val="tx1"/>
-          </a:fontRef>
-        </p:style>
-      </p:cxnSp>
+            <a:endParaRPr lang="ko-KR" altLang="en-US" dirty="0"/>
+          </a:p>
+        </p:txBody>
+      </p:sp>
+      <p:sp>
+        <p:nvSpPr>
+          <p:cNvPr id="3" name="부제목 2"/>
+          <p:cNvSpPr>
+            <a:spLocks noGrp="1"/>
+          </p:cNvSpPr>
+          <p:nvPr>
+            <p:ph type="subTitle" idx="1"/>
+          </p:nvPr>
+        </p:nvSpPr>
+        <p:spPr/>
+        <p:txBody>
+          <a:bodyPr/>
+          <a:lstStyle/>
+          <a:p>
+            <a:r>
+              <a:rPr lang="ko-KR" altLang="en-US" dirty="0" smtClean="0"/>
+              <a:t>라우터</a:t>
+            </a:r>
+            <a:endParaRPr lang="ko-KR" altLang="en-US" dirty="0"/>
+          </a:p>
+        </p:txBody>
+      </p:sp>
     </p:spTree>
     <p:extLst>
       <p:ext uri="{BB962C8B-B14F-4D97-AF65-F5344CB8AC3E}">
-        <p14:creationId xmlns:p14="http://schemas.microsoft.com/office/powerpoint/2010/main" val="911187303"/>
+        <p14:creationId xmlns:p14="http://schemas.microsoft.com/office/powerpoint/2010/main" val="3456050011"/>
       </p:ext>
     </p:extLst>
   </p:cSld>
@@ -4142,7 +3655,7 @@
       </p:grpSpPr>
       <p:pic>
         <p:nvPicPr>
-          <p:cNvPr id="2" name="그림 1"/>
+          <p:cNvPr id="3" name="그림 2"/>
           <p:cNvPicPr>
             <a:picLocks noChangeAspect="1"/>
           </p:cNvPicPr>
@@ -4156,8 +3669,8 @@
         </p:blipFill>
         <p:spPr>
           <a:xfrm>
-            <a:off x="163044" y="1087997"/>
-            <a:ext cx="7260718" cy="5427139"/>
+            <a:off x="163045" y="1087997"/>
+            <a:ext cx="7255820" cy="5427138"/>
           </a:xfrm>
           <a:prstGeom prst="rect">
             <a:avLst/>
@@ -4166,14 +3679,64 @@
       </p:pic>
       <p:sp>
         <p:nvSpPr>
-          <p:cNvPr id="13" name="직사각형 12"/>
+          <p:cNvPr id="5" name="TextBox 4"/>
+          <p:cNvSpPr txBox="1"/>
+          <p:nvPr/>
+        </p:nvSpPr>
+        <p:spPr>
+          <a:xfrm>
+            <a:off x="163044" y="200921"/>
+            <a:ext cx="10008295" cy="461665"/>
+          </a:xfrm>
+          <a:prstGeom prst="rect">
+            <a:avLst/>
+          </a:prstGeom>
+          <a:noFill/>
+        </p:spPr>
+        <p:txBody>
+          <a:bodyPr wrap="square" rtlCol="0">
+            <a:spAutoFit/>
+          </a:bodyPr>
+          <a:lstStyle/>
+          <a:p>
+            <a:r>
+              <a:rPr lang="en-US" altLang="ko-KR" sz="2400" b="1" dirty="0" smtClean="0"/>
+              <a:t>1.1</a:t>
+            </a:r>
+            <a:r>
+              <a:rPr lang="en-US" altLang="ko-KR" sz="2400" b="1" dirty="0" smtClean="0"/>
+              <a:t>. React-router-</a:t>
+            </a:r>
+            <a:r>
+              <a:rPr lang="en-US" altLang="ko-KR" sz="2400" b="1" dirty="0" err="1"/>
+              <a:t>d</a:t>
+            </a:r>
+            <a:r>
+              <a:rPr lang="en-US" altLang="ko-KR" sz="2400" b="1" dirty="0" err="1" smtClean="0"/>
+              <a:t>om</a:t>
+            </a:r>
+            <a:r>
+              <a:rPr lang="en-US" altLang="ko-KR" sz="2400" b="1" dirty="0" smtClean="0"/>
+              <a:t> </a:t>
+            </a:r>
+            <a:r>
+              <a:rPr lang="ko-KR" altLang="en-US" sz="2400" b="1" dirty="0" smtClean="0"/>
+              <a:t>설치</a:t>
+            </a:r>
+            <a:endParaRPr lang="ko-KR" altLang="en-US" sz="2400" b="1" dirty="0"/>
+          </a:p>
+        </p:txBody>
+      </p:sp>
+      <p:sp>
+        <p:nvSpPr>
+          <p:cNvPr id="7" name="직사각형 6"/>
           <p:cNvSpPr/>
           <p:nvPr/>
         </p:nvSpPr>
         <p:spPr>
           <a:xfrm>
-            <a:off x="1018351" y="4273813"/>
-            <a:ext cx="837610" cy="144278"/>
+            <a:off x="3956858" y="6159731"/>
+            <a:ext cx="1313412" cy="207818"/>
           </a:xfrm>
           <a:prstGeom prst="rect">
             <a:avLst/>
@@ -4212,37 +3775,7 @@
       </p:sp>
       <p:sp>
         <p:nvSpPr>
-          <p:cNvPr id="5" name="TextBox 4"/>
-          <p:cNvSpPr txBox="1"/>
-          <p:nvPr/>
-        </p:nvSpPr>
-        <p:spPr>
-          <a:xfrm>
-            <a:off x="163044" y="200921"/>
-            <a:ext cx="10008295" cy="461665"/>
-          </a:xfrm>
-          <a:prstGeom prst="rect">
-            <a:avLst/>
-          </a:prstGeom>
-          <a:noFill/>
-        </p:spPr>
-        <p:txBody>
-          <a:bodyPr wrap="square" rtlCol="0">
-            <a:spAutoFit/>
-          </a:bodyPr>
-          <a:lstStyle/>
-          <a:p>
-            <a:r>
-              <a:rPr lang="en-US" altLang="ko-KR" sz="2400" b="1" dirty="0" smtClean="0"/>
-              <a:t>3.4. Redirect</a:t>
-            </a:r>
-            <a:endParaRPr lang="ko-KR" altLang="en-US" sz="2400" b="1" dirty="0"/>
-          </a:p>
-        </p:txBody>
-      </p:sp>
-      <p:sp>
-        <p:nvSpPr>
-          <p:cNvPr id="14" name="TextBox 13"/>
+          <p:cNvPr id="10" name="TextBox 9"/>
           <p:cNvSpPr txBox="1"/>
           <p:nvPr/>
         </p:nvSpPr>
@@ -4268,38 +3801,74 @@
               </a:lnSpc>
             </a:pPr>
             <a:r>
+              <a:rPr lang="en-US" altLang="ko-KR" sz="1100" dirty="0" smtClean="0"/>
+              <a:t>Router</a:t>
+            </a:r>
+            <a:r>
+              <a:rPr lang="ko-KR" altLang="en-US" sz="1100" dirty="0" smtClean="0"/>
+              <a:t>를 사용하기 위해 </a:t>
+            </a:r>
+            <a:r>
+              <a:rPr lang="en-US" altLang="ko-KR" sz="1100" dirty="0" smtClean="0"/>
+              <a:t>“</a:t>
+            </a:r>
+            <a:r>
+              <a:rPr lang="en-US" altLang="ko-KR" sz="1100" b="1" dirty="0" err="1" smtClean="0"/>
+              <a:t>npm</a:t>
+            </a:r>
+            <a:r>
               <a:rPr lang="en-US" altLang="ko-KR" sz="1100" b="1" dirty="0" smtClean="0"/>
-              <a:t>Redirect ?</a:t>
-            </a:r>
-          </a:p>
-          <a:p>
-            <a:pPr algn="just">
-              <a:lnSpc>
-                <a:spcPct val="150000"/>
-              </a:lnSpc>
-            </a:pPr>
+              <a:t> install(</a:t>
+            </a:r>
+            <a:r>
+              <a:rPr lang="en-US" altLang="ko-KR" sz="1100" b="1" dirty="0" err="1" smtClean="0"/>
+              <a:t>i</a:t>
+            </a:r>
+            <a:r>
+              <a:rPr lang="en-US" altLang="ko-KR" sz="1100" b="1" dirty="0" smtClean="0"/>
+              <a:t>) react-router-</a:t>
+            </a:r>
+            <a:r>
+              <a:rPr lang="en-US" altLang="ko-KR" sz="1100" b="1" dirty="0" err="1" smtClean="0"/>
+              <a:t>dom</a:t>
+            </a:r>
+            <a:r>
+              <a:rPr lang="en-US" altLang="ko-KR" sz="1100" dirty="0" smtClean="0"/>
+              <a:t>” </a:t>
+            </a:r>
+            <a:r>
+              <a:rPr lang="ko-KR" altLang="en-US" sz="1100" dirty="0" smtClean="0"/>
+              <a:t>명령어를 통해 설치</a:t>
+            </a:r>
+            <a:r>
+              <a:rPr lang="en-US" altLang="ko-KR" sz="1100" dirty="0" smtClean="0"/>
+              <a:t>.</a:t>
+            </a:r>
             <a:endParaRPr lang="ko-KR" altLang="en-US" sz="1100" dirty="0"/>
           </a:p>
         </p:txBody>
       </p:sp>
       <p:cxnSp>
         <p:nvCxnSpPr>
-          <p:cNvPr id="16" name="꺾인 연결선 15"/>
+          <p:cNvPr id="6" name="꺾인 연결선 5"/>
           <p:cNvCxnSpPr>
-            <a:stCxn id="13" idx="3"/>
-            <a:endCxn id="14" idx="1"/>
+            <a:stCxn id="7" idx="3"/>
+            <a:endCxn id="10" idx="1"/>
           </p:cNvCxnSpPr>
           <p:nvPr/>
         </p:nvCxnSpPr>
         <p:spPr>
           <a:xfrm flipV="1">
-            <a:off x="1855961" y="1371729"/>
-            <a:ext cx="5733558" cy="2974223"/>
+            <a:off x="5270270" y="1371729"/>
+            <a:ext cx="2319249" cy="4891911"/>
           </a:xfrm>
           <a:prstGeom prst="bentConnector3">
             <a:avLst/>
           </a:prstGeom>
-          <a:ln>
+          <a:ln w="19050">
+            <a:solidFill>
+              <a:srgbClr val="00B0F0"/>
+            </a:solidFill>
             <a:tailEnd type="triangle"/>
           </a:ln>
         </p:spPr>
@@ -4321,7 +3890,7 @@
     </p:spTree>
     <p:extLst>
       <p:ext uri="{BB962C8B-B14F-4D97-AF65-F5344CB8AC3E}">
-        <p14:creationId xmlns:p14="http://schemas.microsoft.com/office/powerpoint/2010/main" val="2306405468"/>
+        <p14:creationId xmlns:p14="http://schemas.microsoft.com/office/powerpoint/2010/main" val="877759609"/>
       </p:ext>
     </p:extLst>
   </p:cSld>
@@ -4348,60 +3917,346 @@
           <a:chExt cx="0" cy="0"/>
         </a:xfrm>
       </p:grpSpPr>
-      <p:sp>
-        <p:nvSpPr>
-          <p:cNvPr id="2" name="제목 1"/>
-          <p:cNvSpPr>
-            <a:spLocks noGrp="1"/>
-          </p:cNvSpPr>
-          <p:nvPr>
-            <p:ph type="ctrTitle"/>
-          </p:nvPr>
-        </p:nvSpPr>
-        <p:spPr/>
-        <p:txBody>
-          <a:bodyPr/>
-          <a:lstStyle/>
-          <a:p>
-            <a:r>
-              <a:rPr lang="en-US" altLang="ko-KR" dirty="0" smtClean="0"/>
-              <a:t>React</a:t>
-            </a:r>
-            <a:endParaRPr lang="ko-KR" altLang="en-US" dirty="0"/>
-          </a:p>
-        </p:txBody>
-      </p:sp>
-      <p:sp>
-        <p:nvSpPr>
-          <p:cNvPr id="3" name="부제목 2"/>
-          <p:cNvSpPr>
-            <a:spLocks noGrp="1"/>
-          </p:cNvSpPr>
-          <p:nvPr>
-            <p:ph type="subTitle" idx="1"/>
-          </p:nvPr>
-        </p:nvSpPr>
-        <p:spPr/>
-        <p:txBody>
-          <a:bodyPr/>
-          <a:lstStyle/>
-          <a:p>
-            <a:r>
-              <a:rPr lang="en-US" altLang="ko-KR" dirty="0" smtClean="0"/>
-              <a:t>4. </a:t>
-            </a:r>
-            <a:r>
-              <a:rPr lang="en-US" altLang="ko-KR" dirty="0" err="1" smtClean="0"/>
-              <a:t>Redux</a:t>
-            </a:r>
-            <a:endParaRPr lang="ko-KR" altLang="en-US" dirty="0"/>
-          </a:p>
-        </p:txBody>
-      </p:sp>
+      <p:pic>
+        <p:nvPicPr>
+          <p:cNvPr id="2" name="그림 1"/>
+          <p:cNvPicPr>
+            <a:picLocks noChangeAspect="1"/>
+          </p:cNvPicPr>
+          <p:nvPr/>
+        </p:nvPicPr>
+        <p:blipFill>
+          <a:blip r:embed="rId2"/>
+          <a:stretch>
+            <a:fillRect/>
+          </a:stretch>
+        </p:blipFill>
+        <p:spPr>
+          <a:xfrm>
+            <a:off x="163044" y="1121249"/>
+            <a:ext cx="7255821" cy="5427138"/>
+          </a:xfrm>
+          <a:prstGeom prst="rect">
+            <a:avLst/>
+          </a:prstGeom>
+        </p:spPr>
+      </p:pic>
+      <p:sp>
+        <p:nvSpPr>
+          <p:cNvPr id="5" name="TextBox 4"/>
+          <p:cNvSpPr txBox="1"/>
+          <p:nvPr/>
+        </p:nvSpPr>
+        <p:spPr>
+          <a:xfrm>
+            <a:off x="163044" y="200921"/>
+            <a:ext cx="10008295" cy="461665"/>
+          </a:xfrm>
+          <a:prstGeom prst="rect">
+            <a:avLst/>
+          </a:prstGeom>
+          <a:noFill/>
+        </p:spPr>
+        <p:txBody>
+          <a:bodyPr wrap="square" rtlCol="0">
+            <a:spAutoFit/>
+          </a:bodyPr>
+          <a:lstStyle/>
+          <a:p>
+            <a:r>
+              <a:rPr lang="en-US" altLang="ko-KR" sz="2400" b="1" dirty="0" smtClean="0"/>
+              <a:t>1.2</a:t>
+            </a:r>
+            <a:r>
+              <a:rPr lang="en-US" altLang="ko-KR" sz="2400" b="1" dirty="0" smtClean="0"/>
+              <a:t>. </a:t>
+            </a:r>
+            <a:r>
+              <a:rPr lang="en-US" altLang="ko-KR" sz="2400" b="1" dirty="0" err="1" smtClean="0"/>
+              <a:t>BrowserRouter</a:t>
+            </a:r>
+            <a:r>
+              <a:rPr lang="en-US" altLang="ko-KR" sz="2400" b="1" dirty="0" smtClean="0"/>
+              <a:t>, Route</a:t>
+            </a:r>
+            <a:endParaRPr lang="ko-KR" altLang="en-US" sz="2400" b="1" dirty="0"/>
+          </a:p>
+        </p:txBody>
+      </p:sp>
+      <p:sp>
+        <p:nvSpPr>
+          <p:cNvPr id="10" name="TextBox 9"/>
+          <p:cNvSpPr txBox="1"/>
+          <p:nvPr/>
+        </p:nvSpPr>
+        <p:spPr>
+          <a:xfrm>
+            <a:off x="7597831" y="1121249"/>
+            <a:ext cx="4394130" cy="2123658"/>
+          </a:xfrm>
+          <a:prstGeom prst="rect">
+            <a:avLst/>
+          </a:prstGeom>
+          <a:noFill/>
+        </p:spPr>
+        <p:txBody>
+          <a:bodyPr wrap="square" rtlCol="0">
+            <a:spAutoFit/>
+          </a:bodyPr>
+          <a:lstStyle/>
+          <a:p>
+            <a:pPr algn="just">
+              <a:lnSpc>
+                <a:spcPct val="150000"/>
+              </a:lnSpc>
+            </a:pPr>
+            <a:r>
+              <a:rPr lang="en-US" altLang="ko-KR" sz="1100" b="1" dirty="0" err="1" smtClean="0"/>
+              <a:t>BrowserRouter</a:t>
+            </a:r>
+            <a:r>
+              <a:rPr lang="en-US" altLang="ko-KR" sz="1100" dirty="0" smtClean="0"/>
+              <a:t> ? HTML5</a:t>
+            </a:r>
+            <a:r>
+              <a:rPr lang="ko-KR" altLang="en-US" sz="1100" dirty="0" smtClean="0"/>
+              <a:t>의 </a:t>
+            </a:r>
+            <a:r>
+              <a:rPr lang="en-US" altLang="ko-KR" sz="1100" dirty="0" smtClean="0"/>
+              <a:t>History API</a:t>
+            </a:r>
+            <a:r>
+              <a:rPr lang="ko-KR" altLang="en-US" sz="1100" dirty="0" smtClean="0"/>
+              <a:t>를 사용하여 페이지를 </a:t>
+            </a:r>
+            <a:r>
+              <a:rPr lang="ko-KR" altLang="en-US" sz="1100" dirty="0" err="1" smtClean="0"/>
+              <a:t>새로고침</a:t>
+            </a:r>
+            <a:r>
+              <a:rPr lang="ko-KR" altLang="en-US" sz="1100" dirty="0" smtClean="0"/>
+              <a:t> 하지 않고도 주소 변경이 가능하며</a:t>
+            </a:r>
+            <a:r>
+              <a:rPr lang="en-US" altLang="ko-KR" sz="1100" dirty="0" smtClean="0"/>
+              <a:t> (</a:t>
+            </a:r>
+            <a:r>
+              <a:rPr lang="ko-KR" altLang="en-US" sz="1100" dirty="0" smtClean="0"/>
+              <a:t>페이지 변경으로 인한 </a:t>
+            </a:r>
+            <a:r>
+              <a:rPr lang="ko-KR" altLang="en-US" sz="1100" dirty="0" err="1" smtClean="0"/>
+              <a:t>깜빡거림이</a:t>
+            </a:r>
+            <a:r>
+              <a:rPr lang="ko-KR" altLang="en-US" sz="1100" dirty="0" smtClean="0"/>
+              <a:t> 없음</a:t>
+            </a:r>
+            <a:r>
+              <a:rPr lang="en-US" altLang="ko-KR" sz="1100" dirty="0" smtClean="0"/>
+              <a:t>) </a:t>
+            </a:r>
+            <a:r>
+              <a:rPr lang="ko-KR" altLang="en-US" sz="1100" dirty="0" smtClean="0"/>
+              <a:t>현재 주소와 관련된 정보를 </a:t>
+            </a:r>
+            <a:r>
+              <a:rPr lang="en-US" altLang="ko-KR" sz="1100" dirty="0" smtClean="0"/>
+              <a:t>props</a:t>
+            </a:r>
+            <a:r>
+              <a:rPr lang="ko-KR" altLang="en-US" sz="1100" dirty="0" smtClean="0"/>
+              <a:t>로 조회 및 사용이 가능함</a:t>
+            </a:r>
+            <a:r>
+              <a:rPr lang="en-US" altLang="ko-KR" sz="1100" dirty="0" smtClean="0"/>
+              <a:t>.</a:t>
+            </a:r>
+          </a:p>
+          <a:p>
+            <a:pPr algn="just">
+              <a:lnSpc>
+                <a:spcPct val="150000"/>
+              </a:lnSpc>
+            </a:pPr>
+            <a:endParaRPr lang="en-US" altLang="ko-KR" sz="1100" dirty="0"/>
+          </a:p>
+          <a:p>
+            <a:pPr algn="just">
+              <a:lnSpc>
+                <a:spcPct val="150000"/>
+              </a:lnSpc>
+            </a:pPr>
+            <a:r>
+              <a:rPr lang="en-US" altLang="ko-KR" sz="1100" b="1" dirty="0"/>
+              <a:t>Route</a:t>
+            </a:r>
+            <a:r>
+              <a:rPr lang="en-US" altLang="ko-KR" sz="1100" dirty="0"/>
+              <a:t> ? </a:t>
+            </a:r>
+            <a:r>
+              <a:rPr lang="ko-KR" altLang="en-US" sz="1100" dirty="0"/>
+              <a:t>주소에 따라 다른 페이지를 보여주는 라우팅 기능을 가진 컴포넌트</a:t>
+            </a:r>
+            <a:r>
+              <a:rPr lang="en-US" altLang="ko-KR" sz="1100" dirty="0"/>
+              <a:t>, path=“”</a:t>
+            </a:r>
+            <a:r>
+              <a:rPr lang="ko-KR" altLang="en-US" sz="1100" dirty="0"/>
+              <a:t>에는 주소 경로</a:t>
+            </a:r>
+            <a:r>
+              <a:rPr lang="en-US" altLang="ko-KR" sz="1100" dirty="0"/>
+              <a:t>, component={}</a:t>
+            </a:r>
+            <a:r>
+              <a:rPr lang="ko-KR" altLang="en-US" sz="1100" dirty="0"/>
+              <a:t>에는 렌더링 할 컴포넌트를 표시한다</a:t>
+            </a:r>
+            <a:r>
+              <a:rPr lang="en-US" altLang="ko-KR" sz="1100" dirty="0" smtClean="0"/>
+              <a:t>.</a:t>
+            </a:r>
+            <a:endParaRPr lang="en-US" altLang="ko-KR" sz="1100" dirty="0"/>
+          </a:p>
+        </p:txBody>
+      </p:sp>
+      <p:sp>
+        <p:nvSpPr>
+          <p:cNvPr id="6" name="직사각형 5"/>
+          <p:cNvSpPr/>
+          <p:nvPr/>
+        </p:nvSpPr>
+        <p:spPr>
+          <a:xfrm>
+            <a:off x="1546167" y="1645921"/>
+            <a:ext cx="1662546" cy="133004"/>
+          </a:xfrm>
+          <a:prstGeom prst="rect">
+            <a:avLst/>
+          </a:prstGeom>
+          <a:noFill/>
+          <a:ln w="28575">
+            <a:solidFill>
+              <a:srgbClr val="00B0F0"/>
+            </a:solidFill>
+          </a:ln>
+        </p:spPr>
+        <p:style>
+          <a:lnRef idx="2">
+            <a:schemeClr val="accent1">
+              <a:shade val="50000"/>
+            </a:schemeClr>
+          </a:lnRef>
+          <a:fillRef idx="1">
+            <a:schemeClr val="accent1"/>
+          </a:fillRef>
+          <a:effectRef idx="0">
+            <a:schemeClr val="accent1"/>
+          </a:effectRef>
+          <a:fontRef idx="minor">
+            <a:schemeClr val="lt1"/>
+          </a:fontRef>
+        </p:style>
+        <p:txBody>
+          <a:bodyPr rtlCol="0" anchor="ctr"/>
+          <a:lstStyle/>
+          <a:p>
+            <a:pPr algn="ctr"/>
+            <a:endParaRPr lang="ko-KR" altLang="en-US"/>
+          </a:p>
+        </p:txBody>
+      </p:sp>
+      <p:sp>
+        <p:nvSpPr>
+          <p:cNvPr id="11" name="직사각형 10"/>
+          <p:cNvSpPr/>
+          <p:nvPr/>
+        </p:nvSpPr>
+        <p:spPr>
+          <a:xfrm>
+            <a:off x="1715192" y="2546465"/>
+            <a:ext cx="1826029" cy="537557"/>
+          </a:xfrm>
+          <a:prstGeom prst="rect">
+            <a:avLst/>
+          </a:prstGeom>
+          <a:noFill/>
+          <a:ln w="28575">
+            <a:solidFill>
+              <a:srgbClr val="00B0F0"/>
+            </a:solidFill>
+          </a:ln>
+        </p:spPr>
+        <p:style>
+          <a:lnRef idx="2">
+            <a:schemeClr val="accent1">
+              <a:shade val="50000"/>
+            </a:schemeClr>
+          </a:lnRef>
+          <a:fillRef idx="1">
+            <a:schemeClr val="accent1"/>
+          </a:fillRef>
+          <a:effectRef idx="0">
+            <a:schemeClr val="accent1"/>
+          </a:effectRef>
+          <a:fontRef idx="minor">
+            <a:schemeClr val="lt1"/>
+          </a:fontRef>
+        </p:style>
+        <p:txBody>
+          <a:bodyPr rtlCol="0" anchor="ctr"/>
+          <a:lstStyle/>
+          <a:p>
+            <a:pPr algn="ctr"/>
+            <a:endParaRPr lang="ko-KR" altLang="en-US"/>
+          </a:p>
+        </p:txBody>
+      </p:sp>
+      <p:cxnSp>
+        <p:nvCxnSpPr>
+          <p:cNvPr id="13" name="직선 화살표 연결선 12"/>
+          <p:cNvCxnSpPr/>
+          <p:nvPr/>
+        </p:nvCxnSpPr>
+        <p:spPr>
+          <a:xfrm flipV="1">
+            <a:off x="3208713" y="1712424"/>
+            <a:ext cx="4389118" cy="1"/>
+          </a:xfrm>
+          <a:prstGeom prst="straightConnector1">
+            <a:avLst/>
+          </a:prstGeom>
+          <a:ln w="12700">
+            <a:solidFill>
+              <a:srgbClr val="00B0F0"/>
+            </a:solidFill>
+            <a:tailEnd type="triangle"/>
+          </a:ln>
+        </p:spPr>
+        <p:style>
+          <a:lnRef idx="1">
+            <a:schemeClr val="accent1"/>
+          </a:lnRef>
+          <a:fillRef idx="0">
+            <a:schemeClr val="accent1"/>
+          </a:fillRef>
+          <a:effectRef idx="0">
+            <a:schemeClr val="accent1"/>
+          </a:effectRef>
+          <a:fontRef idx="minor">
+            <a:schemeClr val="tx1"/>
+          </a:fontRef>
+        </p:style>
+      </p:cxnSp>
     </p:spTree>
     <p:extLst>
       <p:ext uri="{BB962C8B-B14F-4D97-AF65-F5344CB8AC3E}">
-        <p14:creationId xmlns:p14="http://schemas.microsoft.com/office/powerpoint/2010/main" val="1652093518"/>
+        <p14:creationId xmlns:p14="http://schemas.microsoft.com/office/powerpoint/2010/main" val="3500613467"/>
       </p:ext>
     </p:extLst>
   </p:cSld>
@@ -4428,6 +4283,76 @@
           <a:chExt cx="0" cy="0"/>
         </a:xfrm>
       </p:grpSpPr>
+      <p:pic>
+        <p:nvPicPr>
+          <p:cNvPr id="12" name="그림 11"/>
+          <p:cNvPicPr>
+            <a:picLocks noChangeAspect="1"/>
+          </p:cNvPicPr>
+          <p:nvPr/>
+        </p:nvPicPr>
+        <p:blipFill>
+          <a:blip r:embed="rId2"/>
+          <a:stretch>
+            <a:fillRect/>
+          </a:stretch>
+        </p:blipFill>
+        <p:spPr>
+          <a:xfrm>
+            <a:off x="163044" y="1087998"/>
+            <a:ext cx="7260718" cy="5427138"/>
+          </a:xfrm>
+          <a:prstGeom prst="rect">
+            <a:avLst/>
+          </a:prstGeom>
+        </p:spPr>
+      </p:pic>
+      <p:sp>
+        <p:nvSpPr>
+          <p:cNvPr id="13" name="직사각형 12"/>
+          <p:cNvSpPr/>
+          <p:nvPr/>
+        </p:nvSpPr>
+        <p:spPr>
+          <a:xfrm>
+            <a:off x="1271847" y="3549535"/>
+            <a:ext cx="5037513" cy="166254"/>
+          </a:xfrm>
+          <a:prstGeom prst="rect">
+            <a:avLst/>
+          </a:prstGeom>
+          <a:noFill/>
+          <a:ln w="38100">
+            <a:solidFill>
+              <a:srgbClr val="00B0F0"/>
+            </a:solidFill>
+          </a:ln>
+        </p:spPr>
+        <p:style>
+          <a:lnRef idx="2">
+            <a:schemeClr val="accent1">
+              <a:shade val="50000"/>
+            </a:schemeClr>
+          </a:lnRef>
+          <a:fillRef idx="1">
+            <a:schemeClr val="accent1"/>
+          </a:fillRef>
+          <a:effectRef idx="0">
+            <a:schemeClr val="accent1"/>
+          </a:effectRef>
+          <a:fontRef idx="minor">
+            <a:schemeClr val="lt1"/>
+          </a:fontRef>
+        </p:style>
+        <p:txBody>
+          <a:bodyPr rtlCol="0" anchor="ctr"/>
+          <a:lstStyle/>
+          <a:p>
+            <a:pPr algn="ctr"/>
+            <a:endParaRPr lang="ko-KR" altLang="en-US"/>
+          </a:p>
+        </p:txBody>
+      </p:sp>
       <p:sp>
         <p:nvSpPr>
           <p:cNvPr id="5" name="TextBox 4"/>
@@ -4452,15 +4377,11 @@
           <a:p>
             <a:r>
               <a:rPr lang="en-US" altLang="ko-KR" sz="2400" b="1" dirty="0" smtClean="0"/>
-              <a:t>4.0.0. </a:t>
-            </a:r>
-            <a:r>
-              <a:rPr lang="en-US" altLang="ko-KR" sz="2400" b="1" dirty="0" err="1" smtClean="0"/>
-              <a:t>Redux</a:t>
+              <a:t>1.3</a:t>
             </a:r>
             <a:r>
               <a:rPr lang="en-US" altLang="ko-KR" sz="2400" b="1" dirty="0" smtClean="0"/>
-              <a:t>? </a:t>
+              <a:t>. Link</a:t>
             </a:r>
             <a:endParaRPr lang="ko-KR" altLang="en-US" sz="2400" b="1" dirty="0"/>
           </a:p>
@@ -4468,14 +4389,14 @@
       </p:sp>
       <p:sp>
         <p:nvSpPr>
-          <p:cNvPr id="10" name="TextBox 9"/>
+          <p:cNvPr id="14" name="TextBox 13"/>
           <p:cNvSpPr txBox="1"/>
           <p:nvPr/>
         </p:nvSpPr>
         <p:spPr>
           <a:xfrm>
-            <a:off x="163043" y="732978"/>
-            <a:ext cx="11873785" cy="3416320"/>
+            <a:off x="7589519" y="1087997"/>
+            <a:ext cx="4394130" cy="2885405"/>
           </a:xfrm>
           <a:prstGeom prst="rect">
             <a:avLst/>
@@ -4488,180 +4409,248 @@
           </a:bodyPr>
           <a:lstStyle/>
           <a:p>
-            <a:pPr>
+            <a:pPr algn="just">
               <a:lnSpc>
                 <a:spcPct val="150000"/>
               </a:lnSpc>
             </a:pPr>
             <a:r>
-              <a:rPr lang="ko-KR" altLang="en-US" dirty="0" smtClean="0"/>
-              <a:t>자바스크립트를 위한 상태 관리 프레임워크</a:t>
-            </a:r>
-            <a:endParaRPr lang="en-US" altLang="ko-KR" dirty="0" smtClean="0"/>
-          </a:p>
-          <a:p>
-            <a:pPr marL="285750" indent="-285750">
+              <a:rPr lang="en-US" altLang="ko-KR" sz="1100" dirty="0" smtClean="0"/>
+              <a:t>React</a:t>
+            </a:r>
+            <a:r>
+              <a:rPr lang="ko-KR" altLang="en-US" sz="1100" dirty="0" smtClean="0"/>
+              <a:t>에서는 </a:t>
+            </a:r>
+            <a:r>
+              <a:rPr lang="en-US" altLang="ko-KR" sz="1100" dirty="0" smtClean="0"/>
+              <a:t>&lt;a </a:t>
+            </a:r>
+            <a:r>
+              <a:rPr lang="en-US" altLang="ko-KR" sz="1100" dirty="0" err="1" smtClean="0"/>
+              <a:t>href</a:t>
+            </a:r>
+            <a:r>
+              <a:rPr lang="en-US" altLang="ko-KR" sz="1100" dirty="0" smtClean="0"/>
+              <a:t>=“”&gt; </a:t>
+            </a:r>
+            <a:r>
+              <a:rPr lang="ko-KR" altLang="en-US" sz="1100" dirty="0" smtClean="0"/>
+              <a:t>태그로</a:t>
+            </a:r>
+            <a:r>
+              <a:rPr lang="en-US" altLang="ko-KR" sz="1100" dirty="0" smtClean="0"/>
+              <a:t> </a:t>
+            </a:r>
+            <a:r>
+              <a:rPr lang="ko-KR" altLang="en-US" sz="1100" dirty="0" smtClean="0"/>
+              <a:t>페이지 이동 구현이 되지 않는다</a:t>
+            </a:r>
+            <a:r>
+              <a:rPr lang="en-US" altLang="ko-KR" sz="1100" dirty="0" smtClean="0"/>
+              <a:t>. </a:t>
+            </a:r>
+            <a:r>
+              <a:rPr lang="ko-KR" altLang="en-US" sz="1100" dirty="0" smtClean="0"/>
+              <a:t>따라서</a:t>
+            </a:r>
+            <a:r>
+              <a:rPr lang="en-US" altLang="ko-KR" sz="1100" dirty="0" smtClean="0"/>
+              <a:t>, </a:t>
+            </a:r>
+            <a:r>
+              <a:rPr lang="ko-KR" altLang="en-US" sz="1100" dirty="0" smtClean="0"/>
+              <a:t>페이지 이동을 구현하기 위해서는 </a:t>
+            </a:r>
+            <a:r>
+              <a:rPr lang="en-US" altLang="ko-KR" sz="1100" dirty="0" smtClean="0"/>
+              <a:t>react-route-</a:t>
+            </a:r>
+            <a:r>
+              <a:rPr lang="en-US" altLang="ko-KR" sz="1100" dirty="0" err="1" smtClean="0"/>
+              <a:t>dom</a:t>
+            </a:r>
+            <a:r>
+              <a:rPr lang="ko-KR" altLang="en-US" sz="1100" dirty="0" smtClean="0"/>
+              <a:t>의 </a:t>
+            </a:r>
+            <a:r>
+              <a:rPr lang="en-US" altLang="ko-KR" sz="1100" dirty="0" smtClean="0"/>
+              <a:t>“Link” </a:t>
+            </a:r>
+            <a:r>
+              <a:rPr lang="ko-KR" altLang="en-US" sz="1100" dirty="0" smtClean="0"/>
+              <a:t>를 사용해야 한다</a:t>
+            </a:r>
+            <a:r>
+              <a:rPr lang="en-US" altLang="ko-KR" sz="1100" dirty="0" smtClean="0"/>
+              <a:t>.</a:t>
+            </a:r>
+          </a:p>
+          <a:p>
+            <a:pPr algn="just">
               <a:lnSpc>
                 <a:spcPct val="150000"/>
               </a:lnSpc>
-              <a:buFont typeface="Arial" panose="020B0604020202020204" pitchFamily="34" charset="0"/>
-              <a:buChar char="•"/>
             </a:pPr>
-            <a:r>
-              <a:rPr lang="ko-KR" altLang="en-US" dirty="0" smtClean="0"/>
-              <a:t>컴포넌트 코드로부터 상태 관리 코드를 분리할 수 있다</a:t>
-            </a:r>
-            <a:r>
-              <a:rPr lang="en-US" altLang="ko-KR" dirty="0" smtClean="0"/>
-              <a:t>.</a:t>
-            </a:r>
-          </a:p>
-          <a:p>
-            <a:pPr marL="285750" indent="-285750">
+            <a:endParaRPr lang="en-US" altLang="ko-KR" sz="1100" dirty="0"/>
+          </a:p>
+          <a:p>
+            <a:pPr algn="just">
               <a:lnSpc>
                 <a:spcPct val="150000"/>
               </a:lnSpc>
-              <a:buFont typeface="Arial" panose="020B0604020202020204" pitchFamily="34" charset="0"/>
-              <a:buChar char="•"/>
             </a:pPr>
             <a:r>
-              <a:rPr lang="ko-KR" altLang="en-US" dirty="0" smtClean="0"/>
-              <a:t>서버 </a:t>
-            </a:r>
-            <a:r>
-              <a:rPr lang="ko-KR" altLang="en-US" dirty="0"/>
-              <a:t>렌더링 시</a:t>
-            </a:r>
-            <a:r>
-              <a:rPr lang="en-US" altLang="ko-KR" dirty="0"/>
-              <a:t>, </a:t>
-            </a:r>
-            <a:r>
-              <a:rPr lang="ko-KR" altLang="en-US" dirty="0"/>
-              <a:t>데이터 전달이 간편</a:t>
-            </a:r>
-            <a:endParaRPr lang="en-US" altLang="ko-KR" dirty="0"/>
-          </a:p>
-          <a:p>
-            <a:pPr marL="285750" indent="-285750">
+              <a:rPr lang="en-US" altLang="ko-KR" sz="1100" b="1" dirty="0" smtClean="0"/>
+              <a:t>Link</a:t>
+            </a:r>
+            <a:r>
+              <a:rPr lang="en-US" altLang="ko-KR" sz="1100" dirty="0" smtClean="0"/>
+              <a:t> ? </a:t>
+            </a:r>
+          </a:p>
+          <a:p>
+            <a:pPr algn="just">
               <a:lnSpc>
                 <a:spcPct val="150000"/>
               </a:lnSpc>
-              <a:buFont typeface="Arial" panose="020B0604020202020204" pitchFamily="34" charset="0"/>
-              <a:buChar char="•"/>
             </a:pPr>
             <a:r>
-              <a:rPr lang="ko-KR" altLang="en-US" dirty="0" smtClean="0"/>
-              <a:t>로컬 </a:t>
-            </a:r>
-            <a:r>
-              <a:rPr lang="ko-KR" altLang="en-US" dirty="0" err="1"/>
-              <a:t>스토리지에</a:t>
-            </a:r>
-            <a:r>
-              <a:rPr lang="ko-KR" altLang="en-US" dirty="0"/>
-              <a:t> 데이터를 저장</a:t>
-            </a:r>
-            <a:r>
-              <a:rPr lang="en-US" altLang="ko-KR" dirty="0"/>
+              <a:rPr lang="en-US" altLang="ko-KR" sz="1100" dirty="0" smtClean="0"/>
+              <a:t>“Link” </a:t>
+            </a:r>
+            <a:r>
+              <a:rPr lang="ko-KR" altLang="en-US" sz="1100" dirty="0" smtClean="0"/>
+              <a:t>컴포넌트는</a:t>
+            </a:r>
+            <a:r>
+              <a:rPr lang="en-US" altLang="ko-KR" sz="1100" dirty="0" smtClean="0"/>
+              <a:t> </a:t>
+            </a:r>
+            <a:r>
+              <a:rPr lang="ko-KR" altLang="en-US" sz="1100" dirty="0" smtClean="0"/>
+              <a:t>페이지 이동시</a:t>
+            </a:r>
+            <a:r>
+              <a:rPr lang="en-US" altLang="ko-KR" sz="1100" dirty="0" smtClean="0"/>
               <a:t>, </a:t>
             </a:r>
             <a:r>
-              <a:rPr lang="ko-KR" altLang="en-US" dirty="0"/>
-              <a:t>불러오는 코드를 쉽게 작성 가능</a:t>
-            </a:r>
-            <a:endParaRPr lang="en-US" altLang="ko-KR" dirty="0"/>
-          </a:p>
-          <a:p>
-            <a:pPr marL="285750" indent="-285750">
+              <a:rPr lang="ko-KR" altLang="en-US" sz="1100" dirty="0" smtClean="0"/>
+              <a:t>페이지를 유지한 상태에서 </a:t>
+            </a:r>
+            <a:r>
+              <a:rPr lang="en-US" altLang="ko-KR" sz="1100" dirty="0" smtClean="0"/>
+              <a:t>History API</a:t>
+            </a:r>
+            <a:r>
+              <a:rPr lang="ko-KR" altLang="en-US" sz="1100" dirty="0" smtClean="0"/>
+              <a:t>만을 사용하여 페이지 이동한다</a:t>
+            </a:r>
+            <a:r>
+              <a:rPr lang="en-US" altLang="ko-KR" sz="1100" dirty="0" smtClean="0"/>
+              <a:t>. </a:t>
+            </a:r>
+            <a:r>
+              <a:rPr lang="ko-KR" altLang="en-US" sz="1100" dirty="0" smtClean="0"/>
+              <a:t>컴포넌트 자체로는 </a:t>
+            </a:r>
+            <a:r>
+              <a:rPr lang="en-US" altLang="ko-KR" sz="1100" dirty="0" smtClean="0"/>
+              <a:t>&lt;a&gt; </a:t>
+            </a:r>
+            <a:r>
+              <a:rPr lang="ko-KR" altLang="en-US" sz="1100" dirty="0" smtClean="0"/>
+              <a:t>태그로 이뤄져 있으나</a:t>
+            </a:r>
+            <a:r>
+              <a:rPr lang="en-US" altLang="ko-KR" sz="1100" dirty="0" smtClean="0"/>
+              <a:t>, </a:t>
+            </a:r>
+            <a:r>
+              <a:rPr lang="ko-KR" altLang="en-US" sz="1100" dirty="0" smtClean="0"/>
+              <a:t>추가적으로 페이지 전환을 방지하는 기능이 있다</a:t>
+            </a:r>
+            <a:r>
+              <a:rPr lang="en-US" altLang="ko-KR" sz="1100" dirty="0" smtClean="0"/>
+              <a:t>.</a:t>
+            </a:r>
+          </a:p>
+          <a:p>
+            <a:pPr algn="just">
               <a:lnSpc>
                 <a:spcPct val="150000"/>
               </a:lnSpc>
-              <a:buFont typeface="Arial" panose="020B0604020202020204" pitchFamily="34" charset="0"/>
-              <a:buChar char="•"/>
             </a:pPr>
-            <a:r>
-              <a:rPr lang="ko-KR" altLang="en-US" dirty="0" smtClean="0"/>
-              <a:t>같은 상태의 값 </a:t>
-            </a:r>
-            <a:r>
-              <a:rPr lang="en-US" altLang="ko-KR" dirty="0" smtClean="0"/>
-              <a:t>&gt; </a:t>
-            </a:r>
-            <a:r>
-              <a:rPr lang="ko-KR" altLang="en-US" dirty="0" smtClean="0"/>
-              <a:t>다수 컴포넌트에서 필요로 할 때 좋음</a:t>
-            </a:r>
-            <a:endParaRPr lang="en-US" altLang="ko-KR" dirty="0" smtClean="0"/>
-          </a:p>
-          <a:p>
-            <a:pPr marL="285750" indent="-285750">
+            <a:endParaRPr lang="en-US" altLang="ko-KR" sz="1100" dirty="0"/>
+          </a:p>
+          <a:p>
+            <a:pPr algn="just">
               <a:lnSpc>
                 <a:spcPct val="150000"/>
               </a:lnSpc>
-              <a:buFont typeface="Arial" panose="020B0604020202020204" pitchFamily="34" charset="0"/>
-              <a:buChar char="•"/>
             </a:pPr>
             <a:r>
-              <a:rPr lang="ko-KR" altLang="en-US" dirty="0" smtClean="0"/>
-              <a:t>부모 컴포넌트 </a:t>
-            </a:r>
-            <a:r>
-              <a:rPr lang="en-US" altLang="ko-KR" dirty="0" smtClean="0"/>
-              <a:t>&gt; </a:t>
-            </a:r>
-            <a:r>
-              <a:rPr lang="ko-KR" altLang="en-US" dirty="0" smtClean="0"/>
-              <a:t>자식 컴포넌트 상태 값 전달 용이</a:t>
-            </a:r>
-            <a:endParaRPr lang="en-US" altLang="ko-KR" dirty="0" smtClean="0"/>
-          </a:p>
-          <a:p>
-            <a:pPr marL="285750" indent="-285750">
-              <a:lnSpc>
-                <a:spcPct val="150000"/>
-              </a:lnSpc>
-              <a:buFont typeface="Arial" panose="020B0604020202020204" pitchFamily="34" charset="0"/>
-              <a:buChar char="•"/>
-            </a:pPr>
-            <a:r>
-              <a:rPr lang="en-US" altLang="ko-KR" dirty="0" smtClean="0"/>
-              <a:t>Alert </a:t>
-            </a:r>
-            <a:r>
-              <a:rPr lang="ko-KR" altLang="en-US" dirty="0" smtClean="0"/>
-              <a:t>등과 같은 전역 컴포넌트 상태 값 관리 용이</a:t>
-            </a:r>
-            <a:endParaRPr lang="en-US" altLang="ko-KR" dirty="0" smtClean="0"/>
-          </a:p>
-          <a:p>
-            <a:pPr marL="285750" indent="-285750">
-              <a:lnSpc>
-                <a:spcPct val="150000"/>
-              </a:lnSpc>
-              <a:buFont typeface="Arial" panose="020B0604020202020204" pitchFamily="34" charset="0"/>
-              <a:buChar char="•"/>
-            </a:pPr>
-            <a:r>
-              <a:rPr lang="ko-KR" altLang="en-US" dirty="0" smtClean="0"/>
-              <a:t>페이지 전환 </a:t>
-            </a:r>
-            <a:r>
-              <a:rPr lang="en-US" altLang="ko-KR" dirty="0" smtClean="0"/>
-              <a:t>&gt; </a:t>
-            </a:r>
-            <a:r>
-              <a:rPr lang="ko-KR" altLang="en-US" dirty="0" smtClean="0"/>
-              <a:t>데이터 변화가 없음</a:t>
-            </a:r>
-            <a:endParaRPr lang="en-US" altLang="ko-KR" dirty="0" smtClean="0"/>
-          </a:p>
-        </p:txBody>
-      </p:sp>
+              <a:rPr lang="ko-KR" altLang="en-US" sz="1100" dirty="0" smtClean="0"/>
+              <a:t>사용 </a:t>
+            </a:r>
+            <a:r>
+              <a:rPr lang="en-US" altLang="ko-KR" sz="1100" dirty="0" smtClean="0"/>
+              <a:t>&lt;Link to=“</a:t>
+            </a:r>
+            <a:r>
+              <a:rPr lang="ko-KR" altLang="en-US" sz="1100" dirty="0" smtClean="0"/>
+              <a:t>경로</a:t>
+            </a:r>
+            <a:r>
+              <a:rPr lang="en-US" altLang="ko-KR" sz="1100" dirty="0" smtClean="0"/>
+              <a:t>”&gt;&lt;/Link&gt;</a:t>
+            </a:r>
+            <a:endParaRPr lang="ko-KR" altLang="en-US" sz="1100" dirty="0"/>
+          </a:p>
+        </p:txBody>
+      </p:sp>
+      <p:cxnSp>
+        <p:nvCxnSpPr>
+          <p:cNvPr id="16" name="꺾인 연결선 15"/>
+          <p:cNvCxnSpPr>
+            <a:stCxn id="13" idx="3"/>
+            <a:endCxn id="14" idx="1"/>
+          </p:cNvCxnSpPr>
+          <p:nvPr/>
+        </p:nvCxnSpPr>
+        <p:spPr>
+          <a:xfrm flipV="1">
+            <a:off x="6309360" y="2530700"/>
+            <a:ext cx="1280159" cy="1101962"/>
+          </a:xfrm>
+          <a:prstGeom prst="bentConnector3">
+            <a:avLst/>
+          </a:prstGeom>
+          <a:ln>
+            <a:tailEnd type="triangle"/>
+          </a:ln>
+        </p:spPr>
+        <p:style>
+          <a:lnRef idx="1">
+            <a:schemeClr val="accent1"/>
+          </a:lnRef>
+          <a:fillRef idx="0">
+            <a:schemeClr val="accent1"/>
+          </a:fillRef>
+          <a:effectRef idx="0">
+            <a:schemeClr val="accent1"/>
+          </a:effectRef>
+          <a:fontRef idx="minor">
+            <a:schemeClr val="tx1"/>
+          </a:fontRef>
+        </p:style>
+      </p:cxnSp>
     </p:spTree>
     <p:extLst>
       <p:ext uri="{BB962C8B-B14F-4D97-AF65-F5344CB8AC3E}">
-        <p14:creationId xmlns:p14="http://schemas.microsoft.com/office/powerpoint/2010/main" val="547347237"/>
+        <p14:creationId xmlns:p14="http://schemas.microsoft.com/office/powerpoint/2010/main" val="911187303"/>
       </p:ext>
     </p:extLst>
   </p:cSld>
@@ -4688,6 +4677,76 @@
           <a:chExt cx="0" cy="0"/>
         </a:xfrm>
       </p:grpSpPr>
+      <p:pic>
+        <p:nvPicPr>
+          <p:cNvPr id="2" name="그림 1"/>
+          <p:cNvPicPr>
+            <a:picLocks noChangeAspect="1"/>
+          </p:cNvPicPr>
+          <p:nvPr/>
+        </p:nvPicPr>
+        <p:blipFill>
+          <a:blip r:embed="rId2"/>
+          <a:stretch>
+            <a:fillRect/>
+          </a:stretch>
+        </p:blipFill>
+        <p:spPr>
+          <a:xfrm>
+            <a:off x="163044" y="1087997"/>
+            <a:ext cx="7260718" cy="5427139"/>
+          </a:xfrm>
+          <a:prstGeom prst="rect">
+            <a:avLst/>
+          </a:prstGeom>
+        </p:spPr>
+      </p:pic>
+      <p:sp>
+        <p:nvSpPr>
+          <p:cNvPr id="13" name="직사각형 12"/>
+          <p:cNvSpPr/>
+          <p:nvPr/>
+        </p:nvSpPr>
+        <p:spPr>
+          <a:xfrm>
+            <a:off x="1018351" y="4273813"/>
+            <a:ext cx="837610" cy="144278"/>
+          </a:xfrm>
+          <a:prstGeom prst="rect">
+            <a:avLst/>
+          </a:prstGeom>
+          <a:noFill/>
+          <a:ln w="38100">
+            <a:solidFill>
+              <a:srgbClr val="00B0F0"/>
+            </a:solidFill>
+          </a:ln>
+        </p:spPr>
+        <p:style>
+          <a:lnRef idx="2">
+            <a:schemeClr val="accent1">
+              <a:shade val="50000"/>
+            </a:schemeClr>
+          </a:lnRef>
+          <a:fillRef idx="1">
+            <a:schemeClr val="accent1"/>
+          </a:fillRef>
+          <a:effectRef idx="0">
+            <a:schemeClr val="accent1"/>
+          </a:effectRef>
+          <a:fontRef idx="minor">
+            <a:schemeClr val="lt1"/>
+          </a:fontRef>
+        </p:style>
+        <p:txBody>
+          <a:bodyPr rtlCol="0" anchor="ctr"/>
+          <a:lstStyle/>
+          <a:p>
+            <a:pPr algn="ctr"/>
+            <a:endParaRPr lang="ko-KR" altLang="en-US"/>
+          </a:p>
+        </p:txBody>
+      </p:sp>
       <p:sp>
         <p:nvSpPr>
           <p:cNvPr id="5" name="TextBox 4"/>
@@ -4712,23 +4771,11 @@
           <a:p>
             <a:r>
               <a:rPr lang="en-US" altLang="ko-KR" sz="2400" b="1" dirty="0" smtClean="0"/>
-              <a:t>4.0.1. </a:t>
-            </a:r>
-            <a:r>
-              <a:rPr lang="ko-KR" altLang="en-US" sz="2400" b="1" dirty="0" smtClean="0"/>
-              <a:t>사용시 주의 해야 할 </a:t>
+              <a:t>1.4</a:t>
             </a:r>
             <a:r>
               <a:rPr lang="en-US" altLang="ko-KR" sz="2400" b="1" dirty="0" smtClean="0"/>
-              <a:t>3</a:t>
-            </a:r>
-            <a:r>
-              <a:rPr lang="ko-KR" altLang="en-US" sz="2400" b="1" dirty="0" smtClean="0"/>
-              <a:t>가지</a:t>
-            </a:r>
-            <a:r>
-              <a:rPr lang="en-US" altLang="ko-KR" sz="2400" b="1" dirty="0" smtClean="0"/>
-              <a:t> </a:t>
+              <a:t>. Redirect</a:t>
             </a:r>
             <a:endParaRPr lang="ko-KR" altLang="en-US" sz="2400" b="1" dirty="0"/>
           </a:p>
@@ -4736,14 +4783,14 @@
       </p:sp>
       <p:sp>
         <p:nvSpPr>
-          <p:cNvPr id="10" name="TextBox 9"/>
+          <p:cNvPr id="14" name="TextBox 13"/>
           <p:cNvSpPr txBox="1"/>
           <p:nvPr/>
         </p:nvSpPr>
         <p:spPr>
           <a:xfrm>
-            <a:off x="163043" y="732978"/>
-            <a:ext cx="11873785" cy="1338828"/>
+            <a:off x="7589519" y="1087997"/>
+            <a:ext cx="4394130" cy="567463"/>
           </a:xfrm>
           <a:prstGeom prst="rect">
             <a:avLst/>
@@ -4756,109 +4803,66 @@
           </a:bodyPr>
           <a:lstStyle/>
           <a:p>
-            <a:pPr marL="285750" indent="-285750">
+            <a:pPr algn="just">
               <a:lnSpc>
                 <a:spcPct val="150000"/>
               </a:lnSpc>
-              <a:buFont typeface="Arial" panose="020B0604020202020204" pitchFamily="34" charset="0"/>
-              <a:buChar char="•"/>
             </a:pPr>
             <a:r>
-              <a:rPr lang="ko-KR" altLang="en-US" dirty="0" smtClean="0">
-                <a:solidFill>
-                  <a:srgbClr val="FF0000"/>
-                </a:solidFill>
-              </a:rPr>
-              <a:t>전체 상태 값 </a:t>
-            </a:r>
-            <a:r>
-              <a:rPr lang="en-US" altLang="ko-KR" dirty="0" smtClean="0">
-                <a:solidFill>
-                  <a:srgbClr val="FF0000"/>
-                </a:solidFill>
-              </a:rPr>
-              <a:t>&gt; </a:t>
-            </a:r>
-            <a:r>
-              <a:rPr lang="ko-KR" altLang="en-US" dirty="0" smtClean="0">
-                <a:solidFill>
-                  <a:srgbClr val="FF0000"/>
-                </a:solidFill>
-              </a:rPr>
-              <a:t>하나의 객체에 저장</a:t>
-            </a:r>
-            <a:endParaRPr lang="en-US" altLang="ko-KR" dirty="0" smtClean="0">
-              <a:solidFill>
-                <a:srgbClr val="FF0000"/>
-              </a:solidFill>
-            </a:endParaRPr>
-          </a:p>
-          <a:p>
-            <a:pPr marL="285750" indent="-285750">
+              <a:rPr lang="en-US" altLang="ko-KR" sz="1100" b="1" dirty="0" smtClean="0"/>
+              <a:t>Redirect ?</a:t>
+            </a:r>
+          </a:p>
+          <a:p>
+            <a:pPr algn="just">
               <a:lnSpc>
                 <a:spcPct val="150000"/>
               </a:lnSpc>
-              <a:buFont typeface="Arial" panose="020B0604020202020204" pitchFamily="34" charset="0"/>
-              <a:buChar char="•"/>
             </a:pPr>
-            <a:r>
-              <a:rPr lang="ko-KR" altLang="en-US" dirty="0" smtClean="0">
-                <a:solidFill>
-                  <a:srgbClr val="FF0000"/>
-                </a:solidFill>
-              </a:rPr>
-              <a:t>상태 값은 불변 객체임</a:t>
-            </a:r>
-            <a:endParaRPr lang="en-US" altLang="ko-KR" dirty="0" smtClean="0">
-              <a:solidFill>
-                <a:srgbClr val="FF0000"/>
-              </a:solidFill>
-            </a:endParaRPr>
-          </a:p>
-          <a:p>
-            <a:pPr marL="285750" indent="-285750">
-              <a:lnSpc>
-                <a:spcPct val="150000"/>
-              </a:lnSpc>
-              <a:buFont typeface="Arial" panose="020B0604020202020204" pitchFamily="34" charset="0"/>
-              <a:buChar char="•"/>
-            </a:pPr>
-            <a:r>
-              <a:rPr lang="ko-KR" altLang="en-US" dirty="0" smtClean="0">
-                <a:solidFill>
-                  <a:srgbClr val="FF0000"/>
-                </a:solidFill>
-              </a:rPr>
-              <a:t>상태 값 </a:t>
-            </a:r>
-            <a:r>
-              <a:rPr lang="en-US" altLang="ko-KR" dirty="0" smtClean="0">
-                <a:solidFill>
-                  <a:srgbClr val="FF0000"/>
-                </a:solidFill>
-              </a:rPr>
-              <a:t>&gt; </a:t>
-            </a:r>
-            <a:r>
-              <a:rPr lang="ko-KR" altLang="en-US" dirty="0" smtClean="0">
-                <a:solidFill>
-                  <a:srgbClr val="FF0000"/>
-                </a:solidFill>
-              </a:rPr>
-              <a:t>순수한 함수에 의해서만 변경되어야 함</a:t>
-            </a:r>
-            <a:endParaRPr lang="en-US" altLang="ko-KR" dirty="0" smtClean="0">
-              <a:solidFill>
-                <a:srgbClr val="FF0000"/>
-              </a:solidFill>
-            </a:endParaRPr>
-          </a:p>
-        </p:txBody>
-      </p:sp>
+            <a:endParaRPr lang="ko-KR" altLang="en-US" sz="1100" dirty="0"/>
+          </a:p>
+        </p:txBody>
+      </p:sp>
+      <p:cxnSp>
+        <p:nvCxnSpPr>
+          <p:cNvPr id="16" name="꺾인 연결선 15"/>
+          <p:cNvCxnSpPr>
+            <a:stCxn id="13" idx="3"/>
+            <a:endCxn id="14" idx="1"/>
+          </p:cNvCxnSpPr>
+          <p:nvPr/>
+        </p:nvCxnSpPr>
+        <p:spPr>
+          <a:xfrm flipV="1">
+            <a:off x="1855961" y="1371729"/>
+            <a:ext cx="5733558" cy="2974223"/>
+          </a:xfrm>
+          <a:prstGeom prst="bentConnector3">
+            <a:avLst/>
+          </a:prstGeom>
+          <a:ln>
+            <a:tailEnd type="triangle"/>
+          </a:ln>
+        </p:spPr>
+        <p:style>
+          <a:lnRef idx="1">
+            <a:schemeClr val="accent1"/>
+          </a:lnRef>
+          <a:fillRef idx="0">
+            <a:schemeClr val="accent1"/>
+          </a:fillRef>
+          <a:effectRef idx="0">
+            <a:schemeClr val="accent1"/>
+          </a:effectRef>
+          <a:fontRef idx="minor">
+            <a:schemeClr val="tx1"/>
+          </a:fontRef>
+        </p:style>
+      </p:cxnSp>
     </p:spTree>
     <p:extLst>
       <p:ext uri="{BB962C8B-B14F-4D97-AF65-F5344CB8AC3E}">
-        <p14:creationId xmlns:p14="http://schemas.microsoft.com/office/powerpoint/2010/main" val="2314800223"/>
+        <p14:creationId xmlns:p14="http://schemas.microsoft.com/office/powerpoint/2010/main" val="2306405468"/>
       </p:ext>
     </p:extLst>
   </p:cSld>
@@ -4885,372 +4889,56 @@
           <a:chExt cx="0" cy="0"/>
         </a:xfrm>
       </p:grpSpPr>
-      <p:pic>
-        <p:nvPicPr>
-          <p:cNvPr id="2" name="그림 1"/>
-          <p:cNvPicPr>
-            <a:picLocks noChangeAspect="1"/>
-          </p:cNvPicPr>
-          <p:nvPr/>
-        </p:nvPicPr>
-        <p:blipFill>
-          <a:blip r:embed="rId2"/>
-          <a:stretch>
-            <a:fillRect/>
-          </a:stretch>
-        </p:blipFill>
-        <p:spPr>
-          <a:xfrm>
-            <a:off x="221235" y="885316"/>
-            <a:ext cx="6952184" cy="1841213"/>
-          </a:xfrm>
-          <a:prstGeom prst="rect">
-            <a:avLst/>
-          </a:prstGeom>
-        </p:spPr>
-      </p:pic>
-      <p:sp>
-        <p:nvSpPr>
-          <p:cNvPr id="5" name="TextBox 4"/>
-          <p:cNvSpPr txBox="1"/>
-          <p:nvPr/>
-        </p:nvSpPr>
-        <p:spPr>
-          <a:xfrm>
-            <a:off x="163044" y="200921"/>
-            <a:ext cx="10008295" cy="461665"/>
-          </a:xfrm>
-          <a:prstGeom prst="rect">
-            <a:avLst/>
-          </a:prstGeom>
-          <a:noFill/>
-        </p:spPr>
-        <p:txBody>
-          <a:bodyPr wrap="square" rtlCol="0">
-            <a:spAutoFit/>
-          </a:bodyPr>
-          <a:lstStyle/>
-          <a:p>
-            <a:r>
-              <a:rPr lang="en-US" altLang="ko-KR" sz="2400" b="1" dirty="0" smtClean="0"/>
-              <a:t>4.0.2. </a:t>
-            </a:r>
-            <a:r>
-              <a:rPr lang="en-US" altLang="ko-KR" sz="2400" b="1" dirty="0" err="1" smtClean="0"/>
+      <p:sp>
+        <p:nvSpPr>
+          <p:cNvPr id="2" name="제목 1"/>
+          <p:cNvSpPr>
+            <a:spLocks noGrp="1"/>
+          </p:cNvSpPr>
+          <p:nvPr>
+            <p:ph type="ctrTitle"/>
+          </p:nvPr>
+        </p:nvSpPr>
+        <p:spPr/>
+        <p:txBody>
+          <a:bodyPr/>
+          <a:lstStyle/>
+          <a:p>
+            <a:r>
+              <a:rPr lang="en-US" altLang="ko-KR" dirty="0" smtClean="0"/>
+              <a:t>React</a:t>
+            </a:r>
+            <a:endParaRPr lang="ko-KR" altLang="en-US" dirty="0"/>
+          </a:p>
+        </p:txBody>
+      </p:sp>
+      <p:sp>
+        <p:nvSpPr>
+          <p:cNvPr id="3" name="부제목 2"/>
+          <p:cNvSpPr>
+            <a:spLocks noGrp="1"/>
+          </p:cNvSpPr>
+          <p:nvPr>
+            <p:ph type="subTitle" idx="1"/>
+          </p:nvPr>
+        </p:nvSpPr>
+        <p:spPr/>
+        <p:txBody>
+          <a:bodyPr/>
+          <a:lstStyle/>
+          <a:p>
+            <a:r>
+              <a:rPr lang="en-US" altLang="ko-KR" dirty="0" err="1" smtClean="0"/>
               <a:t>Redux</a:t>
             </a:r>
-            <a:r>
-              <a:rPr lang="en-US" altLang="ko-KR" sz="2400" b="1" dirty="0" smtClean="0"/>
-              <a:t> </a:t>
-            </a:r>
-            <a:r>
-              <a:rPr lang="ko-KR" altLang="en-US" sz="2400" b="1" dirty="0" smtClean="0"/>
-              <a:t>설치</a:t>
-            </a:r>
-            <a:endParaRPr lang="ko-KR" altLang="en-US" sz="2400" b="1" dirty="0"/>
-          </a:p>
-        </p:txBody>
-      </p:sp>
-      <p:sp>
-        <p:nvSpPr>
-          <p:cNvPr id="10" name="TextBox 9"/>
-          <p:cNvSpPr txBox="1"/>
-          <p:nvPr/>
-        </p:nvSpPr>
-        <p:spPr>
-          <a:xfrm>
-            <a:off x="7290261" y="811358"/>
-            <a:ext cx="4680065" cy="1200329"/>
-          </a:xfrm>
-          <a:prstGeom prst="rect">
-            <a:avLst/>
-          </a:prstGeom>
-          <a:noFill/>
-        </p:spPr>
-        <p:txBody>
-          <a:bodyPr wrap="square" rtlCol="0">
-            <a:spAutoFit/>
-          </a:bodyPr>
-          <a:lstStyle/>
-          <a:p>
-            <a:pPr>
-              <a:lnSpc>
-                <a:spcPct val="150000"/>
-              </a:lnSpc>
-            </a:pPr>
-            <a:r>
-              <a:rPr lang="en-US" altLang="ko-KR" sz="1200" dirty="0" err="1" smtClean="0"/>
-              <a:t>Redux</a:t>
-            </a:r>
-            <a:r>
-              <a:rPr lang="en-US" altLang="ko-KR" sz="1200" dirty="0" smtClean="0"/>
-              <a:t> </a:t>
-            </a:r>
-            <a:r>
-              <a:rPr lang="ko-KR" altLang="en-US" sz="1200" dirty="0" smtClean="0"/>
-              <a:t>설치 </a:t>
-            </a:r>
-            <a:r>
-              <a:rPr lang="en-US" altLang="ko-KR" sz="1200" dirty="0" smtClean="0"/>
-              <a:t>&gt; </a:t>
-            </a:r>
-            <a:r>
-              <a:rPr lang="en-US" altLang="ko-KR" sz="1200" b="1" dirty="0" smtClean="0"/>
-              <a:t>yarn add </a:t>
-            </a:r>
-            <a:r>
-              <a:rPr lang="en-US" altLang="ko-KR" sz="1200" b="1" dirty="0" err="1" smtClean="0"/>
-              <a:t>redux</a:t>
-            </a:r>
-            <a:r>
-              <a:rPr lang="en-US" altLang="ko-KR" sz="1200" b="1" dirty="0" smtClean="0"/>
-              <a:t> </a:t>
-            </a:r>
-            <a:r>
-              <a:rPr lang="en-US" altLang="ko-KR" sz="1200" b="1" dirty="0" err="1" smtClean="0"/>
-              <a:t>redux-thunk</a:t>
-            </a:r>
-            <a:r>
-              <a:rPr lang="en-US" altLang="ko-KR" sz="1200" b="1" dirty="0" smtClean="0"/>
-              <a:t> react-</a:t>
-            </a:r>
-            <a:r>
-              <a:rPr lang="en-US" altLang="ko-KR" sz="1200" b="1" dirty="0" err="1" smtClean="0"/>
-              <a:t>redux</a:t>
-            </a:r>
-            <a:endParaRPr lang="en-US" altLang="ko-KR" sz="1200" b="1" dirty="0" smtClean="0"/>
-          </a:p>
-          <a:p>
-            <a:pPr>
-              <a:lnSpc>
-                <a:spcPct val="150000"/>
-              </a:lnSpc>
-            </a:pPr>
-            <a:endParaRPr lang="en-US" altLang="ko-KR" sz="1200" b="1" dirty="0"/>
-          </a:p>
-          <a:p>
-            <a:pPr>
-              <a:lnSpc>
-                <a:spcPct val="150000"/>
-              </a:lnSpc>
-            </a:pPr>
-            <a:r>
-              <a:rPr lang="en-US" altLang="ko-KR" sz="1200" b="1" dirty="0" smtClean="0"/>
-              <a:t>* </a:t>
-            </a:r>
-            <a:r>
-              <a:rPr lang="en-US" altLang="ko-KR" sz="1200" b="1" dirty="0" err="1" smtClean="0"/>
-              <a:t>redux-thunk</a:t>
-            </a:r>
-            <a:r>
-              <a:rPr lang="en-US" altLang="ko-KR" sz="1200" b="1" dirty="0" smtClean="0"/>
-              <a:t>?</a:t>
-            </a:r>
-          </a:p>
-          <a:p>
-            <a:pPr>
-              <a:lnSpc>
-                <a:spcPct val="150000"/>
-              </a:lnSpc>
-            </a:pPr>
-            <a:r>
-              <a:rPr lang="en-US" altLang="ko-KR" sz="1200" b="1" dirty="0"/>
-              <a:t>&gt;</a:t>
-            </a:r>
-            <a:endParaRPr lang="en-US" altLang="ko-KR" sz="1200" b="1" dirty="0" smtClean="0"/>
-          </a:p>
-        </p:txBody>
-      </p:sp>
-      <p:sp>
-        <p:nvSpPr>
-          <p:cNvPr id="3" name="직사각형 2"/>
-          <p:cNvSpPr/>
-          <p:nvPr/>
-        </p:nvSpPr>
-        <p:spPr>
-          <a:xfrm>
-            <a:off x="2743199" y="892306"/>
-            <a:ext cx="954127" cy="171723"/>
-          </a:xfrm>
-          <a:prstGeom prst="rect">
-            <a:avLst/>
-          </a:prstGeom>
-          <a:noFill/>
-          <a:ln w="38100">
-            <a:solidFill>
-              <a:srgbClr val="00B0F0"/>
-            </a:solidFill>
-          </a:ln>
-        </p:spPr>
-        <p:style>
-          <a:lnRef idx="2">
-            <a:schemeClr val="accent1">
-              <a:shade val="50000"/>
-            </a:schemeClr>
-          </a:lnRef>
-          <a:fillRef idx="1">
-            <a:schemeClr val="accent1"/>
-          </a:fillRef>
-          <a:effectRef idx="0">
-            <a:schemeClr val="accent1"/>
-          </a:effectRef>
-          <a:fontRef idx="minor">
-            <a:schemeClr val="lt1"/>
-          </a:fontRef>
-        </p:style>
-        <p:txBody>
-          <a:bodyPr rtlCol="0" anchor="ctr"/>
-          <a:lstStyle/>
-          <a:p>
-            <a:pPr algn="ctr"/>
-            <a:endParaRPr lang="ko-KR" altLang="en-US"/>
-          </a:p>
-        </p:txBody>
-      </p:sp>
-      <p:pic>
-        <p:nvPicPr>
-          <p:cNvPr id="4" name="그림 3"/>
-          <p:cNvPicPr>
-            <a:picLocks noChangeAspect="1"/>
-          </p:cNvPicPr>
-          <p:nvPr/>
-        </p:nvPicPr>
-        <p:blipFill>
-          <a:blip r:embed="rId3"/>
-          <a:stretch>
-            <a:fillRect/>
-          </a:stretch>
-        </p:blipFill>
-        <p:spPr>
-          <a:xfrm>
-            <a:off x="221235" y="2787840"/>
-            <a:ext cx="6960962" cy="1816772"/>
-          </a:xfrm>
-          <a:prstGeom prst="rect">
-            <a:avLst/>
-          </a:prstGeom>
-        </p:spPr>
-      </p:pic>
-      <p:sp>
-        <p:nvSpPr>
-          <p:cNvPr id="7" name="직사각형 6"/>
-          <p:cNvSpPr/>
-          <p:nvPr/>
-        </p:nvSpPr>
-        <p:spPr>
-          <a:xfrm>
-            <a:off x="2743199" y="2777768"/>
-            <a:ext cx="1305099" cy="171491"/>
-          </a:xfrm>
-          <a:prstGeom prst="rect">
-            <a:avLst/>
-          </a:prstGeom>
-          <a:noFill/>
-          <a:ln w="38100">
-            <a:solidFill>
-              <a:srgbClr val="00B0F0"/>
-            </a:solidFill>
-          </a:ln>
-        </p:spPr>
-        <p:style>
-          <a:lnRef idx="2">
-            <a:schemeClr val="accent1">
-              <a:shade val="50000"/>
-            </a:schemeClr>
-          </a:lnRef>
-          <a:fillRef idx="1">
-            <a:schemeClr val="accent1"/>
-          </a:fillRef>
-          <a:effectRef idx="0">
-            <a:schemeClr val="accent1"/>
-          </a:effectRef>
-          <a:fontRef idx="minor">
-            <a:schemeClr val="lt1"/>
-          </a:fontRef>
-        </p:style>
-        <p:txBody>
-          <a:bodyPr rtlCol="0" anchor="ctr"/>
-          <a:lstStyle/>
-          <a:p>
-            <a:pPr algn="ctr"/>
-            <a:endParaRPr lang="ko-KR" altLang="en-US"/>
-          </a:p>
-        </p:txBody>
-      </p:sp>
-      <p:pic>
-        <p:nvPicPr>
-          <p:cNvPr id="6" name="그림 5"/>
-          <p:cNvPicPr>
-            <a:picLocks noChangeAspect="1"/>
-          </p:cNvPicPr>
-          <p:nvPr/>
-        </p:nvPicPr>
-        <p:blipFill>
-          <a:blip r:embed="rId4"/>
-          <a:stretch>
-            <a:fillRect/>
-          </a:stretch>
-        </p:blipFill>
-        <p:spPr>
-          <a:xfrm>
-            <a:off x="221235" y="4760694"/>
-            <a:ext cx="6960962" cy="1824920"/>
-          </a:xfrm>
-          <a:prstGeom prst="rect">
-            <a:avLst/>
-          </a:prstGeom>
-        </p:spPr>
-      </p:pic>
-      <p:sp>
-        <p:nvSpPr>
-          <p:cNvPr id="12" name="직사각형 11"/>
-          <p:cNvSpPr/>
-          <p:nvPr/>
-        </p:nvSpPr>
-        <p:spPr>
-          <a:xfrm>
-            <a:off x="2743198" y="4765921"/>
-            <a:ext cx="1305100" cy="180152"/>
-          </a:xfrm>
-          <a:prstGeom prst="rect">
-            <a:avLst/>
-          </a:prstGeom>
-          <a:noFill/>
-          <a:ln w="38100">
-            <a:solidFill>
-              <a:srgbClr val="00B0F0"/>
-            </a:solidFill>
-          </a:ln>
-        </p:spPr>
-        <p:style>
-          <a:lnRef idx="2">
-            <a:schemeClr val="accent1">
-              <a:shade val="50000"/>
-            </a:schemeClr>
-          </a:lnRef>
-          <a:fillRef idx="1">
-            <a:schemeClr val="accent1"/>
-          </a:fillRef>
-          <a:effectRef idx="0">
-            <a:schemeClr val="accent1"/>
-          </a:effectRef>
-          <a:fontRef idx="minor">
-            <a:schemeClr val="lt1"/>
-          </a:fontRef>
-        </p:style>
-        <p:txBody>
-          <a:bodyPr rtlCol="0" anchor="ctr"/>
-          <a:lstStyle/>
-          <a:p>
-            <a:pPr algn="ctr"/>
-            <a:endParaRPr lang="ko-KR" altLang="en-US"/>
+            <a:endParaRPr lang="ko-KR" altLang="en-US" dirty="0"/>
           </a:p>
         </p:txBody>
       </p:sp>
     </p:spTree>
     <p:extLst>
       <p:ext uri="{BB962C8B-B14F-4D97-AF65-F5344CB8AC3E}">
-        <p14:creationId xmlns:p14="http://schemas.microsoft.com/office/powerpoint/2010/main" val="46913200"/>
+        <p14:creationId xmlns:p14="http://schemas.microsoft.com/office/powerpoint/2010/main" val="1652093518"/>
       </p:ext>
     </p:extLst>
   </p:cSld>
@@ -5277,30 +4965,6 @@
           <a:chExt cx="0" cy="0"/>
         </a:xfrm>
       </p:grpSpPr>
-      <p:pic>
-        <p:nvPicPr>
-          <p:cNvPr id="3" name="그림 2"/>
-          <p:cNvPicPr>
-            <a:picLocks noChangeAspect="1"/>
-          </p:cNvPicPr>
-          <p:nvPr/>
-        </p:nvPicPr>
-        <p:blipFill>
-          <a:blip r:embed="rId2"/>
-          <a:stretch>
-            <a:fillRect/>
-          </a:stretch>
-        </p:blipFill>
-        <p:spPr>
-          <a:xfrm>
-            <a:off x="163045" y="1087997"/>
-            <a:ext cx="7255820" cy="5427138"/>
-          </a:xfrm>
-          <a:prstGeom prst="rect">
-            <a:avLst/>
-          </a:prstGeom>
-        </p:spPr>
-      </p:pic>
       <p:sp>
         <p:nvSpPr>
           <p:cNvPr id="5" name="TextBox 4"/>
@@ -5325,71 +4989,21 @@
           <a:p>
             <a:r>
               <a:rPr lang="en-US" altLang="ko-KR" sz="2400" b="1" dirty="0" smtClean="0"/>
-              <a:t>3.1. React-router-</a:t>
-            </a:r>
-            <a:r>
-              <a:rPr lang="en-US" altLang="ko-KR" sz="2400" b="1" dirty="0" err="1"/>
-              <a:t>d</a:t>
+              <a:t>1.0.0</a:t>
+            </a:r>
+            <a:r>
+              <a:rPr lang="en-US" altLang="ko-KR" sz="2400" b="1" dirty="0" smtClean="0"/>
+              <a:t>. </a:t>
             </a:r>
             <a:r>
               <a:rPr lang="en-US" altLang="ko-KR" sz="2400" b="1" dirty="0" err="1" smtClean="0"/>
-              <a:t>om</a:t>
+              <a:t>Redux</a:t>
             </a:r>
             <a:r>
               <a:rPr lang="en-US" altLang="ko-KR" sz="2400" b="1" dirty="0" smtClean="0"/>
-              <a:t> </a:t>
-            </a:r>
-            <a:r>
-              <a:rPr lang="ko-KR" altLang="en-US" sz="2400" b="1" dirty="0" smtClean="0"/>
-              <a:t>설치</a:t>
+              <a:t>? </a:t>
             </a:r>
             <a:endParaRPr lang="ko-KR" altLang="en-US" sz="2400" b="1" dirty="0"/>
-          </a:p>
-        </p:txBody>
-      </p:sp>
-      <p:sp>
-        <p:nvSpPr>
-          <p:cNvPr id="7" name="직사각형 6"/>
-          <p:cNvSpPr/>
-          <p:nvPr/>
-        </p:nvSpPr>
-        <p:spPr>
-          <a:xfrm>
-            <a:off x="3956858" y="6159731"/>
-            <a:ext cx="1313412" cy="207818"/>
-          </a:xfrm>
-          <a:prstGeom prst="rect">
-            <a:avLst/>
-          </a:prstGeom>
-          <a:noFill/>
-          <a:ln w="38100">
-            <a:solidFill>
-              <a:srgbClr val="00B0F0"/>
-            </a:solidFill>
-          </a:ln>
-        </p:spPr>
-        <p:style>
-          <a:lnRef idx="2">
-            <a:schemeClr val="accent1">
-              <a:shade val="50000"/>
-            </a:schemeClr>
-          </a:lnRef>
-          <a:fillRef idx="1">
-            <a:schemeClr val="accent1"/>
-          </a:fillRef>
-          <a:effectRef idx="0">
-            <a:schemeClr val="accent1"/>
-          </a:effectRef>
-          <a:fontRef idx="minor">
-            <a:schemeClr val="lt1"/>
-          </a:fontRef>
-        </p:style>
-        <p:txBody>
-          <a:bodyPr rtlCol="0" anchor="ctr"/>
-          <a:lstStyle/>
-          <a:p>
-            <a:pPr algn="ctr"/>
-            <a:endParaRPr lang="ko-KR" altLang="en-US"/>
           </a:p>
         </p:txBody>
       </p:sp>
@@ -5401,8 +5015,8 @@
         </p:nvSpPr>
         <p:spPr>
           <a:xfrm>
-            <a:off x="7589519" y="1087997"/>
-            <a:ext cx="4394130" cy="567463"/>
+            <a:off x="163043" y="732978"/>
+            <a:ext cx="11873785" cy="3416320"/>
           </a:xfrm>
           <a:prstGeom prst="rect">
             <a:avLst/>
@@ -5415,102 +5029,180 @@
           </a:bodyPr>
           <a:lstStyle/>
           <a:p>
-            <a:pPr algn="just">
+            <a:pPr>
               <a:lnSpc>
                 <a:spcPct val="150000"/>
               </a:lnSpc>
             </a:pPr>
             <a:r>
-              <a:rPr lang="en-US" altLang="ko-KR" sz="1100" dirty="0" smtClean="0"/>
-              <a:t>Router</a:t>
-            </a:r>
-            <a:r>
-              <a:rPr lang="ko-KR" altLang="en-US" sz="1100" dirty="0" smtClean="0"/>
-              <a:t>를 사용하기 위해 </a:t>
-            </a:r>
-            <a:r>
-              <a:rPr lang="en-US" altLang="ko-KR" sz="1100" dirty="0" smtClean="0"/>
-              <a:t>“</a:t>
-            </a:r>
-            <a:r>
-              <a:rPr lang="en-US" altLang="ko-KR" sz="1100" b="1" dirty="0" err="1" smtClean="0"/>
-              <a:t>npm</a:t>
-            </a:r>
-            <a:r>
-              <a:rPr lang="en-US" altLang="ko-KR" sz="1100" b="1" dirty="0" smtClean="0"/>
-              <a:t> install(</a:t>
-            </a:r>
-            <a:r>
-              <a:rPr lang="en-US" altLang="ko-KR" sz="1100" b="1" dirty="0" err="1" smtClean="0"/>
-              <a:t>i</a:t>
-            </a:r>
-            <a:r>
-              <a:rPr lang="en-US" altLang="ko-KR" sz="1100" b="1" dirty="0" smtClean="0"/>
-              <a:t>) react-router-</a:t>
-            </a:r>
-            <a:r>
-              <a:rPr lang="en-US" altLang="ko-KR" sz="1100" b="1" dirty="0" err="1" smtClean="0"/>
-              <a:t>dom</a:t>
-            </a:r>
-            <a:r>
-              <a:rPr lang="en-US" altLang="ko-KR" sz="1100" dirty="0" smtClean="0"/>
-              <a:t>” </a:t>
-            </a:r>
-            <a:r>
-              <a:rPr lang="ko-KR" altLang="en-US" sz="1100" dirty="0" smtClean="0"/>
-              <a:t>명령어를 통해 설치</a:t>
-            </a:r>
-            <a:r>
-              <a:rPr lang="en-US" altLang="ko-KR" sz="1100" dirty="0" smtClean="0"/>
+              <a:rPr lang="ko-KR" altLang="en-US" dirty="0" smtClean="0"/>
+              <a:t>자바스크립트를 위한 상태 관리 프레임워크</a:t>
+            </a:r>
+            <a:endParaRPr lang="en-US" altLang="ko-KR" dirty="0" smtClean="0"/>
+          </a:p>
+          <a:p>
+            <a:pPr marL="285750" indent="-285750">
+              <a:lnSpc>
+                <a:spcPct val="150000"/>
+              </a:lnSpc>
+              <a:buFont typeface="Arial" panose="020B0604020202020204" pitchFamily="34" charset="0"/>
+              <a:buChar char="•"/>
+            </a:pPr>
+            <a:r>
+              <a:rPr lang="ko-KR" altLang="en-US" dirty="0" smtClean="0"/>
+              <a:t>컴포넌트 코드로부터 상태 관리 코드를 분리할 수 있다</a:t>
+            </a:r>
+            <a:r>
+              <a:rPr lang="en-US" altLang="ko-KR" dirty="0" smtClean="0"/>
               <a:t>.</a:t>
             </a:r>
-            <a:endParaRPr lang="ko-KR" altLang="en-US" sz="1100" dirty="0"/>
-          </a:p>
-        </p:txBody>
-      </p:sp>
-      <p:cxnSp>
-        <p:nvCxnSpPr>
-          <p:cNvPr id="6" name="꺾인 연결선 5"/>
-          <p:cNvCxnSpPr>
-            <a:stCxn id="7" idx="3"/>
-            <a:endCxn id="10" idx="1"/>
-          </p:cNvCxnSpPr>
-          <p:nvPr/>
-        </p:nvCxnSpPr>
-        <p:spPr>
-          <a:xfrm flipV="1">
-            <a:off x="5270270" y="1371729"/>
-            <a:ext cx="2319249" cy="4891911"/>
-          </a:xfrm>
-          <a:prstGeom prst="bentConnector3">
-            <a:avLst/>
-          </a:prstGeom>
-          <a:ln w="19050">
-            <a:solidFill>
-              <a:srgbClr val="00B0F0"/>
-            </a:solidFill>
-            <a:tailEnd type="triangle"/>
-          </a:ln>
-        </p:spPr>
-        <p:style>
-          <a:lnRef idx="1">
-            <a:schemeClr val="accent1"/>
-          </a:lnRef>
-          <a:fillRef idx="0">
-            <a:schemeClr val="accent1"/>
-          </a:fillRef>
-          <a:effectRef idx="0">
-            <a:schemeClr val="accent1"/>
-          </a:effectRef>
-          <a:fontRef idx="minor">
-            <a:schemeClr val="tx1"/>
-          </a:fontRef>
-        </p:style>
-      </p:cxnSp>
+          </a:p>
+          <a:p>
+            <a:pPr marL="285750" indent="-285750">
+              <a:lnSpc>
+                <a:spcPct val="150000"/>
+              </a:lnSpc>
+              <a:buFont typeface="Arial" panose="020B0604020202020204" pitchFamily="34" charset="0"/>
+              <a:buChar char="•"/>
+            </a:pPr>
+            <a:r>
+              <a:rPr lang="ko-KR" altLang="en-US" dirty="0" smtClean="0"/>
+              <a:t>서버 </a:t>
+            </a:r>
+            <a:r>
+              <a:rPr lang="ko-KR" altLang="en-US" dirty="0"/>
+              <a:t>렌더링 시</a:t>
+            </a:r>
+            <a:r>
+              <a:rPr lang="en-US" altLang="ko-KR" dirty="0"/>
+              <a:t>, </a:t>
+            </a:r>
+            <a:r>
+              <a:rPr lang="ko-KR" altLang="en-US" dirty="0"/>
+              <a:t>데이터 전달이 간편</a:t>
+            </a:r>
+            <a:endParaRPr lang="en-US" altLang="ko-KR" dirty="0"/>
+          </a:p>
+          <a:p>
+            <a:pPr marL="285750" indent="-285750">
+              <a:lnSpc>
+                <a:spcPct val="150000"/>
+              </a:lnSpc>
+              <a:buFont typeface="Arial" panose="020B0604020202020204" pitchFamily="34" charset="0"/>
+              <a:buChar char="•"/>
+            </a:pPr>
+            <a:r>
+              <a:rPr lang="ko-KR" altLang="en-US" dirty="0" smtClean="0"/>
+              <a:t>로컬 </a:t>
+            </a:r>
+            <a:r>
+              <a:rPr lang="ko-KR" altLang="en-US" dirty="0" err="1"/>
+              <a:t>스토리지에</a:t>
+            </a:r>
+            <a:r>
+              <a:rPr lang="ko-KR" altLang="en-US" dirty="0"/>
+              <a:t> 데이터를 저장</a:t>
+            </a:r>
+            <a:r>
+              <a:rPr lang="en-US" altLang="ko-KR" dirty="0"/>
+              <a:t>, </a:t>
+            </a:r>
+            <a:r>
+              <a:rPr lang="ko-KR" altLang="en-US" dirty="0"/>
+              <a:t>불러오는 코드를 쉽게 작성 가능</a:t>
+            </a:r>
+            <a:endParaRPr lang="en-US" altLang="ko-KR" dirty="0"/>
+          </a:p>
+          <a:p>
+            <a:pPr marL="285750" indent="-285750">
+              <a:lnSpc>
+                <a:spcPct val="150000"/>
+              </a:lnSpc>
+              <a:buFont typeface="Arial" panose="020B0604020202020204" pitchFamily="34" charset="0"/>
+              <a:buChar char="•"/>
+            </a:pPr>
+            <a:r>
+              <a:rPr lang="ko-KR" altLang="en-US" dirty="0" smtClean="0"/>
+              <a:t>같은 상태의 값 </a:t>
+            </a:r>
+            <a:r>
+              <a:rPr lang="en-US" altLang="ko-KR" dirty="0" smtClean="0"/>
+              <a:t>&gt; </a:t>
+            </a:r>
+            <a:r>
+              <a:rPr lang="ko-KR" altLang="en-US" dirty="0" smtClean="0"/>
+              <a:t>다수 컴포넌트에서 필요로 할 때 좋음</a:t>
+            </a:r>
+            <a:endParaRPr lang="en-US" altLang="ko-KR" dirty="0" smtClean="0"/>
+          </a:p>
+          <a:p>
+            <a:pPr marL="285750" indent="-285750">
+              <a:lnSpc>
+                <a:spcPct val="150000"/>
+              </a:lnSpc>
+              <a:buFont typeface="Arial" panose="020B0604020202020204" pitchFamily="34" charset="0"/>
+              <a:buChar char="•"/>
+            </a:pPr>
+            <a:r>
+              <a:rPr lang="ko-KR" altLang="en-US" dirty="0" smtClean="0"/>
+              <a:t>부모 컴포넌트 </a:t>
+            </a:r>
+            <a:r>
+              <a:rPr lang="en-US" altLang="ko-KR" dirty="0" smtClean="0"/>
+              <a:t>&gt; </a:t>
+            </a:r>
+            <a:r>
+              <a:rPr lang="ko-KR" altLang="en-US" dirty="0" smtClean="0"/>
+              <a:t>자식 컴포넌트 상태 값 전달 용이</a:t>
+            </a:r>
+            <a:endParaRPr lang="en-US" altLang="ko-KR" dirty="0" smtClean="0"/>
+          </a:p>
+          <a:p>
+            <a:pPr marL="285750" indent="-285750">
+              <a:lnSpc>
+                <a:spcPct val="150000"/>
+              </a:lnSpc>
+              <a:buFont typeface="Arial" panose="020B0604020202020204" pitchFamily="34" charset="0"/>
+              <a:buChar char="•"/>
+            </a:pPr>
+            <a:r>
+              <a:rPr lang="en-US" altLang="ko-KR" dirty="0" smtClean="0"/>
+              <a:t>Alert </a:t>
+            </a:r>
+            <a:r>
+              <a:rPr lang="ko-KR" altLang="en-US" dirty="0" smtClean="0"/>
+              <a:t>등과 같은 전역 컴포넌트 상태 값 관리 용이</a:t>
+            </a:r>
+            <a:endParaRPr lang="en-US" altLang="ko-KR" dirty="0" smtClean="0"/>
+          </a:p>
+          <a:p>
+            <a:pPr marL="285750" indent="-285750">
+              <a:lnSpc>
+                <a:spcPct val="150000"/>
+              </a:lnSpc>
+              <a:buFont typeface="Arial" panose="020B0604020202020204" pitchFamily="34" charset="0"/>
+              <a:buChar char="•"/>
+            </a:pPr>
+            <a:r>
+              <a:rPr lang="ko-KR" altLang="en-US" dirty="0" smtClean="0"/>
+              <a:t>페이지 전환 </a:t>
+            </a:r>
+            <a:r>
+              <a:rPr lang="en-US" altLang="ko-KR" dirty="0" smtClean="0"/>
+              <a:t>&gt; </a:t>
+            </a:r>
+            <a:r>
+              <a:rPr lang="ko-KR" altLang="en-US" dirty="0" smtClean="0"/>
+              <a:t>데이터 변화가 없음</a:t>
+            </a:r>
+            <a:endParaRPr lang="en-US" altLang="ko-KR" dirty="0" smtClean="0"/>
+          </a:p>
+        </p:txBody>
+      </p:sp>
     </p:spTree>
     <p:extLst>
       <p:ext uri="{BB962C8B-B14F-4D97-AF65-F5344CB8AC3E}">
-        <p14:creationId xmlns:p14="http://schemas.microsoft.com/office/powerpoint/2010/main" val="3125268494"/>
+        <p14:creationId xmlns:p14="http://schemas.microsoft.com/office/powerpoint/2010/main" val="547347237"/>
       </p:ext>
     </p:extLst>
   </p:cSld>
@@ -5539,54 +5231,179 @@
       </p:grpSpPr>
       <p:sp>
         <p:nvSpPr>
-          <p:cNvPr id="2" name="제목 1"/>
-          <p:cNvSpPr>
-            <a:spLocks noGrp="1"/>
-          </p:cNvSpPr>
-          <p:nvPr>
-            <p:ph type="ctrTitle"/>
-          </p:nvPr>
-        </p:nvSpPr>
-        <p:spPr/>
-        <p:txBody>
-          <a:bodyPr/>
-          <a:lstStyle/>
-          <a:p>
-            <a:r>
-              <a:rPr lang="en-US" altLang="ko-KR" dirty="0" smtClean="0"/>
-              <a:t>React</a:t>
-            </a:r>
-            <a:endParaRPr lang="ko-KR" altLang="en-US" dirty="0"/>
-          </a:p>
-        </p:txBody>
-      </p:sp>
-      <p:sp>
-        <p:nvSpPr>
-          <p:cNvPr id="3" name="부제목 2"/>
-          <p:cNvSpPr>
-            <a:spLocks noGrp="1"/>
-          </p:cNvSpPr>
-          <p:nvPr>
-            <p:ph type="subTitle" idx="1"/>
-          </p:nvPr>
-        </p:nvSpPr>
-        <p:spPr/>
-        <p:txBody>
-          <a:bodyPr/>
-          <a:lstStyle/>
-          <a:p>
-            <a:r>
-              <a:rPr lang="ko-KR" altLang="en-US" dirty="0" smtClean="0"/>
-              <a:t>기타</a:t>
-            </a:r>
-            <a:endParaRPr lang="ko-KR" altLang="en-US" dirty="0"/>
+          <p:cNvPr id="5" name="TextBox 4"/>
+          <p:cNvSpPr txBox="1"/>
+          <p:nvPr/>
+        </p:nvSpPr>
+        <p:spPr>
+          <a:xfrm>
+            <a:off x="163044" y="200921"/>
+            <a:ext cx="10008295" cy="461665"/>
+          </a:xfrm>
+          <a:prstGeom prst="rect">
+            <a:avLst/>
+          </a:prstGeom>
+          <a:noFill/>
+        </p:spPr>
+        <p:txBody>
+          <a:bodyPr wrap="square" rtlCol="0">
+            <a:spAutoFit/>
+          </a:bodyPr>
+          <a:lstStyle/>
+          <a:p>
+            <a:r>
+              <a:rPr lang="en-US" altLang="ko-KR" sz="2400" b="1" dirty="0" smtClean="0"/>
+              <a:t>1.0.1</a:t>
+            </a:r>
+            <a:r>
+              <a:rPr lang="en-US" altLang="ko-KR" sz="2400" b="1" dirty="0" smtClean="0"/>
+              <a:t>. </a:t>
+            </a:r>
+            <a:r>
+              <a:rPr lang="ko-KR" altLang="en-US" sz="2400" b="1" dirty="0" smtClean="0"/>
+              <a:t>사용시 주의 해야 할 </a:t>
+            </a:r>
+            <a:r>
+              <a:rPr lang="en-US" altLang="ko-KR" sz="2400" b="1" dirty="0" smtClean="0"/>
+              <a:t>3</a:t>
+            </a:r>
+            <a:r>
+              <a:rPr lang="ko-KR" altLang="en-US" sz="2400" b="1" dirty="0" smtClean="0"/>
+              <a:t>가지</a:t>
+            </a:r>
+            <a:r>
+              <a:rPr lang="en-US" altLang="ko-KR" sz="2400" b="1" dirty="0" smtClean="0"/>
+              <a:t> </a:t>
+            </a:r>
+            <a:endParaRPr lang="ko-KR" altLang="en-US" sz="2400" b="1" dirty="0"/>
+          </a:p>
+        </p:txBody>
+      </p:sp>
+      <p:sp>
+        <p:nvSpPr>
+          <p:cNvPr id="10" name="TextBox 9"/>
+          <p:cNvSpPr txBox="1"/>
+          <p:nvPr/>
+        </p:nvSpPr>
+        <p:spPr>
+          <a:xfrm>
+            <a:off x="163043" y="732978"/>
+            <a:ext cx="11873785" cy="1338828"/>
+          </a:xfrm>
+          <a:prstGeom prst="rect">
+            <a:avLst/>
+          </a:prstGeom>
+          <a:noFill/>
+        </p:spPr>
+        <p:txBody>
+          <a:bodyPr wrap="square" rtlCol="0">
+            <a:spAutoFit/>
+          </a:bodyPr>
+          <a:lstStyle/>
+          <a:p>
+            <a:pPr marL="285750" indent="-285750">
+              <a:lnSpc>
+                <a:spcPct val="150000"/>
+              </a:lnSpc>
+              <a:buFont typeface="Arial" panose="020B0604020202020204" pitchFamily="34" charset="0"/>
+              <a:buChar char="•"/>
+            </a:pPr>
+            <a:r>
+              <a:rPr lang="ko-KR" altLang="en-US" dirty="0" smtClean="0">
+                <a:solidFill>
+                  <a:srgbClr val="FF0000"/>
+                </a:solidFill>
+              </a:rPr>
+              <a:t>전체 상태 값 </a:t>
+            </a:r>
+            <a:r>
+              <a:rPr lang="en-US" altLang="ko-KR" dirty="0" smtClean="0">
+                <a:solidFill>
+                  <a:srgbClr val="FF0000"/>
+                </a:solidFill>
+              </a:rPr>
+              <a:t>&gt; </a:t>
+            </a:r>
+            <a:r>
+              <a:rPr lang="ko-KR" altLang="en-US" dirty="0" smtClean="0">
+                <a:solidFill>
+                  <a:srgbClr val="FF0000"/>
+                </a:solidFill>
+              </a:rPr>
+              <a:t>하나의 객체에 저장</a:t>
+            </a:r>
+            <a:endParaRPr lang="en-US" altLang="ko-KR" dirty="0" smtClean="0">
+              <a:solidFill>
+                <a:srgbClr val="FF0000"/>
+              </a:solidFill>
+            </a:endParaRPr>
+          </a:p>
+          <a:p>
+            <a:pPr marL="285750" indent="-285750">
+              <a:lnSpc>
+                <a:spcPct val="150000"/>
+              </a:lnSpc>
+              <a:buFont typeface="Arial" panose="020B0604020202020204" pitchFamily="34" charset="0"/>
+              <a:buChar char="•"/>
+            </a:pPr>
+            <a:r>
+              <a:rPr lang="ko-KR" altLang="en-US" dirty="0" smtClean="0">
+                <a:solidFill>
+                  <a:srgbClr val="FF0000"/>
+                </a:solidFill>
+              </a:rPr>
+              <a:t>상태 값은 불변 객체임</a:t>
+            </a:r>
+            <a:endParaRPr lang="en-US" altLang="ko-KR" dirty="0" smtClean="0">
+              <a:solidFill>
+                <a:srgbClr val="FF0000"/>
+              </a:solidFill>
+            </a:endParaRPr>
+          </a:p>
+          <a:p>
+            <a:pPr marL="285750" indent="-285750">
+              <a:lnSpc>
+                <a:spcPct val="150000"/>
+              </a:lnSpc>
+              <a:buFont typeface="Arial" panose="020B0604020202020204" pitchFamily="34" charset="0"/>
+              <a:buChar char="•"/>
+            </a:pPr>
+            <a:r>
+              <a:rPr lang="ko-KR" altLang="en-US" dirty="0" smtClean="0">
+                <a:solidFill>
+                  <a:srgbClr val="FF0000"/>
+                </a:solidFill>
+              </a:rPr>
+              <a:t>상태 값 </a:t>
+            </a:r>
+            <a:r>
+              <a:rPr lang="en-US" altLang="ko-KR" dirty="0" smtClean="0">
+                <a:solidFill>
+                  <a:srgbClr val="FF0000"/>
+                </a:solidFill>
+              </a:rPr>
+              <a:t>&gt; </a:t>
+            </a:r>
+            <a:r>
+              <a:rPr lang="ko-KR" altLang="en-US" dirty="0" smtClean="0">
+                <a:solidFill>
+                  <a:srgbClr val="FF0000"/>
+                </a:solidFill>
+              </a:rPr>
+              <a:t>순수한 함수에 의해서만 변경되어야 함</a:t>
+            </a:r>
+            <a:endParaRPr lang="en-US" altLang="ko-KR" dirty="0" smtClean="0">
+              <a:solidFill>
+                <a:srgbClr val="FF0000"/>
+              </a:solidFill>
+            </a:endParaRPr>
           </a:p>
         </p:txBody>
       </p:sp>
     </p:spTree>
     <p:extLst>
       <p:ext uri="{BB962C8B-B14F-4D97-AF65-F5344CB8AC3E}">
-        <p14:creationId xmlns:p14="http://schemas.microsoft.com/office/powerpoint/2010/main" val="1611633289"/>
+        <p14:creationId xmlns:p14="http://schemas.microsoft.com/office/powerpoint/2010/main" val="2314800223"/>
       </p:ext>
     </p:extLst>
   </p:cSld>
@@ -5759,235 +5576,9 @@
           <a:chExt cx="0" cy="0"/>
         </a:xfrm>
       </p:grpSpPr>
-      <p:sp>
-        <p:nvSpPr>
-          <p:cNvPr id="6" name="TextBox 5"/>
-          <p:cNvSpPr txBox="1"/>
-          <p:nvPr/>
-        </p:nvSpPr>
-        <p:spPr>
-          <a:xfrm>
-            <a:off x="6740724" y="897468"/>
-            <a:ext cx="4394130" cy="923330"/>
-          </a:xfrm>
-          <a:prstGeom prst="rect">
-            <a:avLst/>
-          </a:prstGeom>
-          <a:noFill/>
-        </p:spPr>
-        <p:txBody>
-          <a:bodyPr wrap="square" rtlCol="0">
-            <a:spAutoFit/>
-          </a:bodyPr>
-          <a:lstStyle/>
-          <a:p>
-            <a:pPr marL="342900" indent="-342900">
-              <a:buAutoNum type="arabicPeriod"/>
-            </a:pPr>
-            <a:r>
-              <a:rPr lang="ko-KR" altLang="en-US" dirty="0" smtClean="0"/>
-              <a:t>프로젝트 루트 폴더에 </a:t>
-            </a:r>
-            <a:r>
-              <a:rPr lang="en-US" altLang="ko-KR" dirty="0" err="1" smtClean="0"/>
-              <a:t>jsconfig.json</a:t>
-            </a:r>
-            <a:r>
-              <a:rPr lang="en-US" altLang="ko-KR" dirty="0" smtClean="0"/>
-              <a:t> </a:t>
-            </a:r>
-            <a:r>
-              <a:rPr lang="ko-KR" altLang="en-US" dirty="0" smtClean="0"/>
-              <a:t>파일 생성</a:t>
-            </a:r>
-            <a:endParaRPr lang="en-US" altLang="ko-KR" dirty="0" smtClean="0"/>
-          </a:p>
-          <a:p>
-            <a:pPr marL="342900" indent="-342900">
-              <a:buAutoNum type="arabicPeriod"/>
-            </a:pPr>
-            <a:r>
-              <a:rPr lang="en-US" altLang="ko-KR" dirty="0" err="1" smtClean="0"/>
-              <a:t>Jsconfig.json</a:t>
-            </a:r>
-            <a:r>
-              <a:rPr lang="en-US" altLang="ko-KR" dirty="0" smtClean="0"/>
-              <a:t> </a:t>
-            </a:r>
-            <a:r>
-              <a:rPr lang="ko-KR" altLang="en-US" dirty="0" smtClean="0"/>
-              <a:t>파일에 아래 내용 추가</a:t>
-            </a:r>
-            <a:endParaRPr lang="ko-KR" altLang="en-US" dirty="0"/>
-          </a:p>
-        </p:txBody>
-      </p:sp>
-      <p:sp>
-        <p:nvSpPr>
-          <p:cNvPr id="7" name="TextBox 6"/>
-          <p:cNvSpPr txBox="1"/>
-          <p:nvPr/>
-        </p:nvSpPr>
-        <p:spPr>
-          <a:xfrm>
-            <a:off x="163044" y="200921"/>
-            <a:ext cx="10008295" cy="461665"/>
-          </a:xfrm>
-          <a:prstGeom prst="rect">
-            <a:avLst/>
-          </a:prstGeom>
-          <a:noFill/>
-        </p:spPr>
-        <p:txBody>
-          <a:bodyPr wrap="square" rtlCol="0">
-            <a:spAutoFit/>
-          </a:bodyPr>
-          <a:lstStyle/>
-          <a:p>
-            <a:r>
-              <a:rPr lang="en-US" altLang="ko-KR" sz="2400" b="1" dirty="0" smtClean="0"/>
-              <a:t>1. </a:t>
-            </a:r>
-            <a:r>
-              <a:rPr lang="ko-KR" altLang="en-US" sz="2400" b="1" dirty="0" smtClean="0"/>
-              <a:t>루트 경로 설정</a:t>
-            </a:r>
-            <a:endParaRPr lang="ko-KR" altLang="en-US" sz="2400" b="1" dirty="0"/>
-          </a:p>
-        </p:txBody>
-      </p:sp>
-      <p:sp>
-        <p:nvSpPr>
-          <p:cNvPr id="8" name="TextBox 7"/>
-          <p:cNvSpPr txBox="1"/>
-          <p:nvPr/>
-        </p:nvSpPr>
-        <p:spPr>
-          <a:xfrm>
-            <a:off x="6740724" y="1932709"/>
-            <a:ext cx="4394130" cy="2308324"/>
-          </a:xfrm>
-          <a:prstGeom prst="rect">
-            <a:avLst/>
-          </a:prstGeom>
-          <a:noFill/>
-        </p:spPr>
-        <p:txBody>
-          <a:bodyPr wrap="square" rtlCol="0">
-            <a:spAutoFit/>
-          </a:bodyPr>
-          <a:lstStyle/>
-          <a:p>
-            <a:r>
-              <a:rPr lang="en-US" altLang="ko-KR" dirty="0"/>
-              <a:t>{</a:t>
-            </a:r>
-          </a:p>
-          <a:p>
-            <a:r>
-              <a:rPr lang="en-US" altLang="ko-KR" dirty="0"/>
-              <a:t>    </a:t>
-            </a:r>
-            <a:r>
-              <a:rPr lang="en-US" altLang="ko-KR" dirty="0" smtClean="0"/>
-              <a:t>”</a:t>
-            </a:r>
-            <a:r>
-              <a:rPr lang="en-US" altLang="ko-KR" dirty="0" err="1" smtClean="0"/>
-              <a:t>compilerOptions</a:t>
-            </a:r>
-            <a:r>
-              <a:rPr lang="en-US" altLang="ko-KR" dirty="0" smtClean="0"/>
-              <a:t>”:</a:t>
-            </a:r>
-            <a:r>
-              <a:rPr lang="en-US" altLang="ko-KR" dirty="0"/>
-              <a:t> {</a:t>
-            </a:r>
-          </a:p>
-          <a:p>
-            <a:r>
-              <a:rPr lang="en-US" altLang="ko-KR" dirty="0"/>
-              <a:t>        </a:t>
-            </a:r>
-            <a:r>
-              <a:rPr lang="en-US" altLang="ko-KR" dirty="0" smtClean="0"/>
-              <a:t>”</a:t>
-            </a:r>
-            <a:r>
-              <a:rPr lang="en-US" altLang="ko-KR" dirty="0" err="1" smtClean="0"/>
-              <a:t>baseUrl</a:t>
-            </a:r>
-            <a:r>
-              <a:rPr lang="en-US" altLang="ko-KR" dirty="0" smtClean="0"/>
-              <a:t>”:</a:t>
-            </a:r>
-            <a:r>
-              <a:rPr lang="en-US" altLang="ko-KR" dirty="0"/>
-              <a:t> </a:t>
-            </a:r>
-            <a:r>
-              <a:rPr lang="en-US" altLang="ko-KR" dirty="0" smtClean="0"/>
-              <a:t>”.”</a:t>
-            </a:r>
-            <a:endParaRPr lang="en-US" altLang="ko-KR" dirty="0"/>
-          </a:p>
-          <a:p>
-            <a:r>
-              <a:rPr lang="en-US" altLang="ko-KR" dirty="0"/>
-              <a:t>    },</a:t>
-            </a:r>
-          </a:p>
-          <a:p>
-            <a:r>
-              <a:rPr lang="en-US" altLang="ko-KR" dirty="0"/>
-              <a:t>    </a:t>
-            </a:r>
-            <a:r>
-              <a:rPr lang="en-US" altLang="ko-KR" dirty="0" smtClean="0"/>
-              <a:t>”include”:</a:t>
-            </a:r>
-            <a:r>
-              <a:rPr lang="en-US" altLang="ko-KR" dirty="0"/>
-              <a:t> [</a:t>
-            </a:r>
-          </a:p>
-          <a:p>
-            <a:r>
-              <a:rPr lang="en-US" altLang="ko-KR" dirty="0"/>
-              <a:t>        </a:t>
-            </a:r>
-            <a:r>
-              <a:rPr lang="en-US" altLang="ko-KR" dirty="0" smtClean="0"/>
-              <a:t>”</a:t>
-            </a:r>
-            <a:r>
-              <a:rPr lang="en-US" altLang="ko-KR" dirty="0" err="1" smtClean="0"/>
-              <a:t>src</a:t>
-            </a:r>
-            <a:r>
-              <a:rPr lang="en-US" altLang="ko-KR" dirty="0" smtClean="0"/>
-              <a:t>”</a:t>
-            </a:r>
-            <a:endParaRPr lang="en-US" altLang="ko-KR" dirty="0"/>
-          </a:p>
-          <a:p>
-            <a:r>
-              <a:rPr lang="en-US" altLang="ko-KR" dirty="0"/>
-              <a:t>    ]</a:t>
-            </a:r>
-          </a:p>
-          <a:p>
-            <a:r>
-              <a:rPr lang="en-US" altLang="ko-KR" dirty="0"/>
-              <a:t>}</a:t>
-            </a:r>
-          </a:p>
-        </p:txBody>
-      </p:sp>
       <p:pic>
         <p:nvPicPr>
-          <p:cNvPr id="9" name="그림 8"/>
+          <p:cNvPr id="2" name="그림 1"/>
           <p:cNvPicPr>
             <a:picLocks noChangeAspect="1"/>
           </p:cNvPicPr>
@@ -6001,8 +5592,8 @@
         </p:blipFill>
         <p:spPr>
           <a:xfrm>
-            <a:off x="290785" y="909937"/>
-            <a:ext cx="6154009" cy="5401429"/>
+            <a:off x="221235" y="885316"/>
+            <a:ext cx="6952184" cy="1841213"/>
           </a:xfrm>
           <a:prstGeom prst="rect">
             <a:avLst/>
@@ -6011,20 +5602,176 @@
       </p:pic>
       <p:sp>
         <p:nvSpPr>
-          <p:cNvPr id="10" name="직사각형 9"/>
+          <p:cNvPr id="5" name="TextBox 4"/>
+          <p:cNvSpPr txBox="1"/>
+          <p:nvPr/>
+        </p:nvSpPr>
+        <p:spPr>
+          <a:xfrm>
+            <a:off x="163044" y="200921"/>
+            <a:ext cx="10008295" cy="461665"/>
+          </a:xfrm>
+          <a:prstGeom prst="rect">
+            <a:avLst/>
+          </a:prstGeom>
+          <a:noFill/>
+        </p:spPr>
+        <p:txBody>
+          <a:bodyPr wrap="square" rtlCol="0">
+            <a:spAutoFit/>
+          </a:bodyPr>
+          <a:lstStyle/>
+          <a:p>
+            <a:r>
+              <a:rPr lang="en-US" altLang="ko-KR" sz="2400" b="1" dirty="0" smtClean="0"/>
+              <a:t>1.0.2</a:t>
+            </a:r>
+            <a:r>
+              <a:rPr lang="en-US" altLang="ko-KR" sz="2400" b="1" dirty="0" smtClean="0"/>
+              <a:t>. </a:t>
+            </a:r>
+            <a:r>
+              <a:rPr lang="en-US" altLang="ko-KR" sz="2400" b="1" dirty="0" err="1" smtClean="0"/>
+              <a:t>Redux</a:t>
+            </a:r>
+            <a:r>
+              <a:rPr lang="en-US" altLang="ko-KR" sz="2400" b="1" dirty="0" smtClean="0"/>
+              <a:t> </a:t>
+            </a:r>
+            <a:r>
+              <a:rPr lang="ko-KR" altLang="en-US" sz="2400" b="1" dirty="0" smtClean="0"/>
+              <a:t>설치</a:t>
+            </a:r>
+            <a:endParaRPr lang="ko-KR" altLang="en-US" sz="2400" b="1" dirty="0"/>
+          </a:p>
+        </p:txBody>
+      </p:sp>
+      <p:sp>
+        <p:nvSpPr>
+          <p:cNvPr id="10" name="TextBox 9"/>
+          <p:cNvSpPr txBox="1"/>
+          <p:nvPr/>
+        </p:nvSpPr>
+        <p:spPr>
+          <a:xfrm>
+            <a:off x="7290261" y="811358"/>
+            <a:ext cx="4680065" cy="1200329"/>
+          </a:xfrm>
+          <a:prstGeom prst="rect">
+            <a:avLst/>
+          </a:prstGeom>
+          <a:noFill/>
+        </p:spPr>
+        <p:txBody>
+          <a:bodyPr wrap="square" rtlCol="0">
+            <a:spAutoFit/>
+          </a:bodyPr>
+          <a:lstStyle/>
+          <a:p>
+            <a:pPr>
+              <a:lnSpc>
+                <a:spcPct val="150000"/>
+              </a:lnSpc>
+            </a:pPr>
+            <a:r>
+              <a:rPr lang="en-US" altLang="ko-KR" sz="1200" dirty="0" err="1" smtClean="0"/>
+              <a:t>Redux</a:t>
+            </a:r>
+            <a:r>
+              <a:rPr lang="en-US" altLang="ko-KR" sz="1200" dirty="0" smtClean="0"/>
+              <a:t> </a:t>
+            </a:r>
+            <a:r>
+              <a:rPr lang="ko-KR" altLang="en-US" sz="1200" dirty="0" smtClean="0"/>
+              <a:t>설치 </a:t>
+            </a:r>
+            <a:r>
+              <a:rPr lang="en-US" altLang="ko-KR" sz="1200" dirty="0" smtClean="0"/>
+              <a:t>&gt; </a:t>
+            </a:r>
+            <a:r>
+              <a:rPr lang="en-US" altLang="ko-KR" sz="1200" b="1" dirty="0" smtClean="0"/>
+              <a:t>yarn add </a:t>
+            </a:r>
+            <a:r>
+              <a:rPr lang="en-US" altLang="ko-KR" sz="1200" b="1" dirty="0" err="1" smtClean="0"/>
+              <a:t>redux</a:t>
+            </a:r>
+            <a:r>
+              <a:rPr lang="en-US" altLang="ko-KR" sz="1200" b="1" dirty="0" smtClean="0"/>
+              <a:t> </a:t>
+            </a:r>
+            <a:r>
+              <a:rPr lang="en-US" altLang="ko-KR" sz="1200" b="1" dirty="0" err="1" smtClean="0"/>
+              <a:t>redux-thunk</a:t>
+            </a:r>
+            <a:r>
+              <a:rPr lang="en-US" altLang="ko-KR" sz="1200" b="1" dirty="0" smtClean="0"/>
+              <a:t> react-</a:t>
+            </a:r>
+            <a:r>
+              <a:rPr lang="en-US" altLang="ko-KR" sz="1200" b="1" dirty="0" err="1" smtClean="0"/>
+              <a:t>redux</a:t>
+            </a:r>
+            <a:endParaRPr lang="en-US" altLang="ko-KR" sz="1200" b="1" dirty="0" smtClean="0"/>
+          </a:p>
+          <a:p>
+            <a:pPr>
+              <a:lnSpc>
+                <a:spcPct val="150000"/>
+              </a:lnSpc>
+            </a:pPr>
+            <a:endParaRPr lang="en-US" altLang="ko-KR" sz="1200" b="1" dirty="0"/>
+          </a:p>
+          <a:p>
+            <a:pPr>
+              <a:lnSpc>
+                <a:spcPct val="150000"/>
+              </a:lnSpc>
+            </a:pPr>
+            <a:r>
+              <a:rPr lang="en-US" altLang="ko-KR" sz="1200" b="1" dirty="0" smtClean="0"/>
+              <a:t>* </a:t>
+            </a:r>
+            <a:r>
+              <a:rPr lang="en-US" altLang="ko-KR" sz="1200" b="1" dirty="0" err="1" smtClean="0"/>
+              <a:t>redux-thunk</a:t>
+            </a:r>
+            <a:r>
+              <a:rPr lang="en-US" altLang="ko-KR" sz="1200" b="1" dirty="0" smtClean="0"/>
+              <a:t>?</a:t>
+            </a:r>
+          </a:p>
+          <a:p>
+            <a:pPr>
+              <a:lnSpc>
+                <a:spcPct val="150000"/>
+              </a:lnSpc>
+            </a:pPr>
+            <a:r>
+              <a:rPr lang="en-US" altLang="ko-KR" sz="1200" b="1" dirty="0"/>
+              <a:t>&gt;</a:t>
+            </a:r>
+            <a:endParaRPr lang="en-US" altLang="ko-KR" sz="1200" b="1" dirty="0" smtClean="0"/>
+          </a:p>
+        </p:txBody>
+      </p:sp>
+      <p:sp>
+        <p:nvSpPr>
+          <p:cNvPr id="3" name="직사각형 2"/>
           <p:cNvSpPr/>
           <p:nvPr/>
         </p:nvSpPr>
         <p:spPr>
           <a:xfrm>
-            <a:off x="299098" y="5178829"/>
-            <a:ext cx="2319411" cy="232756"/>
+            <a:off x="2743199" y="892306"/>
+            <a:ext cx="954127" cy="171723"/>
           </a:xfrm>
           <a:prstGeom prst="rect">
             <a:avLst/>
           </a:prstGeom>
           <a:noFill/>
-          <a:ln w="28575">
+          <a:ln w="38100">
             <a:solidFill>
               <a:srgbClr val="00B0F0"/>
             </a:solidFill>
@@ -6055,22 +5802,46 @@
           </a:p>
         </p:txBody>
       </p:sp>
-      <p:sp>
-        <p:nvSpPr>
-          <p:cNvPr id="11" name="직사각형 10"/>
+      <p:pic>
+        <p:nvPicPr>
+          <p:cNvPr id="4" name="그림 3"/>
+          <p:cNvPicPr>
+            <a:picLocks noChangeAspect="1"/>
+          </p:cNvPicPr>
+          <p:nvPr/>
+        </p:nvPicPr>
+        <p:blipFill>
+          <a:blip r:embed="rId3"/>
+          <a:stretch>
+            <a:fillRect/>
+          </a:stretch>
+        </p:blipFill>
+        <p:spPr>
+          <a:xfrm>
+            <a:off x="221235" y="2787840"/>
+            <a:ext cx="6960962" cy="1816772"/>
+          </a:xfrm>
+          <a:prstGeom prst="rect">
+            <a:avLst/>
+          </a:prstGeom>
+        </p:spPr>
+      </p:pic>
+      <p:sp>
+        <p:nvSpPr>
+          <p:cNvPr id="7" name="직사각형 6"/>
           <p:cNvSpPr/>
           <p:nvPr/>
         </p:nvSpPr>
         <p:spPr>
           <a:xfrm>
-            <a:off x="299098" y="1393831"/>
-            <a:ext cx="2319411" cy="232756"/>
+            <a:off x="2743199" y="2777768"/>
+            <a:ext cx="1305099" cy="171491"/>
           </a:xfrm>
           <a:prstGeom prst="rect">
             <a:avLst/>
           </a:prstGeom>
           <a:noFill/>
-          <a:ln w="28575">
+          <a:ln w="38100">
             <a:solidFill>
               <a:srgbClr val="00B0F0"/>
             </a:solidFill>
@@ -6101,60 +5872,46 @@
           </a:p>
         </p:txBody>
       </p:sp>
-      <p:cxnSp>
-        <p:nvCxnSpPr>
-          <p:cNvPr id="13" name="직선 화살표 연결선 12"/>
-          <p:cNvCxnSpPr>
-            <a:stCxn id="11" idx="2"/>
-          </p:cNvCxnSpPr>
-          <p:nvPr/>
-        </p:nvCxnSpPr>
-        <p:spPr>
-          <a:xfrm flipH="1">
-            <a:off x="1458803" y="1626587"/>
-            <a:ext cx="1" cy="3552242"/>
-          </a:xfrm>
-          <a:prstGeom prst="straightConnector1">
-            <a:avLst/>
-          </a:prstGeom>
-          <a:ln w="28575">
-            <a:solidFill>
-              <a:srgbClr val="00B0F0"/>
-            </a:solidFill>
-            <a:tailEnd type="triangle"/>
-          </a:ln>
-        </p:spPr>
-        <p:style>
-          <a:lnRef idx="1">
-            <a:schemeClr val="accent1"/>
-          </a:lnRef>
-          <a:fillRef idx="0">
-            <a:schemeClr val="accent1"/>
-          </a:fillRef>
-          <a:effectRef idx="0">
-            <a:schemeClr val="accent1"/>
-          </a:effectRef>
-          <a:fontRef idx="minor">
-            <a:schemeClr val="tx1"/>
-          </a:fontRef>
-        </p:style>
-      </p:cxnSp>
-      <p:sp>
-        <p:nvSpPr>
-          <p:cNvPr id="14" name="직사각형 13"/>
+      <p:pic>
+        <p:nvPicPr>
+          <p:cNvPr id="6" name="그림 5"/>
+          <p:cNvPicPr>
+            <a:picLocks noChangeAspect="1"/>
+          </p:cNvPicPr>
+          <p:nvPr/>
+        </p:nvPicPr>
+        <p:blipFill>
+          <a:blip r:embed="rId4"/>
+          <a:stretch>
+            <a:fillRect/>
+          </a:stretch>
+        </p:blipFill>
+        <p:spPr>
+          <a:xfrm>
+            <a:off x="221235" y="4760694"/>
+            <a:ext cx="6960962" cy="1824920"/>
+          </a:xfrm>
+          <a:prstGeom prst="rect">
+            <a:avLst/>
+          </a:prstGeom>
+        </p:spPr>
+      </p:pic>
+      <p:sp>
+        <p:nvSpPr>
+          <p:cNvPr id="12" name="직사각형 11"/>
           <p:cNvSpPr/>
           <p:nvPr/>
         </p:nvSpPr>
         <p:spPr>
           <a:xfrm>
-            <a:off x="3200401" y="1180408"/>
-            <a:ext cx="1945179" cy="1504603"/>
+            <a:off x="2743198" y="4765921"/>
+            <a:ext cx="1305100" cy="180152"/>
           </a:xfrm>
           <a:prstGeom prst="rect">
             <a:avLst/>
           </a:prstGeom>
           <a:noFill/>
-          <a:ln w="28575">
+          <a:ln w="38100">
             <a:solidFill>
               <a:srgbClr val="00B0F0"/>
             </a:solidFill>
@@ -6185,88 +5942,10 @@
           </a:p>
         </p:txBody>
       </p:sp>
-      <p:sp>
-        <p:nvSpPr>
-          <p:cNvPr id="16" name="TextBox 15"/>
-          <p:cNvSpPr txBox="1"/>
-          <p:nvPr/>
-        </p:nvSpPr>
-        <p:spPr>
-          <a:xfrm>
-            <a:off x="1396538" y="3248819"/>
-            <a:ext cx="473826" cy="307777"/>
-          </a:xfrm>
-          <a:prstGeom prst="rect">
-            <a:avLst/>
-          </a:prstGeom>
-          <a:noFill/>
-        </p:spPr>
-        <p:txBody>
-          <a:bodyPr wrap="square" rtlCol="0">
-            <a:spAutoFit/>
-          </a:bodyPr>
-          <a:lstStyle/>
-          <a:p>
-            <a:pPr algn="ctr"/>
-            <a:r>
-              <a:rPr lang="ko-KR" altLang="en-US" sz="1400" b="1" dirty="0" smtClean="0">
-                <a:solidFill>
-                  <a:srgbClr val="00B0F0"/>
-                </a:solidFill>
-              </a:rPr>
-              <a:t>①</a:t>
-            </a:r>
-            <a:endParaRPr lang="ko-KR" altLang="en-US" sz="1400" b="1" dirty="0">
-              <a:solidFill>
-                <a:srgbClr val="00B0F0"/>
-              </a:solidFill>
-            </a:endParaRPr>
-          </a:p>
-        </p:txBody>
-      </p:sp>
-      <p:sp>
-        <p:nvSpPr>
-          <p:cNvPr id="17" name="TextBox 16"/>
-          <p:cNvSpPr txBox="1"/>
-          <p:nvPr/>
-        </p:nvSpPr>
-        <p:spPr>
-          <a:xfrm>
-            <a:off x="4832637" y="2647705"/>
-            <a:ext cx="473826" cy="307777"/>
-          </a:xfrm>
-          <a:prstGeom prst="rect">
-            <a:avLst/>
-          </a:prstGeom>
-          <a:noFill/>
-        </p:spPr>
-        <p:txBody>
-          <a:bodyPr wrap="square" rtlCol="0">
-            <a:spAutoFit/>
-          </a:bodyPr>
-          <a:lstStyle/>
-          <a:p>
-            <a:pPr algn="ctr"/>
-            <a:r>
-              <a:rPr lang="ko-KR" altLang="en-US" sz="1400" b="1" dirty="0" smtClean="0">
-                <a:solidFill>
-                  <a:srgbClr val="00B0F0"/>
-                </a:solidFill>
-              </a:rPr>
-              <a:t>②</a:t>
-            </a:r>
-            <a:endParaRPr lang="ko-KR" altLang="en-US" sz="1400" b="1" dirty="0">
-              <a:solidFill>
-                <a:srgbClr val="00B0F0"/>
-              </a:solidFill>
-            </a:endParaRPr>
-          </a:p>
-        </p:txBody>
-      </p:sp>
     </p:spTree>
     <p:extLst>
       <p:ext uri="{BB962C8B-B14F-4D97-AF65-F5344CB8AC3E}">
-        <p14:creationId xmlns:p14="http://schemas.microsoft.com/office/powerpoint/2010/main" val="3737818282"/>
+        <p14:creationId xmlns:p14="http://schemas.microsoft.com/office/powerpoint/2010/main" val="46913200"/>
       </p:ext>
     </p:extLst>
   </p:cSld>
@@ -6295,7 +5974,7 @@
       </p:grpSpPr>
       <p:pic>
         <p:nvPicPr>
-          <p:cNvPr id="12" name="그림 11"/>
+          <p:cNvPr id="3" name="그림 2"/>
           <p:cNvPicPr>
             <a:picLocks noChangeAspect="1"/>
           </p:cNvPicPr>
@@ -6309,8 +5988,8 @@
         </p:blipFill>
         <p:spPr>
           <a:xfrm>
-            <a:off x="263171" y="782344"/>
-            <a:ext cx="11621507" cy="929721"/>
+            <a:off x="163045" y="1087997"/>
+            <a:ext cx="7255820" cy="5427138"/>
           </a:xfrm>
           <a:prstGeom prst="rect">
             <a:avLst/>
@@ -6319,14 +5998,14 @@
       </p:pic>
       <p:sp>
         <p:nvSpPr>
-          <p:cNvPr id="15" name="TextBox 14"/>
+          <p:cNvPr id="5" name="TextBox 4"/>
           <p:cNvSpPr txBox="1"/>
           <p:nvPr/>
         </p:nvSpPr>
         <p:spPr>
           <a:xfrm>
             <a:off x="163044" y="200921"/>
-            <a:ext cx="11821762" cy="461665"/>
+            <a:ext cx="10008295" cy="461665"/>
           </a:xfrm>
           <a:prstGeom prst="rect">
             <a:avLst/>
@@ -6341,11 +6020,23 @@
           <a:p>
             <a:r>
               <a:rPr lang="en-US" altLang="ko-KR" sz="2400" b="1" dirty="0" smtClean="0"/>
-              <a:t>2. yarn </a:t>
+              <a:t>3.1. React-router-</a:t>
+            </a:r>
+            <a:r>
+              <a:rPr lang="en-US" altLang="ko-KR" sz="2400" b="1" dirty="0" err="1"/>
+              <a:t>d</a:t>
+            </a:r>
+            <a:r>
+              <a:rPr lang="en-US" altLang="ko-KR" sz="2400" b="1" dirty="0" err="1" smtClean="0"/>
+              <a:t>om</a:t>
+            </a:r>
+            <a:r>
+              <a:rPr lang="en-US" altLang="ko-KR" sz="2400" b="1" dirty="0" smtClean="0"/>
+              <a:t> </a:t>
             </a:r>
             <a:r>
               <a:rPr lang="ko-KR" altLang="en-US" sz="2400" b="1" dirty="0" smtClean="0"/>
-              <a:t>보안 오류</a:t>
+              <a:t>설치</a:t>
             </a:r>
             <a:endParaRPr lang="ko-KR" altLang="en-US" sz="2400" b="1" dirty="0"/>
           </a:p>
@@ -6353,20 +6044,20 @@
       </p:sp>
       <p:sp>
         <p:nvSpPr>
-          <p:cNvPr id="18" name="직사각형 17"/>
+          <p:cNvPr id="7" name="직사각형 6"/>
           <p:cNvSpPr/>
           <p:nvPr/>
         </p:nvSpPr>
         <p:spPr>
           <a:xfrm>
-            <a:off x="263171" y="782344"/>
-            <a:ext cx="2278696" cy="157130"/>
+            <a:off x="3956858" y="6159731"/>
+            <a:ext cx="1313412" cy="207818"/>
           </a:xfrm>
           <a:prstGeom prst="rect">
             <a:avLst/>
           </a:prstGeom>
           <a:noFill/>
-          <a:ln w="28575">
+          <a:ln w="38100">
             <a:solidFill>
               <a:srgbClr val="00B0F0"/>
             </a:solidFill>
@@ -6399,14 +6090,14 @@
       </p:sp>
       <p:sp>
         <p:nvSpPr>
-          <p:cNvPr id="19" name="TextBox 18"/>
+          <p:cNvPr id="10" name="TextBox 9"/>
           <p:cNvSpPr txBox="1"/>
           <p:nvPr/>
         </p:nvSpPr>
         <p:spPr>
           <a:xfrm>
-            <a:off x="163044" y="2037673"/>
-            <a:ext cx="11721634" cy="1477328"/>
+            <a:off x="7589519" y="1087997"/>
+            <a:ext cx="4394130" cy="567463"/>
           </a:xfrm>
           <a:prstGeom prst="rect">
             <a:avLst/>
@@ -6425,222 +6116,68 @@
               </a:lnSpc>
             </a:pPr>
             <a:r>
-              <a:rPr lang="en-US" altLang="ko-KR" sz="1200" dirty="0" smtClean="0"/>
-              <a:t>yarn </a:t>
-            </a:r>
-            <a:r>
-              <a:rPr lang="ko-KR" altLang="en-US" sz="1200" dirty="0" smtClean="0"/>
-              <a:t>실행 시</a:t>
-            </a:r>
-            <a:r>
-              <a:rPr lang="en-US" altLang="ko-KR" sz="1200" dirty="0" smtClean="0"/>
-              <a:t>, </a:t>
-            </a:r>
-            <a:r>
-              <a:rPr lang="ko-KR" altLang="en-US" sz="1200" dirty="0" smtClean="0"/>
-              <a:t>보안 정책의 오류로 실행이 불가함</a:t>
-            </a:r>
-            <a:r>
-              <a:rPr lang="en-US" altLang="ko-KR" sz="1200" dirty="0" smtClean="0"/>
+              <a:rPr lang="en-US" altLang="ko-KR" sz="1100" dirty="0" smtClean="0"/>
+              <a:t>Router</a:t>
+            </a:r>
+            <a:r>
+              <a:rPr lang="ko-KR" altLang="en-US" sz="1100" dirty="0" smtClean="0"/>
+              <a:t>를 사용하기 위해 </a:t>
+            </a:r>
+            <a:r>
+              <a:rPr lang="en-US" altLang="ko-KR" sz="1100" dirty="0" smtClean="0"/>
+              <a:t>“</a:t>
+            </a:r>
+            <a:r>
+              <a:rPr lang="en-US" altLang="ko-KR" sz="1100" b="1" dirty="0" err="1" smtClean="0"/>
+              <a:t>npm</a:t>
+            </a:r>
+            <a:r>
+              <a:rPr lang="en-US" altLang="ko-KR" sz="1100" b="1" dirty="0" smtClean="0"/>
+              <a:t> install(</a:t>
+            </a:r>
+            <a:r>
+              <a:rPr lang="en-US" altLang="ko-KR" sz="1100" b="1" dirty="0" err="1" smtClean="0"/>
+              <a:t>i</a:t>
+            </a:r>
+            <a:r>
+              <a:rPr lang="en-US" altLang="ko-KR" sz="1100" b="1" dirty="0" smtClean="0"/>
+              <a:t>) react-router-</a:t>
+            </a:r>
+            <a:r>
+              <a:rPr lang="en-US" altLang="ko-KR" sz="1100" b="1" dirty="0" err="1" smtClean="0"/>
+              <a:t>dom</a:t>
+            </a:r>
+            <a:r>
+              <a:rPr lang="en-US" altLang="ko-KR" sz="1100" dirty="0" smtClean="0"/>
+              <a:t>” </a:t>
+            </a:r>
+            <a:r>
+              <a:rPr lang="ko-KR" altLang="en-US" sz="1100" dirty="0" smtClean="0"/>
+              <a:t>명령어를 통해 설치</a:t>
+            </a:r>
+            <a:r>
+              <a:rPr lang="en-US" altLang="ko-KR" sz="1100" dirty="0" smtClean="0"/>
               <a:t>.</a:t>
             </a:r>
-          </a:p>
-          <a:p>
-            <a:pPr marL="171450" indent="-171450" algn="just">
-              <a:lnSpc>
-                <a:spcPct val="150000"/>
-              </a:lnSpc>
-              <a:buFont typeface="Wingdings" panose="05000000000000000000" pitchFamily="2" charset="2"/>
-              <a:buChar char="Ø"/>
-            </a:pPr>
-            <a:r>
-              <a:rPr lang="en-US" altLang="ko-KR" sz="1200" dirty="0" smtClean="0"/>
-              <a:t>Power-shell</a:t>
-            </a:r>
-            <a:r>
-              <a:rPr lang="ko-KR" altLang="en-US" sz="1200" dirty="0" smtClean="0"/>
-              <a:t>에서 </a:t>
-            </a:r>
-            <a:r>
-              <a:rPr lang="en-US" altLang="ko-KR" sz="1200" dirty="0" err="1" smtClean="0"/>
-              <a:t>ExecutionPolicy</a:t>
-            </a:r>
-            <a:r>
-              <a:rPr lang="en-US" altLang="ko-KR" sz="1200" dirty="0" smtClean="0"/>
-              <a:t> </a:t>
-            </a:r>
-            <a:r>
-              <a:rPr lang="ko-KR" altLang="en-US" sz="1200" dirty="0" smtClean="0"/>
-              <a:t>명령어를 실행 </a:t>
-            </a:r>
-            <a:endParaRPr lang="en-US" altLang="ko-KR" sz="1200" dirty="0" smtClean="0"/>
-          </a:p>
-          <a:p>
-            <a:pPr marL="171450" indent="-171450" algn="just">
-              <a:lnSpc>
-                <a:spcPct val="150000"/>
-              </a:lnSpc>
-              <a:buFont typeface="Wingdings" panose="05000000000000000000" pitchFamily="2" charset="2"/>
-              <a:buChar char="Ø"/>
-            </a:pPr>
-            <a:r>
-              <a:rPr lang="en-US" altLang="ko-KR" sz="1200" dirty="0" smtClean="0"/>
-              <a:t>Restricted </a:t>
-            </a:r>
-            <a:r>
-              <a:rPr lang="ko-KR" altLang="en-US" sz="1200" dirty="0" smtClean="0"/>
-              <a:t>이 표시 </a:t>
-            </a:r>
-            <a:r>
-              <a:rPr lang="en-US" altLang="ko-KR" sz="1200" dirty="0" smtClean="0"/>
-              <a:t>&gt; </a:t>
-            </a:r>
-            <a:r>
-              <a:rPr lang="ko-KR" altLang="en-US" sz="1200" dirty="0" smtClean="0"/>
-              <a:t>이 정책으로 인하여 </a:t>
-            </a:r>
-            <a:r>
-              <a:rPr lang="en-US" altLang="ko-KR" sz="1200" dirty="0" smtClean="0"/>
-              <a:t>yarn </a:t>
-            </a:r>
-            <a:r>
-              <a:rPr lang="ko-KR" altLang="en-US" sz="1200" dirty="0" smtClean="0"/>
-              <a:t>명령어가 실행이 안됨</a:t>
-            </a:r>
-            <a:r>
-              <a:rPr lang="en-US" altLang="ko-KR" sz="1200" dirty="0" smtClean="0"/>
-              <a:t>.</a:t>
-            </a:r>
-          </a:p>
-          <a:p>
-            <a:pPr marL="171450" indent="-171450" algn="just">
-              <a:lnSpc>
-                <a:spcPct val="150000"/>
-              </a:lnSpc>
-              <a:buFont typeface="Wingdings" panose="05000000000000000000" pitchFamily="2" charset="2"/>
-              <a:buChar char="Ø"/>
-            </a:pPr>
-            <a:r>
-              <a:rPr lang="en-US" altLang="ko-KR" sz="1200" dirty="0" smtClean="0"/>
-              <a:t>yarn </a:t>
-            </a:r>
-            <a:r>
-              <a:rPr lang="ko-KR" altLang="en-US" sz="1200" dirty="0" smtClean="0"/>
-              <a:t>실행을 하기 위해서는 </a:t>
-            </a:r>
-            <a:r>
-              <a:rPr lang="en-US" altLang="ko-KR" sz="1200" dirty="0" smtClean="0"/>
-              <a:t>Set-</a:t>
-            </a:r>
-            <a:r>
-              <a:rPr lang="en-US" altLang="ko-KR" sz="1200" dirty="0" err="1" smtClean="0"/>
-              <a:t>ExecutionPolicy</a:t>
-            </a:r>
-            <a:r>
-              <a:rPr lang="en-US" altLang="ko-KR" sz="1200" dirty="0" smtClean="0"/>
-              <a:t> Unrestricted</a:t>
-            </a:r>
-            <a:r>
-              <a:rPr lang="ko-KR" altLang="en-US" sz="1200" dirty="0"/>
-              <a:t> </a:t>
-            </a:r>
-            <a:r>
-              <a:rPr lang="ko-KR" altLang="en-US" sz="1200" dirty="0" smtClean="0"/>
-              <a:t>로 보안정책을 변경해야 함</a:t>
-            </a:r>
-            <a:r>
-              <a:rPr lang="en-US" altLang="ko-KR" sz="1200" dirty="0" smtClean="0"/>
-              <a:t>.</a:t>
-            </a:r>
-          </a:p>
-          <a:p>
-            <a:pPr algn="just">
-              <a:lnSpc>
-                <a:spcPct val="150000"/>
-              </a:lnSpc>
-            </a:pPr>
-            <a:r>
-              <a:rPr lang="en-US" altLang="ko-KR" sz="1200" dirty="0" smtClean="0"/>
-              <a:t>		    </a:t>
-            </a:r>
-            <a:r>
-              <a:rPr lang="en-US" altLang="ko-KR" sz="1100" b="1" dirty="0" smtClean="0">
-                <a:solidFill>
-                  <a:srgbClr val="FF0000"/>
-                </a:solidFill>
-              </a:rPr>
-              <a:t>* </a:t>
-            </a:r>
-            <a:r>
-              <a:rPr lang="ko-KR" altLang="en-US" sz="1100" b="1" dirty="0" smtClean="0">
-                <a:solidFill>
-                  <a:srgbClr val="FF0000"/>
-                </a:solidFill>
-              </a:rPr>
-              <a:t>참고</a:t>
-            </a:r>
-            <a:r>
-              <a:rPr lang="en-US" altLang="ko-KR" sz="1100" b="1" dirty="0" smtClean="0">
-                <a:solidFill>
-                  <a:srgbClr val="FF0000"/>
-                </a:solidFill>
-              </a:rPr>
-              <a:t>: </a:t>
-            </a:r>
-            <a:r>
-              <a:rPr lang="ko-KR" altLang="en-US" sz="1100" b="1" dirty="0" smtClean="0">
-                <a:solidFill>
-                  <a:srgbClr val="FF0000"/>
-                </a:solidFill>
-              </a:rPr>
-              <a:t>보안정책을 변경하기 위해서는 관리자모드로 </a:t>
-            </a:r>
-            <a:r>
-              <a:rPr lang="en-US" altLang="ko-KR" sz="1100" b="1" dirty="0" smtClean="0">
-                <a:solidFill>
-                  <a:srgbClr val="FF0000"/>
-                </a:solidFill>
-              </a:rPr>
-              <a:t>Power-shell</a:t>
-            </a:r>
-            <a:r>
-              <a:rPr lang="ko-KR" altLang="en-US" sz="1100" b="1" dirty="0" smtClean="0">
-                <a:solidFill>
-                  <a:srgbClr val="FF0000"/>
-                </a:solidFill>
-              </a:rPr>
-              <a:t>을 실행해야 함</a:t>
-            </a:r>
-            <a:r>
-              <a:rPr lang="en-US" altLang="ko-KR" sz="1100" b="1" dirty="0" smtClean="0">
-                <a:solidFill>
-                  <a:srgbClr val="FF0000"/>
-                </a:solidFill>
-              </a:rPr>
-              <a:t>.</a:t>
-            </a:r>
-            <a:endParaRPr lang="ko-KR" altLang="en-US" sz="1100" b="1" dirty="0">
-              <a:solidFill>
-                <a:srgbClr val="FF0000"/>
-              </a:solidFill>
-            </a:endParaRPr>
+            <a:endParaRPr lang="ko-KR" altLang="en-US" sz="1100" dirty="0"/>
           </a:p>
         </p:txBody>
       </p:sp>
       <p:cxnSp>
         <p:nvCxnSpPr>
-          <p:cNvPr id="20" name="직선 화살표 연결선 19"/>
+          <p:cNvPr id="6" name="꺾인 연결선 5"/>
           <p:cNvCxnSpPr>
-            <a:stCxn id="18" idx="2"/>
+            <a:stCxn id="7" idx="3"/>
+            <a:endCxn id="10" idx="1"/>
           </p:cNvCxnSpPr>
           <p:nvPr/>
         </p:nvCxnSpPr>
         <p:spPr>
-          <a:xfrm>
-            <a:off x="1402519" y="939474"/>
-            <a:ext cx="5141" cy="1107831"/>
-          </a:xfrm>
-          <a:prstGeom prst="straightConnector1">
+          <a:xfrm flipV="1">
+            <a:off x="5270270" y="1371729"/>
+            <a:ext cx="2319249" cy="4891911"/>
+          </a:xfrm>
+          <a:prstGeom prst="bentConnector3">
             <a:avLst/>
           </a:prstGeom>
           <a:ln w="19050">
@@ -6665,221 +6202,10 @@
           </a:fontRef>
         </p:style>
       </p:cxnSp>
-      <p:pic>
-        <p:nvPicPr>
-          <p:cNvPr id="21" name="그림 20"/>
-          <p:cNvPicPr>
-            <a:picLocks noChangeAspect="1"/>
-          </p:cNvPicPr>
-          <p:nvPr/>
-        </p:nvPicPr>
-        <p:blipFill>
-          <a:blip r:embed="rId3"/>
-          <a:stretch>
-            <a:fillRect/>
-          </a:stretch>
-        </p:blipFill>
-        <p:spPr>
-          <a:xfrm>
-            <a:off x="2306832" y="3542218"/>
-            <a:ext cx="6454699" cy="1844200"/>
-          </a:xfrm>
-          <a:prstGeom prst="rect">
-            <a:avLst/>
-          </a:prstGeom>
-        </p:spPr>
-      </p:pic>
-      <p:pic>
-        <p:nvPicPr>
-          <p:cNvPr id="22" name="그림 21"/>
-          <p:cNvPicPr>
-            <a:picLocks noChangeAspect="1"/>
-          </p:cNvPicPr>
-          <p:nvPr/>
-        </p:nvPicPr>
-        <p:blipFill>
-          <a:blip r:embed="rId4"/>
-          <a:stretch>
-            <a:fillRect/>
-          </a:stretch>
-        </p:blipFill>
-        <p:spPr>
-          <a:xfrm>
-            <a:off x="4089802" y="4597074"/>
-            <a:ext cx="7895004" cy="2225233"/>
-          </a:xfrm>
-          <a:prstGeom prst="rect">
-            <a:avLst/>
-          </a:prstGeom>
-        </p:spPr>
-      </p:pic>
-      <p:sp>
-        <p:nvSpPr>
-          <p:cNvPr id="23" name="직사각형 22"/>
-          <p:cNvSpPr/>
-          <p:nvPr/>
-        </p:nvSpPr>
-        <p:spPr>
-          <a:xfrm>
-            <a:off x="2306832" y="3709052"/>
-            <a:ext cx="6454699" cy="624254"/>
-          </a:xfrm>
-          <a:prstGeom prst="rect">
-            <a:avLst/>
-          </a:prstGeom>
-          <a:noFill/>
-          <a:ln w="38100">
-            <a:solidFill>
-              <a:srgbClr val="00B0F0"/>
-            </a:solidFill>
-          </a:ln>
-        </p:spPr>
-        <p:style>
-          <a:lnRef idx="2">
-            <a:schemeClr val="accent1">
-              <a:shade val="50000"/>
-            </a:schemeClr>
-          </a:lnRef>
-          <a:fillRef idx="1">
-            <a:schemeClr val="accent1"/>
-          </a:fillRef>
-          <a:effectRef idx="0">
-            <a:schemeClr val="accent1"/>
-          </a:effectRef>
-          <a:fontRef idx="minor">
-            <a:schemeClr val="lt1"/>
-          </a:fontRef>
-        </p:style>
-        <p:txBody>
-          <a:bodyPr rtlCol="0" anchor="ctr"/>
-          <a:lstStyle/>
-          <a:p>
-            <a:pPr algn="ctr"/>
-            <a:endParaRPr lang="ko-KR" altLang="en-US"/>
-          </a:p>
-        </p:txBody>
-      </p:sp>
-      <p:sp>
-        <p:nvSpPr>
-          <p:cNvPr id="24" name="직사각형 23"/>
-          <p:cNvSpPr/>
-          <p:nvPr/>
-        </p:nvSpPr>
-        <p:spPr>
-          <a:xfrm>
-            <a:off x="4089802" y="4597074"/>
-            <a:ext cx="7895004" cy="2225233"/>
-          </a:xfrm>
-          <a:prstGeom prst="rect">
-            <a:avLst/>
-          </a:prstGeom>
-          <a:noFill/>
-          <a:ln w="38100">
-            <a:solidFill>
-              <a:srgbClr val="00B0F0"/>
-            </a:solidFill>
-          </a:ln>
-        </p:spPr>
-        <p:style>
-          <a:lnRef idx="2">
-            <a:schemeClr val="accent1">
-              <a:shade val="50000"/>
-            </a:schemeClr>
-          </a:lnRef>
-          <a:fillRef idx="1">
-            <a:schemeClr val="accent1"/>
-          </a:fillRef>
-          <a:effectRef idx="0">
-            <a:schemeClr val="accent1"/>
-          </a:effectRef>
-          <a:fontRef idx="minor">
-            <a:schemeClr val="lt1"/>
-          </a:fontRef>
-        </p:style>
-        <p:txBody>
-          <a:bodyPr rtlCol="0" anchor="ctr"/>
-          <a:lstStyle/>
-          <a:p>
-            <a:pPr algn="ctr"/>
-            <a:endParaRPr lang="ko-KR" altLang="en-US"/>
-          </a:p>
-        </p:txBody>
-      </p:sp>
-      <p:cxnSp>
-        <p:nvCxnSpPr>
-          <p:cNvPr id="25" name="직선 화살표 연결선 24"/>
-          <p:cNvCxnSpPr>
-            <a:stCxn id="23" idx="2"/>
-          </p:cNvCxnSpPr>
-          <p:nvPr/>
-        </p:nvCxnSpPr>
-        <p:spPr>
-          <a:xfrm flipH="1">
-            <a:off x="5534181" y="4333306"/>
-            <a:ext cx="1" cy="263768"/>
-          </a:xfrm>
-          <a:prstGeom prst="straightConnector1">
-            <a:avLst/>
-          </a:prstGeom>
-          <a:ln w="19050">
-            <a:solidFill>
-              <a:srgbClr val="00B0F0"/>
-            </a:solidFill>
-            <a:tailEnd type="triangle"/>
-          </a:ln>
-        </p:spPr>
-        <p:style>
-          <a:lnRef idx="1">
-            <a:schemeClr val="accent1"/>
-          </a:lnRef>
-          <a:fillRef idx="0">
-            <a:schemeClr val="accent1"/>
-          </a:fillRef>
-          <a:effectRef idx="0">
-            <a:schemeClr val="accent1"/>
-          </a:effectRef>
-          <a:fontRef idx="minor">
-            <a:schemeClr val="tx1"/>
-          </a:fontRef>
-        </p:style>
-      </p:cxnSp>
-      <p:sp>
-        <p:nvSpPr>
-          <p:cNvPr id="7" name="TextBox 6"/>
-          <p:cNvSpPr txBox="1"/>
-          <p:nvPr/>
-        </p:nvSpPr>
-        <p:spPr>
-          <a:xfrm>
-            <a:off x="163044" y="200921"/>
-            <a:ext cx="10008295" cy="461665"/>
-          </a:xfrm>
-          <a:prstGeom prst="rect">
-            <a:avLst/>
-          </a:prstGeom>
-          <a:noFill/>
-        </p:spPr>
-        <p:txBody>
-          <a:bodyPr wrap="square" rtlCol="0">
-            <a:spAutoFit/>
-          </a:bodyPr>
-          <a:lstStyle/>
-          <a:p>
-            <a:r>
-              <a:rPr lang="en-US" altLang="ko-KR" sz="2400" b="1" dirty="0"/>
-              <a:t>2. yarn </a:t>
-            </a:r>
-            <a:r>
-              <a:rPr lang="ko-KR" altLang="en-US" sz="2400" b="1" dirty="0"/>
-              <a:t>보안 오류</a:t>
-            </a:r>
-          </a:p>
-        </p:txBody>
-      </p:sp>
     </p:spTree>
     <p:extLst>
       <p:ext uri="{BB962C8B-B14F-4D97-AF65-F5344CB8AC3E}">
-        <p14:creationId xmlns:p14="http://schemas.microsoft.com/office/powerpoint/2010/main" val="722635239"/>
+        <p14:creationId xmlns:p14="http://schemas.microsoft.com/office/powerpoint/2010/main" val="3125268494"/>
       </p:ext>
     </p:extLst>
   </p:cSld>
@@ -6946,19 +6272,7 @@
           <a:p>
             <a:r>
               <a:rPr lang="ko-KR" altLang="en-US" dirty="0" smtClean="0"/>
-              <a:t>기타 </a:t>
-            </a:r>
-            <a:r>
-              <a:rPr lang="en-US" altLang="ko-KR" dirty="0" smtClean="0"/>
-              <a:t>- </a:t>
-            </a:r>
-            <a:r>
-              <a:rPr lang="ko-KR" altLang="en-US" dirty="0" err="1" smtClean="0"/>
-              <a:t>환경별</a:t>
-            </a:r>
-            <a:r>
-              <a:rPr lang="ko-KR" altLang="en-US" dirty="0" smtClean="0"/>
-              <a:t> 변수 추가 및 사용</a:t>
+              <a:t>기타</a:t>
             </a:r>
             <a:endParaRPr lang="ko-KR" altLang="en-US" dirty="0"/>
           </a:p>
@@ -6967,7 +6281,7 @@
     </p:spTree>
     <p:extLst>
       <p:ext uri="{BB962C8B-B14F-4D97-AF65-F5344CB8AC3E}">
-        <p14:creationId xmlns:p14="http://schemas.microsoft.com/office/powerpoint/2010/main" val="2583713192"/>
+        <p14:creationId xmlns:p14="http://schemas.microsoft.com/office/powerpoint/2010/main" val="1611633289"/>
       </p:ext>
     </p:extLst>
   </p:cSld>
@@ -6996,14 +6310,14 @@
       </p:grpSpPr>
       <p:sp>
         <p:nvSpPr>
-          <p:cNvPr id="5" name="TextBox 4"/>
+          <p:cNvPr id="6" name="TextBox 5"/>
           <p:cNvSpPr txBox="1"/>
           <p:nvPr/>
         </p:nvSpPr>
         <p:spPr>
           <a:xfrm>
-            <a:off x="211015" y="228600"/>
-            <a:ext cx="11764108" cy="369332"/>
+            <a:off x="6740724" y="897468"/>
+            <a:ext cx="4394130" cy="923330"/>
           </a:xfrm>
           <a:prstGeom prst="rect">
             <a:avLst/>
@@ -7016,13 +6330,16 @@
           </a:bodyPr>
           <a:lstStyle/>
           <a:p>
-            <a:r>
-              <a:rPr lang="en-US" altLang="ko-KR" dirty="0" smtClean="0"/>
-              <a:t>1.1. </a:t>
+            <a:pPr marL="342900" indent="-342900">
+              <a:buAutoNum type="arabicPeriod"/>
+            </a:pPr>
+            <a:r>
+              <a:rPr lang="ko-KR" altLang="en-US" dirty="0" smtClean="0"/>
+              <a:t>프로젝트 루트 폴더에 </a:t>
             </a:r>
             <a:r>
               <a:rPr lang="en-US" altLang="ko-KR" dirty="0" err="1" smtClean="0"/>
-              <a:t>dotEnv</a:t>
+              <a:t>jsconfig.json</a:t>
             </a:r>
             <a:r>
               <a:rPr lang="en-US" altLang="ko-KR" dirty="0" smtClean="0"/>
@@ -7030,15 +6347,196 @@
             </a:r>
             <a:r>
               <a:rPr lang="ko-KR" altLang="en-US" dirty="0" smtClean="0"/>
-              <a:t>설치</a:t>
+              <a:t>파일 생성</a:t>
+            </a:r>
+            <a:endParaRPr lang="en-US" altLang="ko-KR" dirty="0" smtClean="0"/>
+          </a:p>
+          <a:p>
+            <a:pPr marL="342900" indent="-342900">
+              <a:buAutoNum type="arabicPeriod"/>
+            </a:pPr>
+            <a:r>
+              <a:rPr lang="en-US" altLang="ko-KR" dirty="0" err="1" smtClean="0"/>
+              <a:t>Jsconfig.json</a:t>
+            </a:r>
+            <a:r>
+              <a:rPr lang="en-US" altLang="ko-KR" dirty="0" smtClean="0"/>
+              <a:t> </a:t>
+            </a:r>
+            <a:r>
+              <a:rPr lang="ko-KR" altLang="en-US" dirty="0" smtClean="0"/>
+              <a:t>파일에 아래 내용 추가</a:t>
             </a:r>
             <a:endParaRPr lang="ko-KR" altLang="en-US" dirty="0"/>
+          </a:p>
+        </p:txBody>
+      </p:sp>
+      <p:sp>
+        <p:nvSpPr>
+          <p:cNvPr id="7" name="TextBox 6"/>
+          <p:cNvSpPr txBox="1"/>
+          <p:nvPr/>
+        </p:nvSpPr>
+        <p:spPr>
+          <a:xfrm>
+            <a:off x="163044" y="200921"/>
+            <a:ext cx="10008295" cy="461665"/>
+          </a:xfrm>
+          <a:prstGeom prst="rect">
+            <a:avLst/>
+          </a:prstGeom>
+          <a:noFill/>
+        </p:spPr>
+        <p:txBody>
+          <a:bodyPr wrap="square" rtlCol="0">
+            <a:spAutoFit/>
+          </a:bodyPr>
+          <a:lstStyle/>
+          <a:p>
+            <a:r>
+              <a:rPr lang="en-US" altLang="ko-KR" sz="2400" b="1" dirty="0" smtClean="0"/>
+              <a:t>1. </a:t>
+            </a:r>
+            <a:r>
+              <a:rPr lang="ko-KR" altLang="en-US" sz="2400" b="1" dirty="0" smtClean="0"/>
+              <a:t>루트 경로 설정</a:t>
+            </a:r>
+            <a:endParaRPr lang="ko-KR" altLang="en-US" sz="2400" b="1" dirty="0"/>
+          </a:p>
+        </p:txBody>
+      </p:sp>
+      <p:sp>
+        <p:nvSpPr>
+          <p:cNvPr id="8" name="TextBox 7"/>
+          <p:cNvSpPr txBox="1"/>
+          <p:nvPr/>
+        </p:nvSpPr>
+        <p:spPr>
+          <a:xfrm>
+            <a:off x="6740724" y="1932709"/>
+            <a:ext cx="4394130" cy="2308324"/>
+          </a:xfrm>
+          <a:prstGeom prst="rect">
+            <a:avLst/>
+          </a:prstGeom>
+          <a:noFill/>
+        </p:spPr>
+        <p:txBody>
+          <a:bodyPr wrap="square" rtlCol="0">
+            <a:spAutoFit/>
+          </a:bodyPr>
+          <a:lstStyle/>
+          <a:p>
+            <a:r>
+              <a:rPr lang="en-US" altLang="ko-KR" dirty="0"/>
+              <a:t>{</a:t>
+            </a:r>
+          </a:p>
+          <a:p>
+            <a:r>
+              <a:rPr lang="en-US" altLang="ko-KR" dirty="0"/>
+              <a:t>    </a:t>
+            </a:r>
+            <a:r>
+              <a:rPr lang="en-US" altLang="ko-KR" dirty="0" smtClean="0"/>
+              <a:t>”</a:t>
+            </a:r>
+            <a:r>
+              <a:rPr lang="en-US" altLang="ko-KR" dirty="0" err="1" smtClean="0"/>
+              <a:t>compilerOptions</a:t>
+            </a:r>
+            <a:r>
+              <a:rPr lang="en-US" altLang="ko-KR" dirty="0" smtClean="0"/>
+              <a:t>”:</a:t>
+            </a:r>
+            <a:r>
+              <a:rPr lang="en-US" altLang="ko-KR" dirty="0"/>
+              <a:t> {</a:t>
+            </a:r>
+          </a:p>
+          <a:p>
+            <a:r>
+              <a:rPr lang="en-US" altLang="ko-KR" dirty="0"/>
+              <a:t>        </a:t>
+            </a:r>
+            <a:r>
+              <a:rPr lang="en-US" altLang="ko-KR" dirty="0" smtClean="0"/>
+              <a:t>”</a:t>
+            </a:r>
+            <a:r>
+              <a:rPr lang="en-US" altLang="ko-KR" dirty="0" err="1" smtClean="0"/>
+              <a:t>baseUrl</a:t>
+            </a:r>
+            <a:r>
+              <a:rPr lang="en-US" altLang="ko-KR" dirty="0" smtClean="0"/>
+              <a:t>”:</a:t>
+            </a:r>
+            <a:r>
+              <a:rPr lang="en-US" altLang="ko-KR" dirty="0"/>
+              <a:t> </a:t>
+            </a:r>
+            <a:r>
+              <a:rPr lang="en-US" altLang="ko-KR" dirty="0" smtClean="0"/>
+              <a:t>”.”</a:t>
+            </a:r>
+            <a:endParaRPr lang="en-US" altLang="ko-KR" dirty="0"/>
+          </a:p>
+          <a:p>
+            <a:r>
+              <a:rPr lang="en-US" altLang="ko-KR" dirty="0"/>
+              <a:t>    },</a:t>
+            </a:r>
+          </a:p>
+          <a:p>
+            <a:r>
+              <a:rPr lang="en-US" altLang="ko-KR" dirty="0"/>
+              <a:t>    </a:t>
+            </a:r>
+            <a:r>
+              <a:rPr lang="en-US" altLang="ko-KR" dirty="0" smtClean="0"/>
+              <a:t>”include”:</a:t>
+            </a:r>
+            <a:r>
+              <a:rPr lang="en-US" altLang="ko-KR" dirty="0"/>
+              <a:t> [</a:t>
+            </a:r>
+          </a:p>
+          <a:p>
+            <a:r>
+              <a:rPr lang="en-US" altLang="ko-KR" dirty="0"/>
+              <a:t>        </a:t>
+            </a:r>
+            <a:r>
+              <a:rPr lang="en-US" altLang="ko-KR" dirty="0" smtClean="0"/>
+              <a:t>”</a:t>
+            </a:r>
+            <a:r>
+              <a:rPr lang="en-US" altLang="ko-KR" dirty="0" err="1" smtClean="0"/>
+              <a:t>src</a:t>
+            </a:r>
+            <a:r>
+              <a:rPr lang="en-US" altLang="ko-KR" dirty="0" smtClean="0"/>
+              <a:t>”</a:t>
+            </a:r>
+            <a:endParaRPr lang="en-US" altLang="ko-KR" dirty="0"/>
+          </a:p>
+          <a:p>
+            <a:r>
+              <a:rPr lang="en-US" altLang="ko-KR" dirty="0"/>
+              <a:t>    ]</a:t>
+            </a:r>
+          </a:p>
+          <a:p>
+            <a:r>
+              <a:rPr lang="en-US" altLang="ko-KR" dirty="0"/>
+              <a:t>}</a:t>
+            </a:r>
           </a:p>
         </p:txBody>
       </p:sp>
       <p:pic>
         <p:nvPicPr>
-          <p:cNvPr id="6" name="그림 5"/>
+          <p:cNvPr id="9" name="그림 8"/>
           <p:cNvPicPr>
             <a:picLocks noChangeAspect="1"/>
           </p:cNvPicPr>
@@ -7052,8 +6550,8 @@
         </p:blipFill>
         <p:spPr>
           <a:xfrm>
-            <a:off x="211015" y="836676"/>
-            <a:ext cx="5692633" cy="1333616"/>
+            <a:off x="290785" y="909937"/>
+            <a:ext cx="6154009" cy="5401429"/>
           </a:xfrm>
           <a:prstGeom prst="rect">
             <a:avLst/>
@@ -7062,20 +6560,20 @@
       </p:pic>
       <p:sp>
         <p:nvSpPr>
-          <p:cNvPr id="7" name="직사각형 6"/>
+          <p:cNvPr id="10" name="직사각형 9"/>
           <p:cNvSpPr/>
           <p:nvPr/>
         </p:nvSpPr>
         <p:spPr>
           <a:xfrm>
-            <a:off x="1670539" y="854260"/>
-            <a:ext cx="1081454" cy="288739"/>
+            <a:off x="299098" y="5178829"/>
+            <a:ext cx="2319411" cy="232756"/>
           </a:xfrm>
           <a:prstGeom prst="rect">
             <a:avLst/>
           </a:prstGeom>
           <a:noFill/>
-          <a:ln w="38100">
+          <a:ln w="28575">
             <a:solidFill>
               <a:srgbClr val="00B0F0"/>
             </a:solidFill>
@@ -7108,156 +6606,62 @@
       </p:sp>
       <p:sp>
         <p:nvSpPr>
-          <p:cNvPr id="8" name="TextBox 7"/>
-          <p:cNvSpPr txBox="1"/>
-          <p:nvPr/>
-        </p:nvSpPr>
-        <p:spPr>
-          <a:xfrm>
-            <a:off x="6093069" y="872615"/>
-            <a:ext cx="5882054" cy="2031325"/>
+          <p:cNvPr id="11" name="직사각형 10"/>
+          <p:cNvSpPr/>
+          <p:nvPr/>
+        </p:nvSpPr>
+        <p:spPr>
+          <a:xfrm>
+            <a:off x="299098" y="1393831"/>
+            <a:ext cx="2319411" cy="232756"/>
           </a:xfrm>
           <a:prstGeom prst="rect">
             <a:avLst/>
           </a:prstGeom>
           <a:noFill/>
-        </p:spPr>
-        <p:txBody>
-          <a:bodyPr wrap="square" rtlCol="0">
-            <a:spAutoFit/>
-          </a:bodyPr>
-          <a:lstStyle/>
-          <a:p>
-            <a:pPr algn="just">
-              <a:lnSpc>
-                <a:spcPct val="150000"/>
-              </a:lnSpc>
-            </a:pPr>
-            <a:r>
-              <a:rPr lang="ko-KR" altLang="en-US" sz="1200" dirty="0" err="1" smtClean="0"/>
-              <a:t>환경별</a:t>
-            </a:r>
-            <a:r>
-              <a:rPr lang="ko-KR" altLang="en-US" sz="1200" dirty="0" smtClean="0"/>
-              <a:t> 환경변수 </a:t>
-            </a:r>
-            <a:r>
-              <a:rPr lang="en-US" altLang="ko-KR" sz="1200" dirty="0" err="1" smtClean="0"/>
-              <a:t>env</a:t>
-            </a:r>
-            <a:r>
-              <a:rPr lang="en-US" altLang="ko-KR" sz="1200" dirty="0" smtClean="0"/>
-              <a:t> </a:t>
-            </a:r>
-            <a:r>
-              <a:rPr lang="ko-KR" altLang="en-US" sz="1200" dirty="0" smtClean="0"/>
-              <a:t>파일 생성 및 사용 하기 위해</a:t>
-            </a:r>
-            <a:r>
-              <a:rPr lang="en-US" altLang="ko-KR" sz="1200" dirty="0" smtClean="0"/>
-              <a:t> </a:t>
-            </a:r>
-            <a:r>
-              <a:rPr lang="en-US" altLang="ko-KR" sz="1200" dirty="0" err="1" smtClean="0"/>
-              <a:t>dotenv</a:t>
-            </a:r>
-            <a:r>
-              <a:rPr lang="ko-KR" altLang="en-US" sz="1200" dirty="0" smtClean="0"/>
-              <a:t>를 설치한다</a:t>
-            </a:r>
-            <a:r>
-              <a:rPr lang="en-US" altLang="ko-KR" sz="1200" dirty="0" smtClean="0"/>
-              <a:t>.</a:t>
-            </a:r>
-          </a:p>
-          <a:p>
-            <a:pPr algn="just">
-              <a:lnSpc>
-                <a:spcPct val="150000"/>
-              </a:lnSpc>
-            </a:pPr>
-            <a:endParaRPr lang="en-US" altLang="ko-KR" sz="1200" dirty="0"/>
-          </a:p>
-          <a:p>
-            <a:pPr algn="just">
-              <a:lnSpc>
-                <a:spcPct val="150000"/>
-              </a:lnSpc>
-            </a:pPr>
-            <a:r>
-              <a:rPr lang="en-US" altLang="ko-KR" sz="1200" b="1" dirty="0" err="1" smtClean="0"/>
-              <a:t>env</a:t>
-            </a:r>
-            <a:r>
-              <a:rPr lang="en-US" altLang="ko-KR" sz="1200" dirty="0" smtClean="0"/>
-              <a:t> ?</a:t>
-            </a:r>
-          </a:p>
-          <a:p>
-            <a:pPr algn="just">
-              <a:lnSpc>
-                <a:spcPct val="150000"/>
-              </a:lnSpc>
-            </a:pPr>
-            <a:r>
-              <a:rPr lang="ko-KR" altLang="en-US" sz="1200" dirty="0" smtClean="0"/>
-              <a:t>환경변수 </a:t>
-            </a:r>
-            <a:r>
-              <a:rPr lang="ko-KR" altLang="en-US" sz="1200" dirty="0"/>
-              <a:t>파일을 외부에 만들어 포트</a:t>
-            </a:r>
-            <a:r>
-              <a:rPr lang="en-US" altLang="ko-KR" sz="1200" dirty="0"/>
-              <a:t>, API_KEY</a:t>
-            </a:r>
-            <a:r>
-              <a:rPr lang="ko-KR" altLang="en-US" sz="1200" dirty="0"/>
-              <a:t>등</a:t>
-            </a:r>
-            <a:r>
-              <a:rPr lang="en-US" altLang="ko-KR" sz="1200" dirty="0"/>
-              <a:t>.. </a:t>
-            </a:r>
-            <a:r>
-              <a:rPr lang="ko-KR" altLang="en-US" sz="1200" dirty="0"/>
-              <a:t>을 저장시켜 소스코드 내에 하드코딩하지 않고 사용하는 방법이다</a:t>
-            </a:r>
-            <a:r>
-              <a:rPr lang="en-US" altLang="ko-KR" sz="1200" dirty="0"/>
-              <a:t>.</a:t>
-            </a:r>
-          </a:p>
-          <a:p>
-            <a:pPr algn="just">
-              <a:lnSpc>
-                <a:spcPct val="150000"/>
-              </a:lnSpc>
-            </a:pPr>
-            <a:endParaRPr lang="en-US" altLang="ko-KR" sz="1200" dirty="0" smtClean="0"/>
-          </a:p>
-          <a:p>
-            <a:pPr algn="just">
-              <a:lnSpc>
-                <a:spcPct val="150000"/>
-              </a:lnSpc>
-            </a:pPr>
-            <a:endParaRPr lang="ko-KR" altLang="en-US" sz="1200" dirty="0"/>
+          <a:ln w="28575">
+            <a:solidFill>
+              <a:srgbClr val="00B0F0"/>
+            </a:solidFill>
+          </a:ln>
+        </p:spPr>
+        <p:style>
+          <a:lnRef idx="2">
+            <a:schemeClr val="accent1">
+              <a:shade val="50000"/>
+            </a:schemeClr>
+          </a:lnRef>
+          <a:fillRef idx="1">
+            <a:schemeClr val="accent1"/>
+          </a:fillRef>
+          <a:effectRef idx="0">
+            <a:schemeClr val="accent1"/>
+          </a:effectRef>
+          <a:fontRef idx="minor">
+            <a:schemeClr val="lt1"/>
+          </a:fontRef>
+        </p:style>
+        <p:txBody>
+          <a:bodyPr rtlCol="0" anchor="ctr"/>
+          <a:lstStyle/>
+          <a:p>
+            <a:pPr algn="ctr"/>
+            <a:endParaRPr lang="ko-KR" altLang="en-US"/>
           </a:p>
         </p:txBody>
       </p:sp>
       <p:cxnSp>
         <p:nvCxnSpPr>
-          <p:cNvPr id="10" name="직선 화살표 연결선 9"/>
+          <p:cNvPr id="13" name="직선 화살표 연결선 12"/>
           <p:cNvCxnSpPr>
-            <a:stCxn id="7" idx="3"/>
+            <a:stCxn id="11" idx="2"/>
           </p:cNvCxnSpPr>
           <p:nvPr/>
         </p:nvCxnSpPr>
         <p:spPr>
-          <a:xfrm>
-            <a:off x="2751993" y="998630"/>
-            <a:ext cx="3341076" cy="12485"/>
+          <a:xfrm flipH="1">
+            <a:off x="1458803" y="1626587"/>
+            <a:ext cx="1" cy="3552242"/>
           </a:xfrm>
           <a:prstGeom prst="straightConnector1">
             <a:avLst/>
@@ -7284,10 +6688,134 @@
           </a:fontRef>
         </p:style>
       </p:cxnSp>
+      <p:sp>
+        <p:nvSpPr>
+          <p:cNvPr id="14" name="직사각형 13"/>
+          <p:cNvSpPr/>
+          <p:nvPr/>
+        </p:nvSpPr>
+        <p:spPr>
+          <a:xfrm>
+            <a:off x="3200401" y="1180408"/>
+            <a:ext cx="1945179" cy="1504603"/>
+          </a:xfrm>
+          <a:prstGeom prst="rect">
+            <a:avLst/>
+          </a:prstGeom>
+          <a:noFill/>
+          <a:ln w="28575">
+            <a:solidFill>
+              <a:srgbClr val="00B0F0"/>
+            </a:solidFill>
+          </a:ln>
+        </p:spPr>
+        <p:style>
+          <a:lnRef idx="2">
+            <a:schemeClr val="accent1">
+              <a:shade val="50000"/>
+            </a:schemeClr>
+          </a:lnRef>
+          <a:fillRef idx="1">
+            <a:schemeClr val="accent1"/>
+          </a:fillRef>
+          <a:effectRef idx="0">
+            <a:schemeClr val="accent1"/>
+          </a:effectRef>
+          <a:fontRef idx="minor">
+            <a:schemeClr val="lt1"/>
+          </a:fontRef>
+        </p:style>
+        <p:txBody>
+          <a:bodyPr rtlCol="0" anchor="ctr"/>
+          <a:lstStyle/>
+          <a:p>
+            <a:pPr algn="ctr"/>
+            <a:endParaRPr lang="ko-KR" altLang="en-US"/>
+          </a:p>
+        </p:txBody>
+      </p:sp>
+      <p:sp>
+        <p:nvSpPr>
+          <p:cNvPr id="16" name="TextBox 15"/>
+          <p:cNvSpPr txBox="1"/>
+          <p:nvPr/>
+        </p:nvSpPr>
+        <p:spPr>
+          <a:xfrm>
+            <a:off x="1396538" y="3248819"/>
+            <a:ext cx="473826" cy="307777"/>
+          </a:xfrm>
+          <a:prstGeom prst="rect">
+            <a:avLst/>
+          </a:prstGeom>
+          <a:noFill/>
+        </p:spPr>
+        <p:txBody>
+          <a:bodyPr wrap="square" rtlCol="0">
+            <a:spAutoFit/>
+          </a:bodyPr>
+          <a:lstStyle/>
+          <a:p>
+            <a:pPr algn="ctr"/>
+            <a:r>
+              <a:rPr lang="ko-KR" altLang="en-US" sz="1400" b="1" dirty="0" smtClean="0">
+                <a:solidFill>
+                  <a:srgbClr val="00B0F0"/>
+                </a:solidFill>
+              </a:rPr>
+              <a:t>①</a:t>
+            </a:r>
+            <a:endParaRPr lang="ko-KR" altLang="en-US" sz="1400" b="1" dirty="0">
+              <a:solidFill>
+                <a:srgbClr val="00B0F0"/>
+              </a:solidFill>
+            </a:endParaRPr>
+          </a:p>
+        </p:txBody>
+      </p:sp>
+      <p:sp>
+        <p:nvSpPr>
+          <p:cNvPr id="17" name="TextBox 16"/>
+          <p:cNvSpPr txBox="1"/>
+          <p:nvPr/>
+        </p:nvSpPr>
+        <p:spPr>
+          <a:xfrm>
+            <a:off x="4832637" y="2647705"/>
+            <a:ext cx="473826" cy="307777"/>
+          </a:xfrm>
+          <a:prstGeom prst="rect">
+            <a:avLst/>
+          </a:prstGeom>
+          <a:noFill/>
+        </p:spPr>
+        <p:txBody>
+          <a:bodyPr wrap="square" rtlCol="0">
+            <a:spAutoFit/>
+          </a:bodyPr>
+          <a:lstStyle/>
+          <a:p>
+            <a:pPr algn="ctr"/>
+            <a:r>
+              <a:rPr lang="ko-KR" altLang="en-US" sz="1400" b="1" dirty="0" smtClean="0">
+                <a:solidFill>
+                  <a:srgbClr val="00B0F0"/>
+                </a:solidFill>
+              </a:rPr>
+              <a:t>②</a:t>
+            </a:r>
+            <a:endParaRPr lang="ko-KR" altLang="en-US" sz="1400" b="1" dirty="0">
+              <a:solidFill>
+                <a:srgbClr val="00B0F0"/>
+              </a:solidFill>
+            </a:endParaRPr>
+          </a:p>
+        </p:txBody>
+      </p:sp>
     </p:spTree>
     <p:extLst>
       <p:ext uri="{BB962C8B-B14F-4D97-AF65-F5344CB8AC3E}">
-        <p14:creationId xmlns:p14="http://schemas.microsoft.com/office/powerpoint/2010/main" val="1119437596"/>
+        <p14:creationId xmlns:p14="http://schemas.microsoft.com/office/powerpoint/2010/main" val="3737818282"/>
       </p:ext>
     </p:extLst>
   </p:cSld>
@@ -7316,7 +6844,7 @@
       </p:grpSpPr>
       <p:pic>
         <p:nvPicPr>
-          <p:cNvPr id="2" name="그림 1"/>
+          <p:cNvPr id="12" name="그림 11"/>
           <p:cNvPicPr>
             <a:picLocks noChangeAspect="1"/>
           </p:cNvPicPr>
@@ -7330,8 +6858,8 @@
         </p:blipFill>
         <p:spPr>
           <a:xfrm>
-            <a:off x="211015" y="854260"/>
-            <a:ext cx="2270957" cy="3147333"/>
+            <a:off x="263171" y="782344"/>
+            <a:ext cx="11621507" cy="929721"/>
           </a:xfrm>
           <a:prstGeom prst="rect">
             <a:avLst/>
@@ -7340,14 +6868,14 @@
       </p:pic>
       <p:sp>
         <p:nvSpPr>
-          <p:cNvPr id="5" name="TextBox 4"/>
+          <p:cNvPr id="15" name="TextBox 14"/>
           <p:cNvSpPr txBox="1"/>
           <p:nvPr/>
         </p:nvSpPr>
         <p:spPr>
           <a:xfrm>
-            <a:off x="211015" y="228600"/>
-            <a:ext cx="11764108" cy="369332"/>
+            <a:off x="163044" y="200921"/>
+            <a:ext cx="11821762" cy="461665"/>
           </a:xfrm>
           <a:prstGeom prst="rect">
             <a:avLst/>
@@ -7361,53 +6889,33 @@
           <a:lstStyle/>
           <a:p>
             <a:r>
-              <a:rPr lang="en-US" altLang="ko-KR" dirty="0" smtClean="0"/>
-              <a:t>1.2. .</a:t>
-            </a:r>
-            <a:r>
-              <a:rPr lang="en-US" altLang="ko-KR" dirty="0" err="1" smtClean="0"/>
-              <a:t>env</a:t>
-            </a:r>
-            <a:r>
-              <a:rPr lang="en-US" altLang="ko-KR" dirty="0" smtClean="0"/>
-              <a:t>.</a:t>
-            </a:r>
-            <a:r>
-              <a:rPr lang="en-US" altLang="ko-KR" dirty="0"/>
-              <a:t>~</a:t>
-            </a:r>
-            <a:r>
-              <a:rPr lang="en-US" altLang="ko-KR" dirty="0" smtClean="0"/>
-              <a:t> (</a:t>
-            </a:r>
-            <a:r>
-              <a:rPr lang="ko-KR" altLang="en-US" dirty="0" err="1" smtClean="0"/>
-              <a:t>파일생성</a:t>
-            </a:r>
-            <a:r>
-              <a:rPr lang="en-US" altLang="ko-KR" dirty="0" smtClean="0"/>
-              <a:t>)</a:t>
-            </a:r>
-            <a:endParaRPr lang="ko-KR" altLang="en-US" dirty="0"/>
-          </a:p>
-        </p:txBody>
-      </p:sp>
-      <p:sp>
-        <p:nvSpPr>
-          <p:cNvPr id="7" name="직사각형 6"/>
+              <a:rPr lang="en-US" altLang="ko-KR" sz="2400" b="1" dirty="0" smtClean="0"/>
+              <a:t>2. yarn </a:t>
+            </a:r>
+            <a:r>
+              <a:rPr lang="ko-KR" altLang="en-US" sz="2400" b="1" dirty="0" smtClean="0"/>
+              <a:t>보안 오류</a:t>
+            </a:r>
+            <a:endParaRPr lang="ko-KR" altLang="en-US" sz="2400" b="1" dirty="0"/>
+          </a:p>
+        </p:txBody>
+      </p:sp>
+      <p:sp>
+        <p:nvSpPr>
+          <p:cNvPr id="18" name="직사각형 17"/>
           <p:cNvSpPr/>
           <p:nvPr/>
         </p:nvSpPr>
         <p:spPr>
           <a:xfrm>
-            <a:off x="211014" y="3553499"/>
-            <a:ext cx="2270957" cy="448094"/>
+            <a:off x="263171" y="782344"/>
+            <a:ext cx="2278696" cy="157130"/>
           </a:xfrm>
           <a:prstGeom prst="rect">
             <a:avLst/>
           </a:prstGeom>
           <a:noFill/>
-          <a:ln w="38100">
+          <a:ln w="28575">
             <a:solidFill>
               <a:srgbClr val="00B0F0"/>
             </a:solidFill>
@@ -7440,14 +6948,14 @@
       </p:sp>
       <p:sp>
         <p:nvSpPr>
-          <p:cNvPr id="8" name="TextBox 7"/>
+          <p:cNvPr id="19" name="TextBox 18"/>
           <p:cNvSpPr txBox="1"/>
           <p:nvPr/>
         </p:nvSpPr>
         <p:spPr>
           <a:xfrm>
-            <a:off x="6093069" y="872615"/>
-            <a:ext cx="5882054" cy="1200329"/>
+            <a:off x="163044" y="2037673"/>
+            <a:ext cx="11721634" cy="1477328"/>
           </a:xfrm>
           <a:prstGeom prst="rect">
             <a:avLst/>
@@ -7466,26 +6974,25 @@
               </a:lnSpc>
             </a:pPr>
             <a:r>
+              <a:rPr lang="en-US" altLang="ko-KR" sz="1200" dirty="0" smtClean="0"/>
+              <a:t>yarn </a:t>
+            </a:r>
+            <a:r>
               <a:rPr lang="ko-KR" altLang="en-US" sz="1200" dirty="0" smtClean="0"/>
-              <a:t>루트 폴더에 환경에 맞게 </a:t>
+              <a:t>실행 시</a:t>
+            </a:r>
+            <a:r>
+              <a:rPr lang="en-US" altLang="ko-KR" sz="1200" dirty="0" smtClean="0"/>
+              <a:t>, </a:t>
+            </a:r>
+            <a:r>
+              <a:rPr lang="ko-KR" altLang="en-US" sz="1200" dirty="0" smtClean="0"/>
+              <a:t>보안 정책의 오류로 실행이 불가함</a:t>
             </a:r>
             <a:r>
               <a:rPr lang="en-US" altLang="ko-KR" sz="1200" dirty="0" smtClean="0"/>
               <a:t>.</a:t>
             </a:r>
-            <a:r>
-              <a:rPr lang="en-US" altLang="ko-KR" sz="1200" dirty="0" err="1" smtClean="0"/>
-              <a:t>env</a:t>
-            </a:r>
-            <a:r>
-              <a:rPr lang="en-US" altLang="ko-KR" sz="1200" dirty="0" smtClean="0"/>
-              <a:t> </a:t>
-            </a:r>
-            <a:r>
-              <a:rPr lang="ko-KR" altLang="en-US" sz="1200" dirty="0" smtClean="0"/>
-              <a:t>파일 생성</a:t>
-            </a:r>
-            <a:endParaRPr lang="en-US" altLang="ko-KR" sz="1200" dirty="0" smtClean="0"/>
           </a:p>
           <a:p>
             <a:pPr marL="171450" indent="-171450" algn="just">
@@ -7496,16 +7003,24 @@
               <a:buChar char="Ø"/>
             </a:pPr>
             <a:r>
+              <a:rPr lang="en-US" altLang="ko-KR" sz="1200" dirty="0" smtClean="0"/>
+              <a:t>Power-shell</a:t>
+            </a:r>
+            <a:r>
               <a:rPr lang="ko-KR" altLang="en-US" sz="1200" dirty="0" smtClean="0"/>
-              <a:t>개발일 경우 </a:t>
+              <a:t>에서 </a:t>
+            </a:r>
+            <a:r>
+              <a:rPr lang="en-US" altLang="ko-KR" sz="1200" dirty="0" err="1" smtClean="0"/>
+              <a:t>ExecutionPolicy</a:t>
             </a:r>
             <a:r>
               <a:rPr lang="en-US" altLang="ko-KR" sz="1200" dirty="0" smtClean="0"/>
-              <a:t>.</a:t>
-            </a:r>
-            <a:r>
-              <a:rPr lang="en-US" altLang="ko-KR" sz="1200" dirty="0" err="1" smtClean="0"/>
-              <a:t>env.development</a:t>
+              <a:t> </a:t>
+            </a:r>
+            <a:r>
+              <a:rPr lang="ko-KR" altLang="en-US" sz="1200" dirty="0" smtClean="0"/>
+              <a:t>명령어를 실행 </a:t>
             </a:r>
             <a:endParaRPr lang="en-US" altLang="ko-KR" sz="1200" dirty="0" smtClean="0"/>
           </a:p>
@@ -7518,18 +7033,33 @@
               <a:buChar char="Ø"/>
             </a:pPr>
             <a:r>
+              <a:rPr lang="en-US" altLang="ko-KR" sz="1200" dirty="0" smtClean="0"/>
+              <a:t>Restricted </a:t>
+            </a:r>
+            <a:r>
               <a:rPr lang="ko-KR" altLang="en-US" sz="1200" dirty="0" smtClean="0"/>
-              <a:t>운영일 경우 </a:t>
+              <a:t>이 표시 </a:t>
+            </a:r>
+            <a:r>
+              <a:rPr lang="en-US" altLang="ko-KR" sz="1200" dirty="0" smtClean="0"/>
+              <a:t>&gt; </a:t>
+            </a:r>
+            <a:r>
+              <a:rPr lang="ko-KR" altLang="en-US" sz="1200" dirty="0" smtClean="0"/>
+              <a:t>이 정책으로 인하여 </a:t>
+            </a:r>
+            <a:r>
+              <a:rPr lang="en-US" altLang="ko-KR" sz="1200" dirty="0" smtClean="0"/>
+              <a:t>yarn </a:t>
+            </a:r>
+            <a:r>
+              <a:rPr lang="ko-KR" altLang="en-US" sz="1200" dirty="0" smtClean="0"/>
+              <a:t>명령어가 실행이 안됨</a:t>
             </a:r>
             <a:r>
               <a:rPr lang="en-US" altLang="ko-KR" sz="1200" dirty="0" smtClean="0"/>
               <a:t>.</a:t>
             </a:r>
-            <a:r>
-              <a:rPr lang="en-US" altLang="ko-KR" sz="1200" dirty="0" err="1" smtClean="0"/>
-              <a:t>env.production</a:t>
-            </a:r>
-            <a:endParaRPr lang="en-US" altLang="ko-KR" sz="1200" dirty="0" smtClean="0"/>
           </a:p>
           <a:p>
             <a:pPr marL="171450" indent="-171450" algn="just">
@@ -7540,39 +7070,129 @@
               <a:buChar char="Ø"/>
             </a:pPr>
             <a:r>
+              <a:rPr lang="en-US" altLang="ko-KR" sz="1200" dirty="0" smtClean="0"/>
+              <a:t>yarn </a:t>
+            </a:r>
+            <a:r>
               <a:rPr lang="ko-KR" altLang="en-US" sz="1200" dirty="0" smtClean="0"/>
-              <a:t>테스트일 경우 </a:t>
+              <a:t>실행을 하기 위해서는 </a:t>
+            </a:r>
+            <a:r>
+              <a:rPr lang="en-US" altLang="ko-KR" sz="1200" dirty="0" smtClean="0"/>
+              <a:t>Set-</a:t>
+            </a:r>
+            <a:r>
+              <a:rPr lang="en-US" altLang="ko-KR" sz="1200" dirty="0" err="1" smtClean="0"/>
+              <a:t>ExecutionPolicy</a:t>
+            </a:r>
+            <a:r>
+              <a:rPr lang="en-US" altLang="ko-KR" sz="1200" dirty="0" smtClean="0"/>
+              <a:t> Unrestricted</a:t>
+            </a:r>
+            <a:r>
+              <a:rPr lang="ko-KR" altLang="en-US" sz="1200" dirty="0"/>
+              <a:t> </a:t>
+            </a:r>
+            <a:r>
+              <a:rPr lang="ko-KR" altLang="en-US" sz="1200" dirty="0" smtClean="0"/>
+              <a:t>로 보안정책을 변경해야 함</a:t>
             </a:r>
             <a:r>
               <a:rPr lang="en-US" altLang="ko-KR" sz="1200" dirty="0" smtClean="0"/>
               <a:t>.</a:t>
             </a:r>
-            <a:r>
-              <a:rPr lang="en-US" altLang="ko-KR" sz="1200" dirty="0" err="1" smtClean="0"/>
-              <a:t>env.test</a:t>
-            </a:r>
-            <a:endParaRPr lang="ko-KR" altLang="en-US" sz="1200" dirty="0"/>
+          </a:p>
+          <a:p>
+            <a:pPr algn="just">
+              <a:lnSpc>
+                <a:spcPct val="150000"/>
+              </a:lnSpc>
+            </a:pPr>
+            <a:r>
+              <a:rPr lang="en-US" altLang="ko-KR" sz="1200" dirty="0" smtClean="0"/>
+              <a:t>		    </a:t>
+            </a:r>
+            <a:r>
+              <a:rPr lang="en-US" altLang="ko-KR" sz="1100" b="1" dirty="0" smtClean="0">
+                <a:solidFill>
+                  <a:srgbClr val="FF0000"/>
+                </a:solidFill>
+              </a:rPr>
+              <a:t>* </a:t>
+            </a:r>
+            <a:r>
+              <a:rPr lang="ko-KR" altLang="en-US" sz="1100" b="1" dirty="0" smtClean="0">
+                <a:solidFill>
+                  <a:srgbClr val="FF0000"/>
+                </a:solidFill>
+              </a:rPr>
+              <a:t>참고</a:t>
+            </a:r>
+            <a:r>
+              <a:rPr lang="en-US" altLang="ko-KR" sz="1100" b="1" dirty="0" smtClean="0">
+                <a:solidFill>
+                  <a:srgbClr val="FF0000"/>
+                </a:solidFill>
+              </a:rPr>
+              <a:t>: </a:t>
+            </a:r>
+            <a:r>
+              <a:rPr lang="ko-KR" altLang="en-US" sz="1100" b="1" dirty="0" smtClean="0">
+                <a:solidFill>
+                  <a:srgbClr val="FF0000"/>
+                </a:solidFill>
+              </a:rPr>
+              <a:t>보안정책을 변경하기 위해서는 관리자모드로 </a:t>
+            </a:r>
+            <a:r>
+              <a:rPr lang="en-US" altLang="ko-KR" sz="1100" b="1" dirty="0" smtClean="0">
+                <a:solidFill>
+                  <a:srgbClr val="FF0000"/>
+                </a:solidFill>
+              </a:rPr>
+              <a:t>Power-shell</a:t>
+            </a:r>
+            <a:r>
+              <a:rPr lang="ko-KR" altLang="en-US" sz="1100" b="1" dirty="0" smtClean="0">
+                <a:solidFill>
+                  <a:srgbClr val="FF0000"/>
+                </a:solidFill>
+              </a:rPr>
+              <a:t>을 실행해야 함</a:t>
+            </a:r>
+            <a:r>
+              <a:rPr lang="en-US" altLang="ko-KR" sz="1100" b="1" dirty="0" smtClean="0">
+                <a:solidFill>
+                  <a:srgbClr val="FF0000"/>
+                </a:solidFill>
+              </a:rPr>
+              <a:t>.</a:t>
+            </a:r>
+            <a:endParaRPr lang="ko-KR" altLang="en-US" sz="1100" b="1" dirty="0">
+              <a:solidFill>
+                <a:srgbClr val="FF0000"/>
+              </a:solidFill>
+            </a:endParaRPr>
           </a:p>
         </p:txBody>
       </p:sp>
       <p:cxnSp>
         <p:nvCxnSpPr>
-          <p:cNvPr id="4" name="꺾인 연결선 3"/>
+          <p:cNvPr id="20" name="직선 화살표 연결선 19"/>
           <p:cNvCxnSpPr>
-            <a:stCxn id="7" idx="3"/>
-            <a:endCxn id="8" idx="1"/>
+            <a:stCxn id="18" idx="2"/>
           </p:cNvCxnSpPr>
           <p:nvPr/>
         </p:nvCxnSpPr>
         <p:spPr>
-          <a:xfrm flipV="1">
-            <a:off x="2481971" y="1472780"/>
-            <a:ext cx="3611098" cy="2304766"/>
-          </a:xfrm>
-          <a:prstGeom prst="bentConnector3">
-            <a:avLst/>
-          </a:prstGeom>
-          <a:ln w="28575">
+          <a:xfrm>
+            <a:off x="1402519" y="939474"/>
+            <a:ext cx="5141" cy="1107831"/>
+          </a:xfrm>
+          <a:prstGeom prst="straightConnector1">
+            <a:avLst/>
+          </a:prstGeom>
+          <a:ln w="19050">
             <a:solidFill>
               <a:srgbClr val="00B0F0"/>
             </a:solidFill>
@@ -7594,10 +7214,221 @@
           </a:fontRef>
         </p:style>
       </p:cxnSp>
+      <p:pic>
+        <p:nvPicPr>
+          <p:cNvPr id="21" name="그림 20"/>
+          <p:cNvPicPr>
+            <a:picLocks noChangeAspect="1"/>
+          </p:cNvPicPr>
+          <p:nvPr/>
+        </p:nvPicPr>
+        <p:blipFill>
+          <a:blip r:embed="rId3"/>
+          <a:stretch>
+            <a:fillRect/>
+          </a:stretch>
+        </p:blipFill>
+        <p:spPr>
+          <a:xfrm>
+            <a:off x="2306832" y="3542218"/>
+            <a:ext cx="6454699" cy="1844200"/>
+          </a:xfrm>
+          <a:prstGeom prst="rect">
+            <a:avLst/>
+          </a:prstGeom>
+        </p:spPr>
+      </p:pic>
+      <p:pic>
+        <p:nvPicPr>
+          <p:cNvPr id="22" name="그림 21"/>
+          <p:cNvPicPr>
+            <a:picLocks noChangeAspect="1"/>
+          </p:cNvPicPr>
+          <p:nvPr/>
+        </p:nvPicPr>
+        <p:blipFill>
+          <a:blip r:embed="rId4"/>
+          <a:stretch>
+            <a:fillRect/>
+          </a:stretch>
+        </p:blipFill>
+        <p:spPr>
+          <a:xfrm>
+            <a:off x="4089802" y="4597074"/>
+            <a:ext cx="7895004" cy="2225233"/>
+          </a:xfrm>
+          <a:prstGeom prst="rect">
+            <a:avLst/>
+          </a:prstGeom>
+        </p:spPr>
+      </p:pic>
+      <p:sp>
+        <p:nvSpPr>
+          <p:cNvPr id="23" name="직사각형 22"/>
+          <p:cNvSpPr/>
+          <p:nvPr/>
+        </p:nvSpPr>
+        <p:spPr>
+          <a:xfrm>
+            <a:off x="2306832" y="3709052"/>
+            <a:ext cx="6454699" cy="624254"/>
+          </a:xfrm>
+          <a:prstGeom prst="rect">
+            <a:avLst/>
+          </a:prstGeom>
+          <a:noFill/>
+          <a:ln w="38100">
+            <a:solidFill>
+              <a:srgbClr val="00B0F0"/>
+            </a:solidFill>
+          </a:ln>
+        </p:spPr>
+        <p:style>
+          <a:lnRef idx="2">
+            <a:schemeClr val="accent1">
+              <a:shade val="50000"/>
+            </a:schemeClr>
+          </a:lnRef>
+          <a:fillRef idx="1">
+            <a:schemeClr val="accent1"/>
+          </a:fillRef>
+          <a:effectRef idx="0">
+            <a:schemeClr val="accent1"/>
+          </a:effectRef>
+          <a:fontRef idx="minor">
+            <a:schemeClr val="lt1"/>
+          </a:fontRef>
+        </p:style>
+        <p:txBody>
+          <a:bodyPr rtlCol="0" anchor="ctr"/>
+          <a:lstStyle/>
+          <a:p>
+            <a:pPr algn="ctr"/>
+            <a:endParaRPr lang="ko-KR" altLang="en-US"/>
+          </a:p>
+        </p:txBody>
+      </p:sp>
+      <p:sp>
+        <p:nvSpPr>
+          <p:cNvPr id="24" name="직사각형 23"/>
+          <p:cNvSpPr/>
+          <p:nvPr/>
+        </p:nvSpPr>
+        <p:spPr>
+          <a:xfrm>
+            <a:off x="4089802" y="4597074"/>
+            <a:ext cx="7895004" cy="2225233"/>
+          </a:xfrm>
+          <a:prstGeom prst="rect">
+            <a:avLst/>
+          </a:prstGeom>
+          <a:noFill/>
+          <a:ln w="38100">
+            <a:solidFill>
+              <a:srgbClr val="00B0F0"/>
+            </a:solidFill>
+          </a:ln>
+        </p:spPr>
+        <p:style>
+          <a:lnRef idx="2">
+            <a:schemeClr val="accent1">
+              <a:shade val="50000"/>
+            </a:schemeClr>
+          </a:lnRef>
+          <a:fillRef idx="1">
+            <a:schemeClr val="accent1"/>
+          </a:fillRef>
+          <a:effectRef idx="0">
+            <a:schemeClr val="accent1"/>
+          </a:effectRef>
+          <a:fontRef idx="minor">
+            <a:schemeClr val="lt1"/>
+          </a:fontRef>
+        </p:style>
+        <p:txBody>
+          <a:bodyPr rtlCol="0" anchor="ctr"/>
+          <a:lstStyle/>
+          <a:p>
+            <a:pPr algn="ctr"/>
+            <a:endParaRPr lang="ko-KR" altLang="en-US"/>
+          </a:p>
+        </p:txBody>
+      </p:sp>
+      <p:cxnSp>
+        <p:nvCxnSpPr>
+          <p:cNvPr id="25" name="직선 화살표 연결선 24"/>
+          <p:cNvCxnSpPr>
+            <a:stCxn id="23" idx="2"/>
+          </p:cNvCxnSpPr>
+          <p:nvPr/>
+        </p:nvCxnSpPr>
+        <p:spPr>
+          <a:xfrm flipH="1">
+            <a:off x="5534181" y="4333306"/>
+            <a:ext cx="1" cy="263768"/>
+          </a:xfrm>
+          <a:prstGeom prst="straightConnector1">
+            <a:avLst/>
+          </a:prstGeom>
+          <a:ln w="19050">
+            <a:solidFill>
+              <a:srgbClr val="00B0F0"/>
+            </a:solidFill>
+            <a:tailEnd type="triangle"/>
+          </a:ln>
+        </p:spPr>
+        <p:style>
+          <a:lnRef idx="1">
+            <a:schemeClr val="accent1"/>
+          </a:lnRef>
+          <a:fillRef idx="0">
+            <a:schemeClr val="accent1"/>
+          </a:fillRef>
+          <a:effectRef idx="0">
+            <a:schemeClr val="accent1"/>
+          </a:effectRef>
+          <a:fontRef idx="minor">
+            <a:schemeClr val="tx1"/>
+          </a:fontRef>
+        </p:style>
+      </p:cxnSp>
+      <p:sp>
+        <p:nvSpPr>
+          <p:cNvPr id="7" name="TextBox 6"/>
+          <p:cNvSpPr txBox="1"/>
+          <p:nvPr/>
+        </p:nvSpPr>
+        <p:spPr>
+          <a:xfrm>
+            <a:off x="163044" y="200921"/>
+            <a:ext cx="10008295" cy="461665"/>
+          </a:xfrm>
+          <a:prstGeom prst="rect">
+            <a:avLst/>
+          </a:prstGeom>
+          <a:noFill/>
+        </p:spPr>
+        <p:txBody>
+          <a:bodyPr wrap="square" rtlCol="0">
+            <a:spAutoFit/>
+          </a:bodyPr>
+          <a:lstStyle/>
+          <a:p>
+            <a:r>
+              <a:rPr lang="en-US" altLang="ko-KR" sz="2400" b="1" dirty="0"/>
+              <a:t>2. yarn </a:t>
+            </a:r>
+            <a:r>
+              <a:rPr lang="ko-KR" altLang="en-US" sz="2400" b="1" dirty="0"/>
+              <a:t>보안 오류</a:t>
+            </a:r>
+          </a:p>
+        </p:txBody>
+      </p:sp>
     </p:spTree>
     <p:extLst>
       <p:ext uri="{BB962C8B-B14F-4D97-AF65-F5344CB8AC3E}">
-        <p14:creationId xmlns:p14="http://schemas.microsoft.com/office/powerpoint/2010/main" val="3986009625"/>
+        <p14:creationId xmlns:p14="http://schemas.microsoft.com/office/powerpoint/2010/main" val="722635239"/>
       </p:ext>
     </p:extLst>
   </p:cSld>
@@ -7624,237 +7455,68 @@
           <a:chExt cx="0" cy="0"/>
         </a:xfrm>
       </p:grpSpPr>
-      <p:pic>
-        <p:nvPicPr>
-          <p:cNvPr id="6" name="그림 5"/>
-          <p:cNvPicPr>
-            <a:picLocks noChangeAspect="1"/>
-          </p:cNvPicPr>
-          <p:nvPr/>
-        </p:nvPicPr>
-        <p:blipFill>
-          <a:blip r:embed="rId2"/>
-          <a:stretch>
-            <a:fillRect/>
-          </a:stretch>
-        </p:blipFill>
-        <p:spPr>
-          <a:xfrm>
-            <a:off x="211014" y="854260"/>
-            <a:ext cx="5418290" cy="975445"/>
-          </a:xfrm>
-          <a:prstGeom prst="rect">
-            <a:avLst/>
-          </a:prstGeom>
-        </p:spPr>
-      </p:pic>
-      <p:sp>
-        <p:nvSpPr>
-          <p:cNvPr id="5" name="TextBox 4"/>
-          <p:cNvSpPr txBox="1"/>
-          <p:nvPr/>
-        </p:nvSpPr>
-        <p:spPr>
-          <a:xfrm>
-            <a:off x="211015" y="228600"/>
-            <a:ext cx="11764108" cy="369332"/>
-          </a:xfrm>
-          <a:prstGeom prst="rect">
-            <a:avLst/>
-          </a:prstGeom>
-          <a:noFill/>
-        </p:spPr>
-        <p:txBody>
-          <a:bodyPr wrap="square" rtlCol="0">
-            <a:spAutoFit/>
-          </a:bodyPr>
+      <p:sp>
+        <p:nvSpPr>
+          <p:cNvPr id="2" name="제목 1"/>
+          <p:cNvSpPr>
+            <a:spLocks noGrp="1"/>
+          </p:cNvSpPr>
+          <p:nvPr>
+            <p:ph type="ctrTitle"/>
+          </p:nvPr>
+        </p:nvSpPr>
+        <p:spPr/>
+        <p:txBody>
+          <a:bodyPr/>
           <a:lstStyle/>
           <a:p>
             <a:r>
               <a:rPr lang="en-US" altLang="ko-KR" dirty="0" smtClean="0"/>
-              <a:t>1.3. .</a:t>
-            </a:r>
-            <a:r>
-              <a:rPr lang="en-US" altLang="ko-KR" dirty="0" err="1" smtClean="0"/>
-              <a:t>env</a:t>
+              <a:t>React</a:t>
+            </a:r>
+            <a:endParaRPr lang="ko-KR" altLang="en-US" dirty="0"/>
+          </a:p>
+        </p:txBody>
+      </p:sp>
+      <p:sp>
+        <p:nvSpPr>
+          <p:cNvPr id="3" name="부제목 2"/>
+          <p:cNvSpPr>
+            <a:spLocks noGrp="1"/>
+          </p:cNvSpPr>
+          <p:nvPr>
+            <p:ph type="subTitle" idx="1"/>
+          </p:nvPr>
+        </p:nvSpPr>
+        <p:spPr/>
+        <p:txBody>
+          <a:bodyPr/>
+          <a:lstStyle/>
+          <a:p>
+            <a:r>
+              <a:rPr lang="ko-KR" altLang="en-US" dirty="0" smtClean="0"/>
+              <a:t>기타 </a:t>
             </a:r>
             <a:r>
               <a:rPr lang="en-US" altLang="ko-KR" dirty="0" smtClean="0"/>
-              <a:t>.</a:t>
-            </a:r>
-            <a:r>
-              <a:rPr lang="en-US" altLang="ko-KR" dirty="0"/>
-              <a:t>~</a:t>
-            </a:r>
-            <a:r>
-              <a:rPr lang="en-US" altLang="ko-KR" dirty="0" smtClean="0"/>
-              <a:t> </a:t>
+              <a:t>- </a:t>
+            </a:r>
+            <a:r>
+              <a:rPr lang="ko-KR" altLang="en-US" dirty="0" err="1" smtClean="0"/>
+              <a:t>환경별</a:t>
             </a:r>
             <a:r>
               <a:rPr lang="ko-KR" altLang="en-US" dirty="0" smtClean="0"/>
-              <a:t>파일 </a:t>
-            </a:r>
-            <a:r>
-              <a:rPr lang="en-US" altLang="ko-KR" dirty="0" smtClean="0"/>
-              <a:t>(</a:t>
-            </a:r>
-            <a:r>
-              <a:rPr lang="ko-KR" altLang="en-US" dirty="0" smtClean="0"/>
-              <a:t>환경변수 설정</a:t>
-            </a:r>
-            <a:r>
-              <a:rPr lang="en-US" altLang="ko-KR" dirty="0" smtClean="0"/>
-              <a:t>)</a:t>
+              <a:t> 변수 추가 및 사용</a:t>
             </a:r>
             <a:endParaRPr lang="ko-KR" altLang="en-US" dirty="0"/>
-          </a:p>
-        </p:txBody>
-      </p:sp>
-      <p:sp>
-        <p:nvSpPr>
-          <p:cNvPr id="7" name="직사각형 6"/>
-          <p:cNvSpPr/>
-          <p:nvPr/>
-        </p:nvSpPr>
-        <p:spPr>
-          <a:xfrm>
-            <a:off x="808892" y="1329949"/>
-            <a:ext cx="1960685" cy="235082"/>
-          </a:xfrm>
-          <a:prstGeom prst="rect">
-            <a:avLst/>
-          </a:prstGeom>
-          <a:noFill/>
-          <a:ln w="38100">
-            <a:solidFill>
-              <a:srgbClr val="00B0F0"/>
-            </a:solidFill>
-          </a:ln>
-        </p:spPr>
-        <p:style>
-          <a:lnRef idx="2">
-            <a:schemeClr val="accent1">
-              <a:shade val="50000"/>
-            </a:schemeClr>
-          </a:lnRef>
-          <a:fillRef idx="1">
-            <a:schemeClr val="accent1"/>
-          </a:fillRef>
-          <a:effectRef idx="0">
-            <a:schemeClr val="accent1"/>
-          </a:effectRef>
-          <a:fontRef idx="minor">
-            <a:schemeClr val="lt1"/>
-          </a:fontRef>
-        </p:style>
-        <p:txBody>
-          <a:bodyPr rtlCol="0" anchor="ctr"/>
-          <a:lstStyle/>
-          <a:p>
-            <a:pPr algn="ctr"/>
-            <a:endParaRPr lang="ko-KR" altLang="en-US"/>
-          </a:p>
-        </p:txBody>
-      </p:sp>
-      <p:cxnSp>
-        <p:nvCxnSpPr>
-          <p:cNvPr id="9" name="직선 화살표 연결선 8"/>
-          <p:cNvCxnSpPr/>
-          <p:nvPr/>
-        </p:nvCxnSpPr>
-        <p:spPr>
-          <a:xfrm>
-            <a:off x="2751993" y="1435005"/>
-            <a:ext cx="3341076" cy="12485"/>
-          </a:xfrm>
-          <a:prstGeom prst="straightConnector1">
-            <a:avLst/>
-          </a:prstGeom>
-          <a:ln w="28575">
-            <a:solidFill>
-              <a:srgbClr val="00B0F0"/>
-            </a:solidFill>
-            <a:tailEnd type="triangle"/>
-          </a:ln>
-        </p:spPr>
-        <p:style>
-          <a:lnRef idx="1">
-            <a:schemeClr val="accent1"/>
-          </a:lnRef>
-          <a:fillRef idx="0">
-            <a:schemeClr val="accent1"/>
-          </a:fillRef>
-          <a:effectRef idx="0">
-            <a:schemeClr val="accent1"/>
-          </a:effectRef>
-          <a:fontRef idx="minor">
-            <a:schemeClr val="tx1"/>
-          </a:fontRef>
-        </p:style>
-      </p:cxnSp>
-      <p:sp>
-        <p:nvSpPr>
-          <p:cNvPr id="10" name="TextBox 9"/>
-          <p:cNvSpPr txBox="1"/>
-          <p:nvPr/>
-        </p:nvSpPr>
-        <p:spPr>
-          <a:xfrm>
-            <a:off x="6093069" y="1231414"/>
-            <a:ext cx="5882054" cy="333617"/>
-          </a:xfrm>
-          <a:prstGeom prst="rect">
-            <a:avLst/>
-          </a:prstGeom>
-          <a:noFill/>
-        </p:spPr>
-        <p:txBody>
-          <a:bodyPr wrap="square" rtlCol="0">
-            <a:spAutoFit/>
-          </a:bodyPr>
-          <a:lstStyle/>
-          <a:p>
-            <a:pPr algn="just">
-              <a:lnSpc>
-                <a:spcPct val="150000"/>
-              </a:lnSpc>
-            </a:pPr>
-            <a:r>
-              <a:rPr lang="ko-KR" altLang="en-US" sz="1200" dirty="0" err="1" smtClean="0"/>
-              <a:t>환경변수는</a:t>
-            </a:r>
-            <a:r>
-              <a:rPr lang="ko-KR" altLang="en-US" sz="1200" dirty="0" smtClean="0"/>
-              <a:t> </a:t>
-            </a:r>
-            <a:r>
-              <a:rPr lang="en-US" altLang="ko-KR" sz="1200" dirty="0" smtClean="0"/>
-              <a:t>‘REACT_APP_</a:t>
-            </a:r>
-            <a:r>
-              <a:rPr lang="ko-KR" altLang="en-US" sz="1200" dirty="0" err="1" smtClean="0"/>
-              <a:t>환경변수명</a:t>
-            </a:r>
-            <a:r>
-              <a:rPr lang="en-US" altLang="ko-KR" sz="1200" dirty="0" smtClean="0"/>
-              <a:t>’ </a:t>
-            </a:r>
-            <a:r>
-              <a:rPr lang="ko-KR" altLang="en-US" sz="1200" dirty="0" smtClean="0"/>
-              <a:t>형식으로 추가</a:t>
-            </a:r>
-            <a:r>
-              <a:rPr lang="en-US" altLang="ko-KR" sz="1200" dirty="0" smtClean="0"/>
-              <a:t>.</a:t>
-            </a:r>
-            <a:endParaRPr lang="ko-KR" altLang="en-US" sz="1200" dirty="0"/>
           </a:p>
         </p:txBody>
       </p:sp>
     </p:spTree>
     <p:extLst>
       <p:ext uri="{BB962C8B-B14F-4D97-AF65-F5344CB8AC3E}">
-        <p14:creationId xmlns:p14="http://schemas.microsoft.com/office/powerpoint/2010/main" val="3402533285"/>
+        <p14:creationId xmlns:p14="http://schemas.microsoft.com/office/powerpoint/2010/main" val="2583713192"/>
       </p:ext>
     </p:extLst>
   </p:cSld>
@@ -7881,9 +7543,51 @@
           <a:chExt cx="0" cy="0"/>
         </a:xfrm>
       </p:grpSpPr>
+      <p:sp>
+        <p:nvSpPr>
+          <p:cNvPr id="5" name="TextBox 4"/>
+          <p:cNvSpPr txBox="1"/>
+          <p:nvPr/>
+        </p:nvSpPr>
+        <p:spPr>
+          <a:xfrm>
+            <a:off x="211015" y="228600"/>
+            <a:ext cx="11764108" cy="369332"/>
+          </a:xfrm>
+          <a:prstGeom prst="rect">
+            <a:avLst/>
+          </a:prstGeom>
+          <a:noFill/>
+        </p:spPr>
+        <p:txBody>
+          <a:bodyPr wrap="square" rtlCol="0">
+            <a:spAutoFit/>
+          </a:bodyPr>
+          <a:lstStyle/>
+          <a:p>
+            <a:r>
+              <a:rPr lang="en-US" altLang="ko-KR" dirty="0" smtClean="0"/>
+              <a:t>1.1. </a:t>
+            </a:r>
+            <a:r>
+              <a:rPr lang="en-US" altLang="ko-KR" dirty="0" err="1" smtClean="0"/>
+              <a:t>dotEnv</a:t>
+            </a:r>
+            <a:r>
+              <a:rPr lang="en-US" altLang="ko-KR" dirty="0" smtClean="0"/>
+              <a:t> </a:t>
+            </a:r>
+            <a:r>
+              <a:rPr lang="ko-KR" altLang="en-US" dirty="0" smtClean="0"/>
+              <a:t>설치</a:t>
+            </a:r>
+            <a:endParaRPr lang="ko-KR" altLang="en-US" dirty="0"/>
+          </a:p>
+        </p:txBody>
+      </p:sp>
       <p:pic>
         <p:nvPicPr>
-          <p:cNvPr id="2" name="그림 1"/>
+          <p:cNvPr id="6" name="그림 5"/>
           <p:cNvPicPr>
             <a:picLocks noChangeAspect="1"/>
           </p:cNvPicPr>
@@ -7897,48 +7601,14 @@
         </p:blipFill>
         <p:spPr>
           <a:xfrm>
-            <a:off x="211015" y="854260"/>
-            <a:ext cx="4595258" cy="4359018"/>
+            <a:off x="211015" y="836676"/>
+            <a:ext cx="5692633" cy="1333616"/>
           </a:xfrm>
           <a:prstGeom prst="rect">
             <a:avLst/>
           </a:prstGeom>
         </p:spPr>
       </p:pic>
-      <p:sp>
-        <p:nvSpPr>
-          <p:cNvPr id="5" name="TextBox 4"/>
-          <p:cNvSpPr txBox="1"/>
-          <p:nvPr/>
-        </p:nvSpPr>
-        <p:spPr>
-          <a:xfrm>
-            <a:off x="211015" y="228600"/>
-            <a:ext cx="11764108" cy="369332"/>
-          </a:xfrm>
-          <a:prstGeom prst="rect">
-            <a:avLst/>
-          </a:prstGeom>
-          <a:noFill/>
-        </p:spPr>
-        <p:txBody>
-          <a:bodyPr wrap="square" rtlCol="0">
-            <a:spAutoFit/>
-          </a:bodyPr>
-          <a:lstStyle/>
-          <a:p>
-            <a:r>
-              <a:rPr lang="en-US" altLang="ko-KR" dirty="0" smtClean="0"/>
-              <a:t>1.4. </a:t>
-            </a:r>
-            <a:r>
-              <a:rPr lang="ko-KR" altLang="en-US" dirty="0" smtClean="0"/>
-              <a:t>추가된 환경 변수 사용</a:t>
-            </a:r>
-            <a:endParaRPr lang="ko-KR" altLang="en-US" dirty="0"/>
-          </a:p>
-        </p:txBody>
-      </p:sp>
       <p:sp>
         <p:nvSpPr>
           <p:cNvPr id="7" name="직사각형 6"/>
@@ -7947,8 +7617,8 @@
         </p:nvSpPr>
         <p:spPr>
           <a:xfrm>
-            <a:off x="791308" y="854260"/>
-            <a:ext cx="1591407" cy="209609"/>
+            <a:off x="1670539" y="854260"/>
+            <a:ext cx="1081454" cy="288739"/>
           </a:xfrm>
           <a:prstGeom prst="rect">
             <a:avLst/>
@@ -7987,14 +7657,14 @@
       </p:sp>
       <p:sp>
         <p:nvSpPr>
-          <p:cNvPr id="10" name="TextBox 9"/>
+          <p:cNvPr id="8" name="TextBox 7"/>
           <p:cNvSpPr txBox="1"/>
           <p:nvPr/>
         </p:nvSpPr>
         <p:spPr>
           <a:xfrm>
-            <a:off x="6093069" y="2572104"/>
-            <a:ext cx="5882054" cy="923330"/>
+            <a:off x="6093069" y="872615"/>
+            <a:ext cx="5882054" cy="2031325"/>
           </a:xfrm>
           <a:prstGeom prst="rect">
             <a:avLst/>
@@ -8013,26 +7683,41 @@
               </a:lnSpc>
             </a:pPr>
             <a:r>
+              <a:rPr lang="ko-KR" altLang="en-US" sz="1200" dirty="0" err="1" smtClean="0"/>
+              <a:t>환경별</a:t>
+            </a:r>
+            <a:r>
               <a:rPr lang="ko-KR" altLang="en-US" sz="1200" dirty="0" smtClean="0"/>
-              <a:t>① 환경변수 불러오기 위한 </a:t>
+              <a:t> 환경변수 </a:t>
+            </a:r>
+            <a:r>
+              <a:rPr lang="en-US" altLang="ko-KR" sz="1200" dirty="0" err="1" smtClean="0"/>
+              <a:t>env</a:t>
+            </a:r>
+            <a:r>
+              <a:rPr lang="en-US" altLang="ko-KR" sz="1200" dirty="0" smtClean="0"/>
+              <a:t> </a:t>
+            </a:r>
+            <a:r>
+              <a:rPr lang="ko-KR" altLang="en-US" sz="1200" dirty="0" smtClean="0"/>
+              <a:t>파일 생성 및 사용 하기 위해</a:t>
+            </a:r>
+            <a:r>
+              <a:rPr lang="en-US" altLang="ko-KR" sz="1200" dirty="0" smtClean="0"/>
+              <a:t> </a:t>
             </a:r>
             <a:r>
               <a:rPr lang="en-US" altLang="ko-KR" sz="1200" dirty="0" err="1" smtClean="0"/>
               <a:t>dotenv</a:t>
             </a:r>
             <a:r>
+              <a:rPr lang="ko-KR" altLang="en-US" sz="1200" dirty="0" smtClean="0"/>
+              <a:t>를 설치한다</a:t>
+            </a:r>
+            <a:r>
               <a:rPr lang="en-US" altLang="ko-KR" sz="1200" dirty="0" smtClean="0"/>
-              <a:t> </a:t>
-            </a:r>
-            <a:r>
-              <a:rPr lang="ko-KR" altLang="en-US" sz="1200" dirty="0" smtClean="0"/>
-              <a:t>컴포넌트 </a:t>
-            </a:r>
-            <a:r>
-              <a:rPr lang="en-US" altLang="ko-KR" sz="1200" dirty="0" smtClean="0"/>
-              <a:t>Load</a:t>
-            </a:r>
-            <a:endParaRPr lang="en-US" altLang="ko-KR" sz="1200" dirty="0"/>
+              <a:t>.</a:t>
+            </a:r>
           </a:p>
           <a:p>
             <a:pPr algn="just">
@@ -8040,26 +7725,7 @@
                 <a:spcPct val="150000"/>
               </a:lnSpc>
             </a:pPr>
-            <a:r>
-              <a:rPr lang="ko-KR" altLang="en-US" sz="1200" dirty="0" smtClean="0"/>
-              <a:t>② </a:t>
-            </a:r>
-            <a:r>
-              <a:rPr lang="en-US" altLang="ko-KR" sz="1200" dirty="0" err="1" smtClean="0"/>
-              <a:t>dotenv.config</a:t>
-            </a:r>
-            <a:r>
-              <a:rPr lang="en-US" altLang="ko-KR" sz="1200" dirty="0" smtClean="0"/>
-              <a:t>(); &gt; </a:t>
-            </a:r>
-            <a:r>
-              <a:rPr lang="ko-KR" altLang="en-US" sz="1200" dirty="0" smtClean="0"/>
-              <a:t>환경변수 파일 </a:t>
-            </a:r>
-            <a:r>
-              <a:rPr lang="en-US" altLang="ko-KR" sz="1200" dirty="0" smtClean="0"/>
-              <a:t>Load</a:t>
-            </a:r>
+            <a:endParaRPr lang="en-US" altLang="ko-KR" sz="1200" dirty="0"/>
           </a:p>
           <a:p>
             <a:pPr algn="just">
@@ -8068,307 +7734,79 @@
               </a:lnSpc>
             </a:pPr>
             <a:r>
-              <a:rPr lang="ko-KR" altLang="en-US" sz="1200" dirty="0" smtClean="0"/>
-              <a:t>③ </a:t>
-            </a:r>
-            <a:r>
-              <a:rPr lang="en-US" altLang="ko-KR" sz="1200" dirty="0" err="1" smtClean="0"/>
-              <a:t>process.env</a:t>
+              <a:rPr lang="en-US" altLang="ko-KR" sz="1200" b="1" dirty="0" err="1" smtClean="0"/>
+              <a:t>env</a:t>
             </a:r>
             <a:r>
               <a:rPr lang="en-US" altLang="ko-KR" sz="1200" dirty="0" smtClean="0"/>
-              <a:t>.</a:t>
-            </a:r>
-            <a:r>
-              <a:rPr lang="ko-KR" altLang="en-US" sz="1200" dirty="0" err="1" smtClean="0"/>
-              <a:t>환경변수명</a:t>
-            </a:r>
-            <a:r>
-              <a:rPr lang="ko-KR" altLang="en-US" sz="1200" dirty="0" smtClean="0"/>
-              <a:t> </a:t>
-            </a:r>
-            <a:r>
-              <a:rPr lang="en-US" altLang="ko-KR" sz="1200" dirty="0" smtClean="0"/>
-              <a:t>&gt; </a:t>
-            </a:r>
+              <a:t> ?</a:t>
+            </a:r>
+          </a:p>
+          <a:p>
+            <a:pPr algn="just">
+              <a:lnSpc>
+                <a:spcPct val="150000"/>
+              </a:lnSpc>
+            </a:pPr>
             <a:r>
               <a:rPr lang="ko-KR" altLang="en-US" sz="1200" dirty="0" smtClean="0"/>
               <a:t>환경변수 </a:t>
             </a:r>
             <a:r>
-              <a:rPr lang="en-US" altLang="ko-KR" sz="1200" dirty="0" smtClean="0"/>
-              <a:t>Load</a:t>
-            </a:r>
+              <a:rPr lang="ko-KR" altLang="en-US" sz="1200" dirty="0"/>
+              <a:t>파일을 외부에 만들어 포트</a:t>
+            </a:r>
+            <a:r>
+              <a:rPr lang="en-US" altLang="ko-KR" sz="1200" dirty="0"/>
+              <a:t>, API_KEY</a:t>
+            </a:r>
+            <a:r>
+              <a:rPr lang="ko-KR" altLang="en-US" sz="1200" dirty="0"/>
+              <a:t>등</a:t>
+            </a:r>
+            <a:r>
+              <a:rPr lang="en-US" altLang="ko-KR" sz="1200" dirty="0"/>
+              <a:t>.. </a:t>
+            </a:r>
+            <a:r>
+              <a:rPr lang="ko-KR" altLang="en-US" sz="1200" dirty="0"/>
+              <a:t>을 저장시켜 소스코드 내에 하드코딩하지 않고 사용하는 방법이다</a:t>
+            </a:r>
+            <a:r>
+              <a:rPr lang="en-US" altLang="ko-KR" sz="1200" dirty="0"/>
+              <a:t>.</a:t>
+            </a:r>
+          </a:p>
+          <a:p>
+            <a:pPr algn="just">
+              <a:lnSpc>
+                <a:spcPct val="150000"/>
+              </a:lnSpc>
+            </a:pPr>
+            <a:endParaRPr lang="en-US" altLang="ko-KR" sz="1200" dirty="0" smtClean="0"/>
+          </a:p>
+          <a:p>
+            <a:pPr algn="just">
+              <a:lnSpc>
+                <a:spcPct val="150000"/>
+              </a:lnSpc>
+            </a:pPr>
             <a:endParaRPr lang="ko-KR" altLang="en-US" sz="1200" dirty="0"/>
-          </a:p>
-        </p:txBody>
-      </p:sp>
-      <p:sp>
-        <p:nvSpPr>
-          <p:cNvPr id="8" name="직사각형 7"/>
-          <p:cNvSpPr/>
-          <p:nvPr/>
-        </p:nvSpPr>
-        <p:spPr>
-          <a:xfrm>
-            <a:off x="276956" y="1565031"/>
-            <a:ext cx="1226529" cy="219807"/>
-          </a:xfrm>
-          <a:prstGeom prst="rect">
-            <a:avLst/>
-          </a:prstGeom>
-          <a:noFill/>
-          <a:ln w="38100">
-            <a:solidFill>
-              <a:srgbClr val="00B0F0"/>
-            </a:solidFill>
-          </a:ln>
-        </p:spPr>
-        <p:style>
-          <a:lnRef idx="2">
-            <a:schemeClr val="accent1">
-              <a:shade val="50000"/>
-            </a:schemeClr>
-          </a:lnRef>
-          <a:fillRef idx="1">
-            <a:schemeClr val="accent1"/>
-          </a:fillRef>
-          <a:effectRef idx="0">
-            <a:schemeClr val="accent1"/>
-          </a:effectRef>
-          <a:fontRef idx="minor">
-            <a:schemeClr val="lt1"/>
-          </a:fontRef>
-        </p:style>
-        <p:txBody>
-          <a:bodyPr rtlCol="0" anchor="ctr"/>
-          <a:lstStyle/>
-          <a:p>
-            <a:pPr algn="ctr"/>
-            <a:endParaRPr lang="ko-KR" altLang="en-US"/>
-          </a:p>
-        </p:txBody>
-      </p:sp>
-      <p:sp>
-        <p:nvSpPr>
-          <p:cNvPr id="11" name="직사각형 10"/>
-          <p:cNvSpPr/>
-          <p:nvPr/>
-        </p:nvSpPr>
-        <p:spPr>
-          <a:xfrm>
-            <a:off x="2338755" y="3015970"/>
-            <a:ext cx="2110153" cy="245976"/>
-          </a:xfrm>
-          <a:prstGeom prst="rect">
-            <a:avLst/>
-          </a:prstGeom>
-          <a:noFill/>
-          <a:ln w="38100">
-            <a:solidFill>
-              <a:srgbClr val="00B0F0"/>
-            </a:solidFill>
-          </a:ln>
-        </p:spPr>
-        <p:style>
-          <a:lnRef idx="2">
-            <a:schemeClr val="accent1">
-              <a:shade val="50000"/>
-            </a:schemeClr>
-          </a:lnRef>
-          <a:fillRef idx="1">
-            <a:schemeClr val="accent1"/>
-          </a:fillRef>
-          <a:effectRef idx="0">
-            <a:schemeClr val="accent1"/>
-          </a:effectRef>
-          <a:fontRef idx="minor">
-            <a:schemeClr val="lt1"/>
-          </a:fontRef>
-        </p:style>
-        <p:txBody>
-          <a:bodyPr rtlCol="0" anchor="ctr"/>
-          <a:lstStyle/>
-          <a:p>
-            <a:pPr algn="ctr"/>
-            <a:endParaRPr lang="ko-KR" altLang="en-US"/>
-          </a:p>
-        </p:txBody>
-      </p:sp>
-      <p:sp>
-        <p:nvSpPr>
-          <p:cNvPr id="3" name="타원 2"/>
-          <p:cNvSpPr/>
-          <p:nvPr/>
-        </p:nvSpPr>
-        <p:spPr>
-          <a:xfrm>
-            <a:off x="2508644" y="854260"/>
-            <a:ext cx="211016" cy="209608"/>
-          </a:xfrm>
-          <a:prstGeom prst="ellipse">
-            <a:avLst/>
-          </a:prstGeom>
-          <a:solidFill>
-            <a:schemeClr val="accent1">
-              <a:lumMod val="50000"/>
-            </a:schemeClr>
-          </a:solidFill>
-          <a:ln w="28575">
-            <a:solidFill>
-              <a:srgbClr val="00B0F0"/>
-            </a:solidFill>
-          </a:ln>
-        </p:spPr>
-        <p:style>
-          <a:lnRef idx="2">
-            <a:schemeClr val="accent1">
-              <a:shade val="50000"/>
-            </a:schemeClr>
-          </a:lnRef>
-          <a:fillRef idx="1">
-            <a:schemeClr val="accent1"/>
-          </a:fillRef>
-          <a:effectRef idx="0">
-            <a:schemeClr val="accent1"/>
-          </a:effectRef>
-          <a:fontRef idx="minor">
-            <a:schemeClr val="lt1"/>
-          </a:fontRef>
-        </p:style>
-        <p:txBody>
-          <a:bodyPr rtlCol="0" anchor="ctr"/>
-          <a:lstStyle/>
-          <a:p>
-            <a:pPr algn="ctr"/>
-            <a:r>
-              <a:rPr lang="en-US" altLang="ko-KR" sz="1050" dirty="0" smtClean="0"/>
-              <a:t>1</a:t>
-            </a:r>
-            <a:endParaRPr lang="ko-KR" altLang="en-US" sz="1050" dirty="0"/>
-          </a:p>
-        </p:txBody>
-      </p:sp>
-      <p:sp>
-        <p:nvSpPr>
-          <p:cNvPr id="12" name="타원 11"/>
-          <p:cNvSpPr/>
-          <p:nvPr/>
-        </p:nvSpPr>
-        <p:spPr>
-          <a:xfrm>
-            <a:off x="1623739" y="1575230"/>
-            <a:ext cx="211016" cy="209608"/>
-          </a:xfrm>
-          <a:prstGeom prst="ellipse">
-            <a:avLst/>
-          </a:prstGeom>
-          <a:solidFill>
-            <a:schemeClr val="accent1">
-              <a:lumMod val="50000"/>
-            </a:schemeClr>
-          </a:solidFill>
-          <a:ln w="28575">
-            <a:solidFill>
-              <a:srgbClr val="00B0F0"/>
-            </a:solidFill>
-          </a:ln>
-        </p:spPr>
-        <p:style>
-          <a:lnRef idx="2">
-            <a:schemeClr val="accent1">
-              <a:shade val="50000"/>
-            </a:schemeClr>
-          </a:lnRef>
-          <a:fillRef idx="1">
-            <a:schemeClr val="accent1"/>
-          </a:fillRef>
-          <a:effectRef idx="0">
-            <a:schemeClr val="accent1"/>
-          </a:effectRef>
-          <a:fontRef idx="minor">
-            <a:schemeClr val="lt1"/>
-          </a:fontRef>
-        </p:style>
-        <p:txBody>
-          <a:bodyPr rtlCol="0" anchor="ctr"/>
-          <a:lstStyle/>
-          <a:p>
-            <a:pPr algn="ctr"/>
-            <a:r>
-              <a:rPr lang="en-US" altLang="ko-KR" sz="1050" dirty="0" smtClean="0"/>
-              <a:t>2</a:t>
-            </a:r>
-            <a:endParaRPr lang="ko-KR" altLang="en-US" sz="1050" dirty="0"/>
-          </a:p>
-        </p:txBody>
-      </p:sp>
-      <p:sp>
-        <p:nvSpPr>
-          <p:cNvPr id="13" name="타원 12"/>
-          <p:cNvSpPr/>
-          <p:nvPr/>
-        </p:nvSpPr>
-        <p:spPr>
-          <a:xfrm>
-            <a:off x="1981390" y="3015970"/>
-            <a:ext cx="211016" cy="209608"/>
-          </a:xfrm>
-          <a:prstGeom prst="ellipse">
-            <a:avLst/>
-          </a:prstGeom>
-          <a:solidFill>
-            <a:schemeClr val="accent1">
-              <a:lumMod val="50000"/>
-            </a:schemeClr>
-          </a:solidFill>
-          <a:ln w="28575">
-            <a:solidFill>
-              <a:srgbClr val="00B0F0"/>
-            </a:solidFill>
-          </a:ln>
-        </p:spPr>
-        <p:style>
-          <a:lnRef idx="2">
-            <a:schemeClr val="accent1">
-              <a:shade val="50000"/>
-            </a:schemeClr>
-          </a:lnRef>
-          <a:fillRef idx="1">
-            <a:schemeClr val="accent1"/>
-          </a:fillRef>
-          <a:effectRef idx="0">
-            <a:schemeClr val="accent1"/>
-          </a:effectRef>
-          <a:fontRef idx="minor">
-            <a:schemeClr val="lt1"/>
-          </a:fontRef>
-        </p:style>
-        <p:txBody>
-          <a:bodyPr rtlCol="0" anchor="ctr"/>
-          <a:lstStyle/>
-          <a:p>
-            <a:pPr algn="ctr"/>
-            <a:r>
-              <a:rPr lang="en-US" altLang="ko-KR" sz="1050" dirty="0" smtClean="0"/>
-              <a:t>3</a:t>
-            </a:r>
-            <a:endParaRPr lang="ko-KR" altLang="en-US" sz="1050" dirty="0"/>
           </a:p>
         </p:txBody>
       </p:sp>
       <p:cxnSp>
         <p:nvCxnSpPr>
-          <p:cNvPr id="14" name="직선 화살표 연결선 13"/>
+          <p:cNvPr id="10" name="직선 화살표 연결선 9"/>
           <p:cNvCxnSpPr>
-            <a:stCxn id="2" idx="3"/>
+            <a:stCxn id="7" idx="3"/>
           </p:cNvCxnSpPr>
           <p:nvPr/>
         </p:nvCxnSpPr>
         <p:spPr>
           <a:xfrm>
-            <a:off x="4806273" y="3033769"/>
-            <a:ext cx="1225250" cy="0"/>
+            <a:off x="2751993" y="998630"/>
+            <a:ext cx="3341076" cy="12485"/>
           </a:xfrm>
           <a:prstGeom prst="straightConnector1">
             <a:avLst/>
@@ -8395,56 +7833,10 @@
           </a:fontRef>
         </p:style>
       </p:cxnSp>
-      <p:sp>
-        <p:nvSpPr>
-          <p:cNvPr id="15" name="직사각형 14"/>
-          <p:cNvSpPr/>
-          <p:nvPr/>
-        </p:nvSpPr>
-        <p:spPr>
-          <a:xfrm>
-            <a:off x="211015" y="854260"/>
-            <a:ext cx="4595258" cy="4359018"/>
-          </a:xfrm>
-          <a:prstGeom prst="rect">
-            <a:avLst/>
-          </a:prstGeom>
-          <a:noFill/>
-          <a:ln w="38100">
-            <a:solidFill>
-              <a:srgbClr val="00B0F0"/>
-            </a:solidFill>
-          </a:ln>
-        </p:spPr>
-        <p:style>
-          <a:lnRef idx="2">
-            <a:schemeClr val="accent1">
-              <a:shade val="50000"/>
-            </a:schemeClr>
-          </a:lnRef>
-          <a:fillRef idx="1">
-            <a:schemeClr val="accent1"/>
-          </a:fillRef>
-          <a:effectRef idx="0">
-            <a:schemeClr val="accent1"/>
-          </a:effectRef>
-          <a:fontRef idx="minor">
-            <a:schemeClr val="lt1"/>
-          </a:fontRef>
-        </p:style>
-        <p:txBody>
-          <a:bodyPr rtlCol="0" anchor="ctr"/>
-          <a:lstStyle/>
-          <a:p>
-            <a:pPr algn="ctr"/>
-            <a:endParaRPr lang="ko-KR" altLang="en-US"/>
-          </a:p>
-        </p:txBody>
-      </p:sp>
     </p:spTree>
     <p:extLst>
       <p:ext uri="{BB962C8B-B14F-4D97-AF65-F5344CB8AC3E}">
-        <p14:creationId xmlns:p14="http://schemas.microsoft.com/office/powerpoint/2010/main" val="963980080"/>
+        <p14:creationId xmlns:p14="http://schemas.microsoft.com/office/powerpoint/2010/main" val="1119437596"/>
       </p:ext>
     </p:extLst>
   </p:cSld>
@@ -8473,7 +7865,7 @@
       </p:grpSpPr>
       <p:pic>
         <p:nvPicPr>
-          <p:cNvPr id="4" name="그림 3"/>
+          <p:cNvPr id="2" name="그림 1"/>
           <p:cNvPicPr>
             <a:picLocks noChangeAspect="1"/>
           </p:cNvPicPr>
@@ -8487,8 +7879,8 @@
         </p:blipFill>
         <p:spPr>
           <a:xfrm>
-            <a:off x="226157" y="851463"/>
-            <a:ext cx="2232853" cy="457240"/>
+            <a:off x="211015" y="854260"/>
+            <a:ext cx="2270957" cy="3147333"/>
           </a:xfrm>
           <a:prstGeom prst="rect">
             <a:avLst/>
@@ -8519,19 +7911,27 @@
           <a:p>
             <a:r>
               <a:rPr lang="en-US" altLang="ko-KR" dirty="0" smtClean="0"/>
-              <a:t>1.4. </a:t>
-            </a:r>
-            <a:r>
-              <a:rPr lang="ko-KR" altLang="en-US" dirty="0" smtClean="0"/>
-              <a:t>추가된 환경 변수 확인 </a:t>
+              <a:t>1.2. .</a:t>
+            </a:r>
+            <a:r>
+              <a:rPr lang="en-US" altLang="ko-KR" dirty="0" err="1" smtClean="0"/>
+              <a:t>env</a:t>
             </a:r>
             <a:r>
               <a:rPr lang="en-US" altLang="ko-KR" dirty="0" smtClean="0"/>
-              <a:t>(</a:t>
-            </a:r>
-            <a:r>
-              <a:rPr lang="ko-KR" altLang="en-US" dirty="0" smtClean="0"/>
-              <a:t>개발</a:t>
+              <a:t>.</a:t>
+            </a:r>
+            <a:r>
+              <a:rPr lang="en-US" altLang="ko-KR" dirty="0"/>
+              <a:t>~</a:t>
+            </a:r>
+            <a:r>
+              <a:rPr lang="en-US" altLang="ko-KR" dirty="0" smtClean="0"/>
+              <a:t> (</a:t>
+            </a:r>
+            <a:r>
+              <a:rPr lang="ko-KR" altLang="en-US" dirty="0" err="1" smtClean="0"/>
+              <a:t>파일생성</a:t>
             </a:r>
             <a:r>
               <a:rPr lang="en-US" altLang="ko-KR" dirty="0" smtClean="0"/>
@@ -8549,8 +7949,8 @@
         </p:nvSpPr>
         <p:spPr>
           <a:xfrm>
-            <a:off x="1696915" y="870474"/>
-            <a:ext cx="784712" cy="193395"/>
+            <a:off x="211014" y="3553499"/>
+            <a:ext cx="2270957" cy="448094"/>
           </a:xfrm>
           <a:prstGeom prst="rect">
             <a:avLst/>
@@ -8589,14 +7989,14 @@
       </p:sp>
       <p:sp>
         <p:nvSpPr>
-          <p:cNvPr id="10" name="TextBox 9"/>
+          <p:cNvPr id="8" name="TextBox 7"/>
           <p:cNvSpPr txBox="1"/>
           <p:nvPr/>
         </p:nvSpPr>
         <p:spPr>
           <a:xfrm>
-            <a:off x="6180992" y="764030"/>
-            <a:ext cx="5882054" cy="333617"/>
+            <a:off x="6093069" y="872615"/>
+            <a:ext cx="5882054" cy="1200329"/>
           </a:xfrm>
           <a:prstGeom prst="rect">
             <a:avLst/>
@@ -8616,197 +8016,107 @@
             </a:pPr>
             <a:r>
               <a:rPr lang="ko-KR" altLang="en-US" sz="1200" dirty="0" smtClean="0"/>
-              <a:t>개발 환경에서 환경변수를 확인하기 위해 </a:t>
-            </a:r>
-            <a:r>
-              <a:rPr lang="en-US" altLang="ko-KR" sz="1200" dirty="0" err="1" smtClean="0"/>
-              <a:t>npm</a:t>
-            </a:r>
-            <a:r>
-              <a:rPr lang="en-US" altLang="ko-KR" sz="1200" dirty="0" smtClean="0"/>
-              <a:t> start</a:t>
-            </a:r>
-            <a:r>
-              <a:rPr lang="ko-KR" altLang="en-US" sz="1200" dirty="0"/>
-              <a:t> </a:t>
-            </a:r>
-            <a:r>
-              <a:rPr lang="ko-KR" altLang="en-US" sz="1200" dirty="0" smtClean="0"/>
-              <a:t>명령어를 실행하면 됨</a:t>
+              <a:t>루트 폴더에 환경에 맞게 </a:t>
             </a:r>
             <a:r>
               <a:rPr lang="en-US" altLang="ko-KR" sz="1200" dirty="0" smtClean="0"/>
               <a:t>.</a:t>
             </a:r>
+            <a:r>
+              <a:rPr lang="en-US" altLang="ko-KR" sz="1200" dirty="0" err="1" smtClean="0"/>
+              <a:t>env</a:t>
+            </a:r>
+            <a:r>
+              <a:rPr lang="en-US" altLang="ko-KR" sz="1200" dirty="0" smtClean="0"/>
+              <a:t> </a:t>
+            </a:r>
+            <a:r>
+              <a:rPr lang="ko-KR" altLang="en-US" sz="1200" dirty="0" smtClean="0"/>
+              <a:t>파일 생성</a:t>
+            </a:r>
+            <a:endParaRPr lang="en-US" altLang="ko-KR" sz="1200" dirty="0" smtClean="0"/>
+          </a:p>
+          <a:p>
+            <a:pPr marL="171450" indent="-171450" algn="just">
+              <a:lnSpc>
+                <a:spcPct val="150000"/>
+              </a:lnSpc>
+              <a:buFont typeface="Wingdings" panose="05000000000000000000" pitchFamily="2" charset="2"/>
+              <a:buChar char="Ø"/>
+            </a:pPr>
+            <a:r>
+              <a:rPr lang="ko-KR" altLang="en-US" sz="1200" dirty="0" smtClean="0"/>
+              <a:t>개발일 경우 </a:t>
+            </a:r>
+            <a:r>
+              <a:rPr lang="en-US" altLang="ko-KR" sz="1200" dirty="0" smtClean="0"/>
+              <a:t>.</a:t>
+            </a:r>
+            <a:r>
+              <a:rPr lang="en-US" altLang="ko-KR" sz="1200" dirty="0" err="1" smtClean="0"/>
+              <a:t>env.development</a:t>
+            </a:r>
+            <a:endParaRPr lang="en-US" altLang="ko-KR" sz="1200" dirty="0" smtClean="0"/>
+          </a:p>
+          <a:p>
+            <a:pPr marL="171450" indent="-171450" algn="just">
+              <a:lnSpc>
+                <a:spcPct val="150000"/>
+              </a:lnSpc>
+              <a:buFont typeface="Wingdings" panose="05000000000000000000" pitchFamily="2" charset="2"/>
+              <a:buChar char="Ø"/>
+            </a:pPr>
+            <a:r>
+              <a:rPr lang="ko-KR" altLang="en-US" sz="1200" dirty="0" smtClean="0"/>
+              <a:t>운영일 경우 </a:t>
+            </a:r>
+            <a:r>
+              <a:rPr lang="en-US" altLang="ko-KR" sz="1200" dirty="0" smtClean="0"/>
+              <a:t>.</a:t>
+            </a:r>
+            <a:r>
+              <a:rPr lang="en-US" altLang="ko-KR" sz="1200" dirty="0" err="1" smtClean="0"/>
+              <a:t>env.production</a:t>
+            </a:r>
+            <a:endParaRPr lang="en-US" altLang="ko-KR" sz="1200" dirty="0" smtClean="0"/>
+          </a:p>
+          <a:p>
+            <a:pPr marL="171450" indent="-171450" algn="just">
+              <a:lnSpc>
+                <a:spcPct val="150000"/>
+              </a:lnSpc>
+              <a:buFont typeface="Wingdings" panose="05000000000000000000" pitchFamily="2" charset="2"/>
+              <a:buChar char="Ø"/>
+            </a:pPr>
+            <a:r>
+              <a:rPr lang="ko-KR" altLang="en-US" sz="1200" dirty="0" smtClean="0"/>
+              <a:t>테스트일 경우 </a:t>
+            </a:r>
+            <a:r>
+              <a:rPr lang="en-US" altLang="ko-KR" sz="1200" dirty="0" smtClean="0"/>
+              <a:t>.</a:t>
+            </a:r>
+            <a:r>
+              <a:rPr lang="en-US" altLang="ko-KR" sz="1200" dirty="0" err="1" smtClean="0"/>
+              <a:t>env.test</a:t>
+            </a:r>
             <a:endParaRPr lang="ko-KR" altLang="en-US" sz="1200" dirty="0"/>
           </a:p>
         </p:txBody>
       </p:sp>
       <p:cxnSp>
         <p:nvCxnSpPr>
-          <p:cNvPr id="14" name="직선 화살표 연결선 13"/>
-          <p:cNvCxnSpPr/>
+          <p:cNvPr id="4" name="꺾인 연결선 3"/>
+          <p:cNvCxnSpPr>
+            <a:stCxn id="7" idx="3"/>
+            <a:endCxn id="8" idx="1"/>
+          </p:cNvCxnSpPr>
           <p:nvPr/>
         </p:nvCxnSpPr>
         <p:spPr>
-          <a:xfrm>
-            <a:off x="2481627" y="967576"/>
-            <a:ext cx="3699365" cy="0"/>
-          </a:xfrm>
-          <a:prstGeom prst="straightConnector1">
-            <a:avLst/>
-          </a:prstGeom>
-          <a:ln w="28575">
-            <a:solidFill>
-              <a:srgbClr val="00B0F0"/>
-            </a:solidFill>
-            <a:tailEnd type="triangle"/>
-          </a:ln>
-        </p:spPr>
-        <p:style>
-          <a:lnRef idx="1">
-            <a:schemeClr val="accent1"/>
-          </a:lnRef>
-          <a:fillRef idx="0">
-            <a:schemeClr val="accent1"/>
-          </a:fillRef>
-          <a:effectRef idx="0">
-            <a:schemeClr val="accent1"/>
-          </a:effectRef>
-          <a:fontRef idx="minor">
-            <a:schemeClr val="tx1"/>
-          </a:fontRef>
-        </p:style>
-      </p:cxnSp>
-      <p:pic>
-        <p:nvPicPr>
-          <p:cNvPr id="9" name="그림 8"/>
-          <p:cNvPicPr>
-            <a:picLocks noChangeAspect="1"/>
-          </p:cNvPicPr>
-          <p:nvPr/>
-        </p:nvPicPr>
-        <p:blipFill>
-          <a:blip r:embed="rId3"/>
-          <a:stretch>
-            <a:fillRect/>
-          </a:stretch>
-        </p:blipFill>
-        <p:spPr>
-          <a:xfrm>
-            <a:off x="211015" y="1581245"/>
-            <a:ext cx="7228392" cy="3877731"/>
-          </a:xfrm>
-          <a:prstGeom prst="rect">
-            <a:avLst/>
-          </a:prstGeom>
-        </p:spPr>
-      </p:pic>
-      <p:sp>
-        <p:nvSpPr>
-          <p:cNvPr id="16" name="직사각형 15"/>
-          <p:cNvSpPr/>
-          <p:nvPr/>
-        </p:nvSpPr>
-        <p:spPr>
-          <a:xfrm>
-            <a:off x="226157" y="870474"/>
-            <a:ext cx="2255470" cy="430719"/>
-          </a:xfrm>
-          <a:prstGeom prst="rect">
-            <a:avLst/>
-          </a:prstGeom>
-          <a:noFill/>
-          <a:ln w="38100">
-            <a:solidFill>
-              <a:srgbClr val="00B0F0"/>
-            </a:solidFill>
-          </a:ln>
-        </p:spPr>
-        <p:style>
-          <a:lnRef idx="2">
-            <a:schemeClr val="accent1">
-              <a:shade val="50000"/>
-            </a:schemeClr>
-          </a:lnRef>
-          <a:fillRef idx="1">
-            <a:schemeClr val="accent1"/>
-          </a:fillRef>
-          <a:effectRef idx="0">
-            <a:schemeClr val="accent1"/>
-          </a:effectRef>
-          <a:fontRef idx="minor">
-            <a:schemeClr val="lt1"/>
-          </a:fontRef>
-        </p:style>
-        <p:txBody>
-          <a:bodyPr rtlCol="0" anchor="ctr"/>
-          <a:lstStyle/>
-          <a:p>
-            <a:pPr algn="ctr"/>
-            <a:endParaRPr lang="ko-KR" altLang="en-US"/>
-          </a:p>
-        </p:txBody>
-      </p:sp>
-      <p:sp>
-        <p:nvSpPr>
-          <p:cNvPr id="20" name="직사각형 19"/>
-          <p:cNvSpPr/>
-          <p:nvPr/>
-        </p:nvSpPr>
-        <p:spPr>
-          <a:xfrm>
-            <a:off x="2857500" y="4000500"/>
-            <a:ext cx="1925515" cy="263769"/>
-          </a:xfrm>
-          <a:prstGeom prst="rect">
-            <a:avLst/>
-          </a:prstGeom>
-          <a:noFill/>
-          <a:ln w="38100">
-            <a:solidFill>
-              <a:srgbClr val="00B0F0"/>
-            </a:solidFill>
-          </a:ln>
-        </p:spPr>
-        <p:style>
-          <a:lnRef idx="2">
-            <a:schemeClr val="accent1">
-              <a:shade val="50000"/>
-            </a:schemeClr>
-          </a:lnRef>
-          <a:fillRef idx="1">
-            <a:schemeClr val="accent1"/>
-          </a:fillRef>
-          <a:effectRef idx="0">
-            <a:schemeClr val="accent1"/>
-          </a:effectRef>
-          <a:fontRef idx="minor">
-            <a:schemeClr val="lt1"/>
-          </a:fontRef>
-        </p:style>
-        <p:txBody>
-          <a:bodyPr rtlCol="0" anchor="ctr"/>
-          <a:lstStyle/>
-          <a:p>
-            <a:pPr algn="ctr"/>
-            <a:endParaRPr lang="ko-KR" altLang="en-US"/>
-          </a:p>
-        </p:txBody>
-      </p:sp>
-      <p:cxnSp>
-        <p:nvCxnSpPr>
-          <p:cNvPr id="22" name="꺾인 연결선 21"/>
-          <p:cNvCxnSpPr>
-            <a:stCxn id="16" idx="2"/>
-            <a:endCxn id="20" idx="0"/>
-          </p:cNvCxnSpPr>
-          <p:nvPr/>
-        </p:nvCxnSpPr>
-        <p:spPr>
-          <a:xfrm rot="16200000" flipH="1">
-            <a:off x="1237422" y="1417663"/>
-            <a:ext cx="2699307" cy="2466366"/>
+          <a:xfrm flipV="1">
+            <a:off x="2481971" y="1472780"/>
+            <a:ext cx="3611098" cy="2304766"/>
           </a:xfrm>
           <a:prstGeom prst="bentConnector3">
             <a:avLst/>
@@ -8836,7 +8146,7 @@
     </p:spTree>
     <p:extLst>
       <p:ext uri="{BB962C8B-B14F-4D97-AF65-F5344CB8AC3E}">
-        <p14:creationId xmlns:p14="http://schemas.microsoft.com/office/powerpoint/2010/main" val="3985936416"/>
+        <p14:creationId xmlns:p14="http://schemas.microsoft.com/office/powerpoint/2010/main" val="3986009625"/>
       </p:ext>
     </p:extLst>
   </p:cSld>
@@ -8865,7 +8175,7 @@
       </p:grpSpPr>
       <p:pic>
         <p:nvPicPr>
-          <p:cNvPr id="8" name="그림 7"/>
+          <p:cNvPr id="6" name="그림 5"/>
           <p:cNvPicPr>
             <a:picLocks noChangeAspect="1"/>
           </p:cNvPicPr>
@@ -8879,56 +8189,8 @@
         </p:blipFill>
         <p:spPr>
           <a:xfrm>
-            <a:off x="1283677" y="2111612"/>
-            <a:ext cx="7233440" cy="3880439"/>
-          </a:xfrm>
-          <a:prstGeom prst="rect">
-            <a:avLst/>
-          </a:prstGeom>
-        </p:spPr>
-      </p:pic>
-      <p:pic>
-        <p:nvPicPr>
-          <p:cNvPr id="3" name="그림 2"/>
-          <p:cNvPicPr>
-            <a:picLocks noChangeAspect="1"/>
-          </p:cNvPicPr>
-          <p:nvPr/>
-        </p:nvPicPr>
-        <p:blipFill>
-          <a:blip r:embed="rId3"/>
-          <a:stretch>
-            <a:fillRect/>
-          </a:stretch>
-        </p:blipFill>
-        <p:spPr>
-          <a:xfrm>
-            <a:off x="211015" y="1604466"/>
-            <a:ext cx="2872989" cy="457240"/>
-          </a:xfrm>
-          <a:prstGeom prst="rect">
-            <a:avLst/>
-          </a:prstGeom>
-        </p:spPr>
-      </p:pic>
-      <p:pic>
-        <p:nvPicPr>
-          <p:cNvPr id="2" name="그림 1"/>
-          <p:cNvPicPr>
-            <a:picLocks noChangeAspect="1"/>
-          </p:cNvPicPr>
-          <p:nvPr/>
-        </p:nvPicPr>
-        <p:blipFill>
-          <a:blip r:embed="rId4"/>
-          <a:stretch>
-            <a:fillRect/>
-          </a:stretch>
-        </p:blipFill>
-        <p:spPr>
-          <a:xfrm>
-            <a:off x="226158" y="889706"/>
-            <a:ext cx="2255470" cy="403965"/>
+            <a:off x="211014" y="854260"/>
+            <a:ext cx="5418290" cy="975445"/>
           </a:xfrm>
           <a:prstGeom prst="rect">
             <a:avLst/>
@@ -8959,11 +8221,27 @@
           <a:p>
             <a:r>
               <a:rPr lang="en-US" altLang="ko-KR" dirty="0" smtClean="0"/>
-              <a:t>1.4. </a:t>
+              <a:t>1.3. .</a:t>
+            </a:r>
+            <a:r>
+              <a:rPr lang="en-US" altLang="ko-KR" dirty="0" err="1" smtClean="0"/>
+              <a:t>env</a:t>
+            </a:r>
+            <a:r>
+              <a:rPr lang="en-US" altLang="ko-KR" dirty="0" smtClean="0"/>
+              <a:t>.</a:t>
+            </a:r>
+            <a:r>
+              <a:rPr lang="en-US" altLang="ko-KR" dirty="0"/>
+              <a:t>~</a:t>
+            </a:r>
+            <a:r>
+              <a:rPr lang="en-US" altLang="ko-KR" dirty="0" smtClean="0"/>
+              <a:t> </a:t>
             </a:r>
             <a:r>
               <a:rPr lang="ko-KR" altLang="en-US" dirty="0" smtClean="0"/>
-              <a:t>추가된 환경 변수 확인 </a:t>
+              <a:t>파일 </a:t>
             </a:r>
             <a:r>
               <a:rPr lang="en-US" altLang="ko-KR" dirty="0" smtClean="0"/>
@@ -8971,7 +8249,7 @@
             </a:r>
             <a:r>
               <a:rPr lang="ko-KR" altLang="en-US" dirty="0" smtClean="0"/>
-              <a:t>운영</a:t>
+              <a:t>환경변수 설정</a:t>
             </a:r>
             <a:r>
               <a:rPr lang="en-US" altLang="ko-KR" dirty="0" smtClean="0"/>
@@ -8983,132 +8261,14 @@
       </p:sp>
       <p:sp>
         <p:nvSpPr>
-          <p:cNvPr id="10" name="TextBox 9"/>
-          <p:cNvSpPr txBox="1"/>
-          <p:nvPr/>
-        </p:nvSpPr>
-        <p:spPr>
-          <a:xfrm>
-            <a:off x="3206972" y="754435"/>
-            <a:ext cx="5882054" cy="923330"/>
-          </a:xfrm>
-          <a:prstGeom prst="rect">
-            <a:avLst/>
-          </a:prstGeom>
-          <a:noFill/>
-        </p:spPr>
-        <p:txBody>
-          <a:bodyPr wrap="square" rtlCol="0">
-            <a:spAutoFit/>
-          </a:bodyPr>
-          <a:lstStyle/>
-          <a:p>
-            <a:pPr algn="just">
-              <a:lnSpc>
-                <a:spcPct val="150000"/>
-              </a:lnSpc>
-            </a:pPr>
-            <a:r>
-              <a:rPr lang="ko-KR" altLang="en-US" sz="1200" dirty="0" smtClean="0"/>
-              <a:t>운영 환경에서 환경변수를 확인하기 위해서</a:t>
-            </a:r>
-            <a:endParaRPr lang="en-US" altLang="ko-KR" sz="1200" dirty="0"/>
-          </a:p>
-          <a:p>
-            <a:pPr algn="just">
-              <a:lnSpc>
-                <a:spcPct val="150000"/>
-              </a:lnSpc>
-            </a:pPr>
-            <a:r>
-              <a:rPr lang="ko-KR" altLang="en-US" sz="1200" dirty="0" smtClean="0"/>
-              <a:t>① </a:t>
-            </a:r>
-            <a:r>
-              <a:rPr lang="en-US" altLang="ko-KR" sz="1200" dirty="0" err="1" smtClean="0"/>
-              <a:t>npm</a:t>
-            </a:r>
-            <a:r>
-              <a:rPr lang="en-US" altLang="ko-KR" sz="1200" dirty="0" smtClean="0"/>
-              <a:t> run build &gt; </a:t>
-            </a:r>
-            <a:r>
-              <a:rPr lang="ko-KR" altLang="en-US" sz="1200" dirty="0" smtClean="0"/>
-              <a:t>개발과 달리 먼저 </a:t>
-            </a:r>
-            <a:r>
-              <a:rPr lang="en-US" altLang="ko-KR" sz="1200" dirty="0" smtClean="0"/>
-              <a:t>build</a:t>
-            </a:r>
-            <a:r>
-              <a:rPr lang="ko-KR" altLang="en-US" sz="1200" dirty="0" smtClean="0"/>
-              <a:t>를 실행하여야 한다</a:t>
-            </a:r>
-            <a:r>
-              <a:rPr lang="en-US" altLang="ko-KR" sz="1200" dirty="0" smtClean="0"/>
-              <a:t>.</a:t>
-            </a:r>
-          </a:p>
-          <a:p>
-            <a:pPr algn="just">
-              <a:lnSpc>
-                <a:spcPct val="150000"/>
-              </a:lnSpc>
-            </a:pPr>
-            <a:r>
-              <a:rPr lang="ko-KR" altLang="en-US" sz="1200" dirty="0" smtClean="0"/>
-              <a:t>② 빌드 후 </a:t>
-            </a:r>
-            <a:r>
-              <a:rPr lang="en-US" altLang="ko-KR" sz="1200" dirty="0" smtClean="0"/>
-              <a:t>&gt; </a:t>
-            </a:r>
-            <a:r>
-              <a:rPr lang="en-US" altLang="ko-KR" sz="1200" dirty="0" err="1" smtClean="0"/>
-              <a:t>npx</a:t>
-            </a:r>
-            <a:r>
-              <a:rPr lang="en-US" altLang="ko-KR" sz="1200" dirty="0" smtClean="0"/>
-              <a:t> serve –s build </a:t>
-            </a:r>
-            <a:r>
-              <a:rPr lang="ko-KR" altLang="en-US" sz="1200" dirty="0" smtClean="0"/>
-              <a:t>실행하고</a:t>
-            </a:r>
-            <a:r>
-              <a:rPr lang="en-US" altLang="ko-KR" sz="1200" dirty="0" smtClean="0"/>
-              <a:t>, </a:t>
-            </a:r>
-            <a:r>
-              <a:rPr lang="ko-KR" altLang="en-US" sz="1200" dirty="0" smtClean="0"/>
-              <a:t>포트는 </a:t>
-            </a:r>
-            <a:r>
-              <a:rPr lang="en-US" altLang="ko-KR" sz="1200" dirty="0" smtClean="0"/>
-              <a:t>5000</a:t>
-            </a:r>
-            <a:r>
-              <a:rPr lang="ko-KR" altLang="en-US" sz="1200" dirty="0" smtClean="0"/>
-              <a:t>번 이다</a:t>
-            </a:r>
-            <a:r>
-              <a:rPr lang="en-US" altLang="ko-KR" sz="1200" dirty="0" smtClean="0"/>
-              <a:t>.</a:t>
-            </a:r>
-            <a:endParaRPr lang="ko-KR" altLang="en-US" sz="1200" dirty="0"/>
-          </a:p>
-        </p:txBody>
-      </p:sp>
-      <p:sp>
-        <p:nvSpPr>
-          <p:cNvPr id="16" name="직사각형 15"/>
+          <p:cNvPr id="7" name="직사각형 6"/>
           <p:cNvSpPr/>
           <p:nvPr/>
         </p:nvSpPr>
         <p:spPr>
           <a:xfrm>
-            <a:off x="1512153" y="870474"/>
-            <a:ext cx="969473" cy="193395"/>
+            <a:off x="808892" y="1329949"/>
+            <a:ext cx="1960685" cy="235082"/>
           </a:xfrm>
           <a:prstGeom prst="rect">
             <a:avLst/>
@@ -9145,16 +8305,199 @@
           </a:p>
         </p:txBody>
       </p:sp>
-      <p:sp>
-        <p:nvSpPr>
-          <p:cNvPr id="20" name="직사각형 19"/>
+      <p:cxnSp>
+        <p:nvCxnSpPr>
+          <p:cNvPr id="9" name="직선 화살표 연결선 8"/>
+          <p:cNvCxnSpPr/>
+          <p:nvPr/>
+        </p:nvCxnSpPr>
+        <p:spPr>
+          <a:xfrm>
+            <a:off x="2751993" y="1435005"/>
+            <a:ext cx="3341076" cy="12485"/>
+          </a:xfrm>
+          <a:prstGeom prst="straightConnector1">
+            <a:avLst/>
+          </a:prstGeom>
+          <a:ln w="28575">
+            <a:solidFill>
+              <a:srgbClr val="00B0F0"/>
+            </a:solidFill>
+            <a:tailEnd type="triangle"/>
+          </a:ln>
+        </p:spPr>
+        <p:style>
+          <a:lnRef idx="1">
+            <a:schemeClr val="accent1"/>
+          </a:lnRef>
+          <a:fillRef idx="0">
+            <a:schemeClr val="accent1"/>
+          </a:fillRef>
+          <a:effectRef idx="0">
+            <a:schemeClr val="accent1"/>
+          </a:effectRef>
+          <a:fontRef idx="minor">
+            <a:schemeClr val="tx1"/>
+          </a:fontRef>
+        </p:style>
+      </p:cxnSp>
+      <p:sp>
+        <p:nvSpPr>
+          <p:cNvPr id="10" name="TextBox 9"/>
+          <p:cNvSpPr txBox="1"/>
+          <p:nvPr/>
+        </p:nvSpPr>
+        <p:spPr>
+          <a:xfrm>
+            <a:off x="6093069" y="1231414"/>
+            <a:ext cx="5882054" cy="333617"/>
+          </a:xfrm>
+          <a:prstGeom prst="rect">
+            <a:avLst/>
+          </a:prstGeom>
+          <a:noFill/>
+        </p:spPr>
+        <p:txBody>
+          <a:bodyPr wrap="square" rtlCol="0">
+            <a:spAutoFit/>
+          </a:bodyPr>
+          <a:lstStyle/>
+          <a:p>
+            <a:pPr algn="just">
+              <a:lnSpc>
+                <a:spcPct val="150000"/>
+              </a:lnSpc>
+            </a:pPr>
+            <a:r>
+              <a:rPr lang="ko-KR" altLang="en-US" sz="1200" dirty="0" err="1" smtClean="0"/>
+              <a:t>환경변수는</a:t>
+            </a:r>
+            <a:r>
+              <a:rPr lang="ko-KR" altLang="en-US" sz="1200" dirty="0" smtClean="0"/>
+              <a:t> </a:t>
+            </a:r>
+            <a:r>
+              <a:rPr lang="en-US" altLang="ko-KR" sz="1200" dirty="0" smtClean="0"/>
+              <a:t>‘REACT_APP_</a:t>
+            </a:r>
+            <a:r>
+              <a:rPr lang="ko-KR" altLang="en-US" sz="1200" dirty="0" err="1" smtClean="0"/>
+              <a:t>환경변수명</a:t>
+            </a:r>
+            <a:r>
+              <a:rPr lang="en-US" altLang="ko-KR" sz="1200" dirty="0" smtClean="0"/>
+              <a:t>’ </a:t>
+            </a:r>
+            <a:r>
+              <a:rPr lang="ko-KR" altLang="en-US" sz="1200" dirty="0" smtClean="0"/>
+              <a:t>형식으로 추가</a:t>
+            </a:r>
+            <a:r>
+              <a:rPr lang="en-US" altLang="ko-KR" sz="1200" dirty="0" smtClean="0"/>
+              <a:t>.</a:t>
+            </a:r>
+            <a:endParaRPr lang="ko-KR" altLang="en-US" sz="1200" dirty="0"/>
+          </a:p>
+        </p:txBody>
+      </p:sp>
+    </p:spTree>
+    <p:extLst>
+      <p:ext uri="{BB962C8B-B14F-4D97-AF65-F5344CB8AC3E}">
+        <p14:creationId xmlns:p14="http://schemas.microsoft.com/office/powerpoint/2010/main" val="3402533285"/>
+      </p:ext>
+    </p:extLst>
+  </p:cSld>
+  <p:clrMapOvr>
+    <a:masterClrMapping/>
+  </p:clrMapOvr>
+</p:sld>
+</file>
+
+<file path=ppt/slides/slide29.xml><?xml version="1.0" encoding="utf-8"?>
+<p:sld xmlns:a="http://schemas.openxmlformats.org/drawingml/2006/main" xmlns:r="http://schemas.openxmlformats.org/officeDocument/2006/relationships" xmlns:p="http://schemas.openxmlformats.org/presentationml/2006/main">
+  <p:cSld>
+    <p:spTree>
+      <p:nvGrpSpPr>
+        <p:cNvPr id="1" name=""/>
+        <p:cNvGrpSpPr/>
+        <p:nvPr/>
+      </p:nvGrpSpPr>
+      <p:grpSpPr>
+        <a:xfrm>
+          <a:off x="0" y="0"/>
+          <a:ext cx="0" cy="0"/>
+          <a:chOff x="0" y="0"/>
+          <a:chExt cx="0" cy="0"/>
+        </a:xfrm>
+      </p:grpSpPr>
+      <p:pic>
+        <p:nvPicPr>
+          <p:cNvPr id="2" name="그림 1"/>
+          <p:cNvPicPr>
+            <a:picLocks noChangeAspect="1"/>
+          </p:cNvPicPr>
+          <p:nvPr/>
+        </p:nvPicPr>
+        <p:blipFill>
+          <a:blip r:embed="rId2"/>
+          <a:stretch>
+            <a:fillRect/>
+          </a:stretch>
+        </p:blipFill>
+        <p:spPr>
+          <a:xfrm>
+            <a:off x="211015" y="854260"/>
+            <a:ext cx="4595258" cy="4359018"/>
+          </a:xfrm>
+          <a:prstGeom prst="rect">
+            <a:avLst/>
+          </a:prstGeom>
+        </p:spPr>
+      </p:pic>
+      <p:sp>
+        <p:nvSpPr>
+          <p:cNvPr id="5" name="TextBox 4"/>
+          <p:cNvSpPr txBox="1"/>
+          <p:nvPr/>
+        </p:nvSpPr>
+        <p:spPr>
+          <a:xfrm>
+            <a:off x="211015" y="228600"/>
+            <a:ext cx="11764108" cy="369332"/>
+          </a:xfrm>
+          <a:prstGeom prst="rect">
+            <a:avLst/>
+          </a:prstGeom>
+          <a:noFill/>
+        </p:spPr>
+        <p:txBody>
+          <a:bodyPr wrap="square" rtlCol="0">
+            <a:spAutoFit/>
+          </a:bodyPr>
+          <a:lstStyle/>
+          <a:p>
+            <a:r>
+              <a:rPr lang="en-US" altLang="ko-KR" dirty="0" smtClean="0"/>
+              <a:t>1.4. </a:t>
+            </a:r>
+            <a:r>
+              <a:rPr lang="ko-KR" altLang="en-US" dirty="0" smtClean="0"/>
+              <a:t>추가된 환경 변수 사용</a:t>
+            </a:r>
+            <a:endParaRPr lang="ko-KR" altLang="en-US" dirty="0"/>
+          </a:p>
+        </p:txBody>
+      </p:sp>
+      <p:sp>
+        <p:nvSpPr>
+          <p:cNvPr id="7" name="직사각형 6"/>
           <p:cNvSpPr/>
           <p:nvPr/>
         </p:nvSpPr>
         <p:spPr>
           <a:xfrm>
-            <a:off x="3930162" y="4533576"/>
-            <a:ext cx="1925515" cy="263769"/>
+            <a:off x="791308" y="854260"/>
+            <a:ext cx="1591407" cy="209609"/>
           </a:xfrm>
           <a:prstGeom prst="rect">
             <a:avLst/>
@@ -9191,54 +8534,134 @@
           </a:p>
         </p:txBody>
       </p:sp>
-      <p:cxnSp>
-        <p:nvCxnSpPr>
-          <p:cNvPr id="22" name="꺾인 연결선 21"/>
-          <p:cNvCxnSpPr>
-            <a:endCxn id="20" idx="0"/>
-          </p:cNvCxnSpPr>
-          <p:nvPr/>
-        </p:nvCxnSpPr>
-        <p:spPr>
-          <a:xfrm rot="16200000" flipH="1">
-            <a:off x="2310084" y="1950739"/>
-            <a:ext cx="2699307" cy="2466366"/>
-          </a:xfrm>
-          <a:prstGeom prst="bentConnector3">
-            <a:avLst/>
-          </a:prstGeom>
-          <a:ln w="28575">
-            <a:solidFill>
-              <a:srgbClr val="00B0F0"/>
-            </a:solidFill>
-            <a:tailEnd type="triangle"/>
-          </a:ln>
-        </p:spPr>
-        <p:style>
-          <a:lnRef idx="1">
-            <a:schemeClr val="accent1"/>
-          </a:lnRef>
-          <a:fillRef idx="0">
-            <a:schemeClr val="accent1"/>
-          </a:fillRef>
-          <a:effectRef idx="0">
-            <a:schemeClr val="accent1"/>
-          </a:effectRef>
-          <a:fontRef idx="minor">
-            <a:schemeClr val="tx1"/>
-          </a:fontRef>
-        </p:style>
-      </p:cxnSp>
-      <p:sp>
-        <p:nvSpPr>
-          <p:cNvPr id="13" name="직사각형 12"/>
+      <p:sp>
+        <p:nvSpPr>
+          <p:cNvPr id="10" name="TextBox 9"/>
+          <p:cNvSpPr txBox="1"/>
+          <p:nvPr/>
+        </p:nvSpPr>
+        <p:spPr>
+          <a:xfrm>
+            <a:off x="6093069" y="2572104"/>
+            <a:ext cx="5882054" cy="923330"/>
+          </a:xfrm>
+          <a:prstGeom prst="rect">
+            <a:avLst/>
+          </a:prstGeom>
+          <a:noFill/>
+        </p:spPr>
+        <p:txBody>
+          <a:bodyPr wrap="square" rtlCol="0">
+            <a:spAutoFit/>
+          </a:bodyPr>
+          <a:lstStyle/>
+          <a:p>
+            <a:pPr algn="just">
+              <a:lnSpc>
+                <a:spcPct val="150000"/>
+              </a:lnSpc>
+            </a:pPr>
+            <a:r>
+              <a:rPr lang="ko-KR" altLang="en-US" sz="1200" dirty="0" smtClean="0"/>
+              <a:t>① 환경변수 불러오기 위한 </a:t>
+            </a:r>
+            <a:r>
+              <a:rPr lang="en-US" altLang="ko-KR" sz="1200" dirty="0" err="1" smtClean="0"/>
+              <a:t>dotenv</a:t>
+            </a:r>
+            <a:r>
+              <a:rPr lang="en-US" altLang="ko-KR" sz="1200" dirty="0" smtClean="0"/>
+              <a:t> </a:t>
+            </a:r>
+            <a:r>
+              <a:rPr lang="ko-KR" altLang="en-US" sz="1200" dirty="0" smtClean="0"/>
+              <a:t>컴포넌트 </a:t>
+            </a:r>
+            <a:r>
+              <a:rPr lang="en-US" altLang="ko-KR" sz="1200" dirty="0" smtClean="0"/>
+              <a:t>Load</a:t>
+            </a:r>
+            <a:endParaRPr lang="en-US" altLang="ko-KR" sz="1200" dirty="0"/>
+          </a:p>
+          <a:p>
+            <a:pPr algn="just">
+              <a:lnSpc>
+                <a:spcPct val="150000"/>
+              </a:lnSpc>
+            </a:pPr>
+            <a:r>
+              <a:rPr lang="ko-KR" altLang="en-US" sz="1200" dirty="0" smtClean="0"/>
+              <a:t>② </a:t>
+            </a:r>
+            <a:r>
+              <a:rPr lang="en-US" altLang="ko-KR" sz="1200" dirty="0" err="1" smtClean="0"/>
+              <a:t>dotenv.config</a:t>
+            </a:r>
+            <a:r>
+              <a:rPr lang="en-US" altLang="ko-KR" sz="1200" dirty="0" smtClean="0"/>
+              <a:t>(); &gt; </a:t>
+            </a:r>
+            <a:r>
+              <a:rPr lang="ko-KR" altLang="en-US" sz="1200" dirty="0" smtClean="0"/>
+              <a:t>환경변수 파일 </a:t>
+            </a:r>
+            <a:r>
+              <a:rPr lang="en-US" altLang="ko-KR" sz="1200" dirty="0" smtClean="0"/>
+              <a:t>Load</a:t>
+            </a:r>
+          </a:p>
+          <a:p>
+            <a:pPr algn="just">
+              <a:lnSpc>
+                <a:spcPct val="150000"/>
+              </a:lnSpc>
+            </a:pPr>
+            <a:r>
+              <a:rPr lang="ko-KR" altLang="en-US" sz="1200" dirty="0" smtClean="0"/>
+              <a:t>③ </a:t>
+            </a:r>
+            <a:r>
+              <a:rPr lang="en-US" altLang="ko-KR" sz="1200" dirty="0" err="1" smtClean="0"/>
+              <a:t>process.env</a:t>
+            </a:r>
+            <a:r>
+              <a:rPr lang="en-US" altLang="ko-KR" sz="1200" dirty="0" smtClean="0"/>
+              <a:t>.</a:t>
+            </a:r>
+            <a:r>
+              <a:rPr lang="ko-KR" altLang="en-US" sz="1200" dirty="0" err="1" smtClean="0"/>
+              <a:t>환경변수명</a:t>
+            </a:r>
+            <a:r>
+              <a:rPr lang="ko-KR" altLang="en-US" sz="1200" dirty="0" smtClean="0"/>
+              <a:t> </a:t>
+            </a:r>
+            <a:r>
+              <a:rPr lang="en-US" altLang="ko-KR" sz="1200" dirty="0" smtClean="0"/>
+              <a:t>&gt; </a:t>
+            </a:r>
+            <a:r>
+              <a:rPr lang="ko-KR" altLang="en-US" sz="1200" dirty="0" smtClean="0"/>
+              <a:t>환경변수 </a:t>
+            </a:r>
+            <a:r>
+              <a:rPr lang="en-US" altLang="ko-KR" sz="1200" dirty="0" smtClean="0"/>
+              <a:t>Load</a:t>
+            </a:r>
+            <a:endParaRPr lang="ko-KR" altLang="en-US" sz="1200" dirty="0"/>
+          </a:p>
+        </p:txBody>
+      </p:sp>
+      <p:sp>
+        <p:nvSpPr>
+          <p:cNvPr id="8" name="직사각형 7"/>
           <p:cNvSpPr/>
           <p:nvPr/>
         </p:nvSpPr>
         <p:spPr>
           <a:xfrm>
-            <a:off x="1700262" y="1639691"/>
-            <a:ext cx="1383742" cy="194577"/>
+            <a:off x="276956" y="1565031"/>
+            <a:ext cx="1226529" cy="219807"/>
           </a:xfrm>
           <a:prstGeom prst="rect">
             <a:avLst/>
@@ -9277,13 +8700,59 @@
       </p:sp>
       <p:sp>
         <p:nvSpPr>
-          <p:cNvPr id="15" name="타원 14"/>
+          <p:cNvPr id="11" name="직사각형 10"/>
           <p:cNvSpPr/>
           <p:nvPr/>
         </p:nvSpPr>
         <p:spPr>
           <a:xfrm>
-            <a:off x="1178169" y="854261"/>
+            <a:off x="2338755" y="3015970"/>
+            <a:ext cx="2110153" cy="245976"/>
+          </a:xfrm>
+          <a:prstGeom prst="rect">
+            <a:avLst/>
+          </a:prstGeom>
+          <a:noFill/>
+          <a:ln w="38100">
+            <a:solidFill>
+              <a:srgbClr val="00B0F0"/>
+            </a:solidFill>
+          </a:ln>
+        </p:spPr>
+        <p:style>
+          <a:lnRef idx="2">
+            <a:schemeClr val="accent1">
+              <a:shade val="50000"/>
+            </a:schemeClr>
+          </a:lnRef>
+          <a:fillRef idx="1">
+            <a:schemeClr val="accent1"/>
+          </a:fillRef>
+          <a:effectRef idx="0">
+            <a:schemeClr val="accent1"/>
+          </a:effectRef>
+          <a:fontRef idx="minor">
+            <a:schemeClr val="lt1"/>
+          </a:fontRef>
+        </p:style>
+        <p:txBody>
+          <a:bodyPr rtlCol="0" anchor="ctr"/>
+          <a:lstStyle/>
+          <a:p>
+            <a:pPr algn="ctr"/>
+            <a:endParaRPr lang="ko-KR" altLang="en-US"/>
+          </a:p>
+        </p:txBody>
+      </p:sp>
+      <p:sp>
+        <p:nvSpPr>
+          <p:cNvPr id="3" name="타원 2"/>
+          <p:cNvSpPr/>
+          <p:nvPr/>
+        </p:nvSpPr>
+        <p:spPr>
+          <a:xfrm>
+            <a:off x="2508644" y="854260"/>
             <a:ext cx="211016" cy="209608"/>
           </a:xfrm>
           <a:prstGeom prst="ellipse">
@@ -9331,13 +8800,13 @@
       </p:sp>
       <p:sp>
         <p:nvSpPr>
-          <p:cNvPr id="17" name="타원 16"/>
+          <p:cNvPr id="12" name="타원 11"/>
           <p:cNvSpPr/>
           <p:nvPr/>
         </p:nvSpPr>
         <p:spPr>
           <a:xfrm>
-            <a:off x="1389185" y="1621952"/>
+            <a:off x="1623739" y="1575230"/>
             <a:ext cx="211016" cy="209608"/>
           </a:xfrm>
           <a:prstGeom prst="ellipse">
@@ -9383,10 +8852,148 @@
           </a:p>
         </p:txBody>
       </p:sp>
+      <p:sp>
+        <p:nvSpPr>
+          <p:cNvPr id="13" name="타원 12"/>
+          <p:cNvSpPr/>
+          <p:nvPr/>
+        </p:nvSpPr>
+        <p:spPr>
+          <a:xfrm>
+            <a:off x="1981390" y="3015970"/>
+            <a:ext cx="211016" cy="209608"/>
+          </a:xfrm>
+          <a:prstGeom prst="ellipse">
+            <a:avLst/>
+          </a:prstGeom>
+          <a:solidFill>
+            <a:schemeClr val="accent1">
+              <a:lumMod val="50000"/>
+            </a:schemeClr>
+          </a:solidFill>
+          <a:ln w="28575">
+            <a:solidFill>
+              <a:srgbClr val="00B0F0"/>
+            </a:solidFill>
+          </a:ln>
+        </p:spPr>
+        <p:style>
+          <a:lnRef idx="2">
+            <a:schemeClr val="accent1">
+              <a:shade val="50000"/>
+            </a:schemeClr>
+          </a:lnRef>
+          <a:fillRef idx="1">
+            <a:schemeClr val="accent1"/>
+          </a:fillRef>
+          <a:effectRef idx="0">
+            <a:schemeClr val="accent1"/>
+          </a:effectRef>
+          <a:fontRef idx="minor">
+            <a:schemeClr val="lt1"/>
+          </a:fontRef>
+        </p:style>
+        <p:txBody>
+          <a:bodyPr rtlCol="0" anchor="ctr"/>
+          <a:lstStyle/>
+          <a:p>
+            <a:pPr algn="ctr"/>
+            <a:r>
+              <a:rPr lang="en-US" altLang="ko-KR" sz="1050" dirty="0" smtClean="0"/>
+              <a:t>3</a:t>
+            </a:r>
+            <a:endParaRPr lang="ko-KR" altLang="en-US" sz="1050" dirty="0"/>
+          </a:p>
+        </p:txBody>
+      </p:sp>
+      <p:cxnSp>
+        <p:nvCxnSpPr>
+          <p:cNvPr id="14" name="직선 화살표 연결선 13"/>
+          <p:cNvCxnSpPr>
+            <a:stCxn id="2" idx="3"/>
+          </p:cNvCxnSpPr>
+          <p:nvPr/>
+        </p:nvCxnSpPr>
+        <p:spPr>
+          <a:xfrm>
+            <a:off x="4806273" y="3033769"/>
+            <a:ext cx="1225250" cy="0"/>
+          </a:xfrm>
+          <a:prstGeom prst="straightConnector1">
+            <a:avLst/>
+          </a:prstGeom>
+          <a:ln w="28575">
+            <a:solidFill>
+              <a:srgbClr val="00B0F0"/>
+            </a:solidFill>
+            <a:tailEnd type="triangle"/>
+          </a:ln>
+        </p:spPr>
+        <p:style>
+          <a:lnRef idx="1">
+            <a:schemeClr val="accent1"/>
+          </a:lnRef>
+          <a:fillRef idx="0">
+            <a:schemeClr val="accent1"/>
+          </a:fillRef>
+          <a:effectRef idx="0">
+            <a:schemeClr val="accent1"/>
+          </a:effectRef>
+          <a:fontRef idx="minor">
+            <a:schemeClr val="tx1"/>
+          </a:fontRef>
+        </p:style>
+      </p:cxnSp>
+      <p:sp>
+        <p:nvSpPr>
+          <p:cNvPr id="15" name="직사각형 14"/>
+          <p:cNvSpPr/>
+          <p:nvPr/>
+        </p:nvSpPr>
+        <p:spPr>
+          <a:xfrm>
+            <a:off x="211015" y="854260"/>
+            <a:ext cx="4595258" cy="4359018"/>
+          </a:xfrm>
+          <a:prstGeom prst="rect">
+            <a:avLst/>
+          </a:prstGeom>
+          <a:noFill/>
+          <a:ln w="38100">
+            <a:solidFill>
+              <a:srgbClr val="00B0F0"/>
+            </a:solidFill>
+          </a:ln>
+        </p:spPr>
+        <p:style>
+          <a:lnRef idx="2">
+            <a:schemeClr val="accent1">
+              <a:shade val="50000"/>
+            </a:schemeClr>
+          </a:lnRef>
+          <a:fillRef idx="1">
+            <a:schemeClr val="accent1"/>
+          </a:fillRef>
+          <a:effectRef idx="0">
+            <a:schemeClr val="accent1"/>
+          </a:effectRef>
+          <a:fontRef idx="minor">
+            <a:schemeClr val="lt1"/>
+          </a:fontRef>
+        </p:style>
+        <p:txBody>
+          <a:bodyPr rtlCol="0" anchor="ctr"/>
+          <a:lstStyle/>
+          <a:p>
+            <a:pPr algn="ctr"/>
+            <a:endParaRPr lang="ko-KR" altLang="en-US"/>
+          </a:p>
+        </p:txBody>
+      </p:sp>
     </p:spTree>
     <p:extLst>
       <p:ext uri="{BB962C8B-B14F-4D97-AF65-F5344CB8AC3E}">
-        <p14:creationId xmlns:p14="http://schemas.microsoft.com/office/powerpoint/2010/main" val="2969654916"/>
+        <p14:creationId xmlns:p14="http://schemas.microsoft.com/office/powerpoint/2010/main" val="963980080"/>
       </p:ext>
     </p:extLst>
   </p:cSld>
@@ -9537,6 +9144,948 @@
     <p:extLst>
       <p:ext uri="{BB962C8B-B14F-4D97-AF65-F5344CB8AC3E}">
         <p14:creationId xmlns:p14="http://schemas.microsoft.com/office/powerpoint/2010/main" val="2773681953"/>
+      </p:ext>
+    </p:extLst>
+  </p:cSld>
+  <p:clrMapOvr>
+    <a:masterClrMapping/>
+  </p:clrMapOvr>
+</p:sld>
+</file>
+
+<file path=ppt/slides/slide30.xml><?xml version="1.0" encoding="utf-8"?>
+<p:sld xmlns:a="http://schemas.openxmlformats.org/drawingml/2006/main" xmlns:r="http://schemas.openxmlformats.org/officeDocument/2006/relationships" xmlns:p="http://schemas.openxmlformats.org/presentationml/2006/main">
+  <p:cSld>
+    <p:spTree>
+      <p:nvGrpSpPr>
+        <p:cNvPr id="1" name=""/>
+        <p:cNvGrpSpPr/>
+        <p:nvPr/>
+      </p:nvGrpSpPr>
+      <p:grpSpPr>
+        <a:xfrm>
+          <a:off x="0" y="0"/>
+          <a:ext cx="0" cy="0"/>
+          <a:chOff x="0" y="0"/>
+          <a:chExt cx="0" cy="0"/>
+        </a:xfrm>
+      </p:grpSpPr>
+      <p:pic>
+        <p:nvPicPr>
+          <p:cNvPr id="4" name="그림 3"/>
+          <p:cNvPicPr>
+            <a:picLocks noChangeAspect="1"/>
+          </p:cNvPicPr>
+          <p:nvPr/>
+        </p:nvPicPr>
+        <p:blipFill>
+          <a:blip r:embed="rId2"/>
+          <a:stretch>
+            <a:fillRect/>
+          </a:stretch>
+        </p:blipFill>
+        <p:spPr>
+          <a:xfrm>
+            <a:off x="226157" y="851463"/>
+            <a:ext cx="2232853" cy="457240"/>
+          </a:xfrm>
+          <a:prstGeom prst="rect">
+            <a:avLst/>
+          </a:prstGeom>
+        </p:spPr>
+      </p:pic>
+      <p:sp>
+        <p:nvSpPr>
+          <p:cNvPr id="5" name="TextBox 4"/>
+          <p:cNvSpPr txBox="1"/>
+          <p:nvPr/>
+        </p:nvSpPr>
+        <p:spPr>
+          <a:xfrm>
+            <a:off x="211015" y="228600"/>
+            <a:ext cx="11764108" cy="369332"/>
+          </a:xfrm>
+          <a:prstGeom prst="rect">
+            <a:avLst/>
+          </a:prstGeom>
+          <a:noFill/>
+        </p:spPr>
+        <p:txBody>
+          <a:bodyPr wrap="square" rtlCol="0">
+            <a:spAutoFit/>
+          </a:bodyPr>
+          <a:lstStyle/>
+          <a:p>
+            <a:r>
+              <a:rPr lang="en-US" altLang="ko-KR" dirty="0" smtClean="0"/>
+              <a:t>1.4. </a:t>
+            </a:r>
+            <a:r>
+              <a:rPr lang="ko-KR" altLang="en-US" dirty="0" smtClean="0"/>
+              <a:t>추가된 환경 변수 확인 </a:t>
+            </a:r>
+            <a:r>
+              <a:rPr lang="en-US" altLang="ko-KR" dirty="0" smtClean="0"/>
+              <a:t>(</a:t>
+            </a:r>
+            <a:r>
+              <a:rPr lang="ko-KR" altLang="en-US" dirty="0" smtClean="0"/>
+              <a:t>개발</a:t>
+            </a:r>
+            <a:r>
+              <a:rPr lang="en-US" altLang="ko-KR" dirty="0" smtClean="0"/>
+              <a:t>)</a:t>
+            </a:r>
+            <a:endParaRPr lang="ko-KR" altLang="en-US" dirty="0"/>
+          </a:p>
+        </p:txBody>
+      </p:sp>
+      <p:sp>
+        <p:nvSpPr>
+          <p:cNvPr id="7" name="직사각형 6"/>
+          <p:cNvSpPr/>
+          <p:nvPr/>
+        </p:nvSpPr>
+        <p:spPr>
+          <a:xfrm>
+            <a:off x="1696915" y="870474"/>
+            <a:ext cx="784712" cy="193395"/>
+          </a:xfrm>
+          <a:prstGeom prst="rect">
+            <a:avLst/>
+          </a:prstGeom>
+          <a:noFill/>
+          <a:ln w="38100">
+            <a:solidFill>
+              <a:srgbClr val="00B0F0"/>
+            </a:solidFill>
+          </a:ln>
+        </p:spPr>
+        <p:style>
+          <a:lnRef idx="2">
+            <a:schemeClr val="accent1">
+              <a:shade val="50000"/>
+            </a:schemeClr>
+          </a:lnRef>
+          <a:fillRef idx="1">
+            <a:schemeClr val="accent1"/>
+          </a:fillRef>
+          <a:effectRef idx="0">
+            <a:schemeClr val="accent1"/>
+          </a:effectRef>
+          <a:fontRef idx="minor">
+            <a:schemeClr val="lt1"/>
+          </a:fontRef>
+        </p:style>
+        <p:txBody>
+          <a:bodyPr rtlCol="0" anchor="ctr"/>
+          <a:lstStyle/>
+          <a:p>
+            <a:pPr algn="ctr"/>
+            <a:endParaRPr lang="ko-KR" altLang="en-US"/>
+          </a:p>
+        </p:txBody>
+      </p:sp>
+      <p:sp>
+        <p:nvSpPr>
+          <p:cNvPr id="10" name="TextBox 9"/>
+          <p:cNvSpPr txBox="1"/>
+          <p:nvPr/>
+        </p:nvSpPr>
+        <p:spPr>
+          <a:xfrm>
+            <a:off x="6180992" y="764030"/>
+            <a:ext cx="5882054" cy="333617"/>
+          </a:xfrm>
+          <a:prstGeom prst="rect">
+            <a:avLst/>
+          </a:prstGeom>
+          <a:noFill/>
+        </p:spPr>
+        <p:txBody>
+          <a:bodyPr wrap="square" rtlCol="0">
+            <a:spAutoFit/>
+          </a:bodyPr>
+          <a:lstStyle/>
+          <a:p>
+            <a:pPr algn="just">
+              <a:lnSpc>
+                <a:spcPct val="150000"/>
+              </a:lnSpc>
+            </a:pPr>
+            <a:r>
+              <a:rPr lang="ko-KR" altLang="en-US" sz="1200" dirty="0" smtClean="0"/>
+              <a:t>개발 환경에서 환경변수를 확인하기 위해 </a:t>
+            </a:r>
+            <a:r>
+              <a:rPr lang="en-US" altLang="ko-KR" sz="1200" dirty="0" err="1" smtClean="0"/>
+              <a:t>npm</a:t>
+            </a:r>
+            <a:r>
+              <a:rPr lang="en-US" altLang="ko-KR" sz="1200" dirty="0" smtClean="0"/>
+              <a:t> start</a:t>
+            </a:r>
+            <a:r>
+              <a:rPr lang="ko-KR" altLang="en-US" sz="1200" dirty="0"/>
+              <a:t> </a:t>
+            </a:r>
+            <a:r>
+              <a:rPr lang="ko-KR" altLang="en-US" sz="1200" dirty="0" smtClean="0"/>
+              <a:t>명령어를 실행하면 됨</a:t>
+            </a:r>
+            <a:r>
+              <a:rPr lang="en-US" altLang="ko-KR" sz="1200" dirty="0" smtClean="0"/>
+              <a:t>.</a:t>
+            </a:r>
+            <a:endParaRPr lang="ko-KR" altLang="en-US" sz="1200" dirty="0"/>
+          </a:p>
+        </p:txBody>
+      </p:sp>
+      <p:cxnSp>
+        <p:nvCxnSpPr>
+          <p:cNvPr id="14" name="직선 화살표 연결선 13"/>
+          <p:cNvCxnSpPr/>
+          <p:nvPr/>
+        </p:nvCxnSpPr>
+        <p:spPr>
+          <a:xfrm>
+            <a:off x="2481627" y="967576"/>
+            <a:ext cx="3699365" cy="0"/>
+          </a:xfrm>
+          <a:prstGeom prst="straightConnector1">
+            <a:avLst/>
+          </a:prstGeom>
+          <a:ln w="28575">
+            <a:solidFill>
+              <a:srgbClr val="00B0F0"/>
+            </a:solidFill>
+            <a:tailEnd type="triangle"/>
+          </a:ln>
+        </p:spPr>
+        <p:style>
+          <a:lnRef idx="1">
+            <a:schemeClr val="accent1"/>
+          </a:lnRef>
+          <a:fillRef idx="0">
+            <a:schemeClr val="accent1"/>
+          </a:fillRef>
+          <a:effectRef idx="0">
+            <a:schemeClr val="accent1"/>
+          </a:effectRef>
+          <a:fontRef idx="minor">
+            <a:schemeClr val="tx1"/>
+          </a:fontRef>
+        </p:style>
+      </p:cxnSp>
+      <p:pic>
+        <p:nvPicPr>
+          <p:cNvPr id="9" name="그림 8"/>
+          <p:cNvPicPr>
+            <a:picLocks noChangeAspect="1"/>
+          </p:cNvPicPr>
+          <p:nvPr/>
+        </p:nvPicPr>
+        <p:blipFill>
+          <a:blip r:embed="rId3"/>
+          <a:stretch>
+            <a:fillRect/>
+          </a:stretch>
+        </p:blipFill>
+        <p:spPr>
+          <a:xfrm>
+            <a:off x="211015" y="1581245"/>
+            <a:ext cx="7228392" cy="3877731"/>
+          </a:xfrm>
+          <a:prstGeom prst="rect">
+            <a:avLst/>
+          </a:prstGeom>
+        </p:spPr>
+      </p:pic>
+      <p:sp>
+        <p:nvSpPr>
+          <p:cNvPr id="16" name="직사각형 15"/>
+          <p:cNvSpPr/>
+          <p:nvPr/>
+        </p:nvSpPr>
+        <p:spPr>
+          <a:xfrm>
+            <a:off x="226157" y="870474"/>
+            <a:ext cx="2255470" cy="430719"/>
+          </a:xfrm>
+          <a:prstGeom prst="rect">
+            <a:avLst/>
+          </a:prstGeom>
+          <a:noFill/>
+          <a:ln w="38100">
+            <a:solidFill>
+              <a:srgbClr val="00B0F0"/>
+            </a:solidFill>
+          </a:ln>
+        </p:spPr>
+        <p:style>
+          <a:lnRef idx="2">
+            <a:schemeClr val="accent1">
+              <a:shade val="50000"/>
+            </a:schemeClr>
+          </a:lnRef>
+          <a:fillRef idx="1">
+            <a:schemeClr val="accent1"/>
+          </a:fillRef>
+          <a:effectRef idx="0">
+            <a:schemeClr val="accent1"/>
+          </a:effectRef>
+          <a:fontRef idx="minor">
+            <a:schemeClr val="lt1"/>
+          </a:fontRef>
+        </p:style>
+        <p:txBody>
+          <a:bodyPr rtlCol="0" anchor="ctr"/>
+          <a:lstStyle/>
+          <a:p>
+            <a:pPr algn="ctr"/>
+            <a:endParaRPr lang="ko-KR" altLang="en-US"/>
+          </a:p>
+        </p:txBody>
+      </p:sp>
+      <p:sp>
+        <p:nvSpPr>
+          <p:cNvPr id="20" name="직사각형 19"/>
+          <p:cNvSpPr/>
+          <p:nvPr/>
+        </p:nvSpPr>
+        <p:spPr>
+          <a:xfrm>
+            <a:off x="2857500" y="4000500"/>
+            <a:ext cx="1925515" cy="263769"/>
+          </a:xfrm>
+          <a:prstGeom prst="rect">
+            <a:avLst/>
+          </a:prstGeom>
+          <a:noFill/>
+          <a:ln w="38100">
+            <a:solidFill>
+              <a:srgbClr val="00B0F0"/>
+            </a:solidFill>
+          </a:ln>
+        </p:spPr>
+        <p:style>
+          <a:lnRef idx="2">
+            <a:schemeClr val="accent1">
+              <a:shade val="50000"/>
+            </a:schemeClr>
+          </a:lnRef>
+          <a:fillRef idx="1">
+            <a:schemeClr val="accent1"/>
+          </a:fillRef>
+          <a:effectRef idx="0">
+            <a:schemeClr val="accent1"/>
+          </a:effectRef>
+          <a:fontRef idx="minor">
+            <a:schemeClr val="lt1"/>
+          </a:fontRef>
+        </p:style>
+        <p:txBody>
+          <a:bodyPr rtlCol="0" anchor="ctr"/>
+          <a:lstStyle/>
+          <a:p>
+            <a:pPr algn="ctr"/>
+            <a:endParaRPr lang="ko-KR" altLang="en-US"/>
+          </a:p>
+        </p:txBody>
+      </p:sp>
+      <p:cxnSp>
+        <p:nvCxnSpPr>
+          <p:cNvPr id="22" name="꺾인 연결선 21"/>
+          <p:cNvCxnSpPr>
+            <a:stCxn id="16" idx="2"/>
+            <a:endCxn id="20" idx="0"/>
+          </p:cNvCxnSpPr>
+          <p:nvPr/>
+        </p:nvCxnSpPr>
+        <p:spPr>
+          <a:xfrm rot="16200000" flipH="1">
+            <a:off x="1237422" y="1417663"/>
+            <a:ext cx="2699307" cy="2466366"/>
+          </a:xfrm>
+          <a:prstGeom prst="bentConnector3">
+            <a:avLst/>
+          </a:prstGeom>
+          <a:ln w="28575">
+            <a:solidFill>
+              <a:srgbClr val="00B0F0"/>
+            </a:solidFill>
+            <a:tailEnd type="triangle"/>
+          </a:ln>
+        </p:spPr>
+        <p:style>
+          <a:lnRef idx="1">
+            <a:schemeClr val="accent1"/>
+          </a:lnRef>
+          <a:fillRef idx="0">
+            <a:schemeClr val="accent1"/>
+          </a:fillRef>
+          <a:effectRef idx="0">
+            <a:schemeClr val="accent1"/>
+          </a:effectRef>
+          <a:fontRef idx="minor">
+            <a:schemeClr val="tx1"/>
+          </a:fontRef>
+        </p:style>
+      </p:cxnSp>
+    </p:spTree>
+    <p:extLst>
+      <p:ext uri="{BB962C8B-B14F-4D97-AF65-F5344CB8AC3E}">
+        <p14:creationId xmlns:p14="http://schemas.microsoft.com/office/powerpoint/2010/main" val="3985936416"/>
+      </p:ext>
+    </p:extLst>
+  </p:cSld>
+  <p:clrMapOvr>
+    <a:masterClrMapping/>
+  </p:clrMapOvr>
+</p:sld>
+</file>
+
+<file path=ppt/slides/slide31.xml><?xml version="1.0" encoding="utf-8"?>
+<p:sld xmlns:a="http://schemas.openxmlformats.org/drawingml/2006/main" xmlns:r="http://schemas.openxmlformats.org/officeDocument/2006/relationships" xmlns:p="http://schemas.openxmlformats.org/presentationml/2006/main">
+  <p:cSld>
+    <p:spTree>
+      <p:nvGrpSpPr>
+        <p:cNvPr id="1" name=""/>
+        <p:cNvGrpSpPr/>
+        <p:nvPr/>
+      </p:nvGrpSpPr>
+      <p:grpSpPr>
+        <a:xfrm>
+          <a:off x="0" y="0"/>
+          <a:ext cx="0" cy="0"/>
+          <a:chOff x="0" y="0"/>
+          <a:chExt cx="0" cy="0"/>
+        </a:xfrm>
+      </p:grpSpPr>
+      <p:pic>
+        <p:nvPicPr>
+          <p:cNvPr id="8" name="그림 7"/>
+          <p:cNvPicPr>
+            <a:picLocks noChangeAspect="1"/>
+          </p:cNvPicPr>
+          <p:nvPr/>
+        </p:nvPicPr>
+        <p:blipFill>
+          <a:blip r:embed="rId2"/>
+          <a:stretch>
+            <a:fillRect/>
+          </a:stretch>
+        </p:blipFill>
+        <p:spPr>
+          <a:xfrm>
+            <a:off x="1283677" y="2111612"/>
+            <a:ext cx="7233440" cy="3880439"/>
+          </a:xfrm>
+          <a:prstGeom prst="rect">
+            <a:avLst/>
+          </a:prstGeom>
+        </p:spPr>
+      </p:pic>
+      <p:pic>
+        <p:nvPicPr>
+          <p:cNvPr id="3" name="그림 2"/>
+          <p:cNvPicPr>
+            <a:picLocks noChangeAspect="1"/>
+          </p:cNvPicPr>
+          <p:nvPr/>
+        </p:nvPicPr>
+        <p:blipFill>
+          <a:blip r:embed="rId3"/>
+          <a:stretch>
+            <a:fillRect/>
+          </a:stretch>
+        </p:blipFill>
+        <p:spPr>
+          <a:xfrm>
+            <a:off x="211015" y="1604466"/>
+            <a:ext cx="2872989" cy="457240"/>
+          </a:xfrm>
+          <a:prstGeom prst="rect">
+            <a:avLst/>
+          </a:prstGeom>
+        </p:spPr>
+      </p:pic>
+      <p:pic>
+        <p:nvPicPr>
+          <p:cNvPr id="2" name="그림 1"/>
+          <p:cNvPicPr>
+            <a:picLocks noChangeAspect="1"/>
+          </p:cNvPicPr>
+          <p:nvPr/>
+        </p:nvPicPr>
+        <p:blipFill>
+          <a:blip r:embed="rId4"/>
+          <a:stretch>
+            <a:fillRect/>
+          </a:stretch>
+        </p:blipFill>
+        <p:spPr>
+          <a:xfrm>
+            <a:off x="226158" y="889706"/>
+            <a:ext cx="2255470" cy="403965"/>
+          </a:xfrm>
+          <a:prstGeom prst="rect">
+            <a:avLst/>
+          </a:prstGeom>
+        </p:spPr>
+      </p:pic>
+      <p:sp>
+        <p:nvSpPr>
+          <p:cNvPr id="5" name="TextBox 4"/>
+          <p:cNvSpPr txBox="1"/>
+          <p:nvPr/>
+        </p:nvSpPr>
+        <p:spPr>
+          <a:xfrm>
+            <a:off x="211015" y="228600"/>
+            <a:ext cx="11764108" cy="369332"/>
+          </a:xfrm>
+          <a:prstGeom prst="rect">
+            <a:avLst/>
+          </a:prstGeom>
+          <a:noFill/>
+        </p:spPr>
+        <p:txBody>
+          <a:bodyPr wrap="square" rtlCol="0">
+            <a:spAutoFit/>
+          </a:bodyPr>
+          <a:lstStyle/>
+          <a:p>
+            <a:r>
+              <a:rPr lang="en-US" altLang="ko-KR" dirty="0" smtClean="0"/>
+              <a:t>1.4. </a:t>
+            </a:r>
+            <a:r>
+              <a:rPr lang="ko-KR" altLang="en-US" dirty="0" smtClean="0"/>
+              <a:t>추가된 환경 변수 확인 </a:t>
+            </a:r>
+            <a:r>
+              <a:rPr lang="en-US" altLang="ko-KR" dirty="0" smtClean="0"/>
+              <a:t>(</a:t>
+            </a:r>
+            <a:r>
+              <a:rPr lang="ko-KR" altLang="en-US" dirty="0" smtClean="0"/>
+              <a:t>운영</a:t>
+            </a:r>
+            <a:r>
+              <a:rPr lang="en-US" altLang="ko-KR" dirty="0" smtClean="0"/>
+              <a:t>)</a:t>
+            </a:r>
+            <a:endParaRPr lang="ko-KR" altLang="en-US" dirty="0"/>
+          </a:p>
+        </p:txBody>
+      </p:sp>
+      <p:sp>
+        <p:nvSpPr>
+          <p:cNvPr id="10" name="TextBox 9"/>
+          <p:cNvSpPr txBox="1"/>
+          <p:nvPr/>
+        </p:nvSpPr>
+        <p:spPr>
+          <a:xfrm>
+            <a:off x="3206972" y="754435"/>
+            <a:ext cx="5882054" cy="923330"/>
+          </a:xfrm>
+          <a:prstGeom prst="rect">
+            <a:avLst/>
+          </a:prstGeom>
+          <a:noFill/>
+        </p:spPr>
+        <p:txBody>
+          <a:bodyPr wrap="square" rtlCol="0">
+            <a:spAutoFit/>
+          </a:bodyPr>
+          <a:lstStyle/>
+          <a:p>
+            <a:pPr algn="just">
+              <a:lnSpc>
+                <a:spcPct val="150000"/>
+              </a:lnSpc>
+            </a:pPr>
+            <a:r>
+              <a:rPr lang="ko-KR" altLang="en-US" sz="1200" dirty="0" smtClean="0"/>
+              <a:t>운영 환경에서 환경변수를 확인하기 위해서</a:t>
+            </a:r>
+            <a:endParaRPr lang="en-US" altLang="ko-KR" sz="1200" dirty="0"/>
+          </a:p>
+          <a:p>
+            <a:pPr algn="just">
+              <a:lnSpc>
+                <a:spcPct val="150000"/>
+              </a:lnSpc>
+            </a:pPr>
+            <a:r>
+              <a:rPr lang="ko-KR" altLang="en-US" sz="1200" dirty="0" smtClean="0"/>
+              <a:t>① </a:t>
+            </a:r>
+            <a:r>
+              <a:rPr lang="en-US" altLang="ko-KR" sz="1200" dirty="0" err="1" smtClean="0"/>
+              <a:t>npm</a:t>
+            </a:r>
+            <a:r>
+              <a:rPr lang="en-US" altLang="ko-KR" sz="1200" dirty="0" smtClean="0"/>
+              <a:t> run build &gt; </a:t>
+            </a:r>
+            <a:r>
+              <a:rPr lang="ko-KR" altLang="en-US" sz="1200" dirty="0" smtClean="0"/>
+              <a:t>개발과 달리 먼저 </a:t>
+            </a:r>
+            <a:r>
+              <a:rPr lang="en-US" altLang="ko-KR" sz="1200" dirty="0" smtClean="0"/>
+              <a:t>build</a:t>
+            </a:r>
+            <a:r>
+              <a:rPr lang="ko-KR" altLang="en-US" sz="1200" dirty="0" smtClean="0"/>
+              <a:t>를 실행하여야 한다</a:t>
+            </a:r>
+            <a:r>
+              <a:rPr lang="en-US" altLang="ko-KR" sz="1200" dirty="0" smtClean="0"/>
+              <a:t>.</a:t>
+            </a:r>
+          </a:p>
+          <a:p>
+            <a:pPr algn="just">
+              <a:lnSpc>
+                <a:spcPct val="150000"/>
+              </a:lnSpc>
+            </a:pPr>
+            <a:r>
+              <a:rPr lang="ko-KR" altLang="en-US" sz="1200" dirty="0" smtClean="0"/>
+              <a:t>② 빌드 후 </a:t>
+            </a:r>
+            <a:r>
+              <a:rPr lang="en-US" altLang="ko-KR" sz="1200" dirty="0" smtClean="0"/>
+              <a:t>&gt; </a:t>
+            </a:r>
+            <a:r>
+              <a:rPr lang="en-US" altLang="ko-KR" sz="1200" dirty="0" err="1" smtClean="0"/>
+              <a:t>npx</a:t>
+            </a:r>
+            <a:r>
+              <a:rPr lang="en-US" altLang="ko-KR" sz="1200" dirty="0" smtClean="0"/>
+              <a:t> serve –s build </a:t>
+            </a:r>
+            <a:r>
+              <a:rPr lang="ko-KR" altLang="en-US" sz="1200" dirty="0" smtClean="0"/>
+              <a:t>실행하고</a:t>
+            </a:r>
+            <a:r>
+              <a:rPr lang="en-US" altLang="ko-KR" sz="1200" dirty="0" smtClean="0"/>
+              <a:t>, </a:t>
+            </a:r>
+            <a:r>
+              <a:rPr lang="ko-KR" altLang="en-US" sz="1200" dirty="0" smtClean="0"/>
+              <a:t>포트는 </a:t>
+            </a:r>
+            <a:r>
+              <a:rPr lang="en-US" altLang="ko-KR" sz="1200" dirty="0" smtClean="0"/>
+              <a:t>5000</a:t>
+            </a:r>
+            <a:r>
+              <a:rPr lang="ko-KR" altLang="en-US" sz="1200" dirty="0" smtClean="0"/>
+              <a:t>번 이다</a:t>
+            </a:r>
+            <a:r>
+              <a:rPr lang="en-US" altLang="ko-KR" sz="1200" dirty="0" smtClean="0"/>
+              <a:t>.</a:t>
+            </a:r>
+            <a:endParaRPr lang="ko-KR" altLang="en-US" sz="1200" dirty="0"/>
+          </a:p>
+        </p:txBody>
+      </p:sp>
+      <p:sp>
+        <p:nvSpPr>
+          <p:cNvPr id="16" name="직사각형 15"/>
+          <p:cNvSpPr/>
+          <p:nvPr/>
+        </p:nvSpPr>
+        <p:spPr>
+          <a:xfrm>
+            <a:off x="1512153" y="870474"/>
+            <a:ext cx="969473" cy="193395"/>
+          </a:xfrm>
+          <a:prstGeom prst="rect">
+            <a:avLst/>
+          </a:prstGeom>
+          <a:noFill/>
+          <a:ln w="38100">
+            <a:solidFill>
+              <a:srgbClr val="00B0F0"/>
+            </a:solidFill>
+          </a:ln>
+        </p:spPr>
+        <p:style>
+          <a:lnRef idx="2">
+            <a:schemeClr val="accent1">
+              <a:shade val="50000"/>
+            </a:schemeClr>
+          </a:lnRef>
+          <a:fillRef idx="1">
+            <a:schemeClr val="accent1"/>
+          </a:fillRef>
+          <a:effectRef idx="0">
+            <a:schemeClr val="accent1"/>
+          </a:effectRef>
+          <a:fontRef idx="minor">
+            <a:schemeClr val="lt1"/>
+          </a:fontRef>
+        </p:style>
+        <p:txBody>
+          <a:bodyPr rtlCol="0" anchor="ctr"/>
+          <a:lstStyle/>
+          <a:p>
+            <a:pPr algn="ctr"/>
+            <a:endParaRPr lang="ko-KR" altLang="en-US"/>
+          </a:p>
+        </p:txBody>
+      </p:sp>
+      <p:sp>
+        <p:nvSpPr>
+          <p:cNvPr id="20" name="직사각형 19"/>
+          <p:cNvSpPr/>
+          <p:nvPr/>
+        </p:nvSpPr>
+        <p:spPr>
+          <a:xfrm>
+            <a:off x="3930162" y="4533576"/>
+            <a:ext cx="1925515" cy="263769"/>
+          </a:xfrm>
+          <a:prstGeom prst="rect">
+            <a:avLst/>
+          </a:prstGeom>
+          <a:noFill/>
+          <a:ln w="38100">
+            <a:solidFill>
+              <a:srgbClr val="00B0F0"/>
+            </a:solidFill>
+          </a:ln>
+        </p:spPr>
+        <p:style>
+          <a:lnRef idx="2">
+            <a:schemeClr val="accent1">
+              <a:shade val="50000"/>
+            </a:schemeClr>
+          </a:lnRef>
+          <a:fillRef idx="1">
+            <a:schemeClr val="accent1"/>
+          </a:fillRef>
+          <a:effectRef idx="0">
+            <a:schemeClr val="accent1"/>
+          </a:effectRef>
+          <a:fontRef idx="minor">
+            <a:schemeClr val="lt1"/>
+          </a:fontRef>
+        </p:style>
+        <p:txBody>
+          <a:bodyPr rtlCol="0" anchor="ctr"/>
+          <a:lstStyle/>
+          <a:p>
+            <a:pPr algn="ctr"/>
+            <a:endParaRPr lang="ko-KR" altLang="en-US"/>
+          </a:p>
+        </p:txBody>
+      </p:sp>
+      <p:cxnSp>
+        <p:nvCxnSpPr>
+          <p:cNvPr id="22" name="꺾인 연결선 21"/>
+          <p:cNvCxnSpPr>
+            <a:endCxn id="20" idx="0"/>
+          </p:cNvCxnSpPr>
+          <p:nvPr/>
+        </p:nvCxnSpPr>
+        <p:spPr>
+          <a:xfrm rot="16200000" flipH="1">
+            <a:off x="2310084" y="1950739"/>
+            <a:ext cx="2699307" cy="2466366"/>
+          </a:xfrm>
+          <a:prstGeom prst="bentConnector3">
+            <a:avLst/>
+          </a:prstGeom>
+          <a:ln w="28575">
+            <a:solidFill>
+              <a:srgbClr val="00B0F0"/>
+            </a:solidFill>
+            <a:tailEnd type="triangle"/>
+          </a:ln>
+        </p:spPr>
+        <p:style>
+          <a:lnRef idx="1">
+            <a:schemeClr val="accent1"/>
+          </a:lnRef>
+          <a:fillRef idx="0">
+            <a:schemeClr val="accent1"/>
+          </a:fillRef>
+          <a:effectRef idx="0">
+            <a:schemeClr val="accent1"/>
+          </a:effectRef>
+          <a:fontRef idx="minor">
+            <a:schemeClr val="tx1"/>
+          </a:fontRef>
+        </p:style>
+      </p:cxnSp>
+      <p:sp>
+        <p:nvSpPr>
+          <p:cNvPr id="13" name="직사각형 12"/>
+          <p:cNvSpPr/>
+          <p:nvPr/>
+        </p:nvSpPr>
+        <p:spPr>
+          <a:xfrm>
+            <a:off x="1700262" y="1639691"/>
+            <a:ext cx="1383742" cy="194577"/>
+          </a:xfrm>
+          <a:prstGeom prst="rect">
+            <a:avLst/>
+          </a:prstGeom>
+          <a:noFill/>
+          <a:ln w="38100">
+            <a:solidFill>
+              <a:srgbClr val="00B0F0"/>
+            </a:solidFill>
+          </a:ln>
+        </p:spPr>
+        <p:style>
+          <a:lnRef idx="2">
+            <a:schemeClr val="accent1">
+              <a:shade val="50000"/>
+            </a:schemeClr>
+          </a:lnRef>
+          <a:fillRef idx="1">
+            <a:schemeClr val="accent1"/>
+          </a:fillRef>
+          <a:effectRef idx="0">
+            <a:schemeClr val="accent1"/>
+          </a:effectRef>
+          <a:fontRef idx="minor">
+            <a:schemeClr val="lt1"/>
+          </a:fontRef>
+        </p:style>
+        <p:txBody>
+          <a:bodyPr rtlCol="0" anchor="ctr"/>
+          <a:lstStyle/>
+          <a:p>
+            <a:pPr algn="ctr"/>
+            <a:endParaRPr lang="ko-KR" altLang="en-US"/>
+          </a:p>
+        </p:txBody>
+      </p:sp>
+      <p:sp>
+        <p:nvSpPr>
+          <p:cNvPr id="15" name="타원 14"/>
+          <p:cNvSpPr/>
+          <p:nvPr/>
+        </p:nvSpPr>
+        <p:spPr>
+          <a:xfrm>
+            <a:off x="1178169" y="854261"/>
+            <a:ext cx="211016" cy="209608"/>
+          </a:xfrm>
+          <a:prstGeom prst="ellipse">
+            <a:avLst/>
+          </a:prstGeom>
+          <a:solidFill>
+            <a:schemeClr val="accent1">
+              <a:lumMod val="50000"/>
+            </a:schemeClr>
+          </a:solidFill>
+          <a:ln w="28575">
+            <a:solidFill>
+              <a:srgbClr val="00B0F0"/>
+            </a:solidFill>
+          </a:ln>
+        </p:spPr>
+        <p:style>
+          <a:lnRef idx="2">
+            <a:schemeClr val="accent1">
+              <a:shade val="50000"/>
+            </a:schemeClr>
+          </a:lnRef>
+          <a:fillRef idx="1">
+            <a:schemeClr val="accent1"/>
+          </a:fillRef>
+          <a:effectRef idx="0">
+            <a:schemeClr val="accent1"/>
+          </a:effectRef>
+          <a:fontRef idx="minor">
+            <a:schemeClr val="lt1"/>
+          </a:fontRef>
+        </p:style>
+        <p:txBody>
+          <a:bodyPr rtlCol="0" anchor="ctr"/>
+          <a:lstStyle/>
+          <a:p>
+            <a:pPr algn="ctr"/>
+            <a:r>
+              <a:rPr lang="en-US" altLang="ko-KR" sz="1050" dirty="0" smtClean="0"/>
+              <a:t>1</a:t>
+            </a:r>
+            <a:endParaRPr lang="ko-KR" altLang="en-US" sz="1050" dirty="0"/>
+          </a:p>
+        </p:txBody>
+      </p:sp>
+      <p:sp>
+        <p:nvSpPr>
+          <p:cNvPr id="17" name="타원 16"/>
+          <p:cNvSpPr/>
+          <p:nvPr/>
+        </p:nvSpPr>
+        <p:spPr>
+          <a:xfrm>
+            <a:off x="1389185" y="1621952"/>
+            <a:ext cx="211016" cy="209608"/>
+          </a:xfrm>
+          <a:prstGeom prst="ellipse">
+            <a:avLst/>
+          </a:prstGeom>
+          <a:solidFill>
+            <a:schemeClr val="accent1">
+              <a:lumMod val="50000"/>
+            </a:schemeClr>
+          </a:solidFill>
+          <a:ln w="28575">
+            <a:solidFill>
+              <a:srgbClr val="00B0F0"/>
+            </a:solidFill>
+          </a:ln>
+        </p:spPr>
+        <p:style>
+          <a:lnRef idx="2">
+            <a:schemeClr val="accent1">
+              <a:shade val="50000"/>
+            </a:schemeClr>
+          </a:lnRef>
+          <a:fillRef idx="1">
+            <a:schemeClr val="accent1"/>
+          </a:fillRef>
+          <a:effectRef idx="0">
+            <a:schemeClr val="accent1"/>
+          </a:effectRef>
+          <a:fontRef idx="minor">
+            <a:schemeClr val="lt1"/>
+          </a:fontRef>
+        </p:style>
+        <p:txBody>
+          <a:bodyPr rtlCol="0" anchor="ctr"/>
+          <a:lstStyle/>
+          <a:p>
+            <a:pPr algn="ctr"/>
+            <a:r>
+              <a:rPr lang="en-US" altLang="ko-KR" sz="1050" dirty="0" smtClean="0"/>
+              <a:t>2</a:t>
+            </a:r>
+            <a:endParaRPr lang="ko-KR" altLang="en-US" sz="1050" dirty="0"/>
+          </a:p>
+        </p:txBody>
+      </p:sp>
+    </p:spTree>
+    <p:extLst>
+      <p:ext uri="{BB962C8B-B14F-4D97-AF65-F5344CB8AC3E}">
+        <p14:creationId xmlns:p14="http://schemas.microsoft.com/office/powerpoint/2010/main" val="2969654916"/>
       </p:ext>
     </p:extLst>
   </p:cSld>
@@ -10484,7 +11033,19 @@
           <a:p>
             <a:r>
               <a:rPr lang="en-US" altLang="ko-KR" dirty="0" smtClean="0"/>
-              <a:t>2. state</a:t>
+              <a:t>state</a:t>
+            </a:r>
+            <a:r>
+              <a:rPr lang="ko-KR" altLang="en-US" dirty="0" smtClean="0"/>
+              <a:t>로 </a:t>
+            </a:r>
+            <a:r>
+              <a:rPr lang="ko-KR" altLang="en-US" dirty="0" err="1" smtClean="0"/>
+              <a:t>상태값</a:t>
+            </a:r>
+            <a:r>
+              <a:rPr lang="ko-KR" altLang="en-US" dirty="0" smtClean="0"/>
+              <a:t> 관리</a:t>
             </a:r>
             <a:endParaRPr lang="ko-KR" altLang="en-US" dirty="0"/>
           </a:p>
@@ -10567,8 +11128,16 @@
           <a:lstStyle/>
           <a:p>
             <a:r>
+              <a:rPr lang="en-US" altLang="ko-KR" sz="2400" b="1" dirty="0"/>
+              <a:t>1</a:t>
+            </a:r>
+            <a:r>
               <a:rPr lang="en-US" altLang="ko-KR" sz="2400" b="1" dirty="0" smtClean="0"/>
-              <a:t>2.1. </a:t>
+              <a:t>.1</a:t>
+            </a:r>
+            <a:r>
+              <a:rPr lang="en-US" altLang="ko-KR" sz="2400" b="1" dirty="0" smtClean="0"/>
+              <a:t>. </a:t>
             </a:r>
             <a:r>
               <a:rPr lang="ko-KR" altLang="en-US" sz="2400" b="1" dirty="0" err="1" smtClean="0"/>
@@ -10913,7 +11482,11 @@
           <a:p>
             <a:r>
               <a:rPr lang="en-US" altLang="ko-KR" sz="2400" b="1" dirty="0" smtClean="0"/>
-              <a:t>2.2. </a:t>
+              <a:t>1.2</a:t>
+            </a:r>
+            <a:r>
+              <a:rPr lang="en-US" altLang="ko-KR" sz="2400" b="1" dirty="0" smtClean="0"/>
+              <a:t>. </a:t>
             </a:r>
             <a:r>
               <a:rPr lang="ko-KR" altLang="en-US" sz="2400" b="1" dirty="0" smtClean="0"/>
@@ -11502,12 +12075,12 @@
           <a:lstStyle/>
           <a:p>
             <a:r>
+              <a:rPr lang="en-US" altLang="ko-KR" dirty="0" err="1" smtClean="0"/>
+              <a:t>useEffect</a:t>
+            </a:r>
+            <a:r>
               <a:rPr lang="en-US" altLang="ko-KR" dirty="0" smtClean="0"/>
-              <a:t>3. </a:t>
-            </a:r>
-            <a:r>
-              <a:rPr lang="ko-KR" altLang="en-US" dirty="0" smtClean="0"/>
-              <a:t>라우터</a:t>
+              <a:t>()</a:t>
             </a:r>
             <a:endParaRPr lang="ko-KR" altLang="en-US" dirty="0"/>
           </a:p>
@@ -11516,7 +12089,7 @@
     </p:spTree>
     <p:extLst>
       <p:ext uri="{BB962C8B-B14F-4D97-AF65-F5344CB8AC3E}">
-        <p14:creationId xmlns:p14="http://schemas.microsoft.com/office/powerpoint/2010/main" val="3456050011"/>
+        <p14:creationId xmlns:p14="http://schemas.microsoft.com/office/powerpoint/2010/main" val="2056949054"/>
       </p:ext>
     </p:extLst>
   </p:cSld>

--- a/docs/리액트 정리.pptx
+++ b/docs/리액트 정리.pptx
@@ -25,17 +25,16 @@
     <p:sldId id="314" r:id="rId19"/>
     <p:sldId id="315" r:id="rId20"/>
     <p:sldId id="316" r:id="rId21"/>
-    <p:sldId id="313" r:id="rId22"/>
-    <p:sldId id="301" r:id="rId23"/>
-    <p:sldId id="311" r:id="rId24"/>
-    <p:sldId id="302" r:id="rId25"/>
-    <p:sldId id="303" r:id="rId26"/>
-    <p:sldId id="304" r:id="rId27"/>
-    <p:sldId id="305" r:id="rId28"/>
-    <p:sldId id="306" r:id="rId29"/>
-    <p:sldId id="307" r:id="rId30"/>
-    <p:sldId id="308" r:id="rId31"/>
-    <p:sldId id="309" r:id="rId32"/>
+    <p:sldId id="301" r:id="rId22"/>
+    <p:sldId id="311" r:id="rId23"/>
+    <p:sldId id="302" r:id="rId24"/>
+    <p:sldId id="303" r:id="rId25"/>
+    <p:sldId id="304" r:id="rId26"/>
+    <p:sldId id="305" r:id="rId27"/>
+    <p:sldId id="306" r:id="rId28"/>
+    <p:sldId id="307" r:id="rId29"/>
+    <p:sldId id="308" r:id="rId30"/>
+    <p:sldId id="309" r:id="rId31"/>
   </p:sldIdLst>
   <p:sldSz cx="12192000" cy="6858000"/>
   <p:notesSz cx="6858000" cy="9144000"/>
@@ -175,7 +174,6 @@
             <p14:sldId id="314"/>
             <p14:sldId id="315"/>
             <p14:sldId id="316"/>
-            <p14:sldId id="313"/>
           </p14:sldIdLst>
         </p14:section>
         <p14:section name="기타" id="{03FECB1B-B200-4F52-BFAE-1D31F8AF6067}">
@@ -332,7 +330,7 @@
           <a:p>
             <a:fld id="{4487A7D5-BEB9-4F0F-96DA-B93C3377B38E}" type="datetimeFigureOut">
               <a:rPr lang="ko-KR" altLang="en-US" smtClean="0"/>
-              <a:t>2021-01-20</a:t>
+              <a:t>2021-02-16</a:t>
             </a:fld>
             <a:endParaRPr lang="ko-KR" altLang="en-US"/>
           </a:p>
@@ -502,7 +500,7 @@
           <a:p>
             <a:fld id="{4487A7D5-BEB9-4F0F-96DA-B93C3377B38E}" type="datetimeFigureOut">
               <a:rPr lang="ko-KR" altLang="en-US" smtClean="0"/>
-              <a:t>2021-01-20</a:t>
+              <a:t>2021-02-16</a:t>
             </a:fld>
             <a:endParaRPr lang="ko-KR" altLang="en-US"/>
           </a:p>
@@ -682,7 +680,7 @@
           <a:p>
             <a:fld id="{4487A7D5-BEB9-4F0F-96DA-B93C3377B38E}" type="datetimeFigureOut">
               <a:rPr lang="ko-KR" altLang="en-US" smtClean="0"/>
-              <a:t>2021-01-20</a:t>
+              <a:t>2021-02-16</a:t>
             </a:fld>
             <a:endParaRPr lang="ko-KR" altLang="en-US"/>
           </a:p>
@@ -852,7 +850,7 @@
           <a:p>
             <a:fld id="{4487A7D5-BEB9-4F0F-96DA-B93C3377B38E}" type="datetimeFigureOut">
               <a:rPr lang="ko-KR" altLang="en-US" smtClean="0"/>
-              <a:t>2021-01-20</a:t>
+              <a:t>2021-02-16</a:t>
             </a:fld>
             <a:endParaRPr lang="ko-KR" altLang="en-US"/>
           </a:p>
@@ -1098,7 +1096,7 @@
           <a:p>
             <a:fld id="{4487A7D5-BEB9-4F0F-96DA-B93C3377B38E}" type="datetimeFigureOut">
               <a:rPr lang="ko-KR" altLang="en-US" smtClean="0"/>
-              <a:t>2021-01-20</a:t>
+              <a:t>2021-02-16</a:t>
             </a:fld>
             <a:endParaRPr lang="ko-KR" altLang="en-US"/>
           </a:p>
@@ -1330,7 +1328,7 @@
           <a:p>
             <a:fld id="{4487A7D5-BEB9-4F0F-96DA-B93C3377B38E}" type="datetimeFigureOut">
               <a:rPr lang="ko-KR" altLang="en-US" smtClean="0"/>
-              <a:t>2021-01-20</a:t>
+              <a:t>2021-02-16</a:t>
             </a:fld>
             <a:endParaRPr lang="ko-KR" altLang="en-US"/>
           </a:p>
@@ -1697,7 +1695,7 @@
           <a:p>
             <a:fld id="{4487A7D5-BEB9-4F0F-96DA-B93C3377B38E}" type="datetimeFigureOut">
               <a:rPr lang="ko-KR" altLang="en-US" smtClean="0"/>
-              <a:t>2021-01-20</a:t>
+              <a:t>2021-02-16</a:t>
             </a:fld>
             <a:endParaRPr lang="ko-KR" altLang="en-US"/>
           </a:p>
@@ -1815,7 +1813,7 @@
           <a:p>
             <a:fld id="{4487A7D5-BEB9-4F0F-96DA-B93C3377B38E}" type="datetimeFigureOut">
               <a:rPr lang="ko-KR" altLang="en-US" smtClean="0"/>
-              <a:t>2021-01-20</a:t>
+              <a:t>2021-02-16</a:t>
             </a:fld>
             <a:endParaRPr lang="ko-KR" altLang="en-US"/>
           </a:p>
@@ -1910,7 +1908,7 @@
           <a:p>
             <a:fld id="{4487A7D5-BEB9-4F0F-96DA-B93C3377B38E}" type="datetimeFigureOut">
               <a:rPr lang="ko-KR" altLang="en-US" smtClean="0"/>
-              <a:t>2021-01-20</a:t>
+              <a:t>2021-02-16</a:t>
             </a:fld>
             <a:endParaRPr lang="ko-KR" altLang="en-US"/>
           </a:p>
@@ -2187,7 +2185,7 @@
           <a:p>
             <a:fld id="{4487A7D5-BEB9-4F0F-96DA-B93C3377B38E}" type="datetimeFigureOut">
               <a:rPr lang="ko-KR" altLang="en-US" smtClean="0"/>
-              <a:t>2021-01-20</a:t>
+              <a:t>2021-02-16</a:t>
             </a:fld>
             <a:endParaRPr lang="ko-KR" altLang="en-US"/>
           </a:p>
@@ -2440,7 +2438,7 @@
           <a:p>
             <a:fld id="{4487A7D5-BEB9-4F0F-96DA-B93C3377B38E}" type="datetimeFigureOut">
               <a:rPr lang="ko-KR" altLang="en-US" smtClean="0"/>
-              <a:t>2021-01-20</a:t>
+              <a:t>2021-02-16</a:t>
             </a:fld>
             <a:endParaRPr lang="ko-KR" altLang="en-US"/>
           </a:p>
@@ -2653,7 +2651,7 @@
           <a:p>
             <a:fld id="{4487A7D5-BEB9-4F0F-96DA-B93C3377B38E}" type="datetimeFigureOut">
               <a:rPr lang="ko-KR" altLang="en-US" smtClean="0"/>
-              <a:t>2021-01-20</a:t>
+              <a:t>2021-02-16</a:t>
             </a:fld>
             <a:endParaRPr lang="ko-KR" altLang="en-US"/>
           </a:p>
@@ -3098,11 +3096,7 @@
           <a:p>
             <a:r>
               <a:rPr lang="ko-KR" altLang="en-US" dirty="0" smtClean="0"/>
-              <a:t>기본 </a:t>
-            </a:r>
-            <a:r>
-              <a:rPr lang="ko-KR" altLang="en-US" dirty="0" smtClean="0"/>
-              <a:t>구조</a:t>
+              <a:t>기본 구조</a:t>
             </a:r>
             <a:endParaRPr lang="ko-KR" altLang="en-US" dirty="0"/>
           </a:p>
@@ -3162,11 +3156,7 @@
           <a:p>
             <a:r>
               <a:rPr lang="en-US" altLang="ko-KR" sz="2400" b="1" dirty="0" smtClean="0"/>
-              <a:t>1.0.0</a:t>
-            </a:r>
-            <a:r>
-              <a:rPr lang="en-US" altLang="ko-KR" sz="2400" b="1" dirty="0" smtClean="0"/>
-              <a:t>. </a:t>
+              <a:t>1.0.0. </a:t>
             </a:r>
             <a:r>
               <a:rPr lang="en-US" altLang="ko-KR" sz="2400" b="1" dirty="0" err="1" smtClean="0"/>
@@ -3275,11 +3265,7 @@
             </a:r>
             <a:r>
               <a:rPr lang="ko-KR" altLang="en-US" dirty="0" smtClean="0"/>
-              <a:t>함수는 렌더링 결과가 실제 돔에 반영 된 </a:t>
-            </a:r>
-            <a:r>
-              <a:rPr lang="ko-KR" altLang="en-US" dirty="0" smtClean="0"/>
-              <a:t>후</a:t>
+              <a:t>함수는 렌더링 결과가 실제 돔에 반영 된 후</a:t>
             </a:r>
             <a:endParaRPr lang="en-US" altLang="ko-KR" dirty="0" smtClean="0"/>
           </a:p>
@@ -3299,7 +3285,6 @@
               <a:rPr lang="en-US" altLang="ko-KR" dirty="0" smtClean="0"/>
               <a:t>.</a:t>
             </a:r>
-            <a:endParaRPr lang="en-US" altLang="ko-KR" dirty="0" smtClean="0"/>
           </a:p>
         </p:txBody>
       </p:sp>
@@ -3701,11 +3686,7 @@
           <a:p>
             <a:r>
               <a:rPr lang="en-US" altLang="ko-KR" sz="2400" b="1" dirty="0" smtClean="0"/>
-              <a:t>1.1</a:t>
-            </a:r>
-            <a:r>
-              <a:rPr lang="en-US" altLang="ko-KR" sz="2400" b="1" dirty="0" smtClean="0"/>
-              <a:t>. React-router-</a:t>
+              <a:t>1.1. React-router-</a:t>
             </a:r>
             <a:r>
               <a:rPr lang="en-US" altLang="ko-KR" sz="2400" b="1" dirty="0" err="1"/>
@@ -3965,11 +3946,7 @@
           <a:p>
             <a:r>
               <a:rPr lang="en-US" altLang="ko-KR" sz="2400" b="1" dirty="0" smtClean="0"/>
-              <a:t>1.2</a:t>
-            </a:r>
-            <a:r>
-              <a:rPr lang="en-US" altLang="ko-KR" sz="2400" b="1" dirty="0" smtClean="0"/>
-              <a:t>. </a:t>
+              <a:t>1.2. </a:t>
             </a:r>
             <a:r>
               <a:rPr lang="en-US" altLang="ko-KR" sz="2400" b="1" dirty="0" err="1" smtClean="0"/>
@@ -4377,11 +4354,7 @@
           <a:p>
             <a:r>
               <a:rPr lang="en-US" altLang="ko-KR" sz="2400" b="1" dirty="0" smtClean="0"/>
-              <a:t>1.3</a:t>
-            </a:r>
-            <a:r>
-              <a:rPr lang="en-US" altLang="ko-KR" sz="2400" b="1" dirty="0" smtClean="0"/>
-              <a:t>. Link</a:t>
+              <a:t>1.3. Link</a:t>
             </a:r>
             <a:endParaRPr lang="ko-KR" altLang="en-US" sz="2400" b="1" dirty="0"/>
           </a:p>
@@ -4771,11 +4744,7 @@
           <a:p>
             <a:r>
               <a:rPr lang="en-US" altLang="ko-KR" sz="2400" b="1" dirty="0" smtClean="0"/>
-              <a:t>1.4</a:t>
-            </a:r>
-            <a:r>
-              <a:rPr lang="en-US" altLang="ko-KR" sz="2400" b="1" dirty="0" smtClean="0"/>
-              <a:t>. Redirect</a:t>
+              <a:t>1.4. Redirect</a:t>
             </a:r>
             <a:endParaRPr lang="ko-KR" altLang="en-US" sz="2400" b="1" dirty="0"/>
           </a:p>
@@ -4989,11 +4958,7 @@
           <a:p>
             <a:r>
               <a:rPr lang="en-US" altLang="ko-KR" sz="2400" b="1" dirty="0" smtClean="0"/>
-              <a:t>1.0.0</a:t>
-            </a:r>
-            <a:r>
-              <a:rPr lang="en-US" altLang="ko-KR" sz="2400" b="1" dirty="0" smtClean="0"/>
-              <a:t>. </a:t>
+              <a:t>1.0.0. </a:t>
             </a:r>
             <a:r>
               <a:rPr lang="en-US" altLang="ko-KR" sz="2400" b="1" dirty="0" err="1" smtClean="0"/>
@@ -5253,11 +5218,7 @@
           <a:p>
             <a:r>
               <a:rPr lang="en-US" altLang="ko-KR" sz="2400" b="1" dirty="0" smtClean="0"/>
-              <a:t>1.0.1</a:t>
-            </a:r>
-            <a:r>
-              <a:rPr lang="en-US" altLang="ko-KR" sz="2400" b="1" dirty="0" smtClean="0"/>
-              <a:t>. </a:t>
+              <a:t>1.0.1. </a:t>
             </a:r>
             <a:r>
               <a:rPr lang="ko-KR" altLang="en-US" sz="2400" b="1" dirty="0" smtClean="0"/>
@@ -5624,11 +5585,7 @@
           <a:p>
             <a:r>
               <a:rPr lang="en-US" altLang="ko-KR" sz="2400" b="1" dirty="0" smtClean="0"/>
-              <a:t>1.0.2</a:t>
-            </a:r>
-            <a:r>
-              <a:rPr lang="en-US" altLang="ko-KR" sz="2400" b="1" dirty="0" smtClean="0"/>
-              <a:t>. </a:t>
+              <a:t>1.0.2. </a:t>
             </a:r>
             <a:r>
               <a:rPr lang="en-US" altLang="ko-KR" sz="2400" b="1" dirty="0" err="1" smtClean="0"/>
@@ -5972,240 +5929,56 @@
           <a:chExt cx="0" cy="0"/>
         </a:xfrm>
       </p:grpSpPr>
-      <p:pic>
-        <p:nvPicPr>
-          <p:cNvPr id="3" name="그림 2"/>
-          <p:cNvPicPr>
-            <a:picLocks noChangeAspect="1"/>
-          </p:cNvPicPr>
-          <p:nvPr/>
-        </p:nvPicPr>
-        <p:blipFill>
-          <a:blip r:embed="rId2"/>
-          <a:stretch>
-            <a:fillRect/>
-          </a:stretch>
-        </p:blipFill>
-        <p:spPr>
-          <a:xfrm>
-            <a:off x="163045" y="1087997"/>
-            <a:ext cx="7255820" cy="5427138"/>
-          </a:xfrm>
-          <a:prstGeom prst="rect">
-            <a:avLst/>
-          </a:prstGeom>
-        </p:spPr>
-      </p:pic>
-      <p:sp>
-        <p:nvSpPr>
-          <p:cNvPr id="5" name="TextBox 4"/>
-          <p:cNvSpPr txBox="1"/>
-          <p:nvPr/>
-        </p:nvSpPr>
-        <p:spPr>
-          <a:xfrm>
-            <a:off x="163044" y="200921"/>
-            <a:ext cx="10008295" cy="461665"/>
-          </a:xfrm>
-          <a:prstGeom prst="rect">
-            <a:avLst/>
-          </a:prstGeom>
-          <a:noFill/>
-        </p:spPr>
-        <p:txBody>
-          <a:bodyPr wrap="square" rtlCol="0">
-            <a:spAutoFit/>
-          </a:bodyPr>
-          <a:lstStyle/>
-          <a:p>
-            <a:r>
-              <a:rPr lang="en-US" altLang="ko-KR" sz="2400" b="1" dirty="0" smtClean="0"/>
-              <a:t>3.1. React-router-</a:t>
-            </a:r>
-            <a:r>
-              <a:rPr lang="en-US" altLang="ko-KR" sz="2400" b="1" dirty="0" err="1"/>
-              <a:t>d</a:t>
-            </a:r>
-            <a:r>
-              <a:rPr lang="en-US" altLang="ko-KR" sz="2400" b="1" dirty="0" err="1" smtClean="0"/>
-              <a:t>om</a:t>
-            </a:r>
-            <a:r>
-              <a:rPr lang="en-US" altLang="ko-KR" sz="2400" b="1" dirty="0" smtClean="0"/>
-              <a:t> </a:t>
-            </a:r>
-            <a:r>
-              <a:rPr lang="ko-KR" altLang="en-US" sz="2400" b="1" dirty="0" smtClean="0"/>
-              <a:t>설치</a:t>
-            </a:r>
-            <a:endParaRPr lang="ko-KR" altLang="en-US" sz="2400" b="1" dirty="0"/>
-          </a:p>
-        </p:txBody>
-      </p:sp>
-      <p:sp>
-        <p:nvSpPr>
-          <p:cNvPr id="7" name="직사각형 6"/>
-          <p:cNvSpPr/>
-          <p:nvPr/>
-        </p:nvSpPr>
-        <p:spPr>
-          <a:xfrm>
-            <a:off x="3956858" y="6159731"/>
-            <a:ext cx="1313412" cy="207818"/>
-          </a:xfrm>
-          <a:prstGeom prst="rect">
-            <a:avLst/>
-          </a:prstGeom>
-          <a:noFill/>
-          <a:ln w="38100">
-            <a:solidFill>
-              <a:srgbClr val="00B0F0"/>
-            </a:solidFill>
-          </a:ln>
-        </p:spPr>
-        <p:style>
-          <a:lnRef idx="2">
-            <a:schemeClr val="accent1">
-              <a:shade val="50000"/>
-            </a:schemeClr>
-          </a:lnRef>
-          <a:fillRef idx="1">
-            <a:schemeClr val="accent1"/>
-          </a:fillRef>
-          <a:effectRef idx="0">
-            <a:schemeClr val="accent1"/>
-          </a:effectRef>
-          <a:fontRef idx="minor">
-            <a:schemeClr val="lt1"/>
-          </a:fontRef>
-        </p:style>
-        <p:txBody>
-          <a:bodyPr rtlCol="0" anchor="ctr"/>
-          <a:lstStyle/>
-          <a:p>
-            <a:pPr algn="ctr"/>
-            <a:endParaRPr lang="ko-KR" altLang="en-US"/>
-          </a:p>
-        </p:txBody>
-      </p:sp>
-      <p:sp>
-        <p:nvSpPr>
-          <p:cNvPr id="10" name="TextBox 9"/>
-          <p:cNvSpPr txBox="1"/>
-          <p:nvPr/>
-        </p:nvSpPr>
-        <p:spPr>
-          <a:xfrm>
-            <a:off x="7589519" y="1087997"/>
-            <a:ext cx="4394130" cy="567463"/>
-          </a:xfrm>
-          <a:prstGeom prst="rect">
-            <a:avLst/>
-          </a:prstGeom>
-          <a:noFill/>
-        </p:spPr>
-        <p:txBody>
-          <a:bodyPr wrap="square" rtlCol="0">
-            <a:spAutoFit/>
-          </a:bodyPr>
-          <a:lstStyle/>
-          <a:p>
-            <a:pPr algn="just">
-              <a:lnSpc>
-                <a:spcPct val="150000"/>
-              </a:lnSpc>
-            </a:pPr>
-            <a:r>
-              <a:rPr lang="en-US" altLang="ko-KR" sz="1100" dirty="0" smtClean="0"/>
-              <a:t>Router</a:t>
-            </a:r>
-            <a:r>
-              <a:rPr lang="ko-KR" altLang="en-US" sz="1100" dirty="0" smtClean="0"/>
-              <a:t>를 사용하기 위해 </a:t>
-            </a:r>
-            <a:r>
-              <a:rPr lang="en-US" altLang="ko-KR" sz="1100" dirty="0" smtClean="0"/>
-              <a:t>“</a:t>
-            </a:r>
-            <a:r>
-              <a:rPr lang="en-US" altLang="ko-KR" sz="1100" b="1" dirty="0" err="1" smtClean="0"/>
-              <a:t>npm</a:t>
-            </a:r>
-            <a:r>
-              <a:rPr lang="en-US" altLang="ko-KR" sz="1100" b="1" dirty="0" smtClean="0"/>
-              <a:t> install(</a:t>
-            </a:r>
-            <a:r>
-              <a:rPr lang="en-US" altLang="ko-KR" sz="1100" b="1" dirty="0" err="1" smtClean="0"/>
-              <a:t>i</a:t>
-            </a:r>
-            <a:r>
-              <a:rPr lang="en-US" altLang="ko-KR" sz="1100" b="1" dirty="0" smtClean="0"/>
-              <a:t>) react-router-</a:t>
-            </a:r>
-            <a:r>
-              <a:rPr lang="en-US" altLang="ko-KR" sz="1100" b="1" dirty="0" err="1" smtClean="0"/>
-              <a:t>dom</a:t>
-            </a:r>
-            <a:r>
-              <a:rPr lang="en-US" altLang="ko-KR" sz="1100" dirty="0" smtClean="0"/>
-              <a:t>” </a:t>
-            </a:r>
-            <a:r>
-              <a:rPr lang="ko-KR" altLang="en-US" sz="1100" dirty="0" smtClean="0"/>
-              <a:t>명령어를 통해 설치</a:t>
-            </a:r>
-            <a:r>
-              <a:rPr lang="en-US" altLang="ko-KR" sz="1100" dirty="0" smtClean="0"/>
-              <a:t>.</a:t>
-            </a:r>
-            <a:endParaRPr lang="ko-KR" altLang="en-US" sz="1100" dirty="0"/>
-          </a:p>
-        </p:txBody>
-      </p:sp>
-      <p:cxnSp>
-        <p:nvCxnSpPr>
-          <p:cNvPr id="6" name="꺾인 연결선 5"/>
-          <p:cNvCxnSpPr>
-            <a:stCxn id="7" idx="3"/>
-            <a:endCxn id="10" idx="1"/>
-          </p:cNvCxnSpPr>
-          <p:nvPr/>
-        </p:nvCxnSpPr>
-        <p:spPr>
-          <a:xfrm flipV="1">
-            <a:off x="5270270" y="1371729"/>
-            <a:ext cx="2319249" cy="4891911"/>
-          </a:xfrm>
-          <a:prstGeom prst="bentConnector3">
-            <a:avLst/>
-          </a:prstGeom>
-          <a:ln w="19050">
-            <a:solidFill>
-              <a:srgbClr val="00B0F0"/>
-            </a:solidFill>
-            <a:tailEnd type="triangle"/>
-          </a:ln>
-        </p:spPr>
-        <p:style>
-          <a:lnRef idx="1">
-            <a:schemeClr val="accent1"/>
-          </a:lnRef>
-          <a:fillRef idx="0">
-            <a:schemeClr val="accent1"/>
-          </a:fillRef>
-          <a:effectRef idx="0">
-            <a:schemeClr val="accent1"/>
-          </a:effectRef>
-          <a:fontRef idx="minor">
-            <a:schemeClr val="tx1"/>
-          </a:fontRef>
-        </p:style>
-      </p:cxnSp>
+      <p:sp>
+        <p:nvSpPr>
+          <p:cNvPr id="2" name="제목 1"/>
+          <p:cNvSpPr>
+            <a:spLocks noGrp="1"/>
+          </p:cNvSpPr>
+          <p:nvPr>
+            <p:ph type="ctrTitle"/>
+          </p:nvPr>
+        </p:nvSpPr>
+        <p:spPr/>
+        <p:txBody>
+          <a:bodyPr/>
+          <a:lstStyle/>
+          <a:p>
+            <a:r>
+              <a:rPr lang="en-US" altLang="ko-KR" dirty="0" smtClean="0"/>
+              <a:t>React</a:t>
+            </a:r>
+            <a:endParaRPr lang="ko-KR" altLang="en-US" dirty="0"/>
+          </a:p>
+        </p:txBody>
+      </p:sp>
+      <p:sp>
+        <p:nvSpPr>
+          <p:cNvPr id="3" name="부제목 2"/>
+          <p:cNvSpPr>
+            <a:spLocks noGrp="1"/>
+          </p:cNvSpPr>
+          <p:nvPr>
+            <p:ph type="subTitle" idx="1"/>
+          </p:nvPr>
+        </p:nvSpPr>
+        <p:spPr/>
+        <p:txBody>
+          <a:bodyPr/>
+          <a:lstStyle/>
+          <a:p>
+            <a:r>
+              <a:rPr lang="ko-KR" altLang="en-US" dirty="0" smtClean="0"/>
+              <a:t>기타</a:t>
+            </a:r>
+            <a:endParaRPr lang="ko-KR" altLang="en-US" dirty="0"/>
+          </a:p>
+        </p:txBody>
+      </p:sp>
     </p:spTree>
     <p:extLst>
       <p:ext uri="{BB962C8B-B14F-4D97-AF65-F5344CB8AC3E}">
-        <p14:creationId xmlns:p14="http://schemas.microsoft.com/office/powerpoint/2010/main" val="3125268494"/>
+        <p14:creationId xmlns:p14="http://schemas.microsoft.com/office/powerpoint/2010/main" val="1611633289"/>
       </p:ext>
     </p:extLst>
   </p:cSld>
@@ -6234,22 +6007,62 @@
       </p:grpSpPr>
       <p:sp>
         <p:nvSpPr>
-          <p:cNvPr id="2" name="제목 1"/>
-          <p:cNvSpPr>
-            <a:spLocks noGrp="1"/>
-          </p:cNvSpPr>
-          <p:nvPr>
-            <p:ph type="ctrTitle"/>
-          </p:nvPr>
-        </p:nvSpPr>
-        <p:spPr/>
-        <p:txBody>
-          <a:bodyPr/>
-          <a:lstStyle/>
-          <a:p>
+          <p:cNvPr id="6" name="TextBox 5"/>
+          <p:cNvSpPr txBox="1"/>
+          <p:nvPr/>
+        </p:nvSpPr>
+        <p:spPr>
+          <a:xfrm>
+            <a:off x="6740724" y="897468"/>
+            <a:ext cx="4394130" cy="923330"/>
+          </a:xfrm>
+          <a:prstGeom prst="rect">
+            <a:avLst/>
+          </a:prstGeom>
+          <a:noFill/>
+        </p:spPr>
+        <p:txBody>
+          <a:bodyPr wrap="square" rtlCol="0">
+            <a:spAutoFit/>
+          </a:bodyPr>
+          <a:lstStyle/>
+          <a:p>
+            <a:pPr marL="342900" indent="-342900">
+              <a:buAutoNum type="arabicPeriod"/>
+            </a:pPr>
+            <a:r>
+              <a:rPr lang="ko-KR" altLang="en-US" dirty="0" smtClean="0"/>
+              <a:t>프로젝트 루트 폴더에 </a:t>
+            </a:r>
+            <a:r>
+              <a:rPr lang="en-US" altLang="ko-KR" dirty="0" err="1" smtClean="0"/>
+              <a:t>jsconfig.json</a:t>
+            </a:r>
             <a:r>
               <a:rPr lang="en-US" altLang="ko-KR" dirty="0" smtClean="0"/>
-              <a:t>React</a:t>
+              <a:t> </a:t>
+            </a:r>
+            <a:r>
+              <a:rPr lang="ko-KR" altLang="en-US" dirty="0" smtClean="0"/>
+              <a:t>파일 생성</a:t>
+            </a:r>
+            <a:endParaRPr lang="en-US" altLang="ko-KR" dirty="0" smtClean="0"/>
+          </a:p>
+          <a:p>
+            <a:pPr marL="342900" indent="-342900">
+              <a:buAutoNum type="arabicPeriod"/>
+            </a:pPr>
+            <a:r>
+              <a:rPr lang="en-US" altLang="ko-KR" dirty="0" err="1" smtClean="0"/>
+              <a:t>Jsconfig.json</a:t>
+            </a:r>
+            <a:r>
+              <a:rPr lang="en-US" altLang="ko-KR" dirty="0" smtClean="0"/>
+              <a:t> </a:t>
+            </a:r>
+            <a:r>
+              <a:rPr lang="ko-KR" altLang="en-US" dirty="0" smtClean="0"/>
+              <a:t>파일에 아래 내용 추가</a:t>
             </a:r>
             <a:endParaRPr lang="ko-KR" altLang="en-US" dirty="0"/>
           </a:p>
@@ -6257,31 +6070,449 @@
       </p:sp>
       <p:sp>
         <p:nvSpPr>
-          <p:cNvPr id="3" name="부제목 2"/>
-          <p:cNvSpPr>
-            <a:spLocks noGrp="1"/>
-          </p:cNvSpPr>
-          <p:nvPr>
-            <p:ph type="subTitle" idx="1"/>
-          </p:nvPr>
-        </p:nvSpPr>
-        <p:spPr/>
-        <p:txBody>
-          <a:bodyPr/>
-          <a:lstStyle/>
-          <a:p>
-            <a:r>
-              <a:rPr lang="ko-KR" altLang="en-US" dirty="0" smtClean="0"/>
-              <a:t>기타</a:t>
-            </a:r>
-            <a:endParaRPr lang="ko-KR" altLang="en-US" dirty="0"/>
+          <p:cNvPr id="7" name="TextBox 6"/>
+          <p:cNvSpPr txBox="1"/>
+          <p:nvPr/>
+        </p:nvSpPr>
+        <p:spPr>
+          <a:xfrm>
+            <a:off x="163044" y="200921"/>
+            <a:ext cx="10008295" cy="461665"/>
+          </a:xfrm>
+          <a:prstGeom prst="rect">
+            <a:avLst/>
+          </a:prstGeom>
+          <a:noFill/>
+        </p:spPr>
+        <p:txBody>
+          <a:bodyPr wrap="square" rtlCol="0">
+            <a:spAutoFit/>
+          </a:bodyPr>
+          <a:lstStyle/>
+          <a:p>
+            <a:r>
+              <a:rPr lang="en-US" altLang="ko-KR" sz="2400" b="1" dirty="0" smtClean="0"/>
+              <a:t>1. </a:t>
+            </a:r>
+            <a:r>
+              <a:rPr lang="ko-KR" altLang="en-US" sz="2400" b="1" dirty="0" smtClean="0"/>
+              <a:t>루트 경로 설정</a:t>
+            </a:r>
+            <a:endParaRPr lang="ko-KR" altLang="en-US" sz="2400" b="1" dirty="0"/>
+          </a:p>
+        </p:txBody>
+      </p:sp>
+      <p:sp>
+        <p:nvSpPr>
+          <p:cNvPr id="8" name="TextBox 7"/>
+          <p:cNvSpPr txBox="1"/>
+          <p:nvPr/>
+        </p:nvSpPr>
+        <p:spPr>
+          <a:xfrm>
+            <a:off x="6740724" y="1932709"/>
+            <a:ext cx="4394130" cy="2308324"/>
+          </a:xfrm>
+          <a:prstGeom prst="rect">
+            <a:avLst/>
+          </a:prstGeom>
+          <a:noFill/>
+        </p:spPr>
+        <p:txBody>
+          <a:bodyPr wrap="square" rtlCol="0">
+            <a:spAutoFit/>
+          </a:bodyPr>
+          <a:lstStyle/>
+          <a:p>
+            <a:r>
+              <a:rPr lang="en-US" altLang="ko-KR" dirty="0"/>
+              <a:t>{</a:t>
+            </a:r>
+          </a:p>
+          <a:p>
+            <a:r>
+              <a:rPr lang="en-US" altLang="ko-KR" dirty="0"/>
+              <a:t>    </a:t>
+            </a:r>
+            <a:r>
+              <a:rPr lang="en-US" altLang="ko-KR" dirty="0" smtClean="0"/>
+              <a:t>”</a:t>
+            </a:r>
+            <a:r>
+              <a:rPr lang="en-US" altLang="ko-KR" dirty="0" err="1" smtClean="0"/>
+              <a:t>compilerOptions</a:t>
+            </a:r>
+            <a:r>
+              <a:rPr lang="en-US" altLang="ko-KR" dirty="0" smtClean="0"/>
+              <a:t>”:</a:t>
+            </a:r>
+            <a:r>
+              <a:rPr lang="en-US" altLang="ko-KR" dirty="0"/>
+              <a:t> {</a:t>
+            </a:r>
+          </a:p>
+          <a:p>
+            <a:r>
+              <a:rPr lang="en-US" altLang="ko-KR" dirty="0"/>
+              <a:t>        </a:t>
+            </a:r>
+            <a:r>
+              <a:rPr lang="en-US" altLang="ko-KR" dirty="0" smtClean="0"/>
+              <a:t>”</a:t>
+            </a:r>
+            <a:r>
+              <a:rPr lang="en-US" altLang="ko-KR" dirty="0" err="1" smtClean="0"/>
+              <a:t>baseUrl</a:t>
+            </a:r>
+            <a:r>
+              <a:rPr lang="en-US" altLang="ko-KR" dirty="0" smtClean="0"/>
+              <a:t>”:</a:t>
+            </a:r>
+            <a:r>
+              <a:rPr lang="en-US" altLang="ko-KR" dirty="0"/>
+              <a:t> </a:t>
+            </a:r>
+            <a:r>
+              <a:rPr lang="en-US" altLang="ko-KR" dirty="0" smtClean="0"/>
+              <a:t>”.”</a:t>
+            </a:r>
+            <a:endParaRPr lang="en-US" altLang="ko-KR" dirty="0"/>
+          </a:p>
+          <a:p>
+            <a:r>
+              <a:rPr lang="en-US" altLang="ko-KR" dirty="0"/>
+              <a:t>    },</a:t>
+            </a:r>
+          </a:p>
+          <a:p>
+            <a:r>
+              <a:rPr lang="en-US" altLang="ko-KR" dirty="0"/>
+              <a:t>    </a:t>
+            </a:r>
+            <a:r>
+              <a:rPr lang="en-US" altLang="ko-KR" dirty="0" smtClean="0"/>
+              <a:t>”include”:</a:t>
+            </a:r>
+            <a:r>
+              <a:rPr lang="en-US" altLang="ko-KR" dirty="0"/>
+              <a:t> [</a:t>
+            </a:r>
+          </a:p>
+          <a:p>
+            <a:r>
+              <a:rPr lang="en-US" altLang="ko-KR" dirty="0"/>
+              <a:t>        </a:t>
+            </a:r>
+            <a:r>
+              <a:rPr lang="en-US" altLang="ko-KR" dirty="0" smtClean="0"/>
+              <a:t>”</a:t>
+            </a:r>
+            <a:r>
+              <a:rPr lang="en-US" altLang="ko-KR" dirty="0" err="1" smtClean="0"/>
+              <a:t>src</a:t>
+            </a:r>
+            <a:r>
+              <a:rPr lang="en-US" altLang="ko-KR" dirty="0" smtClean="0"/>
+              <a:t>”</a:t>
+            </a:r>
+            <a:endParaRPr lang="en-US" altLang="ko-KR" dirty="0"/>
+          </a:p>
+          <a:p>
+            <a:r>
+              <a:rPr lang="en-US" altLang="ko-KR" dirty="0"/>
+              <a:t>    ]</a:t>
+            </a:r>
+          </a:p>
+          <a:p>
+            <a:r>
+              <a:rPr lang="en-US" altLang="ko-KR" dirty="0"/>
+              <a:t>}</a:t>
+            </a:r>
+          </a:p>
+        </p:txBody>
+      </p:sp>
+      <p:pic>
+        <p:nvPicPr>
+          <p:cNvPr id="9" name="그림 8"/>
+          <p:cNvPicPr>
+            <a:picLocks noChangeAspect="1"/>
+          </p:cNvPicPr>
+          <p:nvPr/>
+        </p:nvPicPr>
+        <p:blipFill>
+          <a:blip r:embed="rId2"/>
+          <a:stretch>
+            <a:fillRect/>
+          </a:stretch>
+        </p:blipFill>
+        <p:spPr>
+          <a:xfrm>
+            <a:off x="290785" y="909937"/>
+            <a:ext cx="6154009" cy="5401429"/>
+          </a:xfrm>
+          <a:prstGeom prst="rect">
+            <a:avLst/>
+          </a:prstGeom>
+        </p:spPr>
+      </p:pic>
+      <p:sp>
+        <p:nvSpPr>
+          <p:cNvPr id="10" name="직사각형 9"/>
+          <p:cNvSpPr/>
+          <p:nvPr/>
+        </p:nvSpPr>
+        <p:spPr>
+          <a:xfrm>
+            <a:off x="299098" y="5178829"/>
+            <a:ext cx="2319411" cy="232756"/>
+          </a:xfrm>
+          <a:prstGeom prst="rect">
+            <a:avLst/>
+          </a:prstGeom>
+          <a:noFill/>
+          <a:ln w="28575">
+            <a:solidFill>
+              <a:srgbClr val="00B0F0"/>
+            </a:solidFill>
+          </a:ln>
+        </p:spPr>
+        <p:style>
+          <a:lnRef idx="2">
+            <a:schemeClr val="accent1">
+              <a:shade val="50000"/>
+            </a:schemeClr>
+          </a:lnRef>
+          <a:fillRef idx="1">
+            <a:schemeClr val="accent1"/>
+          </a:fillRef>
+          <a:effectRef idx="0">
+            <a:schemeClr val="accent1"/>
+          </a:effectRef>
+          <a:fontRef idx="minor">
+            <a:schemeClr val="lt1"/>
+          </a:fontRef>
+        </p:style>
+        <p:txBody>
+          <a:bodyPr rtlCol="0" anchor="ctr"/>
+          <a:lstStyle/>
+          <a:p>
+            <a:pPr algn="ctr"/>
+            <a:endParaRPr lang="ko-KR" altLang="en-US"/>
+          </a:p>
+        </p:txBody>
+      </p:sp>
+      <p:sp>
+        <p:nvSpPr>
+          <p:cNvPr id="11" name="직사각형 10"/>
+          <p:cNvSpPr/>
+          <p:nvPr/>
+        </p:nvSpPr>
+        <p:spPr>
+          <a:xfrm>
+            <a:off x="299098" y="1393831"/>
+            <a:ext cx="2319411" cy="232756"/>
+          </a:xfrm>
+          <a:prstGeom prst="rect">
+            <a:avLst/>
+          </a:prstGeom>
+          <a:noFill/>
+          <a:ln w="28575">
+            <a:solidFill>
+              <a:srgbClr val="00B0F0"/>
+            </a:solidFill>
+          </a:ln>
+        </p:spPr>
+        <p:style>
+          <a:lnRef idx="2">
+            <a:schemeClr val="accent1">
+              <a:shade val="50000"/>
+            </a:schemeClr>
+          </a:lnRef>
+          <a:fillRef idx="1">
+            <a:schemeClr val="accent1"/>
+          </a:fillRef>
+          <a:effectRef idx="0">
+            <a:schemeClr val="accent1"/>
+          </a:effectRef>
+          <a:fontRef idx="minor">
+            <a:schemeClr val="lt1"/>
+          </a:fontRef>
+        </p:style>
+        <p:txBody>
+          <a:bodyPr rtlCol="0" anchor="ctr"/>
+          <a:lstStyle/>
+          <a:p>
+            <a:pPr algn="ctr"/>
+            <a:endParaRPr lang="ko-KR" altLang="en-US"/>
+          </a:p>
+        </p:txBody>
+      </p:sp>
+      <p:cxnSp>
+        <p:nvCxnSpPr>
+          <p:cNvPr id="13" name="직선 화살표 연결선 12"/>
+          <p:cNvCxnSpPr>
+            <a:stCxn id="11" idx="2"/>
+          </p:cNvCxnSpPr>
+          <p:nvPr/>
+        </p:nvCxnSpPr>
+        <p:spPr>
+          <a:xfrm flipH="1">
+            <a:off x="1458803" y="1626587"/>
+            <a:ext cx="1" cy="3552242"/>
+          </a:xfrm>
+          <a:prstGeom prst="straightConnector1">
+            <a:avLst/>
+          </a:prstGeom>
+          <a:ln w="28575">
+            <a:solidFill>
+              <a:srgbClr val="00B0F0"/>
+            </a:solidFill>
+            <a:tailEnd type="triangle"/>
+          </a:ln>
+        </p:spPr>
+        <p:style>
+          <a:lnRef idx="1">
+            <a:schemeClr val="accent1"/>
+          </a:lnRef>
+          <a:fillRef idx="0">
+            <a:schemeClr val="accent1"/>
+          </a:fillRef>
+          <a:effectRef idx="0">
+            <a:schemeClr val="accent1"/>
+          </a:effectRef>
+          <a:fontRef idx="minor">
+            <a:schemeClr val="tx1"/>
+          </a:fontRef>
+        </p:style>
+      </p:cxnSp>
+      <p:sp>
+        <p:nvSpPr>
+          <p:cNvPr id="14" name="직사각형 13"/>
+          <p:cNvSpPr/>
+          <p:nvPr/>
+        </p:nvSpPr>
+        <p:spPr>
+          <a:xfrm>
+            <a:off x="3200401" y="1180408"/>
+            <a:ext cx="1945179" cy="1504603"/>
+          </a:xfrm>
+          <a:prstGeom prst="rect">
+            <a:avLst/>
+          </a:prstGeom>
+          <a:noFill/>
+          <a:ln w="28575">
+            <a:solidFill>
+              <a:srgbClr val="00B0F0"/>
+            </a:solidFill>
+          </a:ln>
+        </p:spPr>
+        <p:style>
+          <a:lnRef idx="2">
+            <a:schemeClr val="accent1">
+              <a:shade val="50000"/>
+            </a:schemeClr>
+          </a:lnRef>
+          <a:fillRef idx="1">
+            <a:schemeClr val="accent1"/>
+          </a:fillRef>
+          <a:effectRef idx="0">
+            <a:schemeClr val="accent1"/>
+          </a:effectRef>
+          <a:fontRef idx="minor">
+            <a:schemeClr val="lt1"/>
+          </a:fontRef>
+        </p:style>
+        <p:txBody>
+          <a:bodyPr rtlCol="0" anchor="ctr"/>
+          <a:lstStyle/>
+          <a:p>
+            <a:pPr algn="ctr"/>
+            <a:endParaRPr lang="ko-KR" altLang="en-US"/>
+          </a:p>
+        </p:txBody>
+      </p:sp>
+      <p:sp>
+        <p:nvSpPr>
+          <p:cNvPr id="16" name="TextBox 15"/>
+          <p:cNvSpPr txBox="1"/>
+          <p:nvPr/>
+        </p:nvSpPr>
+        <p:spPr>
+          <a:xfrm>
+            <a:off x="1396538" y="3248819"/>
+            <a:ext cx="473826" cy="307777"/>
+          </a:xfrm>
+          <a:prstGeom prst="rect">
+            <a:avLst/>
+          </a:prstGeom>
+          <a:noFill/>
+        </p:spPr>
+        <p:txBody>
+          <a:bodyPr wrap="square" rtlCol="0">
+            <a:spAutoFit/>
+          </a:bodyPr>
+          <a:lstStyle/>
+          <a:p>
+            <a:pPr algn="ctr"/>
+            <a:r>
+              <a:rPr lang="ko-KR" altLang="en-US" sz="1400" b="1" dirty="0" smtClean="0">
+                <a:solidFill>
+                  <a:srgbClr val="00B0F0"/>
+                </a:solidFill>
+              </a:rPr>
+              <a:t>①</a:t>
+            </a:r>
+            <a:endParaRPr lang="ko-KR" altLang="en-US" sz="1400" b="1" dirty="0">
+              <a:solidFill>
+                <a:srgbClr val="00B0F0"/>
+              </a:solidFill>
+            </a:endParaRPr>
+          </a:p>
+        </p:txBody>
+      </p:sp>
+      <p:sp>
+        <p:nvSpPr>
+          <p:cNvPr id="17" name="TextBox 16"/>
+          <p:cNvSpPr txBox="1"/>
+          <p:nvPr/>
+        </p:nvSpPr>
+        <p:spPr>
+          <a:xfrm>
+            <a:off x="4832637" y="2647705"/>
+            <a:ext cx="473826" cy="307777"/>
+          </a:xfrm>
+          <a:prstGeom prst="rect">
+            <a:avLst/>
+          </a:prstGeom>
+          <a:noFill/>
+        </p:spPr>
+        <p:txBody>
+          <a:bodyPr wrap="square" rtlCol="0">
+            <a:spAutoFit/>
+          </a:bodyPr>
+          <a:lstStyle/>
+          <a:p>
+            <a:pPr algn="ctr"/>
+            <a:r>
+              <a:rPr lang="ko-KR" altLang="en-US" sz="1400" b="1" dirty="0" smtClean="0">
+                <a:solidFill>
+                  <a:srgbClr val="00B0F0"/>
+                </a:solidFill>
+              </a:rPr>
+              <a:t>②</a:t>
+            </a:r>
+            <a:endParaRPr lang="ko-KR" altLang="en-US" sz="1400" b="1" dirty="0">
+              <a:solidFill>
+                <a:srgbClr val="00B0F0"/>
+              </a:solidFill>
+            </a:endParaRPr>
           </a:p>
         </p:txBody>
       </p:sp>
     </p:spTree>
     <p:extLst>
       <p:ext uri="{BB962C8B-B14F-4D97-AF65-F5344CB8AC3E}">
-        <p14:creationId xmlns:p14="http://schemas.microsoft.com/office/powerpoint/2010/main" val="1611633289"/>
+        <p14:creationId xmlns:p14="http://schemas.microsoft.com/office/powerpoint/2010/main" val="3737818282"/>
       </p:ext>
     </p:extLst>
   </p:cSld>
@@ -6308,235 +6539,9 @@
           <a:chExt cx="0" cy="0"/>
         </a:xfrm>
       </p:grpSpPr>
-      <p:sp>
-        <p:nvSpPr>
-          <p:cNvPr id="6" name="TextBox 5"/>
-          <p:cNvSpPr txBox="1"/>
-          <p:nvPr/>
-        </p:nvSpPr>
-        <p:spPr>
-          <a:xfrm>
-            <a:off x="6740724" y="897468"/>
-            <a:ext cx="4394130" cy="923330"/>
-          </a:xfrm>
-          <a:prstGeom prst="rect">
-            <a:avLst/>
-          </a:prstGeom>
-          <a:noFill/>
-        </p:spPr>
-        <p:txBody>
-          <a:bodyPr wrap="square" rtlCol="0">
-            <a:spAutoFit/>
-          </a:bodyPr>
-          <a:lstStyle/>
-          <a:p>
-            <a:pPr marL="342900" indent="-342900">
-              <a:buAutoNum type="arabicPeriod"/>
-            </a:pPr>
-            <a:r>
-              <a:rPr lang="ko-KR" altLang="en-US" dirty="0" smtClean="0"/>
-              <a:t>프로젝트 루트 폴더에 </a:t>
-            </a:r>
-            <a:r>
-              <a:rPr lang="en-US" altLang="ko-KR" dirty="0" err="1" smtClean="0"/>
-              <a:t>jsconfig.json</a:t>
-            </a:r>
-            <a:r>
-              <a:rPr lang="en-US" altLang="ko-KR" dirty="0" smtClean="0"/>
-              <a:t> </a:t>
-            </a:r>
-            <a:r>
-              <a:rPr lang="ko-KR" altLang="en-US" dirty="0" smtClean="0"/>
-              <a:t>파일 생성</a:t>
-            </a:r>
-            <a:endParaRPr lang="en-US" altLang="ko-KR" dirty="0" smtClean="0"/>
-          </a:p>
-          <a:p>
-            <a:pPr marL="342900" indent="-342900">
-              <a:buAutoNum type="arabicPeriod"/>
-            </a:pPr>
-            <a:r>
-              <a:rPr lang="en-US" altLang="ko-KR" dirty="0" err="1" smtClean="0"/>
-              <a:t>Jsconfig.json</a:t>
-            </a:r>
-            <a:r>
-              <a:rPr lang="en-US" altLang="ko-KR" dirty="0" smtClean="0"/>
-              <a:t> </a:t>
-            </a:r>
-            <a:r>
-              <a:rPr lang="ko-KR" altLang="en-US" dirty="0" smtClean="0"/>
-              <a:t>파일에 아래 내용 추가</a:t>
-            </a:r>
-            <a:endParaRPr lang="ko-KR" altLang="en-US" dirty="0"/>
-          </a:p>
-        </p:txBody>
-      </p:sp>
-      <p:sp>
-        <p:nvSpPr>
-          <p:cNvPr id="7" name="TextBox 6"/>
-          <p:cNvSpPr txBox="1"/>
-          <p:nvPr/>
-        </p:nvSpPr>
-        <p:spPr>
-          <a:xfrm>
-            <a:off x="163044" y="200921"/>
-            <a:ext cx="10008295" cy="461665"/>
-          </a:xfrm>
-          <a:prstGeom prst="rect">
-            <a:avLst/>
-          </a:prstGeom>
-          <a:noFill/>
-        </p:spPr>
-        <p:txBody>
-          <a:bodyPr wrap="square" rtlCol="0">
-            <a:spAutoFit/>
-          </a:bodyPr>
-          <a:lstStyle/>
-          <a:p>
-            <a:r>
-              <a:rPr lang="en-US" altLang="ko-KR" sz="2400" b="1" dirty="0" smtClean="0"/>
-              <a:t>1. </a:t>
-            </a:r>
-            <a:r>
-              <a:rPr lang="ko-KR" altLang="en-US" sz="2400" b="1" dirty="0" smtClean="0"/>
-              <a:t>루트 경로 설정</a:t>
-            </a:r>
-            <a:endParaRPr lang="ko-KR" altLang="en-US" sz="2400" b="1" dirty="0"/>
-          </a:p>
-        </p:txBody>
-      </p:sp>
-      <p:sp>
-        <p:nvSpPr>
-          <p:cNvPr id="8" name="TextBox 7"/>
-          <p:cNvSpPr txBox="1"/>
-          <p:nvPr/>
-        </p:nvSpPr>
-        <p:spPr>
-          <a:xfrm>
-            <a:off x="6740724" y="1932709"/>
-            <a:ext cx="4394130" cy="2308324"/>
-          </a:xfrm>
-          <a:prstGeom prst="rect">
-            <a:avLst/>
-          </a:prstGeom>
-          <a:noFill/>
-        </p:spPr>
-        <p:txBody>
-          <a:bodyPr wrap="square" rtlCol="0">
-            <a:spAutoFit/>
-          </a:bodyPr>
-          <a:lstStyle/>
-          <a:p>
-            <a:r>
-              <a:rPr lang="en-US" altLang="ko-KR" dirty="0"/>
-              <a:t>{</a:t>
-            </a:r>
-          </a:p>
-          <a:p>
-            <a:r>
-              <a:rPr lang="en-US" altLang="ko-KR" dirty="0"/>
-              <a:t>    </a:t>
-            </a:r>
-            <a:r>
-              <a:rPr lang="en-US" altLang="ko-KR" dirty="0" smtClean="0"/>
-              <a:t>”</a:t>
-            </a:r>
-            <a:r>
-              <a:rPr lang="en-US" altLang="ko-KR" dirty="0" err="1" smtClean="0"/>
-              <a:t>compilerOptions</a:t>
-            </a:r>
-            <a:r>
-              <a:rPr lang="en-US" altLang="ko-KR" dirty="0" smtClean="0"/>
-              <a:t>”:</a:t>
-            </a:r>
-            <a:r>
-              <a:rPr lang="en-US" altLang="ko-KR" dirty="0"/>
-              <a:t> {</a:t>
-            </a:r>
-          </a:p>
-          <a:p>
-            <a:r>
-              <a:rPr lang="en-US" altLang="ko-KR" dirty="0"/>
-              <a:t>        </a:t>
-            </a:r>
-            <a:r>
-              <a:rPr lang="en-US" altLang="ko-KR" dirty="0" smtClean="0"/>
-              <a:t>”</a:t>
-            </a:r>
-            <a:r>
-              <a:rPr lang="en-US" altLang="ko-KR" dirty="0" err="1" smtClean="0"/>
-              <a:t>baseUrl</a:t>
-            </a:r>
-            <a:r>
-              <a:rPr lang="en-US" altLang="ko-KR" dirty="0" smtClean="0"/>
-              <a:t>”:</a:t>
-            </a:r>
-            <a:r>
-              <a:rPr lang="en-US" altLang="ko-KR" dirty="0"/>
-              <a:t> </a:t>
-            </a:r>
-            <a:r>
-              <a:rPr lang="en-US" altLang="ko-KR" dirty="0" smtClean="0"/>
-              <a:t>”.”</a:t>
-            </a:r>
-            <a:endParaRPr lang="en-US" altLang="ko-KR" dirty="0"/>
-          </a:p>
-          <a:p>
-            <a:r>
-              <a:rPr lang="en-US" altLang="ko-KR" dirty="0"/>
-              <a:t>    },</a:t>
-            </a:r>
-          </a:p>
-          <a:p>
-            <a:r>
-              <a:rPr lang="en-US" altLang="ko-KR" dirty="0"/>
-              <a:t>    </a:t>
-            </a:r>
-            <a:r>
-              <a:rPr lang="en-US" altLang="ko-KR" dirty="0" smtClean="0"/>
-              <a:t>”include”:</a:t>
-            </a:r>
-            <a:r>
-              <a:rPr lang="en-US" altLang="ko-KR" dirty="0"/>
-              <a:t> [</a:t>
-            </a:r>
-          </a:p>
-          <a:p>
-            <a:r>
-              <a:rPr lang="en-US" altLang="ko-KR" dirty="0"/>
-              <a:t>        </a:t>
-            </a:r>
-            <a:r>
-              <a:rPr lang="en-US" altLang="ko-KR" dirty="0" smtClean="0"/>
-              <a:t>”</a:t>
-            </a:r>
-            <a:r>
-              <a:rPr lang="en-US" altLang="ko-KR" dirty="0" err="1" smtClean="0"/>
-              <a:t>src</a:t>
-            </a:r>
-            <a:r>
-              <a:rPr lang="en-US" altLang="ko-KR" dirty="0" smtClean="0"/>
-              <a:t>”</a:t>
-            </a:r>
-            <a:endParaRPr lang="en-US" altLang="ko-KR" dirty="0"/>
-          </a:p>
-          <a:p>
-            <a:r>
-              <a:rPr lang="en-US" altLang="ko-KR" dirty="0"/>
-              <a:t>    ]</a:t>
-            </a:r>
-          </a:p>
-          <a:p>
-            <a:r>
-              <a:rPr lang="en-US" altLang="ko-KR" dirty="0"/>
-              <a:t>}</a:t>
-            </a:r>
-          </a:p>
-        </p:txBody>
-      </p:sp>
       <p:pic>
         <p:nvPicPr>
-          <p:cNvPr id="9" name="그림 8"/>
+          <p:cNvPr id="12" name="그림 11"/>
           <p:cNvPicPr>
             <a:picLocks noChangeAspect="1"/>
           </p:cNvPicPr>
@@ -6550,8 +6555,8 @@
         </p:blipFill>
         <p:spPr>
           <a:xfrm>
-            <a:off x="290785" y="909937"/>
-            <a:ext cx="6154009" cy="5401429"/>
+            <a:off x="263171" y="782344"/>
+            <a:ext cx="11621507" cy="929721"/>
           </a:xfrm>
           <a:prstGeom prst="rect">
             <a:avLst/>
@@ -6560,14 +6565,48 @@
       </p:pic>
       <p:sp>
         <p:nvSpPr>
-          <p:cNvPr id="10" name="직사각형 9"/>
+          <p:cNvPr id="15" name="TextBox 14"/>
+          <p:cNvSpPr txBox="1"/>
+          <p:nvPr/>
+        </p:nvSpPr>
+        <p:spPr>
+          <a:xfrm>
+            <a:off x="163044" y="200921"/>
+            <a:ext cx="11821762" cy="461665"/>
+          </a:xfrm>
+          <a:prstGeom prst="rect">
+            <a:avLst/>
+          </a:prstGeom>
+          <a:noFill/>
+        </p:spPr>
+        <p:txBody>
+          <a:bodyPr wrap="square" rtlCol="0">
+            <a:spAutoFit/>
+          </a:bodyPr>
+          <a:lstStyle/>
+          <a:p>
+            <a:r>
+              <a:rPr lang="en-US" altLang="ko-KR" sz="2400" b="1" dirty="0" smtClean="0"/>
+              <a:t>2. yarn </a:t>
+            </a:r>
+            <a:r>
+              <a:rPr lang="ko-KR" altLang="en-US" sz="2400" b="1" dirty="0" smtClean="0"/>
+              <a:t>보안 오류</a:t>
+            </a:r>
+            <a:endParaRPr lang="ko-KR" altLang="en-US" sz="2400" b="1" dirty="0"/>
+          </a:p>
+        </p:txBody>
+      </p:sp>
+      <p:sp>
+        <p:nvSpPr>
+          <p:cNvPr id="18" name="직사각형 17"/>
           <p:cNvSpPr/>
           <p:nvPr/>
         </p:nvSpPr>
         <p:spPr>
           <a:xfrm>
-            <a:off x="299098" y="5178829"/>
-            <a:ext cx="2319411" cy="232756"/>
+            <a:off x="263171" y="782344"/>
+            <a:ext cx="2278696" cy="157130"/>
           </a:xfrm>
           <a:prstGeom prst="rect">
             <a:avLst/>
@@ -6606,20 +6645,336 @@
       </p:sp>
       <p:sp>
         <p:nvSpPr>
-          <p:cNvPr id="11" name="직사각형 10"/>
+          <p:cNvPr id="19" name="TextBox 18"/>
+          <p:cNvSpPr txBox="1"/>
+          <p:nvPr/>
+        </p:nvSpPr>
+        <p:spPr>
+          <a:xfrm>
+            <a:off x="163044" y="2037673"/>
+            <a:ext cx="11721634" cy="1477328"/>
+          </a:xfrm>
+          <a:prstGeom prst="rect">
+            <a:avLst/>
+          </a:prstGeom>
+          <a:noFill/>
+        </p:spPr>
+        <p:txBody>
+          <a:bodyPr wrap="square" rtlCol="0">
+            <a:spAutoFit/>
+          </a:bodyPr>
+          <a:lstStyle/>
+          <a:p>
+            <a:pPr algn="just">
+              <a:lnSpc>
+                <a:spcPct val="150000"/>
+              </a:lnSpc>
+            </a:pPr>
+            <a:r>
+              <a:rPr lang="en-US" altLang="ko-KR" sz="1200" dirty="0" smtClean="0"/>
+              <a:t>yarn </a:t>
+            </a:r>
+            <a:r>
+              <a:rPr lang="ko-KR" altLang="en-US" sz="1200" dirty="0" smtClean="0"/>
+              <a:t>실행 시</a:t>
+            </a:r>
+            <a:r>
+              <a:rPr lang="en-US" altLang="ko-KR" sz="1200" dirty="0" smtClean="0"/>
+              <a:t>, </a:t>
+            </a:r>
+            <a:r>
+              <a:rPr lang="ko-KR" altLang="en-US" sz="1200" dirty="0" smtClean="0"/>
+              <a:t>보안 정책의 오류로 실행이 불가함</a:t>
+            </a:r>
+            <a:r>
+              <a:rPr lang="en-US" altLang="ko-KR" sz="1200" dirty="0" smtClean="0"/>
+              <a:t>.</a:t>
+            </a:r>
+          </a:p>
+          <a:p>
+            <a:pPr marL="171450" indent="-171450" algn="just">
+              <a:lnSpc>
+                <a:spcPct val="150000"/>
+              </a:lnSpc>
+              <a:buFont typeface="Wingdings" panose="05000000000000000000" pitchFamily="2" charset="2"/>
+              <a:buChar char="Ø"/>
+            </a:pPr>
+            <a:r>
+              <a:rPr lang="en-US" altLang="ko-KR" sz="1200" dirty="0" smtClean="0"/>
+              <a:t>Power-shell</a:t>
+            </a:r>
+            <a:r>
+              <a:rPr lang="ko-KR" altLang="en-US" sz="1200" dirty="0" smtClean="0"/>
+              <a:t>에서 </a:t>
+            </a:r>
+            <a:r>
+              <a:rPr lang="en-US" altLang="ko-KR" sz="1200" dirty="0" err="1" smtClean="0"/>
+              <a:t>ExecutionPolicy</a:t>
+            </a:r>
+            <a:r>
+              <a:rPr lang="en-US" altLang="ko-KR" sz="1200" dirty="0" smtClean="0"/>
+              <a:t> </a:t>
+            </a:r>
+            <a:r>
+              <a:rPr lang="ko-KR" altLang="en-US" sz="1200" dirty="0" smtClean="0"/>
+              <a:t>명령어를 실행 </a:t>
+            </a:r>
+            <a:endParaRPr lang="en-US" altLang="ko-KR" sz="1200" dirty="0" smtClean="0"/>
+          </a:p>
+          <a:p>
+            <a:pPr marL="171450" indent="-171450" algn="just">
+              <a:lnSpc>
+                <a:spcPct val="150000"/>
+              </a:lnSpc>
+              <a:buFont typeface="Wingdings" panose="05000000000000000000" pitchFamily="2" charset="2"/>
+              <a:buChar char="Ø"/>
+            </a:pPr>
+            <a:r>
+              <a:rPr lang="en-US" altLang="ko-KR" sz="1200" dirty="0" smtClean="0"/>
+              <a:t>Restricted </a:t>
+            </a:r>
+            <a:r>
+              <a:rPr lang="ko-KR" altLang="en-US" sz="1200" dirty="0" smtClean="0"/>
+              <a:t>이 표시 </a:t>
+            </a:r>
+            <a:r>
+              <a:rPr lang="en-US" altLang="ko-KR" sz="1200" dirty="0" smtClean="0"/>
+              <a:t>&gt; </a:t>
+            </a:r>
+            <a:r>
+              <a:rPr lang="ko-KR" altLang="en-US" sz="1200" dirty="0" smtClean="0"/>
+              <a:t>이 정책으로 인하여 </a:t>
+            </a:r>
+            <a:r>
+              <a:rPr lang="en-US" altLang="ko-KR" sz="1200" dirty="0" smtClean="0"/>
+              <a:t>yarn </a:t>
+            </a:r>
+            <a:r>
+              <a:rPr lang="ko-KR" altLang="en-US" sz="1200" dirty="0" smtClean="0"/>
+              <a:t>명령어가 실행이 안됨</a:t>
+            </a:r>
+            <a:r>
+              <a:rPr lang="en-US" altLang="ko-KR" sz="1200" dirty="0" smtClean="0"/>
+              <a:t>.</a:t>
+            </a:r>
+          </a:p>
+          <a:p>
+            <a:pPr marL="171450" indent="-171450" algn="just">
+              <a:lnSpc>
+                <a:spcPct val="150000"/>
+              </a:lnSpc>
+              <a:buFont typeface="Wingdings" panose="05000000000000000000" pitchFamily="2" charset="2"/>
+              <a:buChar char="Ø"/>
+            </a:pPr>
+            <a:r>
+              <a:rPr lang="en-US" altLang="ko-KR" sz="1200" dirty="0" smtClean="0"/>
+              <a:t>yarn </a:t>
+            </a:r>
+            <a:r>
+              <a:rPr lang="ko-KR" altLang="en-US" sz="1200" dirty="0" smtClean="0"/>
+              <a:t>실행을 하기 위해서는 </a:t>
+            </a:r>
+            <a:r>
+              <a:rPr lang="en-US" altLang="ko-KR" sz="1200" dirty="0" smtClean="0"/>
+              <a:t>Set-</a:t>
+            </a:r>
+            <a:r>
+              <a:rPr lang="en-US" altLang="ko-KR" sz="1200" dirty="0" err="1" smtClean="0"/>
+              <a:t>ExecutionPolicy</a:t>
+            </a:r>
+            <a:r>
+              <a:rPr lang="en-US" altLang="ko-KR" sz="1200" dirty="0" smtClean="0"/>
+              <a:t> Unrestricted</a:t>
+            </a:r>
+            <a:r>
+              <a:rPr lang="ko-KR" altLang="en-US" sz="1200" dirty="0"/>
+              <a:t> </a:t>
+            </a:r>
+            <a:r>
+              <a:rPr lang="ko-KR" altLang="en-US" sz="1200" dirty="0" smtClean="0"/>
+              <a:t>로 보안정책을 변경해야 함</a:t>
+            </a:r>
+            <a:r>
+              <a:rPr lang="en-US" altLang="ko-KR" sz="1200" dirty="0" smtClean="0"/>
+              <a:t>.</a:t>
+            </a:r>
+          </a:p>
+          <a:p>
+            <a:pPr algn="just">
+              <a:lnSpc>
+                <a:spcPct val="150000"/>
+              </a:lnSpc>
+            </a:pPr>
+            <a:r>
+              <a:rPr lang="en-US" altLang="ko-KR" sz="1200" dirty="0" smtClean="0"/>
+              <a:t>		    </a:t>
+            </a:r>
+            <a:r>
+              <a:rPr lang="en-US" altLang="ko-KR" sz="1100" b="1" dirty="0" smtClean="0">
+                <a:solidFill>
+                  <a:srgbClr val="FF0000"/>
+                </a:solidFill>
+              </a:rPr>
+              <a:t>* </a:t>
+            </a:r>
+            <a:r>
+              <a:rPr lang="ko-KR" altLang="en-US" sz="1100" b="1" dirty="0" smtClean="0">
+                <a:solidFill>
+                  <a:srgbClr val="FF0000"/>
+                </a:solidFill>
+              </a:rPr>
+              <a:t>참고</a:t>
+            </a:r>
+            <a:r>
+              <a:rPr lang="en-US" altLang="ko-KR" sz="1100" b="1" dirty="0" smtClean="0">
+                <a:solidFill>
+                  <a:srgbClr val="FF0000"/>
+                </a:solidFill>
+              </a:rPr>
+              <a:t>: </a:t>
+            </a:r>
+            <a:r>
+              <a:rPr lang="ko-KR" altLang="en-US" sz="1100" b="1" dirty="0" smtClean="0">
+                <a:solidFill>
+                  <a:srgbClr val="FF0000"/>
+                </a:solidFill>
+              </a:rPr>
+              <a:t>보안정책을 변경하기 위해서는 관리자모드로 </a:t>
+            </a:r>
+            <a:r>
+              <a:rPr lang="en-US" altLang="ko-KR" sz="1100" b="1" dirty="0" smtClean="0">
+                <a:solidFill>
+                  <a:srgbClr val="FF0000"/>
+                </a:solidFill>
+              </a:rPr>
+              <a:t>Power-shell</a:t>
+            </a:r>
+            <a:r>
+              <a:rPr lang="ko-KR" altLang="en-US" sz="1100" b="1" dirty="0" smtClean="0">
+                <a:solidFill>
+                  <a:srgbClr val="FF0000"/>
+                </a:solidFill>
+              </a:rPr>
+              <a:t>을 실행해야 함</a:t>
+            </a:r>
+            <a:r>
+              <a:rPr lang="en-US" altLang="ko-KR" sz="1100" b="1" dirty="0" smtClean="0">
+                <a:solidFill>
+                  <a:srgbClr val="FF0000"/>
+                </a:solidFill>
+              </a:rPr>
+              <a:t>.</a:t>
+            </a:r>
+            <a:endParaRPr lang="ko-KR" altLang="en-US" sz="1100" b="1" dirty="0">
+              <a:solidFill>
+                <a:srgbClr val="FF0000"/>
+              </a:solidFill>
+            </a:endParaRPr>
+          </a:p>
+        </p:txBody>
+      </p:sp>
+      <p:cxnSp>
+        <p:nvCxnSpPr>
+          <p:cNvPr id="20" name="직선 화살표 연결선 19"/>
+          <p:cNvCxnSpPr>
+            <a:stCxn id="18" idx="2"/>
+          </p:cNvCxnSpPr>
+          <p:nvPr/>
+        </p:nvCxnSpPr>
+        <p:spPr>
+          <a:xfrm>
+            <a:off x="1402519" y="939474"/>
+            <a:ext cx="5141" cy="1107831"/>
+          </a:xfrm>
+          <a:prstGeom prst="straightConnector1">
+            <a:avLst/>
+          </a:prstGeom>
+          <a:ln w="19050">
+            <a:solidFill>
+              <a:srgbClr val="00B0F0"/>
+            </a:solidFill>
+            <a:tailEnd type="triangle"/>
+          </a:ln>
+        </p:spPr>
+        <p:style>
+          <a:lnRef idx="1">
+            <a:schemeClr val="accent1"/>
+          </a:lnRef>
+          <a:fillRef idx="0">
+            <a:schemeClr val="accent1"/>
+          </a:fillRef>
+          <a:effectRef idx="0">
+            <a:schemeClr val="accent1"/>
+          </a:effectRef>
+          <a:fontRef idx="minor">
+            <a:schemeClr val="tx1"/>
+          </a:fontRef>
+        </p:style>
+      </p:cxnSp>
+      <p:pic>
+        <p:nvPicPr>
+          <p:cNvPr id="21" name="그림 20"/>
+          <p:cNvPicPr>
+            <a:picLocks noChangeAspect="1"/>
+          </p:cNvPicPr>
+          <p:nvPr/>
+        </p:nvPicPr>
+        <p:blipFill>
+          <a:blip r:embed="rId3"/>
+          <a:stretch>
+            <a:fillRect/>
+          </a:stretch>
+        </p:blipFill>
+        <p:spPr>
+          <a:xfrm>
+            <a:off x="2306832" y="3542218"/>
+            <a:ext cx="6454699" cy="1844200"/>
+          </a:xfrm>
+          <a:prstGeom prst="rect">
+            <a:avLst/>
+          </a:prstGeom>
+        </p:spPr>
+      </p:pic>
+      <p:pic>
+        <p:nvPicPr>
+          <p:cNvPr id="22" name="그림 21"/>
+          <p:cNvPicPr>
+            <a:picLocks noChangeAspect="1"/>
+          </p:cNvPicPr>
+          <p:nvPr/>
+        </p:nvPicPr>
+        <p:blipFill>
+          <a:blip r:embed="rId4"/>
+          <a:stretch>
+            <a:fillRect/>
+          </a:stretch>
+        </p:blipFill>
+        <p:spPr>
+          <a:xfrm>
+            <a:off x="4089802" y="4597074"/>
+            <a:ext cx="7895004" cy="2225233"/>
+          </a:xfrm>
+          <a:prstGeom prst="rect">
+            <a:avLst/>
+          </a:prstGeom>
+        </p:spPr>
+      </p:pic>
+      <p:sp>
+        <p:nvSpPr>
+          <p:cNvPr id="23" name="직사각형 22"/>
           <p:cNvSpPr/>
           <p:nvPr/>
         </p:nvSpPr>
         <p:spPr>
           <a:xfrm>
-            <a:off x="299098" y="1393831"/>
-            <a:ext cx="2319411" cy="232756"/>
+            <a:off x="2306832" y="3709052"/>
+            <a:ext cx="6454699" cy="624254"/>
           </a:xfrm>
           <a:prstGeom prst="rect">
             <a:avLst/>
           </a:prstGeom>
           <a:noFill/>
-          <a:ln w="28575">
+          <a:ln w="38100">
             <a:solidFill>
               <a:srgbClr val="00B0F0"/>
             </a:solidFill>
@@ -6650,60 +7005,22 @@
           </a:p>
         </p:txBody>
       </p:sp>
-      <p:cxnSp>
-        <p:nvCxnSpPr>
-          <p:cNvPr id="13" name="직선 화살표 연결선 12"/>
-          <p:cNvCxnSpPr>
-            <a:stCxn id="11" idx="2"/>
-          </p:cNvCxnSpPr>
-          <p:nvPr/>
-        </p:nvCxnSpPr>
-        <p:spPr>
-          <a:xfrm flipH="1">
-            <a:off x="1458803" y="1626587"/>
-            <a:ext cx="1" cy="3552242"/>
-          </a:xfrm>
-          <a:prstGeom prst="straightConnector1">
-            <a:avLst/>
-          </a:prstGeom>
-          <a:ln w="28575">
-            <a:solidFill>
-              <a:srgbClr val="00B0F0"/>
-            </a:solidFill>
-            <a:tailEnd type="triangle"/>
-          </a:ln>
-        </p:spPr>
-        <p:style>
-          <a:lnRef idx="1">
-            <a:schemeClr val="accent1"/>
-          </a:lnRef>
-          <a:fillRef idx="0">
-            <a:schemeClr val="accent1"/>
-          </a:fillRef>
-          <a:effectRef idx="0">
-            <a:schemeClr val="accent1"/>
-          </a:effectRef>
-          <a:fontRef idx="minor">
-            <a:schemeClr val="tx1"/>
-          </a:fontRef>
-        </p:style>
-      </p:cxnSp>
-      <p:sp>
-        <p:nvSpPr>
-          <p:cNvPr id="14" name="직사각형 13"/>
+      <p:sp>
+        <p:nvSpPr>
+          <p:cNvPr id="24" name="직사각형 23"/>
           <p:cNvSpPr/>
           <p:nvPr/>
         </p:nvSpPr>
         <p:spPr>
           <a:xfrm>
-            <a:off x="3200401" y="1180408"/>
-            <a:ext cx="1945179" cy="1504603"/>
+            <a:off x="4089802" y="4597074"/>
+            <a:ext cx="7895004" cy="2225233"/>
           </a:xfrm>
           <a:prstGeom prst="rect">
             <a:avLst/>
           </a:prstGeom>
           <a:noFill/>
-          <a:ln w="28575">
+          <a:ln w="38100">
             <a:solidFill>
               <a:srgbClr val="00B0F0"/>
             </a:solidFill>
@@ -6734,16 +7051,54 @@
           </a:p>
         </p:txBody>
       </p:sp>
-      <p:sp>
-        <p:nvSpPr>
-          <p:cNvPr id="16" name="TextBox 15"/>
+      <p:cxnSp>
+        <p:nvCxnSpPr>
+          <p:cNvPr id="25" name="직선 화살표 연결선 24"/>
+          <p:cNvCxnSpPr>
+            <a:stCxn id="23" idx="2"/>
+          </p:cNvCxnSpPr>
+          <p:nvPr/>
+        </p:nvCxnSpPr>
+        <p:spPr>
+          <a:xfrm flipH="1">
+            <a:off x="5534181" y="4333306"/>
+            <a:ext cx="1" cy="263768"/>
+          </a:xfrm>
+          <a:prstGeom prst="straightConnector1">
+            <a:avLst/>
+          </a:prstGeom>
+          <a:ln w="19050">
+            <a:solidFill>
+              <a:srgbClr val="00B0F0"/>
+            </a:solidFill>
+            <a:tailEnd type="triangle"/>
+          </a:ln>
+        </p:spPr>
+        <p:style>
+          <a:lnRef idx="1">
+            <a:schemeClr val="accent1"/>
+          </a:lnRef>
+          <a:fillRef idx="0">
+            <a:schemeClr val="accent1"/>
+          </a:fillRef>
+          <a:effectRef idx="0">
+            <a:schemeClr val="accent1"/>
+          </a:effectRef>
+          <a:fontRef idx="minor">
+            <a:schemeClr val="tx1"/>
+          </a:fontRef>
+        </p:style>
+      </p:cxnSp>
+      <p:sp>
+        <p:nvSpPr>
+          <p:cNvPr id="7" name="TextBox 6"/>
           <p:cNvSpPr txBox="1"/>
           <p:nvPr/>
         </p:nvSpPr>
         <p:spPr>
           <a:xfrm>
-            <a:off x="1396538" y="3248819"/>
-            <a:ext cx="473826" cy="307777"/>
+            <a:off x="163044" y="200921"/>
+            <a:ext cx="10008295" cy="461665"/>
           </a:xfrm>
           <a:prstGeom prst="rect">
             <a:avLst/>
@@ -6756,66 +7111,21 @@
           </a:bodyPr>
           <a:lstStyle/>
           <a:p>
-            <a:pPr algn="ctr"/>
-            <a:r>
-              <a:rPr lang="ko-KR" altLang="en-US" sz="1400" b="1" dirty="0" smtClean="0">
-                <a:solidFill>
-                  <a:srgbClr val="00B0F0"/>
-                </a:solidFill>
-              </a:rPr>
-              <a:t>①</a:t>
-            </a:r>
-            <a:endParaRPr lang="ko-KR" altLang="en-US" sz="1400" b="1" dirty="0">
-              <a:solidFill>
-                <a:srgbClr val="00B0F0"/>
-              </a:solidFill>
-            </a:endParaRPr>
-          </a:p>
-        </p:txBody>
-      </p:sp>
-      <p:sp>
-        <p:nvSpPr>
-          <p:cNvPr id="17" name="TextBox 16"/>
-          <p:cNvSpPr txBox="1"/>
-          <p:nvPr/>
-        </p:nvSpPr>
-        <p:spPr>
-          <a:xfrm>
-            <a:off x="4832637" y="2647705"/>
-            <a:ext cx="473826" cy="307777"/>
-          </a:xfrm>
-          <a:prstGeom prst="rect">
-            <a:avLst/>
-          </a:prstGeom>
-          <a:noFill/>
-        </p:spPr>
-        <p:txBody>
-          <a:bodyPr wrap="square" rtlCol="0">
-            <a:spAutoFit/>
-          </a:bodyPr>
-          <a:lstStyle/>
-          <a:p>
-            <a:pPr algn="ctr"/>
-            <a:r>
-              <a:rPr lang="ko-KR" altLang="en-US" sz="1400" b="1" dirty="0" smtClean="0">
-                <a:solidFill>
-                  <a:srgbClr val="00B0F0"/>
-                </a:solidFill>
-              </a:rPr>
-              <a:t>②</a:t>
-            </a:r>
-            <a:endParaRPr lang="ko-KR" altLang="en-US" sz="1400" b="1" dirty="0">
-              <a:solidFill>
-                <a:srgbClr val="00B0F0"/>
-              </a:solidFill>
-            </a:endParaRPr>
+            <a:r>
+              <a:rPr lang="en-US" altLang="ko-KR" sz="2400" b="1" dirty="0"/>
+              <a:t>2. yarn </a:t>
+            </a:r>
+            <a:r>
+              <a:rPr lang="ko-KR" altLang="en-US" sz="2400" b="1" dirty="0"/>
+              <a:t>보안 오류</a:t>
+            </a:r>
           </a:p>
         </p:txBody>
       </p:sp>
     </p:spTree>
     <p:extLst>
       <p:ext uri="{BB962C8B-B14F-4D97-AF65-F5344CB8AC3E}">
-        <p14:creationId xmlns:p14="http://schemas.microsoft.com/office/powerpoint/2010/main" val="3737818282"/>
+        <p14:creationId xmlns:p14="http://schemas.microsoft.com/office/powerpoint/2010/main" val="722635239"/>
       </p:ext>
     </p:extLst>
   </p:cSld>
@@ -6842,593 +7152,68 @@
           <a:chExt cx="0" cy="0"/>
         </a:xfrm>
       </p:grpSpPr>
-      <p:pic>
-        <p:nvPicPr>
-          <p:cNvPr id="12" name="그림 11"/>
-          <p:cNvPicPr>
-            <a:picLocks noChangeAspect="1"/>
-          </p:cNvPicPr>
-          <p:nvPr/>
-        </p:nvPicPr>
-        <p:blipFill>
-          <a:blip r:embed="rId2"/>
-          <a:stretch>
-            <a:fillRect/>
-          </a:stretch>
-        </p:blipFill>
-        <p:spPr>
-          <a:xfrm>
-            <a:off x="263171" y="782344"/>
-            <a:ext cx="11621507" cy="929721"/>
-          </a:xfrm>
-          <a:prstGeom prst="rect">
-            <a:avLst/>
-          </a:prstGeom>
-        </p:spPr>
-      </p:pic>
-      <p:sp>
-        <p:nvSpPr>
-          <p:cNvPr id="15" name="TextBox 14"/>
-          <p:cNvSpPr txBox="1"/>
-          <p:nvPr/>
-        </p:nvSpPr>
-        <p:spPr>
-          <a:xfrm>
-            <a:off x="163044" y="200921"/>
-            <a:ext cx="11821762" cy="461665"/>
-          </a:xfrm>
-          <a:prstGeom prst="rect">
-            <a:avLst/>
-          </a:prstGeom>
-          <a:noFill/>
-        </p:spPr>
-        <p:txBody>
-          <a:bodyPr wrap="square" rtlCol="0">
-            <a:spAutoFit/>
-          </a:bodyPr>
-          <a:lstStyle/>
-          <a:p>
-            <a:r>
-              <a:rPr lang="en-US" altLang="ko-KR" sz="2400" b="1" dirty="0" smtClean="0"/>
-              <a:t>2. yarn </a:t>
-            </a:r>
-            <a:r>
-              <a:rPr lang="ko-KR" altLang="en-US" sz="2400" b="1" dirty="0" smtClean="0"/>
-              <a:t>보안 오류</a:t>
-            </a:r>
-            <a:endParaRPr lang="ko-KR" altLang="en-US" sz="2400" b="1" dirty="0"/>
-          </a:p>
-        </p:txBody>
-      </p:sp>
-      <p:sp>
-        <p:nvSpPr>
-          <p:cNvPr id="18" name="직사각형 17"/>
-          <p:cNvSpPr/>
-          <p:nvPr/>
-        </p:nvSpPr>
-        <p:spPr>
-          <a:xfrm>
-            <a:off x="263171" y="782344"/>
-            <a:ext cx="2278696" cy="157130"/>
-          </a:xfrm>
-          <a:prstGeom prst="rect">
-            <a:avLst/>
-          </a:prstGeom>
-          <a:noFill/>
-          <a:ln w="28575">
-            <a:solidFill>
-              <a:srgbClr val="00B0F0"/>
-            </a:solidFill>
-          </a:ln>
-        </p:spPr>
-        <p:style>
-          <a:lnRef idx="2">
-            <a:schemeClr val="accent1">
-              <a:shade val="50000"/>
-            </a:schemeClr>
-          </a:lnRef>
-          <a:fillRef idx="1">
-            <a:schemeClr val="accent1"/>
-          </a:fillRef>
-          <a:effectRef idx="0">
-            <a:schemeClr val="accent1"/>
-          </a:effectRef>
-          <a:fontRef idx="minor">
-            <a:schemeClr val="lt1"/>
-          </a:fontRef>
-        </p:style>
-        <p:txBody>
-          <a:bodyPr rtlCol="0" anchor="ctr"/>
-          <a:lstStyle/>
-          <a:p>
-            <a:pPr algn="ctr"/>
-            <a:endParaRPr lang="ko-KR" altLang="en-US"/>
-          </a:p>
-        </p:txBody>
-      </p:sp>
-      <p:sp>
-        <p:nvSpPr>
-          <p:cNvPr id="19" name="TextBox 18"/>
-          <p:cNvSpPr txBox="1"/>
-          <p:nvPr/>
-        </p:nvSpPr>
-        <p:spPr>
-          <a:xfrm>
-            <a:off x="163044" y="2037673"/>
-            <a:ext cx="11721634" cy="1477328"/>
-          </a:xfrm>
-          <a:prstGeom prst="rect">
-            <a:avLst/>
-          </a:prstGeom>
-          <a:noFill/>
-        </p:spPr>
-        <p:txBody>
-          <a:bodyPr wrap="square" rtlCol="0">
-            <a:spAutoFit/>
-          </a:bodyPr>
-          <a:lstStyle/>
-          <a:p>
-            <a:pPr algn="just">
-              <a:lnSpc>
-                <a:spcPct val="150000"/>
-              </a:lnSpc>
-            </a:pPr>
-            <a:r>
-              <a:rPr lang="en-US" altLang="ko-KR" sz="1200" dirty="0" smtClean="0"/>
-              <a:t>yarn </a:t>
-            </a:r>
-            <a:r>
-              <a:rPr lang="ko-KR" altLang="en-US" sz="1200" dirty="0" smtClean="0"/>
-              <a:t>실행 시</a:t>
-            </a:r>
-            <a:r>
-              <a:rPr lang="en-US" altLang="ko-KR" sz="1200" dirty="0" smtClean="0"/>
-              <a:t>, </a:t>
-            </a:r>
-            <a:r>
-              <a:rPr lang="ko-KR" altLang="en-US" sz="1200" dirty="0" smtClean="0"/>
-              <a:t>보안 정책의 오류로 실행이 불가함</a:t>
-            </a:r>
-            <a:r>
-              <a:rPr lang="en-US" altLang="ko-KR" sz="1200" dirty="0" smtClean="0"/>
-              <a:t>.</a:t>
-            </a:r>
-          </a:p>
-          <a:p>
-            <a:pPr marL="171450" indent="-171450" algn="just">
-              <a:lnSpc>
-                <a:spcPct val="150000"/>
-              </a:lnSpc>
-              <a:buFont typeface="Wingdings" panose="05000000000000000000" pitchFamily="2" charset="2"/>
-              <a:buChar char="Ø"/>
-            </a:pPr>
-            <a:r>
-              <a:rPr lang="en-US" altLang="ko-KR" sz="1200" dirty="0" smtClean="0"/>
-              <a:t>Power-shell</a:t>
-            </a:r>
-            <a:r>
-              <a:rPr lang="ko-KR" altLang="en-US" sz="1200" dirty="0" smtClean="0"/>
-              <a:t>에서 </a:t>
-            </a:r>
-            <a:r>
-              <a:rPr lang="en-US" altLang="ko-KR" sz="1200" dirty="0" err="1" smtClean="0"/>
-              <a:t>ExecutionPolicy</a:t>
-            </a:r>
-            <a:r>
-              <a:rPr lang="en-US" altLang="ko-KR" sz="1200" dirty="0" smtClean="0"/>
-              <a:t> </a:t>
-            </a:r>
-            <a:r>
-              <a:rPr lang="ko-KR" altLang="en-US" sz="1200" dirty="0" smtClean="0"/>
-              <a:t>명령어를 실행 </a:t>
-            </a:r>
-            <a:endParaRPr lang="en-US" altLang="ko-KR" sz="1200" dirty="0" smtClean="0"/>
-          </a:p>
-          <a:p>
-            <a:pPr marL="171450" indent="-171450" algn="just">
-              <a:lnSpc>
-                <a:spcPct val="150000"/>
-              </a:lnSpc>
-              <a:buFont typeface="Wingdings" panose="05000000000000000000" pitchFamily="2" charset="2"/>
-              <a:buChar char="Ø"/>
-            </a:pPr>
-            <a:r>
-              <a:rPr lang="en-US" altLang="ko-KR" sz="1200" dirty="0" smtClean="0"/>
-              <a:t>Restricted </a:t>
-            </a:r>
-            <a:r>
-              <a:rPr lang="ko-KR" altLang="en-US" sz="1200" dirty="0" smtClean="0"/>
-              <a:t>이 표시 </a:t>
-            </a:r>
-            <a:r>
-              <a:rPr lang="en-US" altLang="ko-KR" sz="1200" dirty="0" smtClean="0"/>
-              <a:t>&gt; </a:t>
-            </a:r>
-            <a:r>
-              <a:rPr lang="ko-KR" altLang="en-US" sz="1200" dirty="0" smtClean="0"/>
-              <a:t>이 정책으로 인하여 </a:t>
-            </a:r>
-            <a:r>
-              <a:rPr lang="en-US" altLang="ko-KR" sz="1200" dirty="0" smtClean="0"/>
-              <a:t>yarn </a:t>
-            </a:r>
-            <a:r>
-              <a:rPr lang="ko-KR" altLang="en-US" sz="1200" dirty="0" smtClean="0"/>
-              <a:t>명령어가 실행이 안됨</a:t>
-            </a:r>
-            <a:r>
-              <a:rPr lang="en-US" altLang="ko-KR" sz="1200" dirty="0" smtClean="0"/>
-              <a:t>.</a:t>
-            </a:r>
-          </a:p>
-          <a:p>
-            <a:pPr marL="171450" indent="-171450" algn="just">
-              <a:lnSpc>
-                <a:spcPct val="150000"/>
-              </a:lnSpc>
-              <a:buFont typeface="Wingdings" panose="05000000000000000000" pitchFamily="2" charset="2"/>
-              <a:buChar char="Ø"/>
-            </a:pPr>
-            <a:r>
-              <a:rPr lang="en-US" altLang="ko-KR" sz="1200" dirty="0" smtClean="0"/>
-              <a:t>yarn </a:t>
-            </a:r>
-            <a:r>
-              <a:rPr lang="ko-KR" altLang="en-US" sz="1200" dirty="0" smtClean="0"/>
-              <a:t>실행을 하기 위해서는 </a:t>
-            </a:r>
-            <a:r>
-              <a:rPr lang="en-US" altLang="ko-KR" sz="1200" dirty="0" smtClean="0"/>
-              <a:t>Set-</a:t>
-            </a:r>
-            <a:r>
-              <a:rPr lang="en-US" altLang="ko-KR" sz="1200" dirty="0" err="1" smtClean="0"/>
-              <a:t>ExecutionPolicy</a:t>
-            </a:r>
-            <a:r>
-              <a:rPr lang="en-US" altLang="ko-KR" sz="1200" dirty="0" smtClean="0"/>
-              <a:t> Unrestricted</a:t>
-            </a:r>
-            <a:r>
-              <a:rPr lang="ko-KR" altLang="en-US" sz="1200" dirty="0"/>
-              <a:t> </a:t>
-            </a:r>
-            <a:r>
-              <a:rPr lang="ko-KR" altLang="en-US" sz="1200" dirty="0" smtClean="0"/>
-              <a:t>로 보안정책을 변경해야 함</a:t>
-            </a:r>
-            <a:r>
-              <a:rPr lang="en-US" altLang="ko-KR" sz="1200" dirty="0" smtClean="0"/>
-              <a:t>.</a:t>
-            </a:r>
-          </a:p>
-          <a:p>
-            <a:pPr algn="just">
-              <a:lnSpc>
-                <a:spcPct val="150000"/>
-              </a:lnSpc>
-            </a:pPr>
-            <a:r>
-              <a:rPr lang="en-US" altLang="ko-KR" sz="1200" dirty="0" smtClean="0"/>
-              <a:t>		    </a:t>
-            </a:r>
-            <a:r>
-              <a:rPr lang="en-US" altLang="ko-KR" sz="1100" b="1" dirty="0" smtClean="0">
-                <a:solidFill>
-                  <a:srgbClr val="FF0000"/>
-                </a:solidFill>
-              </a:rPr>
-              <a:t>* </a:t>
-            </a:r>
-            <a:r>
-              <a:rPr lang="ko-KR" altLang="en-US" sz="1100" b="1" dirty="0" smtClean="0">
-                <a:solidFill>
-                  <a:srgbClr val="FF0000"/>
-                </a:solidFill>
-              </a:rPr>
-              <a:t>참고</a:t>
-            </a:r>
-            <a:r>
-              <a:rPr lang="en-US" altLang="ko-KR" sz="1100" b="1" dirty="0" smtClean="0">
-                <a:solidFill>
-                  <a:srgbClr val="FF0000"/>
-                </a:solidFill>
-              </a:rPr>
-              <a:t>: </a:t>
-            </a:r>
-            <a:r>
-              <a:rPr lang="ko-KR" altLang="en-US" sz="1100" b="1" dirty="0" smtClean="0">
-                <a:solidFill>
-                  <a:srgbClr val="FF0000"/>
-                </a:solidFill>
-              </a:rPr>
-              <a:t>보안정책을 변경하기 위해서는 관리자모드로 </a:t>
-            </a:r>
-            <a:r>
-              <a:rPr lang="en-US" altLang="ko-KR" sz="1100" b="1" dirty="0" smtClean="0">
-                <a:solidFill>
-                  <a:srgbClr val="FF0000"/>
-                </a:solidFill>
-              </a:rPr>
-              <a:t>Power-shell</a:t>
-            </a:r>
-            <a:r>
-              <a:rPr lang="ko-KR" altLang="en-US" sz="1100" b="1" dirty="0" smtClean="0">
-                <a:solidFill>
-                  <a:srgbClr val="FF0000"/>
-                </a:solidFill>
-              </a:rPr>
-              <a:t>을 실행해야 함</a:t>
-            </a:r>
-            <a:r>
-              <a:rPr lang="en-US" altLang="ko-KR" sz="1100" b="1" dirty="0" smtClean="0">
-                <a:solidFill>
-                  <a:srgbClr val="FF0000"/>
-                </a:solidFill>
-              </a:rPr>
-              <a:t>.</a:t>
-            </a:r>
-            <a:endParaRPr lang="ko-KR" altLang="en-US" sz="1100" b="1" dirty="0">
-              <a:solidFill>
-                <a:srgbClr val="FF0000"/>
-              </a:solidFill>
-            </a:endParaRPr>
-          </a:p>
-        </p:txBody>
-      </p:sp>
-      <p:cxnSp>
-        <p:nvCxnSpPr>
-          <p:cNvPr id="20" name="직선 화살표 연결선 19"/>
-          <p:cNvCxnSpPr>
-            <a:stCxn id="18" idx="2"/>
-          </p:cNvCxnSpPr>
-          <p:nvPr/>
-        </p:nvCxnSpPr>
-        <p:spPr>
-          <a:xfrm>
-            <a:off x="1402519" y="939474"/>
-            <a:ext cx="5141" cy="1107831"/>
-          </a:xfrm>
-          <a:prstGeom prst="straightConnector1">
-            <a:avLst/>
-          </a:prstGeom>
-          <a:ln w="19050">
-            <a:solidFill>
-              <a:srgbClr val="00B0F0"/>
-            </a:solidFill>
-            <a:tailEnd type="triangle"/>
-          </a:ln>
-        </p:spPr>
-        <p:style>
-          <a:lnRef idx="1">
-            <a:schemeClr val="accent1"/>
-          </a:lnRef>
-          <a:fillRef idx="0">
-            <a:schemeClr val="accent1"/>
-          </a:fillRef>
-          <a:effectRef idx="0">
-            <a:schemeClr val="accent1"/>
-          </a:effectRef>
-          <a:fontRef idx="minor">
-            <a:schemeClr val="tx1"/>
-          </a:fontRef>
-        </p:style>
-      </p:cxnSp>
-      <p:pic>
-        <p:nvPicPr>
-          <p:cNvPr id="21" name="그림 20"/>
-          <p:cNvPicPr>
-            <a:picLocks noChangeAspect="1"/>
-          </p:cNvPicPr>
-          <p:nvPr/>
-        </p:nvPicPr>
-        <p:blipFill>
-          <a:blip r:embed="rId3"/>
-          <a:stretch>
-            <a:fillRect/>
-          </a:stretch>
-        </p:blipFill>
-        <p:spPr>
-          <a:xfrm>
-            <a:off x="2306832" y="3542218"/>
-            <a:ext cx="6454699" cy="1844200"/>
-          </a:xfrm>
-          <a:prstGeom prst="rect">
-            <a:avLst/>
-          </a:prstGeom>
-        </p:spPr>
-      </p:pic>
-      <p:pic>
-        <p:nvPicPr>
-          <p:cNvPr id="22" name="그림 21"/>
-          <p:cNvPicPr>
-            <a:picLocks noChangeAspect="1"/>
-          </p:cNvPicPr>
-          <p:nvPr/>
-        </p:nvPicPr>
-        <p:blipFill>
-          <a:blip r:embed="rId4"/>
-          <a:stretch>
-            <a:fillRect/>
-          </a:stretch>
-        </p:blipFill>
-        <p:spPr>
-          <a:xfrm>
-            <a:off x="4089802" y="4597074"/>
-            <a:ext cx="7895004" cy="2225233"/>
-          </a:xfrm>
-          <a:prstGeom prst="rect">
-            <a:avLst/>
-          </a:prstGeom>
-        </p:spPr>
-      </p:pic>
-      <p:sp>
-        <p:nvSpPr>
-          <p:cNvPr id="23" name="직사각형 22"/>
-          <p:cNvSpPr/>
-          <p:nvPr/>
-        </p:nvSpPr>
-        <p:spPr>
-          <a:xfrm>
-            <a:off x="2306832" y="3709052"/>
-            <a:ext cx="6454699" cy="624254"/>
-          </a:xfrm>
-          <a:prstGeom prst="rect">
-            <a:avLst/>
-          </a:prstGeom>
-          <a:noFill/>
-          <a:ln w="38100">
-            <a:solidFill>
-              <a:srgbClr val="00B0F0"/>
-            </a:solidFill>
-          </a:ln>
-        </p:spPr>
-        <p:style>
-          <a:lnRef idx="2">
-            <a:schemeClr val="accent1">
-              <a:shade val="50000"/>
-            </a:schemeClr>
-          </a:lnRef>
-          <a:fillRef idx="1">
-            <a:schemeClr val="accent1"/>
-          </a:fillRef>
-          <a:effectRef idx="0">
-            <a:schemeClr val="accent1"/>
-          </a:effectRef>
-          <a:fontRef idx="minor">
-            <a:schemeClr val="lt1"/>
-          </a:fontRef>
-        </p:style>
-        <p:txBody>
-          <a:bodyPr rtlCol="0" anchor="ctr"/>
-          <a:lstStyle/>
-          <a:p>
-            <a:pPr algn="ctr"/>
-            <a:endParaRPr lang="ko-KR" altLang="en-US"/>
-          </a:p>
-        </p:txBody>
-      </p:sp>
-      <p:sp>
-        <p:nvSpPr>
-          <p:cNvPr id="24" name="직사각형 23"/>
-          <p:cNvSpPr/>
-          <p:nvPr/>
-        </p:nvSpPr>
-        <p:spPr>
-          <a:xfrm>
-            <a:off x="4089802" y="4597074"/>
-            <a:ext cx="7895004" cy="2225233"/>
-          </a:xfrm>
-          <a:prstGeom prst="rect">
-            <a:avLst/>
-          </a:prstGeom>
-          <a:noFill/>
-          <a:ln w="38100">
-            <a:solidFill>
-              <a:srgbClr val="00B0F0"/>
-            </a:solidFill>
-          </a:ln>
-        </p:spPr>
-        <p:style>
-          <a:lnRef idx="2">
-            <a:schemeClr val="accent1">
-              <a:shade val="50000"/>
-            </a:schemeClr>
-          </a:lnRef>
-          <a:fillRef idx="1">
-            <a:schemeClr val="accent1"/>
-          </a:fillRef>
-          <a:effectRef idx="0">
-            <a:schemeClr val="accent1"/>
-          </a:effectRef>
-          <a:fontRef idx="minor">
-            <a:schemeClr val="lt1"/>
-          </a:fontRef>
-        </p:style>
-        <p:txBody>
-          <a:bodyPr rtlCol="0" anchor="ctr"/>
-          <a:lstStyle/>
-          <a:p>
-            <a:pPr algn="ctr"/>
-            <a:endParaRPr lang="ko-KR" altLang="en-US"/>
-          </a:p>
-        </p:txBody>
-      </p:sp>
-      <p:cxnSp>
-        <p:nvCxnSpPr>
-          <p:cNvPr id="25" name="직선 화살표 연결선 24"/>
-          <p:cNvCxnSpPr>
-            <a:stCxn id="23" idx="2"/>
-          </p:cNvCxnSpPr>
-          <p:nvPr/>
-        </p:nvCxnSpPr>
-        <p:spPr>
-          <a:xfrm flipH="1">
-            <a:off x="5534181" y="4333306"/>
-            <a:ext cx="1" cy="263768"/>
-          </a:xfrm>
-          <a:prstGeom prst="straightConnector1">
-            <a:avLst/>
-          </a:prstGeom>
-          <a:ln w="19050">
-            <a:solidFill>
-              <a:srgbClr val="00B0F0"/>
-            </a:solidFill>
-            <a:tailEnd type="triangle"/>
-          </a:ln>
-        </p:spPr>
-        <p:style>
-          <a:lnRef idx="1">
-            <a:schemeClr val="accent1"/>
-          </a:lnRef>
-          <a:fillRef idx="0">
-            <a:schemeClr val="accent1"/>
-          </a:fillRef>
-          <a:effectRef idx="0">
-            <a:schemeClr val="accent1"/>
-          </a:effectRef>
-          <a:fontRef idx="minor">
-            <a:schemeClr val="tx1"/>
-          </a:fontRef>
-        </p:style>
-      </p:cxnSp>
-      <p:sp>
-        <p:nvSpPr>
-          <p:cNvPr id="7" name="TextBox 6"/>
-          <p:cNvSpPr txBox="1"/>
-          <p:nvPr/>
-        </p:nvSpPr>
-        <p:spPr>
-          <a:xfrm>
-            <a:off x="163044" y="200921"/>
-            <a:ext cx="10008295" cy="461665"/>
-          </a:xfrm>
-          <a:prstGeom prst="rect">
-            <a:avLst/>
-          </a:prstGeom>
-          <a:noFill/>
-        </p:spPr>
-        <p:txBody>
-          <a:bodyPr wrap="square" rtlCol="0">
-            <a:spAutoFit/>
-          </a:bodyPr>
-          <a:lstStyle/>
-          <a:p>
-            <a:r>
-              <a:rPr lang="en-US" altLang="ko-KR" sz="2400" b="1" dirty="0"/>
-              <a:t>2. yarn </a:t>
-            </a:r>
-            <a:r>
-              <a:rPr lang="ko-KR" altLang="en-US" sz="2400" b="1" dirty="0"/>
-              <a:t>보안 오류</a:t>
-            </a:r>
+      <p:sp>
+        <p:nvSpPr>
+          <p:cNvPr id="2" name="제목 1"/>
+          <p:cNvSpPr>
+            <a:spLocks noGrp="1"/>
+          </p:cNvSpPr>
+          <p:nvPr>
+            <p:ph type="ctrTitle"/>
+          </p:nvPr>
+        </p:nvSpPr>
+        <p:spPr/>
+        <p:txBody>
+          <a:bodyPr/>
+          <a:lstStyle/>
+          <a:p>
+            <a:r>
+              <a:rPr lang="en-US" altLang="ko-KR" dirty="0" smtClean="0"/>
+              <a:t>React</a:t>
+            </a:r>
+            <a:endParaRPr lang="ko-KR" altLang="en-US" dirty="0"/>
+          </a:p>
+        </p:txBody>
+      </p:sp>
+      <p:sp>
+        <p:nvSpPr>
+          <p:cNvPr id="3" name="부제목 2"/>
+          <p:cNvSpPr>
+            <a:spLocks noGrp="1"/>
+          </p:cNvSpPr>
+          <p:nvPr>
+            <p:ph type="subTitle" idx="1"/>
+          </p:nvPr>
+        </p:nvSpPr>
+        <p:spPr/>
+        <p:txBody>
+          <a:bodyPr/>
+          <a:lstStyle/>
+          <a:p>
+            <a:r>
+              <a:rPr lang="ko-KR" altLang="en-US" dirty="0" smtClean="0"/>
+              <a:t>기타 </a:t>
+            </a:r>
+            <a:r>
+              <a:rPr lang="en-US" altLang="ko-KR" dirty="0" smtClean="0"/>
+              <a:t>- </a:t>
+            </a:r>
+            <a:r>
+              <a:rPr lang="ko-KR" altLang="en-US" dirty="0" err="1" smtClean="0"/>
+              <a:t>환경별</a:t>
+            </a:r>
+            <a:r>
+              <a:rPr lang="ko-KR" altLang="en-US" dirty="0" smtClean="0"/>
+              <a:t> 변수 추가 및 사용</a:t>
+            </a:r>
+            <a:endParaRPr lang="ko-KR" altLang="en-US" dirty="0"/>
           </a:p>
         </p:txBody>
       </p:sp>
     </p:spTree>
     <p:extLst>
       <p:ext uri="{BB962C8B-B14F-4D97-AF65-F5344CB8AC3E}">
-        <p14:creationId xmlns:p14="http://schemas.microsoft.com/office/powerpoint/2010/main" val="722635239"/>
+        <p14:creationId xmlns:p14="http://schemas.microsoft.com/office/powerpoint/2010/main" val="2583713192"/>
       </p:ext>
     </p:extLst>
   </p:cSld>
@@ -7457,66 +7242,298 @@
       </p:grpSpPr>
       <p:sp>
         <p:nvSpPr>
-          <p:cNvPr id="2" name="제목 1"/>
-          <p:cNvSpPr>
-            <a:spLocks noGrp="1"/>
-          </p:cNvSpPr>
-          <p:nvPr>
-            <p:ph type="ctrTitle"/>
-          </p:nvPr>
-        </p:nvSpPr>
-        <p:spPr/>
-        <p:txBody>
-          <a:bodyPr/>
+          <p:cNvPr id="5" name="TextBox 4"/>
+          <p:cNvSpPr txBox="1"/>
+          <p:nvPr/>
+        </p:nvSpPr>
+        <p:spPr>
+          <a:xfrm>
+            <a:off x="211015" y="228600"/>
+            <a:ext cx="11764108" cy="369332"/>
+          </a:xfrm>
+          <a:prstGeom prst="rect">
+            <a:avLst/>
+          </a:prstGeom>
+          <a:noFill/>
+        </p:spPr>
+        <p:txBody>
+          <a:bodyPr wrap="square" rtlCol="0">
+            <a:spAutoFit/>
+          </a:bodyPr>
           <a:lstStyle/>
           <a:p>
             <a:r>
               <a:rPr lang="en-US" altLang="ko-KR" dirty="0" smtClean="0"/>
-              <a:t>React</a:t>
+              <a:t>1.1. </a:t>
+            </a:r>
+            <a:r>
+              <a:rPr lang="en-US" altLang="ko-KR" dirty="0" err="1" smtClean="0"/>
+              <a:t>dotEnv</a:t>
+            </a:r>
+            <a:r>
+              <a:rPr lang="en-US" altLang="ko-KR" dirty="0" smtClean="0"/>
+              <a:t> </a:t>
+            </a:r>
+            <a:r>
+              <a:rPr lang="ko-KR" altLang="en-US" dirty="0" smtClean="0"/>
+              <a:t>설치</a:t>
             </a:r>
             <a:endParaRPr lang="ko-KR" altLang="en-US" dirty="0"/>
           </a:p>
         </p:txBody>
       </p:sp>
-      <p:sp>
-        <p:nvSpPr>
-          <p:cNvPr id="3" name="부제목 2"/>
-          <p:cNvSpPr>
-            <a:spLocks noGrp="1"/>
-          </p:cNvSpPr>
-          <p:nvPr>
-            <p:ph type="subTitle" idx="1"/>
-          </p:nvPr>
-        </p:nvSpPr>
-        <p:spPr/>
-        <p:txBody>
-          <a:bodyPr/>
-          <a:lstStyle/>
-          <a:p>
-            <a:r>
-              <a:rPr lang="ko-KR" altLang="en-US" dirty="0" smtClean="0"/>
-              <a:t>기타 </a:t>
-            </a:r>
-            <a:r>
-              <a:rPr lang="en-US" altLang="ko-KR" dirty="0" smtClean="0"/>
-              <a:t>- </a:t>
-            </a:r>
-            <a:r>
-              <a:rPr lang="ko-KR" altLang="en-US" dirty="0" err="1" smtClean="0"/>
+      <p:pic>
+        <p:nvPicPr>
+          <p:cNvPr id="6" name="그림 5"/>
+          <p:cNvPicPr>
+            <a:picLocks noChangeAspect="1"/>
+          </p:cNvPicPr>
+          <p:nvPr/>
+        </p:nvPicPr>
+        <p:blipFill>
+          <a:blip r:embed="rId2"/>
+          <a:stretch>
+            <a:fillRect/>
+          </a:stretch>
+        </p:blipFill>
+        <p:spPr>
+          <a:xfrm>
+            <a:off x="211015" y="836676"/>
+            <a:ext cx="5692633" cy="1333616"/>
+          </a:xfrm>
+          <a:prstGeom prst="rect">
+            <a:avLst/>
+          </a:prstGeom>
+        </p:spPr>
+      </p:pic>
+      <p:sp>
+        <p:nvSpPr>
+          <p:cNvPr id="7" name="직사각형 6"/>
+          <p:cNvSpPr/>
+          <p:nvPr/>
+        </p:nvSpPr>
+        <p:spPr>
+          <a:xfrm>
+            <a:off x="1670539" y="854260"/>
+            <a:ext cx="1081454" cy="288739"/>
+          </a:xfrm>
+          <a:prstGeom prst="rect">
+            <a:avLst/>
+          </a:prstGeom>
+          <a:noFill/>
+          <a:ln w="38100">
+            <a:solidFill>
+              <a:srgbClr val="00B0F0"/>
+            </a:solidFill>
+          </a:ln>
+        </p:spPr>
+        <p:style>
+          <a:lnRef idx="2">
+            <a:schemeClr val="accent1">
+              <a:shade val="50000"/>
+            </a:schemeClr>
+          </a:lnRef>
+          <a:fillRef idx="1">
+            <a:schemeClr val="accent1"/>
+          </a:fillRef>
+          <a:effectRef idx="0">
+            <a:schemeClr val="accent1"/>
+          </a:effectRef>
+          <a:fontRef idx="minor">
+            <a:schemeClr val="lt1"/>
+          </a:fontRef>
+        </p:style>
+        <p:txBody>
+          <a:bodyPr rtlCol="0" anchor="ctr"/>
+          <a:lstStyle/>
+          <a:p>
+            <a:pPr algn="ctr"/>
+            <a:endParaRPr lang="ko-KR" altLang="en-US"/>
+          </a:p>
+        </p:txBody>
+      </p:sp>
+      <p:sp>
+        <p:nvSpPr>
+          <p:cNvPr id="8" name="TextBox 7"/>
+          <p:cNvSpPr txBox="1"/>
+          <p:nvPr/>
+        </p:nvSpPr>
+        <p:spPr>
+          <a:xfrm>
+            <a:off x="6093069" y="872615"/>
+            <a:ext cx="5882054" cy="2031325"/>
+          </a:xfrm>
+          <a:prstGeom prst="rect">
+            <a:avLst/>
+          </a:prstGeom>
+          <a:noFill/>
+        </p:spPr>
+        <p:txBody>
+          <a:bodyPr wrap="square" rtlCol="0">
+            <a:spAutoFit/>
+          </a:bodyPr>
+          <a:lstStyle/>
+          <a:p>
+            <a:pPr algn="just">
+              <a:lnSpc>
+                <a:spcPct val="150000"/>
+              </a:lnSpc>
+            </a:pPr>
+            <a:r>
+              <a:rPr lang="ko-KR" altLang="en-US" sz="1200" dirty="0" err="1" smtClean="0"/>
               <a:t>환경별</a:t>
             </a:r>
             <a:r>
-              <a:rPr lang="ko-KR" altLang="en-US" dirty="0" smtClean="0"/>
-              <a:t> 변수 추가 및 사용</a:t>
-            </a:r>
-            <a:endParaRPr lang="ko-KR" altLang="en-US" dirty="0"/>
-          </a:p>
-        </p:txBody>
-      </p:sp>
+              <a:rPr lang="ko-KR" altLang="en-US" sz="1200" dirty="0" smtClean="0"/>
+              <a:t> 환경변수 </a:t>
+            </a:r>
+            <a:r>
+              <a:rPr lang="en-US" altLang="ko-KR" sz="1200" dirty="0" err="1" smtClean="0"/>
+              <a:t>env</a:t>
+            </a:r>
+            <a:r>
+              <a:rPr lang="en-US" altLang="ko-KR" sz="1200" dirty="0" smtClean="0"/>
+              <a:t> </a:t>
+            </a:r>
+            <a:r>
+              <a:rPr lang="ko-KR" altLang="en-US" sz="1200" dirty="0" smtClean="0"/>
+              <a:t>파일 생성 및 사용 하기 위해</a:t>
+            </a:r>
+            <a:r>
+              <a:rPr lang="en-US" altLang="ko-KR" sz="1200" dirty="0" smtClean="0"/>
+              <a:t> </a:t>
+            </a:r>
+            <a:r>
+              <a:rPr lang="en-US" altLang="ko-KR" sz="1200" dirty="0" err="1" smtClean="0"/>
+              <a:t>dotenv</a:t>
+            </a:r>
+            <a:r>
+              <a:rPr lang="ko-KR" altLang="en-US" sz="1200" dirty="0" smtClean="0"/>
+              <a:t>를 설치한다</a:t>
+            </a:r>
+            <a:r>
+              <a:rPr lang="en-US" altLang="ko-KR" sz="1200" dirty="0" smtClean="0"/>
+              <a:t>.</a:t>
+            </a:r>
+          </a:p>
+          <a:p>
+            <a:pPr algn="just">
+              <a:lnSpc>
+                <a:spcPct val="150000"/>
+              </a:lnSpc>
+            </a:pPr>
+            <a:endParaRPr lang="en-US" altLang="ko-KR" sz="1200" dirty="0"/>
+          </a:p>
+          <a:p>
+            <a:pPr algn="just">
+              <a:lnSpc>
+                <a:spcPct val="150000"/>
+              </a:lnSpc>
+            </a:pPr>
+            <a:r>
+              <a:rPr lang="en-US" altLang="ko-KR" sz="1200" b="1" dirty="0" err="1" smtClean="0"/>
+              <a:t>env</a:t>
+            </a:r>
+            <a:r>
+              <a:rPr lang="en-US" altLang="ko-KR" sz="1200" dirty="0" smtClean="0"/>
+              <a:t> ?</a:t>
+            </a:r>
+          </a:p>
+          <a:p>
+            <a:pPr algn="just">
+              <a:lnSpc>
+                <a:spcPct val="150000"/>
+              </a:lnSpc>
+            </a:pPr>
+            <a:r>
+              <a:rPr lang="ko-KR" altLang="en-US" sz="1200" dirty="0" smtClean="0"/>
+              <a:t>환경변수 </a:t>
+            </a:r>
+            <a:r>
+              <a:rPr lang="ko-KR" altLang="en-US" sz="1200" dirty="0"/>
+              <a:t>파일을 외부에 만들어 포트</a:t>
+            </a:r>
+            <a:r>
+              <a:rPr lang="en-US" altLang="ko-KR" sz="1200" dirty="0"/>
+              <a:t>, API_KEY</a:t>
+            </a:r>
+            <a:r>
+              <a:rPr lang="ko-KR" altLang="en-US" sz="1200" dirty="0"/>
+              <a:t>등</a:t>
+            </a:r>
+            <a:r>
+              <a:rPr lang="en-US" altLang="ko-KR" sz="1200" dirty="0"/>
+              <a:t>.. </a:t>
+            </a:r>
+            <a:r>
+              <a:rPr lang="ko-KR" altLang="en-US" sz="1200" dirty="0"/>
+              <a:t>을 저장시켜 소스코드 내에 하드코딩하지 않고 사용하는 방법이다</a:t>
+            </a:r>
+            <a:r>
+              <a:rPr lang="en-US" altLang="ko-KR" sz="1200" dirty="0"/>
+              <a:t>.</a:t>
+            </a:r>
+          </a:p>
+          <a:p>
+            <a:pPr algn="just">
+              <a:lnSpc>
+                <a:spcPct val="150000"/>
+              </a:lnSpc>
+            </a:pPr>
+            <a:endParaRPr lang="en-US" altLang="ko-KR" sz="1200" dirty="0" smtClean="0"/>
+          </a:p>
+          <a:p>
+            <a:pPr algn="just">
+              <a:lnSpc>
+                <a:spcPct val="150000"/>
+              </a:lnSpc>
+            </a:pPr>
+            <a:endParaRPr lang="ko-KR" altLang="en-US" sz="1200" dirty="0"/>
+          </a:p>
+        </p:txBody>
+      </p:sp>
+      <p:cxnSp>
+        <p:nvCxnSpPr>
+          <p:cNvPr id="10" name="직선 화살표 연결선 9"/>
+          <p:cNvCxnSpPr>
+            <a:stCxn id="7" idx="3"/>
+          </p:cNvCxnSpPr>
+          <p:nvPr/>
+        </p:nvCxnSpPr>
+        <p:spPr>
+          <a:xfrm>
+            <a:off x="2751993" y="998630"/>
+            <a:ext cx="3341076" cy="12485"/>
+          </a:xfrm>
+          <a:prstGeom prst="straightConnector1">
+            <a:avLst/>
+          </a:prstGeom>
+          <a:ln w="28575">
+            <a:solidFill>
+              <a:srgbClr val="00B0F0"/>
+            </a:solidFill>
+            <a:tailEnd type="triangle"/>
+          </a:ln>
+        </p:spPr>
+        <p:style>
+          <a:lnRef idx="1">
+            <a:schemeClr val="accent1"/>
+          </a:lnRef>
+          <a:fillRef idx="0">
+            <a:schemeClr val="accent1"/>
+          </a:fillRef>
+          <a:effectRef idx="0">
+            <a:schemeClr val="accent1"/>
+          </a:effectRef>
+          <a:fontRef idx="minor">
+            <a:schemeClr val="tx1"/>
+          </a:fontRef>
+        </p:style>
+      </p:cxnSp>
     </p:spTree>
     <p:extLst>
       <p:ext uri="{BB962C8B-B14F-4D97-AF65-F5344CB8AC3E}">
-        <p14:creationId xmlns:p14="http://schemas.microsoft.com/office/powerpoint/2010/main" val="2583713192"/>
+        <p14:creationId xmlns:p14="http://schemas.microsoft.com/office/powerpoint/2010/main" val="1119437596"/>
       </p:ext>
     </p:extLst>
   </p:cSld>
@@ -7543,51 +7560,9 @@
           <a:chExt cx="0" cy="0"/>
         </a:xfrm>
       </p:grpSpPr>
-      <p:sp>
-        <p:nvSpPr>
-          <p:cNvPr id="5" name="TextBox 4"/>
-          <p:cNvSpPr txBox="1"/>
-          <p:nvPr/>
-        </p:nvSpPr>
-        <p:spPr>
-          <a:xfrm>
-            <a:off x="211015" y="228600"/>
-            <a:ext cx="11764108" cy="369332"/>
-          </a:xfrm>
-          <a:prstGeom prst="rect">
-            <a:avLst/>
-          </a:prstGeom>
-          <a:noFill/>
-        </p:spPr>
-        <p:txBody>
-          <a:bodyPr wrap="square" rtlCol="0">
-            <a:spAutoFit/>
-          </a:bodyPr>
-          <a:lstStyle/>
-          <a:p>
-            <a:r>
-              <a:rPr lang="en-US" altLang="ko-KR" dirty="0" smtClean="0"/>
-              <a:t>1.1. </a:t>
-            </a:r>
-            <a:r>
-              <a:rPr lang="en-US" altLang="ko-KR" dirty="0" err="1" smtClean="0"/>
-              <a:t>dotEnv</a:t>
-            </a:r>
-            <a:r>
-              <a:rPr lang="en-US" altLang="ko-KR" dirty="0" smtClean="0"/>
-              <a:t> </a:t>
-            </a:r>
-            <a:r>
-              <a:rPr lang="ko-KR" altLang="en-US" dirty="0" smtClean="0"/>
-              <a:t>설치</a:t>
-            </a:r>
-            <a:endParaRPr lang="ko-KR" altLang="en-US" dirty="0"/>
-          </a:p>
-        </p:txBody>
-      </p:sp>
       <p:pic>
         <p:nvPicPr>
-          <p:cNvPr id="6" name="그림 5"/>
+          <p:cNvPr id="2" name="그림 1"/>
           <p:cNvPicPr>
             <a:picLocks noChangeAspect="1"/>
           </p:cNvPicPr>
@@ -7601,14 +7576,68 @@
         </p:blipFill>
         <p:spPr>
           <a:xfrm>
-            <a:off x="211015" y="836676"/>
-            <a:ext cx="5692633" cy="1333616"/>
+            <a:off x="211015" y="854260"/>
+            <a:ext cx="2270957" cy="3147333"/>
           </a:xfrm>
           <a:prstGeom prst="rect">
             <a:avLst/>
           </a:prstGeom>
         </p:spPr>
       </p:pic>
+      <p:sp>
+        <p:nvSpPr>
+          <p:cNvPr id="5" name="TextBox 4"/>
+          <p:cNvSpPr txBox="1"/>
+          <p:nvPr/>
+        </p:nvSpPr>
+        <p:spPr>
+          <a:xfrm>
+            <a:off x="211015" y="228600"/>
+            <a:ext cx="11764108" cy="369332"/>
+          </a:xfrm>
+          <a:prstGeom prst="rect">
+            <a:avLst/>
+          </a:prstGeom>
+          <a:noFill/>
+        </p:spPr>
+        <p:txBody>
+          <a:bodyPr wrap="square" rtlCol="0">
+            <a:spAutoFit/>
+          </a:bodyPr>
+          <a:lstStyle/>
+          <a:p>
+            <a:r>
+              <a:rPr lang="en-US" altLang="ko-KR" dirty="0" smtClean="0"/>
+              <a:t>1.2. .</a:t>
+            </a:r>
+            <a:r>
+              <a:rPr lang="en-US" altLang="ko-KR" dirty="0" err="1" smtClean="0"/>
+              <a:t>env</a:t>
+            </a:r>
+            <a:r>
+              <a:rPr lang="en-US" altLang="ko-KR" dirty="0" smtClean="0"/>
+              <a:t>.</a:t>
+            </a:r>
+            <a:r>
+              <a:rPr lang="en-US" altLang="ko-KR" dirty="0"/>
+              <a:t>~</a:t>
+            </a:r>
+            <a:r>
+              <a:rPr lang="en-US" altLang="ko-KR" dirty="0" smtClean="0"/>
+              <a:t> (</a:t>
+            </a:r>
+            <a:r>
+              <a:rPr lang="ko-KR" altLang="en-US" dirty="0" err="1" smtClean="0"/>
+              <a:t>파일생성</a:t>
+            </a:r>
+            <a:r>
+              <a:rPr lang="en-US" altLang="ko-KR" dirty="0" smtClean="0"/>
+              <a:t>)</a:t>
+            </a:r>
+            <a:endParaRPr lang="ko-KR" altLang="en-US" dirty="0"/>
+          </a:p>
+        </p:txBody>
+      </p:sp>
       <p:sp>
         <p:nvSpPr>
           <p:cNvPr id="7" name="직사각형 6"/>
@@ -7617,8 +7646,8 @@
         </p:nvSpPr>
         <p:spPr>
           <a:xfrm>
-            <a:off x="1670539" y="854260"/>
-            <a:ext cx="1081454" cy="288739"/>
+            <a:off x="211014" y="3553499"/>
+            <a:ext cx="2270957" cy="448094"/>
           </a:xfrm>
           <a:prstGeom prst="rect">
             <a:avLst/>
@@ -7664,7 +7693,7 @@
         <p:spPr>
           <a:xfrm>
             <a:off x="6093069" y="872615"/>
-            <a:ext cx="5882054" cy="2031325"/>
+            <a:ext cx="5882054" cy="1200329"/>
           </a:xfrm>
           <a:prstGeom prst="rect">
             <a:avLst/>
@@ -7683,12 +7712,12 @@
               </a:lnSpc>
             </a:pPr>
             <a:r>
-              <a:rPr lang="ko-KR" altLang="en-US" sz="1200" dirty="0" err="1" smtClean="0"/>
-              <a:t>환경별</a:t>
-            </a:r>
-            <a:r>
               <a:rPr lang="ko-KR" altLang="en-US" sz="1200" dirty="0" smtClean="0"/>
-              <a:t> 환경변수 </a:t>
+              <a:t>루트 폴더에 환경에 맞게 </a:t>
+            </a:r>
+            <a:r>
+              <a:rPr lang="en-US" altLang="ko-KR" sz="1200" dirty="0" smtClean="0"/>
+              <a:t>.</a:t>
             </a:r>
             <a:r>
               <a:rPr lang="en-US" altLang="ko-KR" sz="1200" dirty="0" err="1" smtClean="0"/>
@@ -7700,115 +7729,93 @@
             </a:r>
             <a:r>
               <a:rPr lang="ko-KR" altLang="en-US" sz="1200" dirty="0" smtClean="0"/>
-              <a:t>파일 생성 및 사용 하기 위해</a:t>
-            </a:r>
-            <a:r>
-              <a:rPr lang="en-US" altLang="ko-KR" sz="1200" dirty="0" smtClean="0"/>
-              <a:t> </a:t>
-            </a:r>
-            <a:r>
-              <a:rPr lang="en-US" altLang="ko-KR" sz="1200" dirty="0" err="1" smtClean="0"/>
-              <a:t>dotenv</a:t>
-            </a:r>
-            <a:r>
-              <a:rPr lang="ko-KR" altLang="en-US" sz="1200" dirty="0" smtClean="0"/>
-              <a:t>를 설치한다</a:t>
-            </a:r>
-            <a:r>
-              <a:rPr lang="en-US" altLang="ko-KR" sz="1200" dirty="0" smtClean="0"/>
-              <a:t>.</a:t>
-            </a:r>
-          </a:p>
-          <a:p>
-            <a:pPr algn="just">
+              <a:t>파일 생성</a:t>
+            </a:r>
+            <a:endParaRPr lang="en-US" altLang="ko-KR" sz="1200" dirty="0" smtClean="0"/>
+          </a:p>
+          <a:p>
+            <a:pPr marL="171450" indent="-171450" algn="just">
               <a:lnSpc>
                 <a:spcPct val="150000"/>
               </a:lnSpc>
+              <a:buFont typeface="Wingdings" panose="05000000000000000000" pitchFamily="2" charset="2"/>
+              <a:buChar char="Ø"/>
             </a:pPr>
-            <a:endParaRPr lang="en-US" altLang="ko-KR" sz="1200" dirty="0"/>
-          </a:p>
-          <a:p>
-            <a:pPr algn="just">
+            <a:r>
+              <a:rPr lang="ko-KR" altLang="en-US" sz="1200" dirty="0" smtClean="0"/>
+              <a:t>개발일 경우 </a:t>
+            </a:r>
+            <a:r>
+              <a:rPr lang="en-US" altLang="ko-KR" sz="1200" dirty="0" smtClean="0"/>
+              <a:t>.</a:t>
+            </a:r>
+            <a:r>
+              <a:rPr lang="en-US" altLang="ko-KR" sz="1200" dirty="0" err="1" smtClean="0"/>
+              <a:t>env.development</a:t>
+            </a:r>
+            <a:endParaRPr lang="en-US" altLang="ko-KR" sz="1200" dirty="0" smtClean="0"/>
+          </a:p>
+          <a:p>
+            <a:pPr marL="171450" indent="-171450" algn="just">
               <a:lnSpc>
                 <a:spcPct val="150000"/>
               </a:lnSpc>
+              <a:buFont typeface="Wingdings" panose="05000000000000000000" pitchFamily="2" charset="2"/>
+              <a:buChar char="Ø"/>
             </a:pPr>
             <a:r>
-              <a:rPr lang="en-US" altLang="ko-KR" sz="1200" b="1" dirty="0" err="1" smtClean="0"/>
-              <a:t>env</a:t>
+              <a:rPr lang="ko-KR" altLang="en-US" sz="1200" dirty="0" smtClean="0"/>
+              <a:t>운영일 경우 </a:t>
             </a:r>
             <a:r>
               <a:rPr lang="en-US" altLang="ko-KR" sz="1200" dirty="0" smtClean="0"/>
-              <a:t> ?</a:t>
-            </a:r>
-          </a:p>
-          <a:p>
-            <a:pPr algn="just">
+              <a:t>.</a:t>
+            </a:r>
+            <a:r>
+              <a:rPr lang="en-US" altLang="ko-KR" sz="1200" dirty="0" err="1" smtClean="0"/>
+              <a:t>env.production</a:t>
+            </a:r>
+            <a:endParaRPr lang="en-US" altLang="ko-KR" sz="1200" dirty="0" smtClean="0"/>
+          </a:p>
+          <a:p>
+            <a:pPr marL="171450" indent="-171450" algn="just">
               <a:lnSpc>
                 <a:spcPct val="150000"/>
               </a:lnSpc>
+              <a:buFont typeface="Wingdings" panose="05000000000000000000" pitchFamily="2" charset="2"/>
+              <a:buChar char="Ø"/>
             </a:pPr>
             <a:r>
               <a:rPr lang="ko-KR" altLang="en-US" sz="1200" dirty="0" smtClean="0"/>
-              <a:t>환경변수 </a:t>
-            </a:r>
-            <a:r>
-              <a:rPr lang="ko-KR" altLang="en-US" sz="1200" dirty="0"/>
-              <a:t>파일을 외부에 만들어 포트</a:t>
-            </a:r>
-            <a:r>
-              <a:rPr lang="en-US" altLang="ko-KR" sz="1200" dirty="0"/>
-              <a:t>, API_KEY</a:t>
-            </a:r>
-            <a:r>
-              <a:rPr lang="ko-KR" altLang="en-US" sz="1200" dirty="0"/>
-              <a:t>등</a:t>
-            </a:r>
-            <a:r>
-              <a:rPr lang="en-US" altLang="ko-KR" sz="1200" dirty="0"/>
-              <a:t>.. </a:t>
-            </a:r>
-            <a:r>
-              <a:rPr lang="ko-KR" altLang="en-US" sz="1200" dirty="0"/>
-              <a:t>을 저장시켜 소스코드 내에 하드코딩하지 않고 사용하는 방법이다</a:t>
-            </a:r>
-            <a:r>
-              <a:rPr lang="en-US" altLang="ko-KR" sz="1200" dirty="0"/>
+              <a:t>테스트일 경우 </a:t>
+            </a:r>
+            <a:r>
+              <a:rPr lang="en-US" altLang="ko-KR" sz="1200" dirty="0" smtClean="0"/>
               <a:t>.</a:t>
             </a:r>
-          </a:p>
-          <a:p>
-            <a:pPr algn="just">
-              <a:lnSpc>
-                <a:spcPct val="150000"/>
-              </a:lnSpc>
-            </a:pPr>
-            <a:endParaRPr lang="en-US" altLang="ko-KR" sz="1200" dirty="0" smtClean="0"/>
-          </a:p>
-          <a:p>
-            <a:pPr algn="just">
-              <a:lnSpc>
-                <a:spcPct val="150000"/>
-              </a:lnSpc>
-            </a:pPr>
+            <a:r>
+              <a:rPr lang="en-US" altLang="ko-KR" sz="1200" dirty="0" err="1" smtClean="0"/>
+              <a:t>env.test</a:t>
+            </a:r>
             <a:endParaRPr lang="ko-KR" altLang="en-US" sz="1200" dirty="0"/>
           </a:p>
         </p:txBody>
       </p:sp>
       <p:cxnSp>
         <p:nvCxnSpPr>
-          <p:cNvPr id="10" name="직선 화살표 연결선 9"/>
+          <p:cNvPr id="4" name="꺾인 연결선 3"/>
           <p:cNvCxnSpPr>
             <a:stCxn id="7" idx="3"/>
+            <a:endCxn id="8" idx="1"/>
           </p:cNvCxnSpPr>
           <p:nvPr/>
         </p:nvCxnSpPr>
         <p:spPr>
-          <a:xfrm>
-            <a:off x="2751993" y="998630"/>
-            <a:ext cx="3341076" cy="12485"/>
-          </a:xfrm>
-          <a:prstGeom prst="straightConnector1">
+          <a:xfrm flipV="1">
+            <a:off x="2481971" y="1472780"/>
+            <a:ext cx="3611098" cy="2304766"/>
+          </a:xfrm>
+          <a:prstGeom prst="bentConnector3">
             <a:avLst/>
           </a:prstGeom>
           <a:ln w="28575">
@@ -7836,7 +7843,7 @@
     </p:spTree>
     <p:extLst>
       <p:ext uri="{BB962C8B-B14F-4D97-AF65-F5344CB8AC3E}">
-        <p14:creationId xmlns:p14="http://schemas.microsoft.com/office/powerpoint/2010/main" val="1119437596"/>
+        <p14:creationId xmlns:p14="http://schemas.microsoft.com/office/powerpoint/2010/main" val="3986009625"/>
       </p:ext>
     </p:extLst>
   </p:cSld>
@@ -7865,7 +7872,7 @@
       </p:grpSpPr>
       <p:pic>
         <p:nvPicPr>
-          <p:cNvPr id="2" name="그림 1"/>
+          <p:cNvPr id="6" name="그림 5"/>
           <p:cNvPicPr>
             <a:picLocks noChangeAspect="1"/>
           </p:cNvPicPr>
@@ -7879,8 +7886,8 @@
         </p:blipFill>
         <p:spPr>
           <a:xfrm>
-            <a:off x="211015" y="854260"/>
-            <a:ext cx="2270957" cy="3147333"/>
+            <a:off x="211014" y="854260"/>
+            <a:ext cx="5418290" cy="975445"/>
           </a:xfrm>
           <a:prstGeom prst="rect">
             <a:avLst/>
@@ -7911,7 +7918,7 @@
           <a:p>
             <a:r>
               <a:rPr lang="en-US" altLang="ko-KR" dirty="0" smtClean="0"/>
-              <a:t>1.2. .</a:t>
+              <a:t>1.3. .</a:t>
             </a:r>
             <a:r>
               <a:rPr lang="en-US" altLang="ko-KR" dirty="0" err="1" smtClean="0"/>
@@ -7927,11 +7934,19 @@
             </a:r>
             <a:r>
               <a:rPr lang="en-US" altLang="ko-KR" dirty="0" smtClean="0"/>
-              <a:t> (</a:t>
-            </a:r>
-            <a:r>
-              <a:rPr lang="ko-KR" altLang="en-US" dirty="0" err="1" smtClean="0"/>
-              <a:t>파일생성</a:t>
+              <a:t> </a:t>
+            </a:r>
+            <a:r>
+              <a:rPr lang="ko-KR" altLang="en-US" dirty="0" smtClean="0"/>
+              <a:t>파일 </a:t>
+            </a:r>
+            <a:r>
+              <a:rPr lang="en-US" altLang="ko-KR" dirty="0" smtClean="0"/>
+              <a:t>(</a:t>
+            </a:r>
+            <a:r>
+              <a:rPr lang="ko-KR" altLang="en-US" dirty="0" smtClean="0"/>
+              <a:t>환경변수 설정</a:t>
             </a:r>
             <a:r>
               <a:rPr lang="en-US" altLang="ko-KR" dirty="0" smtClean="0"/>
@@ -7949,8 +7964,8 @@
         </p:nvSpPr>
         <p:spPr>
           <a:xfrm>
-            <a:off x="211014" y="3553499"/>
-            <a:ext cx="2270957" cy="448094"/>
+            <a:off x="808892" y="1329949"/>
+            <a:ext cx="1960685" cy="235082"/>
           </a:xfrm>
           <a:prstGeom prst="rect">
             <a:avLst/>
@@ -7987,138 +8002,18 @@
           </a:p>
         </p:txBody>
       </p:sp>
-      <p:sp>
-        <p:nvSpPr>
-          <p:cNvPr id="8" name="TextBox 7"/>
-          <p:cNvSpPr txBox="1"/>
-          <p:nvPr/>
-        </p:nvSpPr>
-        <p:spPr>
-          <a:xfrm>
-            <a:off x="6093069" y="872615"/>
-            <a:ext cx="5882054" cy="1200329"/>
-          </a:xfrm>
-          <a:prstGeom prst="rect">
-            <a:avLst/>
-          </a:prstGeom>
-          <a:noFill/>
-        </p:spPr>
-        <p:txBody>
-          <a:bodyPr wrap="square" rtlCol="0">
-            <a:spAutoFit/>
-          </a:bodyPr>
-          <a:lstStyle/>
-          <a:p>
-            <a:pPr algn="just">
-              <a:lnSpc>
-                <a:spcPct val="150000"/>
-              </a:lnSpc>
-            </a:pPr>
-            <a:r>
-              <a:rPr lang="ko-KR" altLang="en-US" sz="1200" dirty="0" smtClean="0"/>
-              <a:t>루트 폴더에 환경에 맞게 </a:t>
-            </a:r>
-            <a:r>
-              <a:rPr lang="en-US" altLang="ko-KR" sz="1200" dirty="0" smtClean="0"/>
-              <a:t>.</a:t>
-            </a:r>
-            <a:r>
-              <a:rPr lang="en-US" altLang="ko-KR" sz="1200" dirty="0" err="1" smtClean="0"/>
-              <a:t>env</a:t>
-            </a:r>
-            <a:r>
-              <a:rPr lang="en-US" altLang="ko-KR" sz="1200" dirty="0" smtClean="0"/>
-              <a:t> </a:t>
-            </a:r>
-            <a:r>
-              <a:rPr lang="ko-KR" altLang="en-US" sz="1200" dirty="0" smtClean="0"/>
-              <a:t>파일 생성</a:t>
-            </a:r>
-            <a:endParaRPr lang="en-US" altLang="ko-KR" sz="1200" dirty="0" smtClean="0"/>
-          </a:p>
-          <a:p>
-            <a:pPr marL="171450" indent="-171450" algn="just">
-              <a:lnSpc>
-                <a:spcPct val="150000"/>
-              </a:lnSpc>
-              <a:buFont typeface="Wingdings" panose="05000000000000000000" pitchFamily="2" charset="2"/>
-              <a:buChar char="Ø"/>
-            </a:pPr>
-            <a:r>
-              <a:rPr lang="ko-KR" altLang="en-US" sz="1200" dirty="0" smtClean="0"/>
-              <a:t>개발일 경우 </a:t>
-            </a:r>
-            <a:r>
-              <a:rPr lang="en-US" altLang="ko-KR" sz="1200" dirty="0" smtClean="0"/>
-              <a:t>.</a:t>
-            </a:r>
-            <a:r>
-              <a:rPr lang="en-US" altLang="ko-KR" sz="1200" dirty="0" err="1" smtClean="0"/>
-              <a:t>env.development</a:t>
-            </a:r>
-            <a:endParaRPr lang="en-US" altLang="ko-KR" sz="1200" dirty="0" smtClean="0"/>
-          </a:p>
-          <a:p>
-            <a:pPr marL="171450" indent="-171450" algn="just">
-              <a:lnSpc>
-                <a:spcPct val="150000"/>
-              </a:lnSpc>
-              <a:buFont typeface="Wingdings" panose="05000000000000000000" pitchFamily="2" charset="2"/>
-              <a:buChar char="Ø"/>
-            </a:pPr>
-            <a:r>
-              <a:rPr lang="ko-KR" altLang="en-US" sz="1200" dirty="0" smtClean="0"/>
-              <a:t>운영일 경우 </a:t>
-            </a:r>
-            <a:r>
-              <a:rPr lang="en-US" altLang="ko-KR" sz="1200" dirty="0" smtClean="0"/>
-              <a:t>.</a:t>
-            </a:r>
-            <a:r>
-              <a:rPr lang="en-US" altLang="ko-KR" sz="1200" dirty="0" err="1" smtClean="0"/>
-              <a:t>env.production</a:t>
-            </a:r>
-            <a:endParaRPr lang="en-US" altLang="ko-KR" sz="1200" dirty="0" smtClean="0"/>
-          </a:p>
-          <a:p>
-            <a:pPr marL="171450" indent="-171450" algn="just">
-              <a:lnSpc>
-                <a:spcPct val="150000"/>
-              </a:lnSpc>
-              <a:buFont typeface="Wingdings" panose="05000000000000000000" pitchFamily="2" charset="2"/>
-              <a:buChar char="Ø"/>
-            </a:pPr>
-            <a:r>
-              <a:rPr lang="ko-KR" altLang="en-US" sz="1200" dirty="0" smtClean="0"/>
-              <a:t>테스트일 경우 </a:t>
-            </a:r>
-            <a:r>
-              <a:rPr lang="en-US" altLang="ko-KR" sz="1200" dirty="0" smtClean="0"/>
-              <a:t>.</a:t>
-            </a:r>
-            <a:r>
-              <a:rPr lang="en-US" altLang="ko-KR" sz="1200" dirty="0" err="1" smtClean="0"/>
-              <a:t>env.test</a:t>
-            </a:r>
-            <a:endParaRPr lang="ko-KR" altLang="en-US" sz="1200" dirty="0"/>
-          </a:p>
-        </p:txBody>
-      </p:sp>
       <p:cxnSp>
         <p:nvCxnSpPr>
-          <p:cNvPr id="4" name="꺾인 연결선 3"/>
-          <p:cNvCxnSpPr>
-            <a:stCxn id="7" idx="3"/>
-            <a:endCxn id="8" idx="1"/>
-          </p:cNvCxnSpPr>
+          <p:cNvPr id="9" name="직선 화살표 연결선 8"/>
+          <p:cNvCxnSpPr/>
           <p:nvPr/>
         </p:nvCxnSpPr>
         <p:spPr>
-          <a:xfrm flipV="1">
-            <a:off x="2481971" y="1472780"/>
-            <a:ext cx="3611098" cy="2304766"/>
-          </a:xfrm>
-          <a:prstGeom prst="bentConnector3">
+          <a:xfrm>
+            <a:off x="2751993" y="1435005"/>
+            <a:ext cx="3341076" cy="12485"/>
+          </a:xfrm>
+          <a:prstGeom prst="straightConnector1">
             <a:avLst/>
           </a:prstGeom>
           <a:ln w="28575">
@@ -8143,10 +8038,69 @@
           </a:fontRef>
         </p:style>
       </p:cxnSp>
+      <p:sp>
+        <p:nvSpPr>
+          <p:cNvPr id="10" name="TextBox 9"/>
+          <p:cNvSpPr txBox="1"/>
+          <p:nvPr/>
+        </p:nvSpPr>
+        <p:spPr>
+          <a:xfrm>
+            <a:off x="6093069" y="1231414"/>
+            <a:ext cx="5882054" cy="333617"/>
+          </a:xfrm>
+          <a:prstGeom prst="rect">
+            <a:avLst/>
+          </a:prstGeom>
+          <a:noFill/>
+        </p:spPr>
+        <p:txBody>
+          <a:bodyPr wrap="square" rtlCol="0">
+            <a:spAutoFit/>
+          </a:bodyPr>
+          <a:lstStyle/>
+          <a:p>
+            <a:pPr algn="just">
+              <a:lnSpc>
+                <a:spcPct val="150000"/>
+              </a:lnSpc>
+            </a:pPr>
+            <a:r>
+              <a:rPr lang="ko-KR" altLang="en-US" sz="1200" dirty="0" err="1" smtClean="0"/>
+              <a:t>환경변수는</a:t>
+            </a:r>
+            <a:r>
+              <a:rPr lang="ko-KR" altLang="en-US" sz="1200" dirty="0" smtClean="0"/>
+              <a:t> </a:t>
+            </a:r>
+            <a:r>
+              <a:rPr lang="en-US" altLang="ko-KR" sz="1200" dirty="0" smtClean="0"/>
+              <a:t>‘REACT_APP_</a:t>
+            </a:r>
+            <a:r>
+              <a:rPr lang="ko-KR" altLang="en-US" sz="1200" dirty="0" err="1" smtClean="0"/>
+              <a:t>환경변수명</a:t>
+            </a:r>
+            <a:r>
+              <a:rPr lang="en-US" altLang="ko-KR" sz="1200" dirty="0" smtClean="0"/>
+              <a:t>’ </a:t>
+            </a:r>
+            <a:r>
+              <a:rPr lang="ko-KR" altLang="en-US" sz="1200" dirty="0" smtClean="0"/>
+              <a:t>형식으로 추가</a:t>
+            </a:r>
+            <a:r>
+              <a:rPr lang="en-US" altLang="ko-KR" sz="1200" dirty="0" smtClean="0"/>
+              <a:t>.</a:t>
+            </a:r>
+            <a:endParaRPr lang="ko-KR" altLang="en-US" sz="1200" dirty="0"/>
+          </a:p>
+        </p:txBody>
+      </p:sp>
     </p:spTree>
     <p:extLst>
       <p:ext uri="{BB962C8B-B14F-4D97-AF65-F5344CB8AC3E}">
-        <p14:creationId xmlns:p14="http://schemas.microsoft.com/office/powerpoint/2010/main" val="3986009625"/>
+        <p14:creationId xmlns:p14="http://schemas.microsoft.com/office/powerpoint/2010/main" val="3402533285"/>
       </p:ext>
     </p:extLst>
   </p:cSld>
@@ -8175,7 +8129,7 @@
       </p:grpSpPr>
       <p:pic>
         <p:nvPicPr>
-          <p:cNvPr id="6" name="그림 5"/>
+          <p:cNvPr id="2" name="그림 1"/>
           <p:cNvPicPr>
             <a:picLocks noChangeAspect="1"/>
           </p:cNvPicPr>
@@ -8189,8 +8143,8 @@
         </p:blipFill>
         <p:spPr>
           <a:xfrm>
-            <a:off x="211014" y="854260"/>
-            <a:ext cx="5418290" cy="975445"/>
+            <a:off x="211015" y="854260"/>
+            <a:ext cx="4595258" cy="4359018"/>
           </a:xfrm>
           <a:prstGeom prst="rect">
             <a:avLst/>
@@ -8221,39 +8175,11 @@
           <a:p>
             <a:r>
               <a:rPr lang="en-US" altLang="ko-KR" dirty="0" smtClean="0"/>
-              <a:t>1.3. .</a:t>
-            </a:r>
-            <a:r>
-              <a:rPr lang="en-US" altLang="ko-KR" dirty="0" err="1" smtClean="0"/>
-              <a:t>env</a:t>
-            </a:r>
-            <a:r>
-              <a:rPr lang="en-US" altLang="ko-KR" dirty="0" smtClean="0"/>
-              <a:t>.</a:t>
-            </a:r>
-            <a:r>
-              <a:rPr lang="en-US" altLang="ko-KR" dirty="0"/>
-              <a:t>~</a:t>
-            </a:r>
-            <a:r>
-              <a:rPr lang="en-US" altLang="ko-KR" dirty="0" smtClean="0"/>
-              <a:t> </a:t>
+              <a:t>1.4. </a:t>
             </a:r>
             <a:r>
               <a:rPr lang="ko-KR" altLang="en-US" dirty="0" smtClean="0"/>
-              <a:t>파일 </a:t>
-            </a:r>
-            <a:r>
-              <a:rPr lang="en-US" altLang="ko-KR" dirty="0" smtClean="0"/>
-              <a:t>(</a:t>
-            </a:r>
-            <a:r>
-              <a:rPr lang="ko-KR" altLang="en-US" dirty="0" smtClean="0"/>
-              <a:t>환경변수 설정</a:t>
-            </a:r>
-            <a:r>
-              <a:rPr lang="en-US" altLang="ko-KR" dirty="0" smtClean="0"/>
-              <a:t>)</a:t>
+              <a:t>추가된 환경 변수 사용</a:t>
             </a:r>
             <a:endParaRPr lang="ko-KR" altLang="en-US" dirty="0"/>
           </a:p>
@@ -8267,8 +8193,8 @@
         </p:nvSpPr>
         <p:spPr>
           <a:xfrm>
-            <a:off x="808892" y="1329949"/>
-            <a:ext cx="1960685" cy="235082"/>
+            <a:off x="791308" y="854260"/>
+            <a:ext cx="1591407" cy="209609"/>
           </a:xfrm>
           <a:prstGeom prst="rect">
             <a:avLst/>
@@ -8305,16 +8231,390 @@
           </a:p>
         </p:txBody>
       </p:sp>
+      <p:sp>
+        <p:nvSpPr>
+          <p:cNvPr id="10" name="TextBox 9"/>
+          <p:cNvSpPr txBox="1"/>
+          <p:nvPr/>
+        </p:nvSpPr>
+        <p:spPr>
+          <a:xfrm>
+            <a:off x="6093069" y="2572104"/>
+            <a:ext cx="5882054" cy="923330"/>
+          </a:xfrm>
+          <a:prstGeom prst="rect">
+            <a:avLst/>
+          </a:prstGeom>
+          <a:noFill/>
+        </p:spPr>
+        <p:txBody>
+          <a:bodyPr wrap="square" rtlCol="0">
+            <a:spAutoFit/>
+          </a:bodyPr>
+          <a:lstStyle/>
+          <a:p>
+            <a:pPr algn="just">
+              <a:lnSpc>
+                <a:spcPct val="150000"/>
+              </a:lnSpc>
+            </a:pPr>
+            <a:r>
+              <a:rPr lang="ko-KR" altLang="en-US" sz="1200" dirty="0" smtClean="0"/>
+              <a:t>① 환경변수 불러오기 위한 </a:t>
+            </a:r>
+            <a:r>
+              <a:rPr lang="en-US" altLang="ko-KR" sz="1200" dirty="0" err="1" smtClean="0"/>
+              <a:t>dotenv</a:t>
+            </a:r>
+            <a:r>
+              <a:rPr lang="en-US" altLang="ko-KR" sz="1200" dirty="0" smtClean="0"/>
+              <a:t> </a:t>
+            </a:r>
+            <a:r>
+              <a:rPr lang="ko-KR" altLang="en-US" sz="1200" dirty="0" smtClean="0"/>
+              <a:t>컴포넌트 </a:t>
+            </a:r>
+            <a:r>
+              <a:rPr lang="en-US" altLang="ko-KR" sz="1200" dirty="0" smtClean="0"/>
+              <a:t>Load</a:t>
+            </a:r>
+            <a:endParaRPr lang="en-US" altLang="ko-KR" sz="1200" dirty="0"/>
+          </a:p>
+          <a:p>
+            <a:pPr algn="just">
+              <a:lnSpc>
+                <a:spcPct val="150000"/>
+              </a:lnSpc>
+            </a:pPr>
+            <a:r>
+              <a:rPr lang="ko-KR" altLang="en-US" sz="1200" dirty="0" smtClean="0"/>
+              <a:t>② </a:t>
+            </a:r>
+            <a:r>
+              <a:rPr lang="en-US" altLang="ko-KR" sz="1200" dirty="0" err="1" smtClean="0"/>
+              <a:t>dotenv.config</a:t>
+            </a:r>
+            <a:r>
+              <a:rPr lang="en-US" altLang="ko-KR" sz="1200" dirty="0" smtClean="0"/>
+              <a:t>(); &gt; </a:t>
+            </a:r>
+            <a:r>
+              <a:rPr lang="ko-KR" altLang="en-US" sz="1200" dirty="0" smtClean="0"/>
+              <a:t>환경변수 파일 </a:t>
+            </a:r>
+            <a:r>
+              <a:rPr lang="en-US" altLang="ko-KR" sz="1200" dirty="0" smtClean="0"/>
+              <a:t>Load</a:t>
+            </a:r>
+          </a:p>
+          <a:p>
+            <a:pPr algn="just">
+              <a:lnSpc>
+                <a:spcPct val="150000"/>
+              </a:lnSpc>
+            </a:pPr>
+            <a:r>
+              <a:rPr lang="ko-KR" altLang="en-US" sz="1200" dirty="0" smtClean="0"/>
+              <a:t>③ </a:t>
+            </a:r>
+            <a:r>
+              <a:rPr lang="en-US" altLang="ko-KR" sz="1200" dirty="0" err="1" smtClean="0"/>
+              <a:t>process.env</a:t>
+            </a:r>
+            <a:r>
+              <a:rPr lang="en-US" altLang="ko-KR" sz="1200" dirty="0" smtClean="0"/>
+              <a:t>.</a:t>
+            </a:r>
+            <a:r>
+              <a:rPr lang="ko-KR" altLang="en-US" sz="1200" dirty="0" err="1" smtClean="0"/>
+              <a:t>환경변수명</a:t>
+            </a:r>
+            <a:r>
+              <a:rPr lang="ko-KR" altLang="en-US" sz="1200" dirty="0" smtClean="0"/>
+              <a:t> </a:t>
+            </a:r>
+            <a:r>
+              <a:rPr lang="en-US" altLang="ko-KR" sz="1200" dirty="0" smtClean="0"/>
+              <a:t>&gt; </a:t>
+            </a:r>
+            <a:r>
+              <a:rPr lang="ko-KR" altLang="en-US" sz="1200" dirty="0" smtClean="0"/>
+              <a:t>환경변수 </a:t>
+            </a:r>
+            <a:r>
+              <a:rPr lang="en-US" altLang="ko-KR" sz="1200" dirty="0" smtClean="0"/>
+              <a:t>Load</a:t>
+            </a:r>
+            <a:endParaRPr lang="ko-KR" altLang="en-US" sz="1200" dirty="0"/>
+          </a:p>
+        </p:txBody>
+      </p:sp>
+      <p:sp>
+        <p:nvSpPr>
+          <p:cNvPr id="8" name="직사각형 7"/>
+          <p:cNvSpPr/>
+          <p:nvPr/>
+        </p:nvSpPr>
+        <p:spPr>
+          <a:xfrm>
+            <a:off x="276956" y="1565031"/>
+            <a:ext cx="1226529" cy="219807"/>
+          </a:xfrm>
+          <a:prstGeom prst="rect">
+            <a:avLst/>
+          </a:prstGeom>
+          <a:noFill/>
+          <a:ln w="38100">
+            <a:solidFill>
+              <a:srgbClr val="00B0F0"/>
+            </a:solidFill>
+          </a:ln>
+        </p:spPr>
+        <p:style>
+          <a:lnRef idx="2">
+            <a:schemeClr val="accent1">
+              <a:shade val="50000"/>
+            </a:schemeClr>
+          </a:lnRef>
+          <a:fillRef idx="1">
+            <a:schemeClr val="accent1"/>
+          </a:fillRef>
+          <a:effectRef idx="0">
+            <a:schemeClr val="accent1"/>
+          </a:effectRef>
+          <a:fontRef idx="minor">
+            <a:schemeClr val="lt1"/>
+          </a:fontRef>
+        </p:style>
+        <p:txBody>
+          <a:bodyPr rtlCol="0" anchor="ctr"/>
+          <a:lstStyle/>
+          <a:p>
+            <a:pPr algn="ctr"/>
+            <a:endParaRPr lang="ko-KR" altLang="en-US"/>
+          </a:p>
+        </p:txBody>
+      </p:sp>
+      <p:sp>
+        <p:nvSpPr>
+          <p:cNvPr id="11" name="직사각형 10"/>
+          <p:cNvSpPr/>
+          <p:nvPr/>
+        </p:nvSpPr>
+        <p:spPr>
+          <a:xfrm>
+            <a:off x="2338755" y="3015970"/>
+            <a:ext cx="2110153" cy="245976"/>
+          </a:xfrm>
+          <a:prstGeom prst="rect">
+            <a:avLst/>
+          </a:prstGeom>
+          <a:noFill/>
+          <a:ln w="38100">
+            <a:solidFill>
+              <a:srgbClr val="00B0F0"/>
+            </a:solidFill>
+          </a:ln>
+        </p:spPr>
+        <p:style>
+          <a:lnRef idx="2">
+            <a:schemeClr val="accent1">
+              <a:shade val="50000"/>
+            </a:schemeClr>
+          </a:lnRef>
+          <a:fillRef idx="1">
+            <a:schemeClr val="accent1"/>
+          </a:fillRef>
+          <a:effectRef idx="0">
+            <a:schemeClr val="accent1"/>
+          </a:effectRef>
+          <a:fontRef idx="minor">
+            <a:schemeClr val="lt1"/>
+          </a:fontRef>
+        </p:style>
+        <p:txBody>
+          <a:bodyPr rtlCol="0" anchor="ctr"/>
+          <a:lstStyle/>
+          <a:p>
+            <a:pPr algn="ctr"/>
+            <a:endParaRPr lang="ko-KR" altLang="en-US"/>
+          </a:p>
+        </p:txBody>
+      </p:sp>
+      <p:sp>
+        <p:nvSpPr>
+          <p:cNvPr id="3" name="타원 2"/>
+          <p:cNvSpPr/>
+          <p:nvPr/>
+        </p:nvSpPr>
+        <p:spPr>
+          <a:xfrm>
+            <a:off x="2508644" y="854260"/>
+            <a:ext cx="211016" cy="209608"/>
+          </a:xfrm>
+          <a:prstGeom prst="ellipse">
+            <a:avLst/>
+          </a:prstGeom>
+          <a:solidFill>
+            <a:schemeClr val="accent1">
+              <a:lumMod val="50000"/>
+            </a:schemeClr>
+          </a:solidFill>
+          <a:ln w="28575">
+            <a:solidFill>
+              <a:srgbClr val="00B0F0"/>
+            </a:solidFill>
+          </a:ln>
+        </p:spPr>
+        <p:style>
+          <a:lnRef idx="2">
+            <a:schemeClr val="accent1">
+              <a:shade val="50000"/>
+            </a:schemeClr>
+          </a:lnRef>
+          <a:fillRef idx="1">
+            <a:schemeClr val="accent1"/>
+          </a:fillRef>
+          <a:effectRef idx="0">
+            <a:schemeClr val="accent1"/>
+          </a:effectRef>
+          <a:fontRef idx="minor">
+            <a:schemeClr val="lt1"/>
+          </a:fontRef>
+        </p:style>
+        <p:txBody>
+          <a:bodyPr rtlCol="0" anchor="ctr"/>
+          <a:lstStyle/>
+          <a:p>
+            <a:pPr algn="ctr"/>
+            <a:r>
+              <a:rPr lang="en-US" altLang="ko-KR" sz="1050" dirty="0" smtClean="0"/>
+              <a:t>1</a:t>
+            </a:r>
+            <a:endParaRPr lang="ko-KR" altLang="en-US" sz="1050" dirty="0"/>
+          </a:p>
+        </p:txBody>
+      </p:sp>
+      <p:sp>
+        <p:nvSpPr>
+          <p:cNvPr id="12" name="타원 11"/>
+          <p:cNvSpPr/>
+          <p:nvPr/>
+        </p:nvSpPr>
+        <p:spPr>
+          <a:xfrm>
+            <a:off x="1623739" y="1575230"/>
+            <a:ext cx="211016" cy="209608"/>
+          </a:xfrm>
+          <a:prstGeom prst="ellipse">
+            <a:avLst/>
+          </a:prstGeom>
+          <a:solidFill>
+            <a:schemeClr val="accent1">
+              <a:lumMod val="50000"/>
+            </a:schemeClr>
+          </a:solidFill>
+          <a:ln w="28575">
+            <a:solidFill>
+              <a:srgbClr val="00B0F0"/>
+            </a:solidFill>
+          </a:ln>
+        </p:spPr>
+        <p:style>
+          <a:lnRef idx="2">
+            <a:schemeClr val="accent1">
+              <a:shade val="50000"/>
+            </a:schemeClr>
+          </a:lnRef>
+          <a:fillRef idx="1">
+            <a:schemeClr val="accent1"/>
+          </a:fillRef>
+          <a:effectRef idx="0">
+            <a:schemeClr val="accent1"/>
+          </a:effectRef>
+          <a:fontRef idx="minor">
+            <a:schemeClr val="lt1"/>
+          </a:fontRef>
+        </p:style>
+        <p:txBody>
+          <a:bodyPr rtlCol="0" anchor="ctr"/>
+          <a:lstStyle/>
+          <a:p>
+            <a:pPr algn="ctr"/>
+            <a:r>
+              <a:rPr lang="en-US" altLang="ko-KR" sz="1050" dirty="0" smtClean="0"/>
+              <a:t>2</a:t>
+            </a:r>
+            <a:endParaRPr lang="ko-KR" altLang="en-US" sz="1050" dirty="0"/>
+          </a:p>
+        </p:txBody>
+      </p:sp>
+      <p:sp>
+        <p:nvSpPr>
+          <p:cNvPr id="13" name="타원 12"/>
+          <p:cNvSpPr/>
+          <p:nvPr/>
+        </p:nvSpPr>
+        <p:spPr>
+          <a:xfrm>
+            <a:off x="1981390" y="3015970"/>
+            <a:ext cx="211016" cy="209608"/>
+          </a:xfrm>
+          <a:prstGeom prst="ellipse">
+            <a:avLst/>
+          </a:prstGeom>
+          <a:solidFill>
+            <a:schemeClr val="accent1">
+              <a:lumMod val="50000"/>
+            </a:schemeClr>
+          </a:solidFill>
+          <a:ln w="28575">
+            <a:solidFill>
+              <a:srgbClr val="00B0F0"/>
+            </a:solidFill>
+          </a:ln>
+        </p:spPr>
+        <p:style>
+          <a:lnRef idx="2">
+            <a:schemeClr val="accent1">
+              <a:shade val="50000"/>
+            </a:schemeClr>
+          </a:lnRef>
+          <a:fillRef idx="1">
+            <a:schemeClr val="accent1"/>
+          </a:fillRef>
+          <a:effectRef idx="0">
+            <a:schemeClr val="accent1"/>
+          </a:effectRef>
+          <a:fontRef idx="minor">
+            <a:schemeClr val="lt1"/>
+          </a:fontRef>
+        </p:style>
+        <p:txBody>
+          <a:bodyPr rtlCol="0" anchor="ctr"/>
+          <a:lstStyle/>
+          <a:p>
+            <a:pPr algn="ctr"/>
+            <a:r>
+              <a:rPr lang="en-US" altLang="ko-KR" sz="1050" dirty="0" smtClean="0"/>
+              <a:t>3</a:t>
+            </a:r>
+            <a:endParaRPr lang="ko-KR" altLang="en-US" sz="1050" dirty="0"/>
+          </a:p>
+        </p:txBody>
+      </p:sp>
       <p:cxnSp>
         <p:nvCxnSpPr>
-          <p:cNvPr id="9" name="직선 화살표 연결선 8"/>
-          <p:cNvCxnSpPr/>
+          <p:cNvPr id="14" name="직선 화살표 연결선 13"/>
+          <p:cNvCxnSpPr>
+            <a:stCxn id="2" idx="3"/>
+          </p:cNvCxnSpPr>
           <p:nvPr/>
         </p:nvCxnSpPr>
         <p:spPr>
           <a:xfrm>
-            <a:off x="2751993" y="1435005"/>
-            <a:ext cx="3341076" cy="12485"/>
+            <a:off x="4806273" y="3033769"/>
+            <a:ext cx="1225250" cy="0"/>
           </a:xfrm>
           <a:prstGeom prst="straightConnector1">
             <a:avLst/>
@@ -8343,67 +8643,54 @@
       </p:cxnSp>
       <p:sp>
         <p:nvSpPr>
-          <p:cNvPr id="10" name="TextBox 9"/>
-          <p:cNvSpPr txBox="1"/>
-          <p:nvPr/>
-        </p:nvSpPr>
-        <p:spPr>
-          <a:xfrm>
-            <a:off x="6093069" y="1231414"/>
-            <a:ext cx="5882054" cy="333617"/>
+          <p:cNvPr id="15" name="직사각형 14"/>
+          <p:cNvSpPr/>
+          <p:nvPr/>
+        </p:nvSpPr>
+        <p:spPr>
+          <a:xfrm>
+            <a:off x="211015" y="854260"/>
+            <a:ext cx="4595258" cy="4359018"/>
           </a:xfrm>
           <a:prstGeom prst="rect">
             <a:avLst/>
           </a:prstGeom>
           <a:noFill/>
-        </p:spPr>
-        <p:txBody>
-          <a:bodyPr wrap="square" rtlCol="0">
-            <a:spAutoFit/>
-          </a:bodyPr>
-          <a:lstStyle/>
-          <a:p>
-            <a:pPr algn="just">
-              <a:lnSpc>
-                <a:spcPct val="150000"/>
-              </a:lnSpc>
-            </a:pPr>
-            <a:r>
-              <a:rPr lang="ko-KR" altLang="en-US" sz="1200" dirty="0" err="1" smtClean="0"/>
-              <a:t>환경변수는</a:t>
-            </a:r>
-            <a:r>
-              <a:rPr lang="ko-KR" altLang="en-US" sz="1200" dirty="0" smtClean="0"/>
-              <a:t> </a:t>
-            </a:r>
-            <a:r>
-              <a:rPr lang="en-US" altLang="ko-KR" sz="1200" dirty="0" smtClean="0"/>
-              <a:t>‘REACT_APP_</a:t>
-            </a:r>
-            <a:r>
-              <a:rPr lang="ko-KR" altLang="en-US" sz="1200" dirty="0" err="1" smtClean="0"/>
-              <a:t>환경변수명</a:t>
-            </a:r>
-            <a:r>
-              <a:rPr lang="en-US" altLang="ko-KR" sz="1200" dirty="0" smtClean="0"/>
-              <a:t>’ </a:t>
-            </a:r>
-            <a:r>
-              <a:rPr lang="ko-KR" altLang="en-US" sz="1200" dirty="0" smtClean="0"/>
-              <a:t>형식으로 추가</a:t>
-            </a:r>
-            <a:r>
-              <a:rPr lang="en-US" altLang="ko-KR" sz="1200" dirty="0" smtClean="0"/>
-              <a:t>.</a:t>
-            </a:r>
-            <a:endParaRPr lang="ko-KR" altLang="en-US" sz="1200" dirty="0"/>
+          <a:ln w="38100">
+            <a:solidFill>
+              <a:srgbClr val="00B0F0"/>
+            </a:solidFill>
+          </a:ln>
+        </p:spPr>
+        <p:style>
+          <a:lnRef idx="2">
+            <a:schemeClr val="accent1">
+              <a:shade val="50000"/>
+            </a:schemeClr>
+          </a:lnRef>
+          <a:fillRef idx="1">
+            <a:schemeClr val="accent1"/>
+          </a:fillRef>
+          <a:effectRef idx="0">
+            <a:schemeClr val="accent1"/>
+          </a:effectRef>
+          <a:fontRef idx="minor">
+            <a:schemeClr val="lt1"/>
+          </a:fontRef>
+        </p:style>
+        <p:txBody>
+          <a:bodyPr rtlCol="0" anchor="ctr"/>
+          <a:lstStyle/>
+          <a:p>
+            <a:pPr algn="ctr"/>
+            <a:endParaRPr lang="ko-KR" altLang="en-US"/>
           </a:p>
         </p:txBody>
       </p:sp>
     </p:spTree>
     <p:extLst>
       <p:ext uri="{BB962C8B-B14F-4D97-AF65-F5344CB8AC3E}">
-        <p14:creationId xmlns:p14="http://schemas.microsoft.com/office/powerpoint/2010/main" val="3402533285"/>
+        <p14:creationId xmlns:p14="http://schemas.microsoft.com/office/powerpoint/2010/main" val="963980080"/>
       </p:ext>
     </p:extLst>
   </p:cSld>
@@ -8432,7 +8719,7 @@
       </p:grpSpPr>
       <p:pic>
         <p:nvPicPr>
-          <p:cNvPr id="2" name="그림 1"/>
+          <p:cNvPr id="4" name="그림 3"/>
           <p:cNvPicPr>
             <a:picLocks noChangeAspect="1"/>
           </p:cNvPicPr>
@@ -8446,8 +8733,8 @@
         </p:blipFill>
         <p:spPr>
           <a:xfrm>
-            <a:off x="211015" y="854260"/>
-            <a:ext cx="4595258" cy="4359018"/>
+            <a:off x="226157" y="851463"/>
+            <a:ext cx="2232853" cy="457240"/>
           </a:xfrm>
           <a:prstGeom prst="rect">
             <a:avLst/>
@@ -8482,7 +8769,19 @@
             </a:r>
             <a:r>
               <a:rPr lang="ko-KR" altLang="en-US" dirty="0" smtClean="0"/>
-              <a:t>추가된 환경 변수 사용</a:t>
+              <a:t>추가된 환경 변수 확인 </a:t>
+            </a:r>
+            <a:r>
+              <a:rPr lang="en-US" altLang="ko-KR" dirty="0" smtClean="0"/>
+              <a:t>(</a:t>
+            </a:r>
+            <a:r>
+              <a:rPr lang="ko-KR" altLang="en-US" dirty="0" smtClean="0"/>
+              <a:t>개발</a:t>
+            </a:r>
+            <a:r>
+              <a:rPr lang="en-US" altLang="ko-KR" dirty="0" smtClean="0"/>
+              <a:t>)</a:t>
             </a:r>
             <a:endParaRPr lang="ko-KR" altLang="en-US" dirty="0"/>
           </a:p>
@@ -8496,8 +8795,8 @@
         </p:nvSpPr>
         <p:spPr>
           <a:xfrm>
-            <a:off x="791308" y="854260"/>
-            <a:ext cx="1591407" cy="209609"/>
+            <a:off x="1696915" y="870474"/>
+            <a:ext cx="784712" cy="193395"/>
           </a:xfrm>
           <a:prstGeom prst="rect">
             <a:avLst/>
@@ -8542,8 +8841,8 @@
         </p:nvSpPr>
         <p:spPr>
           <a:xfrm>
-            <a:off x="6093069" y="2572104"/>
-            <a:ext cx="5882054" cy="923330"/>
+            <a:off x="6180992" y="764030"/>
+            <a:ext cx="5882054" cy="333617"/>
           </a:xfrm>
           <a:prstGeom prst="rect">
             <a:avLst/>
@@ -8563,105 +8862,102 @@
             </a:pPr>
             <a:r>
               <a:rPr lang="ko-KR" altLang="en-US" sz="1200" dirty="0" smtClean="0"/>
-              <a:t>① 환경변수 불러오기 위한 </a:t>
+              <a:t>개발 환경에서 환경변수를 확인하기 위해 </a:t>
             </a:r>
             <a:r>
               <a:rPr lang="en-US" altLang="ko-KR" sz="1200" dirty="0" err="1" smtClean="0"/>
-              <a:t>dotenv</a:t>
+              <a:t>npm</a:t>
             </a:r>
             <a:r>
               <a:rPr lang="en-US" altLang="ko-KR" sz="1200" dirty="0" smtClean="0"/>
+              <a:t> start</a:t>
+            </a:r>
+            <a:r>
+              <a:rPr lang="ko-KR" altLang="en-US" sz="1200" dirty="0"/>
               <a:t> </a:t>
             </a:r>
             <a:r>
               <a:rPr lang="ko-KR" altLang="en-US" sz="1200" dirty="0" smtClean="0"/>
-              <a:t>컴포넌트 </a:t>
-            </a:r>
-            <a:r>
-              <a:rPr lang="en-US" altLang="ko-KR" sz="1200" dirty="0" smtClean="0"/>
-              <a:t>Load</a:t>
-            </a:r>
-            <a:endParaRPr lang="en-US" altLang="ko-KR" sz="1200" dirty="0"/>
-          </a:p>
-          <a:p>
-            <a:pPr algn="just">
-              <a:lnSpc>
-                <a:spcPct val="150000"/>
-              </a:lnSpc>
-            </a:pPr>
-            <a:r>
-              <a:rPr lang="ko-KR" altLang="en-US" sz="1200" dirty="0" smtClean="0"/>
-              <a:t>② </a:t>
-            </a:r>
-            <a:r>
-              <a:rPr lang="en-US" altLang="ko-KR" sz="1200" dirty="0" err="1" smtClean="0"/>
-              <a:t>dotenv.config</a:t>
-            </a:r>
-            <a:r>
-              <a:rPr lang="en-US" altLang="ko-KR" sz="1200" dirty="0" smtClean="0"/>
-              <a:t>(); &gt; </a:t>
-            </a:r>
-            <a:r>
-              <a:rPr lang="ko-KR" altLang="en-US" sz="1200" dirty="0" smtClean="0"/>
-              <a:t>환경변수 파일 </a:t>
-            </a:r>
-            <a:r>
-              <a:rPr lang="en-US" altLang="ko-KR" sz="1200" dirty="0" smtClean="0"/>
-              <a:t>Load</a:t>
-            </a:r>
-          </a:p>
-          <a:p>
-            <a:pPr algn="just">
-              <a:lnSpc>
-                <a:spcPct val="150000"/>
-              </a:lnSpc>
-            </a:pPr>
-            <a:r>
-              <a:rPr lang="ko-KR" altLang="en-US" sz="1200" dirty="0" smtClean="0"/>
-              <a:t>③ </a:t>
-            </a:r>
-            <a:r>
-              <a:rPr lang="en-US" altLang="ko-KR" sz="1200" dirty="0" err="1" smtClean="0"/>
-              <a:t>process.env</a:t>
+              <a:t>명령어를 실행하면 됨</a:t>
             </a:r>
             <a:r>
               <a:rPr lang="en-US" altLang="ko-KR" sz="1200" dirty="0" smtClean="0"/>
               <a:t>.</a:t>
             </a:r>
-            <a:r>
-              <a:rPr lang="ko-KR" altLang="en-US" sz="1200" dirty="0" err="1" smtClean="0"/>
-              <a:t>환경변수명</a:t>
-            </a:r>
-            <a:r>
-              <a:rPr lang="ko-KR" altLang="en-US" sz="1200" dirty="0" smtClean="0"/>
-              <a:t> </a:t>
-            </a:r>
-            <a:r>
-              <a:rPr lang="en-US" altLang="ko-KR" sz="1200" dirty="0" smtClean="0"/>
-              <a:t>&gt; </a:t>
-            </a:r>
-            <a:r>
-              <a:rPr lang="ko-KR" altLang="en-US" sz="1200" dirty="0" smtClean="0"/>
-              <a:t>환경변수 </a:t>
-            </a:r>
-            <a:r>
-              <a:rPr lang="en-US" altLang="ko-KR" sz="1200" dirty="0" smtClean="0"/>
-              <a:t>Load</a:t>
-            </a:r>
             <a:endParaRPr lang="ko-KR" altLang="en-US" sz="1200" dirty="0"/>
           </a:p>
         </p:txBody>
       </p:sp>
-      <p:sp>
-        <p:nvSpPr>
-          <p:cNvPr id="8" name="직사각형 7"/>
+      <p:cxnSp>
+        <p:nvCxnSpPr>
+          <p:cNvPr id="14" name="직선 화살표 연결선 13"/>
+          <p:cNvCxnSpPr/>
+          <p:nvPr/>
+        </p:nvCxnSpPr>
+        <p:spPr>
+          <a:xfrm>
+            <a:off x="2481627" y="967576"/>
+            <a:ext cx="3699365" cy="0"/>
+          </a:xfrm>
+          <a:prstGeom prst="straightConnector1">
+            <a:avLst/>
+          </a:prstGeom>
+          <a:ln w="28575">
+            <a:solidFill>
+              <a:srgbClr val="00B0F0"/>
+            </a:solidFill>
+            <a:tailEnd type="triangle"/>
+          </a:ln>
+        </p:spPr>
+        <p:style>
+          <a:lnRef idx="1">
+            <a:schemeClr val="accent1"/>
+          </a:lnRef>
+          <a:fillRef idx="0">
+            <a:schemeClr val="accent1"/>
+          </a:fillRef>
+          <a:effectRef idx="0">
+            <a:schemeClr val="accent1"/>
+          </a:effectRef>
+          <a:fontRef idx="minor">
+            <a:schemeClr val="tx1"/>
+          </a:fontRef>
+        </p:style>
+      </p:cxnSp>
+      <p:pic>
+        <p:nvPicPr>
+          <p:cNvPr id="9" name="그림 8"/>
+          <p:cNvPicPr>
+            <a:picLocks noChangeAspect="1"/>
+          </p:cNvPicPr>
+          <p:nvPr/>
+        </p:nvPicPr>
+        <p:blipFill>
+          <a:blip r:embed="rId3"/>
+          <a:stretch>
+            <a:fillRect/>
+          </a:stretch>
+        </p:blipFill>
+        <p:spPr>
+          <a:xfrm>
+            <a:off x="211015" y="1581245"/>
+            <a:ext cx="7228392" cy="3877731"/>
+          </a:xfrm>
+          <a:prstGeom prst="rect">
+            <a:avLst/>
+          </a:prstGeom>
+        </p:spPr>
+      </p:pic>
+      <p:sp>
+        <p:nvSpPr>
+          <p:cNvPr id="16" name="직사각형 15"/>
           <p:cNvSpPr/>
           <p:nvPr/>
         </p:nvSpPr>
         <p:spPr>
           <a:xfrm>
-            <a:off x="276956" y="1565031"/>
-            <a:ext cx="1226529" cy="219807"/>
+            <a:off x="226157" y="870474"/>
+            <a:ext cx="2255470" cy="430719"/>
           </a:xfrm>
           <a:prstGeom prst="rect">
             <a:avLst/>
@@ -8700,14 +8996,14 @@
       </p:sp>
       <p:sp>
         <p:nvSpPr>
-          <p:cNvPr id="11" name="직사각형 10"/>
+          <p:cNvPr id="20" name="직사각형 19"/>
           <p:cNvSpPr/>
           <p:nvPr/>
         </p:nvSpPr>
         <p:spPr>
           <a:xfrm>
-            <a:off x="2338755" y="3015970"/>
-            <a:ext cx="2110153" cy="245976"/>
+            <a:off x="2857500" y="4000500"/>
+            <a:ext cx="1925515" cy="263769"/>
           </a:xfrm>
           <a:prstGeom prst="rect">
             <a:avLst/>
@@ -8744,182 +9040,21 @@
           </a:p>
         </p:txBody>
       </p:sp>
-      <p:sp>
-        <p:nvSpPr>
-          <p:cNvPr id="3" name="타원 2"/>
-          <p:cNvSpPr/>
-          <p:nvPr/>
-        </p:nvSpPr>
-        <p:spPr>
-          <a:xfrm>
-            <a:off x="2508644" y="854260"/>
-            <a:ext cx="211016" cy="209608"/>
-          </a:xfrm>
-          <a:prstGeom prst="ellipse">
-            <a:avLst/>
-          </a:prstGeom>
-          <a:solidFill>
-            <a:schemeClr val="accent1">
-              <a:lumMod val="50000"/>
-            </a:schemeClr>
-          </a:solidFill>
-          <a:ln w="28575">
-            <a:solidFill>
-              <a:srgbClr val="00B0F0"/>
-            </a:solidFill>
-          </a:ln>
-        </p:spPr>
-        <p:style>
-          <a:lnRef idx="2">
-            <a:schemeClr val="accent1">
-              <a:shade val="50000"/>
-            </a:schemeClr>
-          </a:lnRef>
-          <a:fillRef idx="1">
-            <a:schemeClr val="accent1"/>
-          </a:fillRef>
-          <a:effectRef idx="0">
-            <a:schemeClr val="accent1"/>
-          </a:effectRef>
-          <a:fontRef idx="minor">
-            <a:schemeClr val="lt1"/>
-          </a:fontRef>
-        </p:style>
-        <p:txBody>
-          <a:bodyPr rtlCol="0" anchor="ctr"/>
-          <a:lstStyle/>
-          <a:p>
-            <a:pPr algn="ctr"/>
-            <a:r>
-              <a:rPr lang="en-US" altLang="ko-KR" sz="1050" dirty="0" smtClean="0"/>
-              <a:t>1</a:t>
-            </a:r>
-            <a:endParaRPr lang="ko-KR" altLang="en-US" sz="1050" dirty="0"/>
-          </a:p>
-        </p:txBody>
-      </p:sp>
-      <p:sp>
-        <p:nvSpPr>
-          <p:cNvPr id="12" name="타원 11"/>
-          <p:cNvSpPr/>
-          <p:nvPr/>
-        </p:nvSpPr>
-        <p:spPr>
-          <a:xfrm>
-            <a:off x="1623739" y="1575230"/>
-            <a:ext cx="211016" cy="209608"/>
-          </a:xfrm>
-          <a:prstGeom prst="ellipse">
-            <a:avLst/>
-          </a:prstGeom>
-          <a:solidFill>
-            <a:schemeClr val="accent1">
-              <a:lumMod val="50000"/>
-            </a:schemeClr>
-          </a:solidFill>
-          <a:ln w="28575">
-            <a:solidFill>
-              <a:srgbClr val="00B0F0"/>
-            </a:solidFill>
-          </a:ln>
-        </p:spPr>
-        <p:style>
-          <a:lnRef idx="2">
-            <a:schemeClr val="accent1">
-              <a:shade val="50000"/>
-            </a:schemeClr>
-          </a:lnRef>
-          <a:fillRef idx="1">
-            <a:schemeClr val="accent1"/>
-          </a:fillRef>
-          <a:effectRef idx="0">
-            <a:schemeClr val="accent1"/>
-          </a:effectRef>
-          <a:fontRef idx="minor">
-            <a:schemeClr val="lt1"/>
-          </a:fontRef>
-        </p:style>
-        <p:txBody>
-          <a:bodyPr rtlCol="0" anchor="ctr"/>
-          <a:lstStyle/>
-          <a:p>
-            <a:pPr algn="ctr"/>
-            <a:r>
-              <a:rPr lang="en-US" altLang="ko-KR" sz="1050" dirty="0" smtClean="0"/>
-              <a:t>2</a:t>
-            </a:r>
-            <a:endParaRPr lang="ko-KR" altLang="en-US" sz="1050" dirty="0"/>
-          </a:p>
-        </p:txBody>
-      </p:sp>
-      <p:sp>
-        <p:nvSpPr>
-          <p:cNvPr id="13" name="타원 12"/>
-          <p:cNvSpPr/>
-          <p:nvPr/>
-        </p:nvSpPr>
-        <p:spPr>
-          <a:xfrm>
-            <a:off x="1981390" y="3015970"/>
-            <a:ext cx="211016" cy="209608"/>
-          </a:xfrm>
-          <a:prstGeom prst="ellipse">
-            <a:avLst/>
-          </a:prstGeom>
-          <a:solidFill>
-            <a:schemeClr val="accent1">
-              <a:lumMod val="50000"/>
-            </a:schemeClr>
-          </a:solidFill>
-          <a:ln w="28575">
-            <a:solidFill>
-              <a:srgbClr val="00B0F0"/>
-            </a:solidFill>
-          </a:ln>
-        </p:spPr>
-        <p:style>
-          <a:lnRef idx="2">
-            <a:schemeClr val="accent1">
-              <a:shade val="50000"/>
-            </a:schemeClr>
-          </a:lnRef>
-          <a:fillRef idx="1">
-            <a:schemeClr val="accent1"/>
-          </a:fillRef>
-          <a:effectRef idx="0">
-            <a:schemeClr val="accent1"/>
-          </a:effectRef>
-          <a:fontRef idx="minor">
-            <a:schemeClr val="lt1"/>
-          </a:fontRef>
-        </p:style>
-        <p:txBody>
-          <a:bodyPr rtlCol="0" anchor="ctr"/>
-          <a:lstStyle/>
-          <a:p>
-            <a:pPr algn="ctr"/>
-            <a:r>
-              <a:rPr lang="en-US" altLang="ko-KR" sz="1050" dirty="0" smtClean="0"/>
-              <a:t>3</a:t>
-            </a:r>
-            <a:endParaRPr lang="ko-KR" altLang="en-US" sz="1050" dirty="0"/>
-          </a:p>
-        </p:txBody>
-      </p:sp>
       <p:cxnSp>
         <p:nvCxnSpPr>
-          <p:cNvPr id="14" name="직선 화살표 연결선 13"/>
+          <p:cNvPr id="22" name="꺾인 연결선 21"/>
           <p:cNvCxnSpPr>
-            <a:stCxn id="2" idx="3"/>
+            <a:stCxn id="16" idx="2"/>
+            <a:endCxn id="20" idx="0"/>
           </p:cNvCxnSpPr>
           <p:nvPr/>
         </p:nvCxnSpPr>
         <p:spPr>
-          <a:xfrm>
-            <a:off x="4806273" y="3033769"/>
-            <a:ext cx="1225250" cy="0"/>
-          </a:xfrm>
-          <a:prstGeom prst="straightConnector1">
+          <a:xfrm rot="16200000" flipH="1">
+            <a:off x="1237422" y="1417663"/>
+            <a:ext cx="2699307" cy="2466366"/>
+          </a:xfrm>
+          <a:prstGeom prst="bentConnector3">
             <a:avLst/>
           </a:prstGeom>
           <a:ln w="28575">
@@ -8944,56 +9079,10 @@
           </a:fontRef>
         </p:style>
       </p:cxnSp>
-      <p:sp>
-        <p:nvSpPr>
-          <p:cNvPr id="15" name="직사각형 14"/>
-          <p:cNvSpPr/>
-          <p:nvPr/>
-        </p:nvSpPr>
-        <p:spPr>
-          <a:xfrm>
-            <a:off x="211015" y="854260"/>
-            <a:ext cx="4595258" cy="4359018"/>
-          </a:xfrm>
-          <a:prstGeom prst="rect">
-            <a:avLst/>
-          </a:prstGeom>
-          <a:noFill/>
-          <a:ln w="38100">
-            <a:solidFill>
-              <a:srgbClr val="00B0F0"/>
-            </a:solidFill>
-          </a:ln>
-        </p:spPr>
-        <p:style>
-          <a:lnRef idx="2">
-            <a:schemeClr val="accent1">
-              <a:shade val="50000"/>
-            </a:schemeClr>
-          </a:lnRef>
-          <a:fillRef idx="1">
-            <a:schemeClr val="accent1"/>
-          </a:fillRef>
-          <a:effectRef idx="0">
-            <a:schemeClr val="accent1"/>
-          </a:effectRef>
-          <a:fontRef idx="minor">
-            <a:schemeClr val="lt1"/>
-          </a:fontRef>
-        </p:style>
-        <p:txBody>
-          <a:bodyPr rtlCol="0" anchor="ctr"/>
-          <a:lstStyle/>
-          <a:p>
-            <a:pPr algn="ctr"/>
-            <a:endParaRPr lang="ko-KR" altLang="en-US"/>
-          </a:p>
-        </p:txBody>
-      </p:sp>
     </p:spTree>
     <p:extLst>
       <p:ext uri="{BB962C8B-B14F-4D97-AF65-F5344CB8AC3E}">
-        <p14:creationId xmlns:p14="http://schemas.microsoft.com/office/powerpoint/2010/main" val="963980080"/>
+        <p14:creationId xmlns:p14="http://schemas.microsoft.com/office/powerpoint/2010/main" val="3985936416"/>
       </p:ext>
     </p:extLst>
   </p:cSld>
@@ -9154,398 +9243,6 @@
 </file>
 
 <file path=ppt/slides/slide30.xml><?xml version="1.0" encoding="utf-8"?>
-<p:sld xmlns:a="http://schemas.openxmlformats.org/drawingml/2006/main" xmlns:r="http://schemas.openxmlformats.org/officeDocument/2006/relationships" xmlns:p="http://schemas.openxmlformats.org/presentationml/2006/main">
-  <p:cSld>
-    <p:spTree>
-      <p:nvGrpSpPr>
-        <p:cNvPr id="1" name=""/>
-        <p:cNvGrpSpPr/>
-        <p:nvPr/>
-      </p:nvGrpSpPr>
-      <p:grpSpPr>
-        <a:xfrm>
-          <a:off x="0" y="0"/>
-          <a:ext cx="0" cy="0"/>
-          <a:chOff x="0" y="0"/>
-          <a:chExt cx="0" cy="0"/>
-        </a:xfrm>
-      </p:grpSpPr>
-      <p:pic>
-        <p:nvPicPr>
-          <p:cNvPr id="4" name="그림 3"/>
-          <p:cNvPicPr>
-            <a:picLocks noChangeAspect="1"/>
-          </p:cNvPicPr>
-          <p:nvPr/>
-        </p:nvPicPr>
-        <p:blipFill>
-          <a:blip r:embed="rId2"/>
-          <a:stretch>
-            <a:fillRect/>
-          </a:stretch>
-        </p:blipFill>
-        <p:spPr>
-          <a:xfrm>
-            <a:off x="226157" y="851463"/>
-            <a:ext cx="2232853" cy="457240"/>
-          </a:xfrm>
-          <a:prstGeom prst="rect">
-            <a:avLst/>
-          </a:prstGeom>
-        </p:spPr>
-      </p:pic>
-      <p:sp>
-        <p:nvSpPr>
-          <p:cNvPr id="5" name="TextBox 4"/>
-          <p:cNvSpPr txBox="1"/>
-          <p:nvPr/>
-        </p:nvSpPr>
-        <p:spPr>
-          <a:xfrm>
-            <a:off x="211015" y="228600"/>
-            <a:ext cx="11764108" cy="369332"/>
-          </a:xfrm>
-          <a:prstGeom prst="rect">
-            <a:avLst/>
-          </a:prstGeom>
-          <a:noFill/>
-        </p:spPr>
-        <p:txBody>
-          <a:bodyPr wrap="square" rtlCol="0">
-            <a:spAutoFit/>
-          </a:bodyPr>
-          <a:lstStyle/>
-          <a:p>
-            <a:r>
-              <a:rPr lang="en-US" altLang="ko-KR" dirty="0" smtClean="0"/>
-              <a:t>1.4. </a:t>
-            </a:r>
-            <a:r>
-              <a:rPr lang="ko-KR" altLang="en-US" dirty="0" smtClean="0"/>
-              <a:t>추가된 환경 변수 확인 </a:t>
-            </a:r>
-            <a:r>
-              <a:rPr lang="en-US" altLang="ko-KR" dirty="0" smtClean="0"/>
-              <a:t>(</a:t>
-            </a:r>
-            <a:r>
-              <a:rPr lang="ko-KR" altLang="en-US" dirty="0" smtClean="0"/>
-              <a:t>개발</a:t>
-            </a:r>
-            <a:r>
-              <a:rPr lang="en-US" altLang="ko-KR" dirty="0" smtClean="0"/>
-              <a:t>)</a:t>
-            </a:r>
-            <a:endParaRPr lang="ko-KR" altLang="en-US" dirty="0"/>
-          </a:p>
-        </p:txBody>
-      </p:sp>
-      <p:sp>
-        <p:nvSpPr>
-          <p:cNvPr id="7" name="직사각형 6"/>
-          <p:cNvSpPr/>
-          <p:nvPr/>
-        </p:nvSpPr>
-        <p:spPr>
-          <a:xfrm>
-            <a:off x="1696915" y="870474"/>
-            <a:ext cx="784712" cy="193395"/>
-          </a:xfrm>
-          <a:prstGeom prst="rect">
-            <a:avLst/>
-          </a:prstGeom>
-          <a:noFill/>
-          <a:ln w="38100">
-            <a:solidFill>
-              <a:srgbClr val="00B0F0"/>
-            </a:solidFill>
-          </a:ln>
-        </p:spPr>
-        <p:style>
-          <a:lnRef idx="2">
-            <a:schemeClr val="accent1">
-              <a:shade val="50000"/>
-            </a:schemeClr>
-          </a:lnRef>
-          <a:fillRef idx="1">
-            <a:schemeClr val="accent1"/>
-          </a:fillRef>
-          <a:effectRef idx="0">
-            <a:schemeClr val="accent1"/>
-          </a:effectRef>
-          <a:fontRef idx="minor">
-            <a:schemeClr val="lt1"/>
-          </a:fontRef>
-        </p:style>
-        <p:txBody>
-          <a:bodyPr rtlCol="0" anchor="ctr"/>
-          <a:lstStyle/>
-          <a:p>
-            <a:pPr algn="ctr"/>
-            <a:endParaRPr lang="ko-KR" altLang="en-US"/>
-          </a:p>
-        </p:txBody>
-      </p:sp>
-      <p:sp>
-        <p:nvSpPr>
-          <p:cNvPr id="10" name="TextBox 9"/>
-          <p:cNvSpPr txBox="1"/>
-          <p:nvPr/>
-        </p:nvSpPr>
-        <p:spPr>
-          <a:xfrm>
-            <a:off x="6180992" y="764030"/>
-            <a:ext cx="5882054" cy="333617"/>
-          </a:xfrm>
-          <a:prstGeom prst="rect">
-            <a:avLst/>
-          </a:prstGeom>
-          <a:noFill/>
-        </p:spPr>
-        <p:txBody>
-          <a:bodyPr wrap="square" rtlCol="0">
-            <a:spAutoFit/>
-          </a:bodyPr>
-          <a:lstStyle/>
-          <a:p>
-            <a:pPr algn="just">
-              <a:lnSpc>
-                <a:spcPct val="150000"/>
-              </a:lnSpc>
-            </a:pPr>
-            <a:r>
-              <a:rPr lang="ko-KR" altLang="en-US" sz="1200" dirty="0" smtClean="0"/>
-              <a:t>개발 환경에서 환경변수를 확인하기 위해 </a:t>
-            </a:r>
-            <a:r>
-              <a:rPr lang="en-US" altLang="ko-KR" sz="1200" dirty="0" err="1" smtClean="0"/>
-              <a:t>npm</a:t>
-            </a:r>
-            <a:r>
-              <a:rPr lang="en-US" altLang="ko-KR" sz="1200" dirty="0" smtClean="0"/>
-              <a:t> start</a:t>
-            </a:r>
-            <a:r>
-              <a:rPr lang="ko-KR" altLang="en-US" sz="1200" dirty="0"/>
-              <a:t> </a:t>
-            </a:r>
-            <a:r>
-              <a:rPr lang="ko-KR" altLang="en-US" sz="1200" dirty="0" smtClean="0"/>
-              <a:t>명령어를 실행하면 됨</a:t>
-            </a:r>
-            <a:r>
-              <a:rPr lang="en-US" altLang="ko-KR" sz="1200" dirty="0" smtClean="0"/>
-              <a:t>.</a:t>
-            </a:r>
-            <a:endParaRPr lang="ko-KR" altLang="en-US" sz="1200" dirty="0"/>
-          </a:p>
-        </p:txBody>
-      </p:sp>
-      <p:cxnSp>
-        <p:nvCxnSpPr>
-          <p:cNvPr id="14" name="직선 화살표 연결선 13"/>
-          <p:cNvCxnSpPr/>
-          <p:nvPr/>
-        </p:nvCxnSpPr>
-        <p:spPr>
-          <a:xfrm>
-            <a:off x="2481627" y="967576"/>
-            <a:ext cx="3699365" cy="0"/>
-          </a:xfrm>
-          <a:prstGeom prst="straightConnector1">
-            <a:avLst/>
-          </a:prstGeom>
-          <a:ln w="28575">
-            <a:solidFill>
-              <a:srgbClr val="00B0F0"/>
-            </a:solidFill>
-            <a:tailEnd type="triangle"/>
-          </a:ln>
-        </p:spPr>
-        <p:style>
-          <a:lnRef idx="1">
-            <a:schemeClr val="accent1"/>
-          </a:lnRef>
-          <a:fillRef idx="0">
-            <a:schemeClr val="accent1"/>
-          </a:fillRef>
-          <a:effectRef idx="0">
-            <a:schemeClr val="accent1"/>
-          </a:effectRef>
-          <a:fontRef idx="minor">
-            <a:schemeClr val="tx1"/>
-          </a:fontRef>
-        </p:style>
-      </p:cxnSp>
-      <p:pic>
-        <p:nvPicPr>
-          <p:cNvPr id="9" name="그림 8"/>
-          <p:cNvPicPr>
-            <a:picLocks noChangeAspect="1"/>
-          </p:cNvPicPr>
-          <p:nvPr/>
-        </p:nvPicPr>
-        <p:blipFill>
-          <a:blip r:embed="rId3"/>
-          <a:stretch>
-            <a:fillRect/>
-          </a:stretch>
-        </p:blipFill>
-        <p:spPr>
-          <a:xfrm>
-            <a:off x="211015" y="1581245"/>
-            <a:ext cx="7228392" cy="3877731"/>
-          </a:xfrm>
-          <a:prstGeom prst="rect">
-            <a:avLst/>
-          </a:prstGeom>
-        </p:spPr>
-      </p:pic>
-      <p:sp>
-        <p:nvSpPr>
-          <p:cNvPr id="16" name="직사각형 15"/>
-          <p:cNvSpPr/>
-          <p:nvPr/>
-        </p:nvSpPr>
-        <p:spPr>
-          <a:xfrm>
-            <a:off x="226157" y="870474"/>
-            <a:ext cx="2255470" cy="430719"/>
-          </a:xfrm>
-          <a:prstGeom prst="rect">
-            <a:avLst/>
-          </a:prstGeom>
-          <a:noFill/>
-          <a:ln w="38100">
-            <a:solidFill>
-              <a:srgbClr val="00B0F0"/>
-            </a:solidFill>
-          </a:ln>
-        </p:spPr>
-        <p:style>
-          <a:lnRef idx="2">
-            <a:schemeClr val="accent1">
-              <a:shade val="50000"/>
-            </a:schemeClr>
-          </a:lnRef>
-          <a:fillRef idx="1">
-            <a:schemeClr val="accent1"/>
-          </a:fillRef>
-          <a:effectRef idx="0">
-            <a:schemeClr val="accent1"/>
-          </a:effectRef>
-          <a:fontRef idx="minor">
-            <a:schemeClr val="lt1"/>
-          </a:fontRef>
-        </p:style>
-        <p:txBody>
-          <a:bodyPr rtlCol="0" anchor="ctr"/>
-          <a:lstStyle/>
-          <a:p>
-            <a:pPr algn="ctr"/>
-            <a:endParaRPr lang="ko-KR" altLang="en-US"/>
-          </a:p>
-        </p:txBody>
-      </p:sp>
-      <p:sp>
-        <p:nvSpPr>
-          <p:cNvPr id="20" name="직사각형 19"/>
-          <p:cNvSpPr/>
-          <p:nvPr/>
-        </p:nvSpPr>
-        <p:spPr>
-          <a:xfrm>
-            <a:off x="2857500" y="4000500"/>
-            <a:ext cx="1925515" cy="263769"/>
-          </a:xfrm>
-          <a:prstGeom prst="rect">
-            <a:avLst/>
-          </a:prstGeom>
-          <a:noFill/>
-          <a:ln w="38100">
-            <a:solidFill>
-              <a:srgbClr val="00B0F0"/>
-            </a:solidFill>
-          </a:ln>
-        </p:spPr>
-        <p:style>
-          <a:lnRef idx="2">
-            <a:schemeClr val="accent1">
-              <a:shade val="50000"/>
-            </a:schemeClr>
-          </a:lnRef>
-          <a:fillRef idx="1">
-            <a:schemeClr val="accent1"/>
-          </a:fillRef>
-          <a:effectRef idx="0">
-            <a:schemeClr val="accent1"/>
-          </a:effectRef>
-          <a:fontRef idx="minor">
-            <a:schemeClr val="lt1"/>
-          </a:fontRef>
-        </p:style>
-        <p:txBody>
-          <a:bodyPr rtlCol="0" anchor="ctr"/>
-          <a:lstStyle/>
-          <a:p>
-            <a:pPr algn="ctr"/>
-            <a:endParaRPr lang="ko-KR" altLang="en-US"/>
-          </a:p>
-        </p:txBody>
-      </p:sp>
-      <p:cxnSp>
-        <p:nvCxnSpPr>
-          <p:cNvPr id="22" name="꺾인 연결선 21"/>
-          <p:cNvCxnSpPr>
-            <a:stCxn id="16" idx="2"/>
-            <a:endCxn id="20" idx="0"/>
-          </p:cNvCxnSpPr>
-          <p:nvPr/>
-        </p:nvCxnSpPr>
-        <p:spPr>
-          <a:xfrm rot="16200000" flipH="1">
-            <a:off x="1237422" y="1417663"/>
-            <a:ext cx="2699307" cy="2466366"/>
-          </a:xfrm>
-          <a:prstGeom prst="bentConnector3">
-            <a:avLst/>
-          </a:prstGeom>
-          <a:ln w="28575">
-            <a:solidFill>
-              <a:srgbClr val="00B0F0"/>
-            </a:solidFill>
-            <a:tailEnd type="triangle"/>
-          </a:ln>
-        </p:spPr>
-        <p:style>
-          <a:lnRef idx="1">
-            <a:schemeClr val="accent1"/>
-          </a:lnRef>
-          <a:fillRef idx="0">
-            <a:schemeClr val="accent1"/>
-          </a:fillRef>
-          <a:effectRef idx="0">
-            <a:schemeClr val="accent1"/>
-          </a:effectRef>
-          <a:fontRef idx="minor">
-            <a:schemeClr val="tx1"/>
-          </a:fontRef>
-        </p:style>
-      </p:cxnSp>
-    </p:spTree>
-    <p:extLst>
-      <p:ext uri="{BB962C8B-B14F-4D97-AF65-F5344CB8AC3E}">
-        <p14:creationId xmlns:p14="http://schemas.microsoft.com/office/powerpoint/2010/main" val="3985936416"/>
-      </p:ext>
-    </p:extLst>
-  </p:cSld>
-  <p:clrMapOvr>
-    <a:masterClrMapping/>
-  </p:clrMapOvr>
-</p:sld>
-</file>
-
-<file path=ppt/slides/slide31.xml><?xml version="1.0" encoding="utf-8"?>
 <p:sld xmlns:a="http://schemas.openxmlformats.org/drawingml/2006/main" xmlns:r="http://schemas.openxmlformats.org/officeDocument/2006/relationships" xmlns:p="http://schemas.openxmlformats.org/presentationml/2006/main">
   <p:cSld>
     <p:spTree>
@@ -11133,11 +10830,7 @@
             </a:r>
             <a:r>
               <a:rPr lang="en-US" altLang="ko-KR" sz="2400" b="1" dirty="0" smtClean="0"/>
-              <a:t>.1</a:t>
-            </a:r>
-            <a:r>
-              <a:rPr lang="en-US" altLang="ko-KR" sz="2400" b="1" dirty="0" smtClean="0"/>
-              <a:t>. </a:t>
+              <a:t>.1. </a:t>
             </a:r>
             <a:r>
               <a:rPr lang="ko-KR" altLang="en-US" sz="2400" b="1" dirty="0" err="1" smtClean="0"/>
@@ -11482,11 +11175,7 @@
           <a:p>
             <a:r>
               <a:rPr lang="en-US" altLang="ko-KR" sz="2400" b="1" dirty="0" smtClean="0"/>
-              <a:t>1.2</a:t>
-            </a:r>
-            <a:r>
-              <a:rPr lang="en-US" altLang="ko-KR" sz="2400" b="1" dirty="0" smtClean="0"/>
-              <a:t>. </a:t>
+              <a:t>1.2. </a:t>
             </a:r>
             <a:r>
               <a:rPr lang="ko-KR" altLang="en-US" sz="2400" b="1" dirty="0" smtClean="0"/>
